--- a/slides/07新・新貿易理論.pptx
+++ b/slides/07新・新貿易理論.pptx
@@ -196,6 +196,174 @@
           <inkml:channelProperty channel="Y" name="resolution" value="1000" units="1/cm"/>
         </inkml:channelProperties>
       </inkml:inkSource>
+      <inkml:timestamp xml:id="ts0" timeString="2023-11-14T04:30:42.340"/>
+    </inkml:context>
+    <inkml:brush xml:id="br0">
+      <inkml:brushProperty name="width" value="0.4" units="cm"/>
+      <inkml:brushProperty name="height" value="0.8" units="cm"/>
+      <inkml:brushProperty name="color" value="#FFFC00"/>
+      <inkml:brushProperty name="tip" value="rectangle"/>
+      <inkml:brushProperty name="rasterOp" value="maskPen"/>
+    </inkml:brush>
+  </inkml:definitions>
+  <inkml:trace contextRef="#ctx0" brushRef="#br0">1 1,'64'0,"1"0,6 0,3 0,2 0,4 0,-11 0,5 0,2 0,13 0,3 0,1 0,-17 0,0 0,1 0,0 0,-1 0,0 0,0 0,0 0,21 0,0 1,-2 1,-11 0,-1 1,-2 1,-6 0,-1 0,-2 1,26 3,-4 1,-17-1,-3-1,-5-2,-2 0,-8-2,-1 1,-4-2,-1 0,45 1,-10 2,-12 0,-11 2,-9 0,-6-1,-5-1,-5-2,0-1,-1 0,1 0,-2 0,2 1,2 0,-2 1,2 0,0-1,1-2,5-1,1 0,4 3,5-1,3 1,1 0,-5 0,-7-1,-6 0,-4-2,-4 0,-3 0,-7 0,-5 0,-2 2,2 1,2 1,9-1,-5 1,-4-2,-6 1</inkml:trace>
+</inkml:ink>
+</file>
+
+<file path=ppt/ink/ink11.xml><?xml version="1.0" encoding="utf-8"?>
+<inkml:ink xmlns:inkml="http://www.w3.org/2003/InkML">
+  <inkml:definitions>
+    <inkml:context xml:id="ctx0">
+      <inkml:inkSource xml:id="inkSrc0">
+        <inkml:traceFormat>
+          <inkml:channel name="X" type="integer" min="-2.14748E9" max="2.14748E9" units="cm"/>
+          <inkml:channel name="Y" type="integer" min="-2.14748E9" max="2.14748E9" units="cm"/>
+        </inkml:traceFormat>
+        <inkml:channelProperties>
+          <inkml:channelProperty channel="X" name="resolution" value="1000" units="1/cm"/>
+          <inkml:channelProperty channel="Y" name="resolution" value="1000" units="1/cm"/>
+        </inkml:channelProperties>
+      </inkml:inkSource>
+      <inkml:timestamp xml:id="ts0" timeString="2023-11-14T04:30:45.826"/>
+    </inkml:context>
+    <inkml:brush xml:id="br0">
+      <inkml:brushProperty name="width" value="0.4" units="cm"/>
+      <inkml:brushProperty name="height" value="0.8" units="cm"/>
+      <inkml:brushProperty name="color" value="#FFFC00"/>
+      <inkml:brushProperty name="tip" value="rectangle"/>
+      <inkml:brushProperty name="rasterOp" value="maskPen"/>
+    </inkml:brush>
+  </inkml:definitions>
+  <inkml:trace contextRef="#ctx0" brushRef="#br0">1 1,'80'0,"1"0,10 0,2 0,-26 0,1 0,1 0,6 1,0 0,1 1,1 1,0 1,-1 1,-3-1,-2 2,0 0,-3 0,0 1,-2 0,29 2,-2 0,-5-3,-1 0,-5-1,-1 1,-3 0,-1 0,-1 0,0 1,-1 1,0 1,-2-1,-1 0,-4-1,-1-1,-3 1,-1 0,-3-1,-1 0,-2 0,0 0,1 0,1 0,0-1,1 0,0 0,1-1,-4 0,0-1,-5 0,-1 0,42 5,-6-2,0 2,-1-2,-1-1,-10-1,-12 0,-12 0,-11-2,-4 1,-2 0,3-1,5 0,1-2,2 0,-1 0,0 0,0 0,1 0,0 0,-2 0,-4 0,-4 0,-4 0,0 0,-2 0,0 0,-3 1,-5 1,-1 0,5 0,-3-2,3 0,-7 0,4 0,-7-15,5-4</inkml:trace>
+</inkml:ink>
+</file>
+
+<file path=ppt/ink/ink12.xml><?xml version="1.0" encoding="utf-8"?>
+<inkml:ink xmlns:inkml="http://www.w3.org/2003/InkML">
+  <inkml:definitions>
+    <inkml:context xml:id="ctx0">
+      <inkml:inkSource xml:id="inkSrc0">
+        <inkml:traceFormat>
+          <inkml:channel name="X" type="integer" min="-2.14748E9" max="2.14748E9" units="cm"/>
+          <inkml:channel name="Y" type="integer" min="-2.14748E9" max="2.14748E9" units="cm"/>
+        </inkml:traceFormat>
+        <inkml:channelProperties>
+          <inkml:channelProperty channel="X" name="resolution" value="1000" units="1/cm"/>
+          <inkml:channelProperty channel="Y" name="resolution" value="1000" units="1/cm"/>
+        </inkml:channelProperties>
+      </inkml:inkSource>
+      <inkml:timestamp xml:id="ts0" timeString="2024-05-27T06:32:28.288"/>
+    </inkml:context>
+    <inkml:brush xml:id="br0">
+      <inkml:brushProperty name="width" value="0.4" units="cm"/>
+      <inkml:brushProperty name="height" value="0.8" units="cm"/>
+      <inkml:brushProperty name="color" value="#FFACD5"/>
+      <inkml:brushProperty name="tip" value="rectangle"/>
+      <inkml:brushProperty name="rasterOp" value="maskPen"/>
+    </inkml:brush>
+  </inkml:definitions>
+  <inkml:trace contextRef="#ctx0" brushRef="#br0">1 1,'76'0,"1"0,0 0,-4 0,-2 0,-1 0,24 0,-2 0,-6 0,-2 0,-4 0,-2 0,-2 0,-1 0,-2 0,0 0,-4 0,-1 0,-2 0,-1 0,-5 0,-1 0,-4 0,-1 1,42 2,-5 0,-9 0,-12-2,-11-1,-19 0,-6 0,9 0,30 0,-20 0,6 0,13 0,4 0,9 0,1 0,-1 0,-1 0,-3 0,0 0,-6 0,0 0,-3 0,1 0,3 0,0 0,1 0,-1 0,1 0,-1 0,-2 0,-1 0,-3 0,-2 0,-3 0,0 0,-5 0,-1 0,-3 0,-1 0,-3 0,-2 0,37 0,-16 0,-18 0,1 0,23 0,-23 0,5 0,16 0,5 0,3 0,1 0,-8 0,-4 0,-14 0,-6 0,17 0,-20 0,5 3,19 3,6 0,-9 0,-21-1,-25-1,-13 1,-8 0</inkml:trace>
+</inkml:ink>
+</file>
+
+<file path=ppt/ink/ink13.xml><?xml version="1.0" encoding="utf-8"?>
+<inkml:ink xmlns:inkml="http://www.w3.org/2003/InkML">
+  <inkml:definitions>
+    <inkml:context xml:id="ctx0">
+      <inkml:inkSource xml:id="inkSrc0">
+        <inkml:traceFormat>
+          <inkml:channel name="X" type="integer" min="-2.14748E9" max="2.14748E9" units="cm"/>
+          <inkml:channel name="Y" type="integer" min="-2.14748E9" max="2.14748E9" units="cm"/>
+        </inkml:traceFormat>
+        <inkml:channelProperties>
+          <inkml:channelProperty channel="X" name="resolution" value="1000" units="1/cm"/>
+          <inkml:channelProperty channel="Y" name="resolution" value="1000" units="1/cm"/>
+        </inkml:channelProperties>
+      </inkml:inkSource>
+      <inkml:timestamp xml:id="ts0" timeString="2023-11-14T04:45:43.738"/>
+    </inkml:context>
+    <inkml:brush xml:id="br0">
+      <inkml:brushProperty name="width" value="0.4" units="cm"/>
+      <inkml:brushProperty name="height" value="0.8" units="cm"/>
+      <inkml:brushProperty name="color" value="#FFFC00"/>
+      <inkml:brushProperty name="tip" value="rectangle"/>
+      <inkml:brushProperty name="rasterOp" value="maskPen"/>
+    </inkml:brush>
+  </inkml:definitions>
+  <inkml:trace contextRef="#ctx0" brushRef="#br0">0 19,'83'0,"0"0,13 0,4 0,-22 0,2 0,2 0,12 0,2 0,2 0,-21 0,1 0,2 0,-1 0,5 0,0 0,1 0,1 0,1 0,1 0,0 0,-2 0,-4 0,0 0,-1 0,-2 0,21 0,-2 0,-3 0,-10 0,-1 0,-3 0,-7 0,-1 0,-2 0,29 0,-2 0,-4 0,-1 0,-2 0,-1 0,-6 0,-1 0,-7 0,-3 0,-9 0,-3 0,-8 0,-3 0,39 0,-4 0,-3 0,-3 0,-7-4,-8-1,-6 0,-3 1,-1 4,-4 0,-2 0,-1 0,-5 0,-2 0,-6 0,-3 0,0 0,-1 0,-1 0,-6 0,-4 0,3 0,1 0,16 0,16 0,8 0,-6 0,-15 0,-21 0,-8 0</inkml:trace>
+</inkml:ink>
+</file>
+
+<file path=ppt/ink/ink14.xml><?xml version="1.0" encoding="utf-8"?>
+<inkml:ink xmlns:inkml="http://www.w3.org/2003/InkML">
+  <inkml:definitions>
+    <inkml:context xml:id="ctx0">
+      <inkml:inkSource xml:id="inkSrc0">
+        <inkml:traceFormat>
+          <inkml:channel name="X" type="integer" min="-2.14748E9" max="2.14748E9" units="cm"/>
+          <inkml:channel name="Y" type="integer" min="-2.14748E9" max="2.14748E9" units="cm"/>
+        </inkml:traceFormat>
+        <inkml:channelProperties>
+          <inkml:channelProperty channel="X" name="resolution" value="1000" units="1/cm"/>
+          <inkml:channelProperty channel="Y" name="resolution" value="1000" units="1/cm"/>
+        </inkml:channelProperties>
+      </inkml:inkSource>
+      <inkml:timestamp xml:id="ts0" timeString="2023-11-14T04:45:53.589"/>
+    </inkml:context>
+    <inkml:brush xml:id="br0">
+      <inkml:brushProperty name="width" value="0.4" units="cm"/>
+      <inkml:brushProperty name="height" value="0.8" units="cm"/>
+      <inkml:brushProperty name="color" value="#FFFC00"/>
+      <inkml:brushProperty name="tip" value="rectangle"/>
+      <inkml:brushProperty name="rasterOp" value="maskPen"/>
+    </inkml:brush>
+  </inkml:definitions>
+  <inkml:trace contextRef="#ctx0" brushRef="#br0">1 1,'93'0,"6"0,-49 0,2 0,4 0,3 0,4 0,2 0,3 0,1 0,6 0,1 0,3 0,0 0,0 0,-1 0,-5-1,-1 2,-7 0,-3 2,-7 0,-3 0,38 5,-15 0,-11-3,-6 0,-7 0,-2 1,1 0,0 2,0 0,-1-2,-1 0,4 0,2 0,4 0,4 1,8-2,12 1,11-1,5 0,-3 3,-9 1,-12 0,-13-1,-13-2,-13 0,-11-2,-11 0,14 4,35 2,-6-1,10 1,-1-2,6 0,3 1,19 2,4 1,4 0,-19-2,3 0,1 0,1 1,5 0,1 2,1-1,-2 1,-4-1,0 1,-1 0,-1 0,-7 0,-1 0,-2 0,0 0,15 3,-1 1,-4-1,-11-1,-2 0,-3-1,23 5,-4-1,-9-3,-3-1,-12-4,-3-1,-9-4,-2-1,30-1,-22-3,-18 0,-15 0,-7 0,-1 0,7 0,7 0,2 0,-4 0,-9 0,-5 0,16-11,5-2,27-13,4 1,3 2,-7 3,-12 3,-12 7,-12 4,-9 1,8 1,6-2,20-5,8 2,0-1,-13 3,-14 4,-14 1,2-2,2 1,16-5,4 4,4-1,-4 0,-8 2,-10 1,-10 2,5 3,-2 1</inkml:trace>
+</inkml:ink>
+</file>
+
+<file path=ppt/ink/ink15.xml><?xml version="1.0" encoding="utf-8"?>
+<inkml:ink xmlns:inkml="http://www.w3.org/2003/InkML">
+  <inkml:definitions>
+    <inkml:context xml:id="ctx0">
+      <inkml:inkSource xml:id="inkSrc0">
+        <inkml:traceFormat>
+          <inkml:channel name="X" type="integer" min="-2.14748E9" max="2.14748E9" units="cm"/>
+          <inkml:channel name="Y" type="integer" min="-2.14748E9" max="2.14748E9" units="cm"/>
+        </inkml:traceFormat>
+        <inkml:channelProperties>
+          <inkml:channelProperty channel="X" name="resolution" value="1000" units="1/cm"/>
+          <inkml:channelProperty channel="Y" name="resolution" value="1000" units="1/cm"/>
+        </inkml:channelProperties>
+      </inkml:inkSource>
+      <inkml:timestamp xml:id="ts0" timeString="2023-11-14T04:45:56.204"/>
+    </inkml:context>
+    <inkml:brush xml:id="br0">
+      <inkml:brushProperty name="width" value="0.4" units="cm"/>
+      <inkml:brushProperty name="height" value="0.8" units="cm"/>
+      <inkml:brushProperty name="color" value="#FFFC00"/>
+      <inkml:brushProperty name="tip" value="rectangle"/>
+      <inkml:brushProperty name="rasterOp" value="maskPen"/>
+    </inkml:brush>
+  </inkml:definitions>
+  <inkml:trace contextRef="#ctx0" brushRef="#br0">0 179,'89'0,"0"0,0 0,8 0,6 0,-26 0,4 0,4 0,1 0,1 0,-3 0,2 0,2 0,1 0,1 0,-1 0,3 0,1 0,1 0,0 0,0 0,-1 0,1 0,-1 0,1 0,-1 0,1 0,-1 0,0 0,1 0,-1 0,1 0,-2 0,0 0,-5 0,-1 0,0 0,-1 0,-1 0,0 0,9 0,-1 0,-1 0,-2 0,-1 0,9 0,-2 0,-1 0,-3 0,-10 0,-1 0,-2 0,-2 0,18 0,-2 0,-2 0,-6 0,-2 0,-1 0,-3 0,0 0,-3 0,-6-2,-1 0,-2 0,26-2,-2 0,-7 0,-1-2,-4 1,-1 1,-4 1,-1 0,-2-2,1-1,1 1,0-1,3 0,1 0,3 2,0 0,3 2,0 1,-1 0,0 0,-2 0,-1 0,-3-2,-1 0,-3 0,-1 0,-3-3,-2 1,-2-1,-1-1,1 1,0 0,-1-1,0 0,0 2,-1 0,-1 1,-2 0,0 1,-1 0,-1 1,-1 1,1 0,-1 1,-1 1,-1 0,-1 1,-2 1,44 5,-11 2,-1 0,-3-1,6-1,7 2,-38-5,2 1,6 0,1 0,6 0,1-2,3 0,0-1,-1-3,0-1,-2-4,-2-1,-7-2,-2-2,39-9,-31 4,-19 8,-15 6,-10 1,-8 0,-3 0</inkml:trace>
+</inkml:ink>
+</file>
+
+<file path=ppt/ink/ink16.xml><?xml version="1.0" encoding="utf-8"?>
+<inkml:ink xmlns:inkml="http://www.w3.org/2003/InkML">
+  <inkml:definitions>
+    <inkml:context xml:id="ctx0">
+      <inkml:inkSource xml:id="inkSrc0">
+        <inkml:traceFormat>
+          <inkml:channel name="X" type="integer" min="-2.14748E9" max="2.14748E9" units="cm"/>
+          <inkml:channel name="Y" type="integer" min="-2.14748E9" max="2.14748E9" units="cm"/>
+        </inkml:traceFormat>
+        <inkml:channelProperties>
+          <inkml:channelProperty channel="X" name="resolution" value="1000" units="1/cm"/>
+          <inkml:channelProperty channel="Y" name="resolution" value="1000" units="1/cm"/>
+        </inkml:channelProperties>
+      </inkml:inkSource>
       <inkml:timestamp xml:id="ts0" timeString="2023-11-14T04:45:57.154"/>
     </inkml:context>
     <inkml:brush xml:id="br0">
@@ -210,7 +378,7 @@
 </inkml:ink>
 </file>
 
-<file path=ppt/ink/ink11.xml><?xml version="1.0" encoding="utf-8"?>
+<file path=ppt/ink/ink17.xml><?xml version="1.0" encoding="utf-8"?>
 <inkml:ink xmlns:inkml="http://www.w3.org/2003/InkML">
   <inkml:definitions>
     <inkml:context xml:id="ctx0">
@@ -238,7 +406,7 @@
 </inkml:ink>
 </file>
 
-<file path=ppt/ink/ink12.xml><?xml version="1.0" encoding="utf-8"?>
+<file path=ppt/ink/ink18.xml><?xml version="1.0" encoding="utf-8"?>
 <inkml:ink xmlns:inkml="http://www.w3.org/2003/InkML">
   <inkml:definitions>
     <inkml:context xml:id="ctx0">
@@ -266,7 +434,7 @@
 </inkml:ink>
 </file>
 
-<file path=ppt/ink/ink13.xml><?xml version="1.0" encoding="utf-8"?>
+<file path=ppt/ink/ink19.xml><?xml version="1.0" encoding="utf-8"?>
 <inkml:ink xmlns:inkml="http://www.w3.org/2003/InkML">
   <inkml:definitions>
     <inkml:context xml:id="ctx0">
@@ -291,118 +459,6 @@
     </inkml:brush>
   </inkml:definitions>
   <inkml:trace contextRef="#ctx0" brushRef="#br0">1 25,'75'0,"1"0,1 0,1 0,-4 0,1 0,2 0,-1 0,-4 0,-2 0,-6 0,-3 0,-8 0,-3 0,35 0,-13 0,-6 0,-9 0,-8 0,-10-4,-10-1,-7 1,-3 0,5 4,-6 0,11 0,-13 0,5 0,9 0,-3 0,10 0,-13-1,-4-1,-6-2</inkml:trace>
-</inkml:ink>
-</file>
-
-<file path=ppt/ink/ink14.xml><?xml version="1.0" encoding="utf-8"?>
-<inkml:ink xmlns:inkml="http://www.w3.org/2003/InkML">
-  <inkml:definitions>
-    <inkml:context xml:id="ctx0">
-      <inkml:inkSource xml:id="inkSrc0">
-        <inkml:traceFormat>
-          <inkml:channel name="X" type="integer" min="-2.14748E9" max="2.14748E9" units="cm"/>
-          <inkml:channel name="Y" type="integer" min="-2.14748E9" max="2.14748E9" units="cm"/>
-        </inkml:traceFormat>
-        <inkml:channelProperties>
-          <inkml:channelProperty channel="X" name="resolution" value="1000" units="1/cm"/>
-          <inkml:channelProperty channel="Y" name="resolution" value="1000" units="1/cm"/>
-        </inkml:channelProperties>
-      </inkml:inkSource>
-      <inkml:timestamp xml:id="ts0" timeString="2023-11-14T04:47:14.135"/>
-    </inkml:context>
-    <inkml:brush xml:id="br0">
-      <inkml:brushProperty name="width" value="0.4" units="cm"/>
-      <inkml:brushProperty name="height" value="0.8" units="cm"/>
-      <inkml:brushProperty name="color" value="#FFFC00"/>
-      <inkml:brushProperty name="tip" value="rectangle"/>
-      <inkml:brushProperty name="rasterOp" value="maskPen"/>
-    </inkml:brush>
-  </inkml:definitions>
-  <inkml:trace contextRef="#ctx0" brushRef="#br0">1 0,'92'2,"1"-1,-1 0,-7 0,2 0,3-1,4 1,-3-1,3 0,4 0,1 0,3 0,-19 0,1 0,2 0,1 0,1 0,0 0,0 0,2 0,1 0,1-1,0 1,0 0,0 0,-1 1,2-1,-1 1,0 0,1 0,-1 0,-1 0,1 1,-4-1,1 1,-1 0,0 1,-1-1,1 0,-1 1,13 0,-1 1,0-1,0 1,0 0,0 0,-13-1,1 0,-1 0,0 0,1 0,-2 0,0-1,11 1,0-1,0 1,-2-2,0 1,-2 0,-5-1,-1 0,-1 0,-1-1,-2 1,0-1,5 1,0-1,-3 0,-1-1,-3 1,7 0,-2 0,-3 0,-3 0,10 0,-5 0,-2 0,20 0,-5 0,-16 0,-5 0,-11 1,-3 1,-8 0,-2 1,46 5,-47-4,0 1,3-1,0 0,3-1,1-1,-1 0,0-1,-3 0,-1-1,45 0,-4 0,0 0,1 0,-2 0,-8 0,-6 0,-6 0,-4-2,0-1,0-2,2 0,3 0,1-1,0 1,0 1,-3-1,5 0,0 0,-4-2,-7 0,-15 1,-14 2,-13 2,-11 1,-3-1</inkml:trace>
-</inkml:ink>
-</file>
-
-<file path=ppt/ink/ink15.xml><?xml version="1.0" encoding="utf-8"?>
-<inkml:ink xmlns:inkml="http://www.w3.org/2003/InkML">
-  <inkml:definitions>
-    <inkml:context xml:id="ctx0">
-      <inkml:inkSource xml:id="inkSrc0">
-        <inkml:traceFormat>
-          <inkml:channel name="X" type="integer" min="-2.14748E9" max="2.14748E9" units="cm"/>
-          <inkml:channel name="Y" type="integer" min="-2.14748E9" max="2.14748E9" units="cm"/>
-        </inkml:traceFormat>
-        <inkml:channelProperties>
-          <inkml:channelProperty channel="X" name="resolution" value="1000" units="1/cm"/>
-          <inkml:channelProperty channel="Y" name="resolution" value="1000" units="1/cm"/>
-        </inkml:channelProperties>
-      </inkml:inkSource>
-      <inkml:timestamp xml:id="ts0" timeString="2023-11-14T04:47:37.234"/>
-    </inkml:context>
-    <inkml:brush xml:id="br0">
-      <inkml:brushProperty name="width" value="0.4" units="cm"/>
-      <inkml:brushProperty name="height" value="0.8" units="cm"/>
-      <inkml:brushProperty name="color" value="#FFFC00"/>
-      <inkml:brushProperty name="tip" value="rectangle"/>
-      <inkml:brushProperty name="rasterOp" value="maskPen"/>
-    </inkml:brush>
-  </inkml:definitions>
-  <inkml:trace contextRef="#ctx0" brushRef="#br0">0 1,'0'0</inkml:trace>
-</inkml:ink>
-</file>
-
-<file path=ppt/ink/ink16.xml><?xml version="1.0" encoding="utf-8"?>
-<inkml:ink xmlns:inkml="http://www.w3.org/2003/InkML">
-  <inkml:definitions>
-    <inkml:context xml:id="ctx0">
-      <inkml:inkSource xml:id="inkSrc0">
-        <inkml:traceFormat>
-          <inkml:channel name="X" type="integer" min="-2.14748E9" max="2.14748E9" units="cm"/>
-          <inkml:channel name="Y" type="integer" min="-2.14748E9" max="2.14748E9" units="cm"/>
-        </inkml:traceFormat>
-        <inkml:channelProperties>
-          <inkml:channelProperty channel="X" name="resolution" value="1000" units="1/cm"/>
-          <inkml:channelProperty channel="Y" name="resolution" value="1000" units="1/cm"/>
-        </inkml:channelProperties>
-      </inkml:inkSource>
-      <inkml:timestamp xml:id="ts0" timeString="2023-11-14T04:47:40.751"/>
-    </inkml:context>
-    <inkml:brush xml:id="br0">
-      <inkml:brushProperty name="width" value="0.4" units="cm"/>
-      <inkml:brushProperty name="height" value="0.8" units="cm"/>
-      <inkml:brushProperty name="color" value="#FFFC00"/>
-      <inkml:brushProperty name="tip" value="rectangle"/>
-      <inkml:brushProperty name="rasterOp" value="maskPen"/>
-    </inkml:brush>
-  </inkml:definitions>
-  <inkml:trace contextRef="#ctx0" brushRef="#br0">1 0,'59'0,"1"0,-2 0,-1 0,35 0,2 0,1 0,0 0,-45 0,2 0,1 0,1 0,5 0,2 0,3 0,2 0,2 0,2 0,1 0,1 0,0 0,0 0,-1 0,0 0,-3 0,-2 0,-5 0,-1 0,-6 0,-3 0,35 0,-15 0,-7 0,-9 0,-1 0,1 0,0 0,2 0,4 0,6 0,9 0,9 0,9 0,4 0,-47 0,1 0,0 0,0 0,0 0,1 0,1 0,0 0,-1 0,1 0,1 1,0 1,2-1,-1 1,0-1,0 1,-1-1,0 0,-3 0,0-2,45 1,-1 0,0 0,2 0,0 0,-6 0,-5 0,-9 0,-6 0,-11 2,-11 2,-12 1,-10 0,-9 0,-4-1</inkml:trace>
-</inkml:ink>
-</file>
-
-<file path=ppt/ink/ink17.xml><?xml version="1.0" encoding="utf-8"?>
-<inkml:ink xmlns:inkml="http://www.w3.org/2003/InkML">
-  <inkml:definitions>
-    <inkml:context xml:id="ctx0">
-      <inkml:inkSource xml:id="inkSrc0">
-        <inkml:traceFormat>
-          <inkml:channel name="X" type="integer" min="-2.14748E9" max="2.14748E9" units="cm"/>
-          <inkml:channel name="Y" type="integer" min="-2.14748E9" max="2.14748E9" units="cm"/>
-        </inkml:traceFormat>
-        <inkml:channelProperties>
-          <inkml:channelProperty channel="X" name="resolution" value="1000" units="1/cm"/>
-          <inkml:channelProperty channel="Y" name="resolution" value="1000" units="1/cm"/>
-        </inkml:channelProperties>
-      </inkml:inkSource>
-      <inkml:timestamp xml:id="ts0" timeString="2023-11-14T04:47:46.734"/>
-    </inkml:context>
-    <inkml:brush xml:id="br0">
-      <inkml:brushProperty name="width" value="0.4" units="cm"/>
-      <inkml:brushProperty name="height" value="0.8" units="cm"/>
-      <inkml:brushProperty name="color" value="#FFFC00"/>
-      <inkml:brushProperty name="tip" value="rectangle"/>
-      <inkml:brushProperty name="rasterOp" value="maskPen"/>
-    </inkml:brush>
-  </inkml:definitions>
-  <inkml:trace contextRef="#ctx0" brushRef="#br0">0 1,'79'0,"0"0,10 0,3 0,1 0,2 0,-27 0,1 0,-1 0,30 0,-1 0,-5 0,-2 0,-3 0,-1 0,-6 0,-1 0,-7 0,-3 0,-5 0,-2 0,-8 0,-3 0,34 0,-17 0,-14 0,-9 0,-6 0,-5 0,-5 0,-2 0,-1 0,-1 0,0 0,-3 0,-2 0,-1 0,2 0,4 0,4 0,3 0,4 0,6 0,3 0,6 0,3 0,2 0,-1 0,-4 0,-5 0,-4 0,-5 0,-3 0,-5 0,0 0,-2 0,-3 0,-2 0,-4 0,13 0,-5 0,11 0,-8 0,2 0,0 0,3 0,2 2,4 0,3 1,2-1,2-2,1 0,2 0,3 0,5 0,3 0,0 0,-1 0,-7 0,-4 1,-4 1,-6 0,-2 1,-2-2,-1-1,0 0,-1 0,-2 0,-2 0,-3 0,-4 0,1 0,0 0,3 0,3 0,5 0,6 0,2 0,4 0,-1 0,2 0,2 0,1 0,5 0,3 0,0 0,6 0,2 0,2 0,0 0,-4 0,-4 0,-3 0,1 0,-1 0,3 2,1 2,3 1,1 2,-3 0,-2-2,-3 3,-6-1,-7 2,-8 0,-4 1,-3-2,-4 0,-4-2,-3-1</inkml:trace>
 </inkml:ink>
 </file>
 
@@ -434,6 +490,286 @@
 </inkml:ink>
 </file>
 
+<file path=ppt/ink/ink20.xml><?xml version="1.0" encoding="utf-8"?>
+<inkml:ink xmlns:inkml="http://www.w3.org/2003/InkML">
+  <inkml:definitions>
+    <inkml:context xml:id="ctx0">
+      <inkml:inkSource xml:id="inkSrc0">
+        <inkml:traceFormat>
+          <inkml:channel name="X" type="integer" min="-2.14748E9" max="2.14748E9" units="cm"/>
+          <inkml:channel name="Y" type="integer" min="-2.14748E9" max="2.14748E9" units="cm"/>
+        </inkml:traceFormat>
+        <inkml:channelProperties>
+          <inkml:channelProperty channel="X" name="resolution" value="1000" units="1/cm"/>
+          <inkml:channelProperty channel="Y" name="resolution" value="1000" units="1/cm"/>
+        </inkml:channelProperties>
+      </inkml:inkSource>
+      <inkml:timestamp xml:id="ts0" timeString="2023-11-14T04:47:14.135"/>
+    </inkml:context>
+    <inkml:brush xml:id="br0">
+      <inkml:brushProperty name="width" value="0.4" units="cm"/>
+      <inkml:brushProperty name="height" value="0.8" units="cm"/>
+      <inkml:brushProperty name="color" value="#FFFC00"/>
+      <inkml:brushProperty name="tip" value="rectangle"/>
+      <inkml:brushProperty name="rasterOp" value="maskPen"/>
+    </inkml:brush>
+  </inkml:definitions>
+  <inkml:trace contextRef="#ctx0" brushRef="#br0">1 0,'92'2,"1"-1,-1 0,-7 0,2 0,3-1,4 1,-3-1,3 0,4 0,1 0,3 0,-19 0,1 0,2 0,1 0,1 0,0 0,0 0,2 0,1 0,1-1,0 1,0 0,0 0,-1 1,2-1,-1 1,0 0,1 0,-1 0,-1 0,1 1,-4-1,1 1,-1 0,0 1,-1-1,1 0,-1 1,13 0,-1 1,0-1,0 1,0 0,0 0,-13-1,1 0,-1 0,0 0,1 0,-2 0,0-1,11 1,0-1,0 1,-2-2,0 1,-2 0,-5-1,-1 0,-1 0,-1-1,-2 1,0-1,5 1,0-1,-3 0,-1-1,-3 1,7 0,-2 0,-3 0,-3 0,10 0,-5 0,-2 0,20 0,-5 0,-16 0,-5 0,-11 1,-3 1,-8 0,-2 1,46 5,-47-4,0 1,3-1,0 0,3-1,1-1,-1 0,0-1,-3 0,-1-1,45 0,-4 0,0 0,1 0,-2 0,-8 0,-6 0,-6 0,-4-2,0-1,0-2,2 0,3 0,1-1,0 1,0 1,-3-1,5 0,0 0,-4-2,-7 0,-15 1,-14 2,-13 2,-11 1,-3-1</inkml:trace>
+</inkml:ink>
+</file>
+
+<file path=ppt/ink/ink21.xml><?xml version="1.0" encoding="utf-8"?>
+<inkml:ink xmlns:inkml="http://www.w3.org/2003/InkML">
+  <inkml:definitions>
+    <inkml:context xml:id="ctx0">
+      <inkml:inkSource xml:id="inkSrc0">
+        <inkml:traceFormat>
+          <inkml:channel name="X" type="integer" min="-2.14748E9" max="2.14748E9" units="cm"/>
+          <inkml:channel name="Y" type="integer" min="-2.14748E9" max="2.14748E9" units="cm"/>
+        </inkml:traceFormat>
+        <inkml:channelProperties>
+          <inkml:channelProperty channel="X" name="resolution" value="1000" units="1/cm"/>
+          <inkml:channelProperty channel="Y" name="resolution" value="1000" units="1/cm"/>
+        </inkml:channelProperties>
+      </inkml:inkSource>
+      <inkml:timestamp xml:id="ts0" timeString="2023-11-14T04:47:37.234"/>
+    </inkml:context>
+    <inkml:brush xml:id="br0">
+      <inkml:brushProperty name="width" value="0.4" units="cm"/>
+      <inkml:brushProperty name="height" value="0.8" units="cm"/>
+      <inkml:brushProperty name="color" value="#FFFC00"/>
+      <inkml:brushProperty name="tip" value="rectangle"/>
+      <inkml:brushProperty name="rasterOp" value="maskPen"/>
+    </inkml:brush>
+  </inkml:definitions>
+  <inkml:trace contextRef="#ctx0" brushRef="#br0">0 1,'0'0</inkml:trace>
+</inkml:ink>
+</file>
+
+<file path=ppt/ink/ink22.xml><?xml version="1.0" encoding="utf-8"?>
+<inkml:ink xmlns:inkml="http://www.w3.org/2003/InkML">
+  <inkml:definitions>
+    <inkml:context xml:id="ctx0">
+      <inkml:inkSource xml:id="inkSrc0">
+        <inkml:traceFormat>
+          <inkml:channel name="X" type="integer" min="-2.14748E9" max="2.14748E9" units="cm"/>
+          <inkml:channel name="Y" type="integer" min="-2.14748E9" max="2.14748E9" units="cm"/>
+        </inkml:traceFormat>
+        <inkml:channelProperties>
+          <inkml:channelProperty channel="X" name="resolution" value="1000" units="1/cm"/>
+          <inkml:channelProperty channel="Y" name="resolution" value="1000" units="1/cm"/>
+        </inkml:channelProperties>
+      </inkml:inkSource>
+      <inkml:timestamp xml:id="ts0" timeString="2023-11-14T04:47:40.751"/>
+    </inkml:context>
+    <inkml:brush xml:id="br0">
+      <inkml:brushProperty name="width" value="0.4" units="cm"/>
+      <inkml:brushProperty name="height" value="0.8" units="cm"/>
+      <inkml:brushProperty name="color" value="#FFFC00"/>
+      <inkml:brushProperty name="tip" value="rectangle"/>
+      <inkml:brushProperty name="rasterOp" value="maskPen"/>
+    </inkml:brush>
+  </inkml:definitions>
+  <inkml:trace contextRef="#ctx0" brushRef="#br0">1 0,'59'0,"1"0,-2 0,-1 0,35 0,2 0,1 0,0 0,-45 0,2 0,1 0,1 0,5 0,2 0,3 0,2 0,2 0,2 0,1 0,1 0,0 0,0 0,-1 0,0 0,-3 0,-2 0,-5 0,-1 0,-6 0,-3 0,35 0,-15 0,-7 0,-9 0,-1 0,1 0,0 0,2 0,4 0,6 0,9 0,9 0,9 0,4 0,-47 0,1 0,0 0,0 0,0 0,1 0,1 0,0 0,-1 0,1 0,1 1,0 1,2-1,-1 1,0-1,0 1,-1-1,0 0,-3 0,0-2,45 1,-1 0,0 0,2 0,0 0,-6 0,-5 0,-9 0,-6 0,-11 2,-11 2,-12 1,-10 0,-9 0,-4-1</inkml:trace>
+</inkml:ink>
+</file>
+
+<file path=ppt/ink/ink23.xml><?xml version="1.0" encoding="utf-8"?>
+<inkml:ink xmlns:inkml="http://www.w3.org/2003/InkML">
+  <inkml:definitions>
+    <inkml:context xml:id="ctx0">
+      <inkml:inkSource xml:id="inkSrc0">
+        <inkml:traceFormat>
+          <inkml:channel name="X" type="integer" min="-2.14748E9" max="2.14748E9" units="cm"/>
+          <inkml:channel name="Y" type="integer" min="-2.14748E9" max="2.14748E9" units="cm"/>
+        </inkml:traceFormat>
+        <inkml:channelProperties>
+          <inkml:channelProperty channel="X" name="resolution" value="1000" units="1/cm"/>
+          <inkml:channelProperty channel="Y" name="resolution" value="1000" units="1/cm"/>
+        </inkml:channelProperties>
+      </inkml:inkSource>
+      <inkml:timestamp xml:id="ts0" timeString="2023-11-14T04:47:46.734"/>
+    </inkml:context>
+    <inkml:brush xml:id="br0">
+      <inkml:brushProperty name="width" value="0.4" units="cm"/>
+      <inkml:brushProperty name="height" value="0.8" units="cm"/>
+      <inkml:brushProperty name="color" value="#FFFC00"/>
+      <inkml:brushProperty name="tip" value="rectangle"/>
+      <inkml:brushProperty name="rasterOp" value="maskPen"/>
+    </inkml:brush>
+  </inkml:definitions>
+  <inkml:trace contextRef="#ctx0" brushRef="#br0">0 1,'79'0,"0"0,10 0,3 0,1 0,2 0,-27 0,1 0,-1 0,30 0,-1 0,-5 0,-2 0,-3 0,-1 0,-6 0,-1 0,-7 0,-3 0,-5 0,-2 0,-8 0,-3 0,34 0,-17 0,-14 0,-9 0,-6 0,-5 0,-5 0,-2 0,-1 0,-1 0,0 0,-3 0,-2 0,-1 0,2 0,4 0,4 0,3 0,4 0,6 0,3 0,6 0,3 0,2 0,-1 0,-4 0,-5 0,-4 0,-5 0,-3 0,-5 0,0 0,-2 0,-3 0,-2 0,-4 0,13 0,-5 0,11 0,-8 0,2 0,0 0,3 0,2 2,4 0,3 1,2-1,2-2,1 0,2 0,3 0,5 0,3 0,0 0,-1 0,-7 0,-4 1,-4 1,-6 0,-2 1,-2-2,-1-1,0 0,-1 0,-2 0,-2 0,-3 0,-4 0,1 0,0 0,3 0,3 0,5 0,6 0,2 0,4 0,-1 0,2 0,2 0,1 0,5 0,3 0,0 0,6 0,2 0,2 0,0 0,-4 0,-4 0,-3 0,1 0,-1 0,3 2,1 2,3 1,1 2,-3 0,-2-2,-3 3,-6-1,-7 2,-8 0,-4 1,-3-2,-4 0,-4-2,-3-1</inkml:trace>
+</inkml:ink>
+</file>
+
+<file path=ppt/ink/ink24.xml><?xml version="1.0" encoding="utf-8"?>
+<inkml:ink xmlns:inkml="http://www.w3.org/2003/InkML">
+  <inkml:definitions>
+    <inkml:context xml:id="ctx0">
+      <inkml:inkSource xml:id="inkSrc0">
+        <inkml:traceFormat>
+          <inkml:channel name="X" type="integer" min="-2.14748E9" max="2.14748E9" units="cm"/>
+          <inkml:channel name="Y" type="integer" min="-2.14748E9" max="2.14748E9" units="cm"/>
+        </inkml:traceFormat>
+        <inkml:channelProperties>
+          <inkml:channelProperty channel="X" name="resolution" value="1000" units="1/cm"/>
+          <inkml:channelProperty channel="Y" name="resolution" value="1000" units="1/cm"/>
+        </inkml:channelProperties>
+      </inkml:inkSource>
+      <inkml:timestamp xml:id="ts0" timeString="2024-05-27T06:46:30.529"/>
+    </inkml:context>
+    <inkml:brush xml:id="br0">
+      <inkml:brushProperty name="width" value="0.4" units="cm"/>
+      <inkml:brushProperty name="height" value="0.8" units="cm"/>
+      <inkml:brushProperty name="color" value="#FFACD5"/>
+      <inkml:brushProperty name="tip" value="rectangle"/>
+      <inkml:brushProperty name="rasterOp" value="maskPen"/>
+    </inkml:brush>
+  </inkml:definitions>
+  <inkml:trace contextRef="#ctx0" brushRef="#br0">0 1,'95'0,"3"0,-14 0,-33 0,0 0,3 0,1 0,3 0,2 0,3 0,1 0,3 0,0 0,3 0,1 0,0 0,0 0,-2 0,0 0,-4 0,-1 0,-2 0,-2 0,-4 0,-1 0,-4 0,-1 0,47 0,-5 0,-4 0,1 0,-1 0,-4 0,-4 0,-5 0,-7 0,-9 2,-16 3,-14 0,-11 0,11-3,6-2,11 0,-6 0,-12-2,-15-4,-6-3</inkml:trace>
+</inkml:ink>
+</file>
+
+<file path=ppt/ink/ink25.xml><?xml version="1.0" encoding="utf-8"?>
+<inkml:ink xmlns:inkml="http://www.w3.org/2003/InkML">
+  <inkml:definitions>
+    <inkml:context xml:id="ctx0">
+      <inkml:inkSource xml:id="inkSrc0">
+        <inkml:traceFormat>
+          <inkml:channel name="X" type="integer" min="-2.14748E9" max="2.14748E9" units="cm"/>
+          <inkml:channel name="Y" type="integer" min="-2.14748E9" max="2.14748E9" units="cm"/>
+        </inkml:traceFormat>
+        <inkml:channelProperties>
+          <inkml:channelProperty channel="X" name="resolution" value="1000" units="1/cm"/>
+          <inkml:channelProperty channel="Y" name="resolution" value="1000" units="1/cm"/>
+        </inkml:channelProperties>
+      </inkml:inkSource>
+      <inkml:timestamp xml:id="ts0" timeString="2024-05-27T06:46:32.245"/>
+    </inkml:context>
+    <inkml:brush xml:id="br0">
+      <inkml:brushProperty name="width" value="0.4" units="cm"/>
+      <inkml:brushProperty name="height" value="0.8" units="cm"/>
+      <inkml:brushProperty name="color" value="#FFACD5"/>
+      <inkml:brushProperty name="tip" value="rectangle"/>
+      <inkml:brushProperty name="rasterOp" value="maskPen"/>
+    </inkml:brush>
+  </inkml:definitions>
+  <inkml:trace contextRef="#ctx0" brushRef="#br0">1 0,'59'0,"1"0,4 0,2 0,5 0,2 0,4 0,0 0,0 0,-1 0,1 0,-1 0,-4 0,1 0,-2 0,0 0,2 0,-1 0,0 0,-1 0,0 0,0 0,-6 0,-1 0,-6 0,-2 0,42 0,-9 0,-1 0,4 0,-1 0,-2 0,-1 0,-2 0,8 0,-1 0,-9 0,-18 0,-23 0,-12 0,6 0,20 0,16 0,3 0,-14 0,-25 0,-19 0,-13 0</inkml:trace>
+</inkml:ink>
+</file>
+
+<file path=ppt/ink/ink26.xml><?xml version="1.0" encoding="utf-8"?>
+<inkml:ink xmlns:inkml="http://www.w3.org/2003/InkML">
+  <inkml:definitions>
+    <inkml:context xml:id="ctx0">
+      <inkml:inkSource xml:id="inkSrc0">
+        <inkml:traceFormat>
+          <inkml:channel name="X" type="integer" min="-2.14748E9" max="2.14748E9" units="cm"/>
+          <inkml:channel name="Y" type="integer" min="-2.14748E9" max="2.14748E9" units="cm"/>
+        </inkml:traceFormat>
+        <inkml:channelProperties>
+          <inkml:channelProperty channel="X" name="resolution" value="1000" units="1/cm"/>
+          <inkml:channelProperty channel="Y" name="resolution" value="1000" units="1/cm"/>
+        </inkml:channelProperties>
+      </inkml:inkSource>
+      <inkml:timestamp xml:id="ts0" timeString="2024-05-27T06:46:35.795"/>
+    </inkml:context>
+    <inkml:brush xml:id="br0">
+      <inkml:brushProperty name="width" value="0.4" units="cm"/>
+      <inkml:brushProperty name="height" value="0.8" units="cm"/>
+      <inkml:brushProperty name="color" value="#FFACD5"/>
+      <inkml:brushProperty name="tip" value="rectangle"/>
+      <inkml:brushProperty name="rasterOp" value="maskPen"/>
+    </inkml:brush>
+  </inkml:definitions>
+  <inkml:trace contextRef="#ctx0" brushRef="#br0">1 1,'89'0,"-1"0,6 0,2 0,-30 0,1 0,1 0,1 0,1 0,0 0,3 0,0 0,1 0,0 0,-1 0,1 0,-4 0,1 0,-1 0,1 0,-1 0,0 0,30 0,-1 0,-3 0,-1 0,-4 0,-2 0,-5 0,-1 0,-8-1,-2 2,-6 0,-2 1,-5 0,-1 2,-6 1,-1 0,-1 2,-1 0,49 6,-49-6,0 0,45 6,-18-2,-23-2,-18-2,-17-3,-6-1</inkml:trace>
+</inkml:ink>
+</file>
+
+<file path=ppt/ink/ink27.xml><?xml version="1.0" encoding="utf-8"?>
+<inkml:ink xmlns:inkml="http://www.w3.org/2003/InkML">
+  <inkml:definitions>
+    <inkml:context xml:id="ctx0">
+      <inkml:inkSource xml:id="inkSrc0">
+        <inkml:traceFormat>
+          <inkml:channel name="X" type="integer" min="-2.14748E9" max="2.14748E9" units="cm"/>
+          <inkml:channel name="Y" type="integer" min="-2.14748E9" max="2.14748E9" units="cm"/>
+        </inkml:traceFormat>
+        <inkml:channelProperties>
+          <inkml:channelProperty channel="X" name="resolution" value="1000" units="1/cm"/>
+          <inkml:channelProperty channel="Y" name="resolution" value="1000" units="1/cm"/>
+        </inkml:channelProperties>
+      </inkml:inkSource>
+      <inkml:timestamp xml:id="ts0" timeString="2024-05-27T06:46:37.464"/>
+    </inkml:context>
+    <inkml:brush xml:id="br0">
+      <inkml:brushProperty name="width" value="0.4" units="cm"/>
+      <inkml:brushProperty name="height" value="0.8" units="cm"/>
+      <inkml:brushProperty name="color" value="#FFACD5"/>
+      <inkml:brushProperty name="tip" value="rectangle"/>
+      <inkml:brushProperty name="rasterOp" value="maskPen"/>
+    </inkml:brush>
+  </inkml:definitions>
+  <inkml:trace contextRef="#ctx0" brushRef="#br0">1 1,'100'0,"-1"0,-29 0,1 0,0 0,4 0,1 0,0 0,1 0,0 0,0 0,-1 0,0 0,-1 0,-3 0,0 0,-2 0,25 0,-2 0,-4 0,-2 0,-6 0,-2 0,-5 0,0 0,-2 0,1 0,-1 0,0 2,0 0,0 1,-4 0,-1 1,-5 1,-3 0,38 3,-30-4,-25-1,-19-3,-12 0,20 0,23 0,43 0,-40 0,1 0,-5 0,-2 0,27 0,-34 0,-25 0,-10 0</inkml:trace>
+</inkml:ink>
+</file>
+
+<file path=ppt/ink/ink28.xml><?xml version="1.0" encoding="utf-8"?>
+<inkml:ink xmlns:inkml="http://www.w3.org/2003/InkML">
+  <inkml:definitions>
+    <inkml:context xml:id="ctx0">
+      <inkml:inkSource xml:id="inkSrc0">
+        <inkml:traceFormat>
+          <inkml:channel name="X" type="integer" min="-2.14748E9" max="2.14748E9" units="cm"/>
+          <inkml:channel name="Y" type="integer" min="-2.14748E9" max="2.14748E9" units="cm"/>
+        </inkml:traceFormat>
+        <inkml:channelProperties>
+          <inkml:channelProperty channel="X" name="resolution" value="1000" units="1/cm"/>
+          <inkml:channelProperty channel="Y" name="resolution" value="1000" units="1/cm"/>
+        </inkml:channelProperties>
+      </inkml:inkSource>
+      <inkml:timestamp xml:id="ts0" timeString="2024-05-27T06:46:39.461"/>
+    </inkml:context>
+    <inkml:brush xml:id="br0">
+      <inkml:brushProperty name="width" value="0.4" units="cm"/>
+      <inkml:brushProperty name="height" value="0.8" units="cm"/>
+      <inkml:brushProperty name="color" value="#FFACD5"/>
+      <inkml:brushProperty name="tip" value="rectangle"/>
+      <inkml:brushProperty name="rasterOp" value="maskPen"/>
+    </inkml:brush>
+  </inkml:definitions>
+  <inkml:trace contextRef="#ctx0" brushRef="#br0">0 29,'82'0,"-1"0,-11 0,4 0,5 0,-4 0,4 0,2 0,2 0,6 0,2 0,2 0,-1 0,3 0,0 0,1 0,-1 0,-3 0,1 0,-1 0,-1 0,0 0,-1 0,-1 0,-1 0,-5 0,-2 0,0 0,-2 0,17 0,-1 0,-4 0,-10 0,-2 0,-4 0,20 1,-5-2,-8-1,-3-2,-13 0,-3 0,-11 0,-4 0,24-2,-27 6,-18 0,-9 0,9 0,20 0,26 0,12 0,-11 0,-20 0,-24 0,-17 0,-6 0</inkml:trace>
+</inkml:ink>
+</file>
+
+<file path=ppt/ink/ink29.xml><?xml version="1.0" encoding="utf-8"?>
+<inkml:ink xmlns:inkml="http://www.w3.org/2003/InkML">
+  <inkml:definitions>
+    <inkml:context xml:id="ctx0">
+      <inkml:inkSource xml:id="inkSrc0">
+        <inkml:traceFormat>
+          <inkml:channel name="X" type="integer" min="-2.14748E9" max="2.14748E9" units="cm"/>
+          <inkml:channel name="Y" type="integer" min="-2.14748E9" max="2.14748E9" units="cm"/>
+        </inkml:traceFormat>
+        <inkml:channelProperties>
+          <inkml:channelProperty channel="X" name="resolution" value="1000" units="1/cm"/>
+          <inkml:channelProperty channel="Y" name="resolution" value="1000" units="1/cm"/>
+        </inkml:channelProperties>
+      </inkml:inkSource>
+      <inkml:timestamp xml:id="ts0" timeString="2024-05-27T06:47:05.946"/>
+    </inkml:context>
+    <inkml:brush xml:id="br0">
+      <inkml:brushProperty name="width" value="0.2" units="cm"/>
+      <inkml:brushProperty name="height" value="0.4" units="cm"/>
+      <inkml:brushProperty name="color" value="#FFACD5"/>
+      <inkml:brushProperty name="tip" value="rectangle"/>
+      <inkml:brushProperty name="rasterOp" value="maskPen"/>
+    </inkml:brush>
+  </inkml:definitions>
+  <inkml:trace contextRef="#ctx0" brushRef="#br0">1 4409,'71'0,"3"-5,21-12,-33 2,5-4,15-6,5-2,-20 8,3-1,1 0,7-2,1-1,3 0,7-1,2-1,2-1,-18 6,1-1,1 0,1-1,4-2,2-1,1 0,-1-1,3-1,-1 0,2-1,-1-1,3-2,1 0,0-1,0-1,-16 6,0-1,0 0,0 0,0 0,3-1,-1 0,0 0,1-1,0 1,0-1,0 1,0-1,0 0,-1 1,0 0,0 0,-1 0,0 1,1-1,16-6,0 1,0 0,0 0,-3 1,0 1,0 0,-1 1,-2 1,0 1,0 0,-1 2,-2 1,1 1,-1 1,0 0,-1 2,-1 0,1 1,0 1,0 1,0 1,0 0,1 0,1 1,0 0,0-1,0 1,0-2,0 1,0-2,0 0,2-1,-1-1,1-1,0 0,1-2,0 0,0-1,0 0,2-1,0-1,0 1,0-1,1 0,0 0,0 0,0 0,-1 1,-1 0,1 1,-1-1,-1 0,1 0,-1 0,0 1,-4 0,0 0,-1 1,0-1,-4 2,0 0,-1 1,0 0,-5 1,0 1,-1 1,0 0,19-6,0 2,-1 0,-2 1,-1 1,0-1,-1 1,-1 0,-1-1,-5 0,-2 0,-1-1,-6 0,0 0,-1 0,-4 1,0 0,-1-1,25-12,0 0,2 1,0 1,-2 2,-1 1,-1 2,0 0,0 1,0 1,-1 1,0-1,-3 2,0 0,-3 0,-1 1,-2 2,-1 0,-4 0,-1 1,-2 0,0 0,-4 0,-1 0,-1 2,-1 1,-1-1,0 1,1 1,-1 2,0 1,0 0,-4 2,-1 1,-3 0,-2 2,44-11,-6 1,-1-1,-5 4,-10 1,-9 0,-9 1,-8-2,-7 0,-9 5,-8 4,-11 4,-6 3</inkml:trace>
+</inkml:ink>
+</file>
+
 <file path=ppt/ink/ink3.xml><?xml version="1.0" encoding="utf-8"?>
 <inkml:ink xmlns:inkml="http://www.w3.org/2003/InkML">
   <inkml:definitions>
@@ -462,7 +798,1267 @@
 </inkml:ink>
 </file>
 
+<file path=ppt/ink/ink30.xml><?xml version="1.0" encoding="utf-8"?>
+<inkml:ink xmlns:inkml="http://www.w3.org/2003/InkML">
+  <inkml:definitions>
+    <inkml:context xml:id="ctx0">
+      <inkml:inkSource xml:id="inkSrc0">
+        <inkml:traceFormat>
+          <inkml:channel name="X" type="integer" min="-2.14748E9" max="2.14748E9" units="cm"/>
+          <inkml:channel name="Y" type="integer" min="-2.14748E9" max="2.14748E9" units="cm"/>
+        </inkml:traceFormat>
+        <inkml:channelProperties>
+          <inkml:channelProperty channel="X" name="resolution" value="1000" units="1/cm"/>
+          <inkml:channelProperty channel="Y" name="resolution" value="1000" units="1/cm"/>
+        </inkml:channelProperties>
+      </inkml:inkSource>
+      <inkml:timestamp xml:id="ts0" timeString="2024-05-27T06:47:10.360"/>
+    </inkml:context>
+    <inkml:brush xml:id="br0">
+      <inkml:brushProperty name="width" value="0.2" units="cm"/>
+      <inkml:brushProperty name="height" value="0.4" units="cm"/>
+      <inkml:brushProperty name="color" value="#FFACD5"/>
+      <inkml:brushProperty name="tip" value="rectangle"/>
+      <inkml:brushProperty name="rasterOp" value="maskPen"/>
+    </inkml:brush>
+  </inkml:definitions>
+  <inkml:trace contextRef="#ctx0" brushRef="#br0">0 94,'56'0,"10"0,22 0,7 0,-44 0,2 0,4 0,1 0,2 0,0 0,6 0,1 0,6 0,1 0,4 0,2 0,7 0,0 0,1-2,-2-2,-3-1,-2-1,-7-1,-1-1,-6 0,-2 0,-5 2,-1-1,-2 2,-1 0,-3 2,0 0,-1-1,-1 1,47 0,-4-1,-6 1,-4 3,-6 0,0 0,1 0,-2 0,-7 0,-18 0,-17 0,-19 0,-8 0</inkml:trace>
+</inkml:ink>
+</file>
+
+<file path=ppt/ink/ink31.xml><?xml version="1.0" encoding="utf-8"?>
+<inkml:ink xmlns:inkml="http://www.w3.org/2003/InkML">
+  <inkml:definitions>
+    <inkml:context xml:id="ctx0">
+      <inkml:inkSource xml:id="inkSrc0">
+        <inkml:traceFormat>
+          <inkml:channel name="X" type="integer" min="-2.14748E9" max="2.14748E9" units="cm"/>
+          <inkml:channel name="Y" type="integer" min="-2.14748E9" max="2.14748E9" units="cm"/>
+        </inkml:traceFormat>
+        <inkml:channelProperties>
+          <inkml:channelProperty channel="X" name="resolution" value="1000" units="1/cm"/>
+          <inkml:channelProperty channel="Y" name="resolution" value="1000" units="1/cm"/>
+        </inkml:channelProperties>
+      </inkml:inkSource>
+      <inkml:timestamp xml:id="ts0" timeString="2024-05-27T06:47:28.034"/>
+    </inkml:context>
+    <inkml:brush xml:id="br0">
+      <inkml:brushProperty name="width" value="0.2" units="cm"/>
+      <inkml:brushProperty name="height" value="0.4" units="cm"/>
+      <inkml:brushProperty name="color" value="#FFFC00"/>
+      <inkml:brushProperty name="tip" value="rectangle"/>
+      <inkml:brushProperty name="rasterOp" value="maskPen"/>
+    </inkml:brush>
+  </inkml:definitions>
+  <inkml:trace contextRef="#ctx0" brushRef="#br0">1 3402,'25'-72,"16"-5,16 5,-22 31,2 0,1 0,1 1,3-1,2 1,4-1,2 1,3-2,1 1,2-3,0 0,-3 3,-1 0,-3 1,-2 1,-3 1,-1 1,0 0,-1 0,-1 0,1 0,-3 2,0 1,35-32,-16 13,-15 11,-13 12,-11 9,5-8,21-16,27-19,-22 22,5-2,7-3,2 0,0 1,0 1,-1 1,0 0,-5 2,-1 1,-1 0,-1-1,-1-2,-1-1,-2 0,0 1,-1-2,-2 0,-3 2,-1 1,-1 2,-1 0,-4 3,0 0,31-28,-3 0,-9 8,-7 6,-11 10,-13 14,2 1,4 0,15-12,14-12,2-2,-4 4,-18 13,-16 13,-13 8,3-8,9-10,10-10,3-2,-7 11,-11 15,-10 10,-4 6</inkml:trace>
+</inkml:ink>
+</file>
+
+<file path=ppt/ink/ink32.xml><?xml version="1.0" encoding="utf-8"?>
+<inkml:ink xmlns:inkml="http://www.w3.org/2003/InkML">
+  <inkml:definitions>
+    <inkml:context xml:id="ctx0">
+      <inkml:inkSource xml:id="inkSrc0">
+        <inkml:traceFormat>
+          <inkml:channel name="X" type="integer" min="-2.14748E9" max="2.14748E9" units="cm"/>
+          <inkml:channel name="Y" type="integer" min="-2.14748E9" max="2.14748E9" units="cm"/>
+        </inkml:traceFormat>
+        <inkml:channelProperties>
+          <inkml:channelProperty channel="X" name="resolution" value="1000" units="1/cm"/>
+          <inkml:channelProperty channel="Y" name="resolution" value="1000" units="1/cm"/>
+        </inkml:channelProperties>
+      </inkml:inkSource>
+      <inkml:timestamp xml:id="ts0" timeString="2024-05-27T06:47:29.676"/>
+    </inkml:context>
+    <inkml:brush xml:id="br0">
+      <inkml:brushProperty name="width" value="0.2" units="cm"/>
+      <inkml:brushProperty name="height" value="0.4" units="cm"/>
+      <inkml:brushProperty name="color" value="#FFFC00"/>
+      <inkml:brushProperty name="tip" value="rectangle"/>
+      <inkml:brushProperty name="rasterOp" value="maskPen"/>
+    </inkml:brush>
+  </inkml:definitions>
+  <inkml:trace contextRef="#ctx0" brushRef="#br0">0 4130,'49'-31,"-1"0,7-4,2-4,12-11,1-2,2-1,-1-2,2-3,-1-1,-2 1,-2-1,-1 3,0-1,-1 0,0 0,0 3,0 1,1 1,-1-1,-2 2,-1 0,0 1,-1 1,-4 0,-1 0,-1 1,1-1,-1 0,1-1,-2 1,0 0,-2 1,-1 0,-2 1,-1 0,-3 3,-1 0,-1-1,0 0,5-2,1-2,3-2,2 0,6-5,2 0,3-2,2-1,-1 0,1-2,-19 16,0-1,0-2,2-3,1 0,0-2,1 0,0-1,0 1,2-1,1 0,-1 1,-1 3,-1 1,0 2,22-19,-2 3,-5 5,-3 2,-7 5,-1 2,-3 2,0 1,1 0,-1 1,1 1,-1 0,-4 5,-2 2,25-21,-26 18,-23 16,-14 10,-5 5,-5 3</inkml:trace>
+</inkml:ink>
+</file>
+
+<file path=ppt/ink/ink33.xml><?xml version="1.0" encoding="utf-8"?>
+<inkml:ink xmlns:inkml="http://www.w3.org/2003/InkML">
+  <inkml:definitions>
+    <inkml:context xml:id="ctx0">
+      <inkml:inkSource xml:id="inkSrc0">
+        <inkml:traceFormat>
+          <inkml:channel name="X" type="integer" min="-2.14748E9" max="2.14748E9" units="cm"/>
+          <inkml:channel name="Y" type="integer" min="-2.14748E9" max="2.14748E9" units="cm"/>
+        </inkml:traceFormat>
+        <inkml:channelProperties>
+          <inkml:channelProperty channel="X" name="resolution" value="1000" units="1/cm"/>
+          <inkml:channelProperty channel="Y" name="resolution" value="1000" units="1/cm"/>
+        </inkml:channelProperties>
+      </inkml:inkSource>
+      <inkml:timestamp xml:id="ts0" timeString="2024-05-27T06:47:31.012"/>
+    </inkml:context>
+    <inkml:brush xml:id="br0">
+      <inkml:brushProperty name="width" value="0.2" units="cm"/>
+      <inkml:brushProperty name="height" value="0.4" units="cm"/>
+      <inkml:brushProperty name="color" value="#FFFC00"/>
+      <inkml:brushProperty name="tip" value="rectangle"/>
+      <inkml:brushProperty name="rasterOp" value="maskPen"/>
+    </inkml:brush>
+  </inkml:definitions>
+  <inkml:trace contextRef="#ctx0" brushRef="#br0">0 2343,'43'-46,"-1"0,9-6,3 1,8-1,4 0,8-3,2 0,-2 1,3 1,-19 13,2 0,2-2,5-6,2-1,0-1,0-1,1 1,-1-2,2-2,-1 0,-1 0,-6 2,-1 1,-1 1,-6 5,0-1,-2 2,20-18,-3 3,-10 7,-4 3,-6 5,-3 0,-4 3,-2 0,-2 2,-3 0,28-30,-17 16,-16 17,-12 16,-3 2,7-7,8-7,22-18,15-6,-2 5,-9 10,-22 20,-20 12,-7 5</inkml:trace>
+</inkml:ink>
+</file>
+
+<file path=ppt/ink/ink34.xml><?xml version="1.0" encoding="utf-8"?>
+<inkml:ink xmlns:inkml="http://www.w3.org/2003/InkML">
+  <inkml:definitions>
+    <inkml:context xml:id="ctx0">
+      <inkml:inkSource xml:id="inkSrc0">
+        <inkml:traceFormat>
+          <inkml:channel name="X" type="integer" min="-2.14748E9" max="2.14748E9" units="cm"/>
+          <inkml:channel name="Y" type="integer" min="-2.14748E9" max="2.14748E9" units="cm"/>
+        </inkml:traceFormat>
+        <inkml:channelProperties>
+          <inkml:channelProperty channel="X" name="resolution" value="1000" units="1/cm"/>
+          <inkml:channelProperty channel="Y" name="resolution" value="1000" units="1/cm"/>
+        </inkml:channelProperties>
+      </inkml:inkSource>
+      <inkml:timestamp xml:id="ts0" timeString="2024-05-27T06:47:32.493"/>
+    </inkml:context>
+    <inkml:brush xml:id="br0">
+      <inkml:brushProperty name="width" value="0.2" units="cm"/>
+      <inkml:brushProperty name="height" value="0.4" units="cm"/>
+      <inkml:brushProperty name="color" value="#FFFC00"/>
+      <inkml:brushProperty name="tip" value="rectangle"/>
+      <inkml:brushProperty name="rasterOp" value="maskPen"/>
+    </inkml:brush>
+  </inkml:definitions>
+  <inkml:trace contextRef="#ctx0" brushRef="#br0">1 160,'69'0,"1"0,0 0,13 0,4 0,2 0,-12 0,2 0,1 0,0 0,0 0,1 0,-1 0,-2 0,13 0,-3 0,-2 0,-6 0,-2 0,-1 0,-7 0,0 0,-1 0,31 0,0-2,-31 0,1 0,-1-1,29-3,-2-1,3-2,-2 0,-10 0,-3 0,-11 1,-4 0,-10 1,-5 2,22-3,-19 1,-6 3,13-2,29-3,-37 4,3 0,0-1,-1 1,38-4,-33 4,-28 3,-22 0,-6 2</inkml:trace>
+</inkml:ink>
+</file>
+
+<file path=ppt/ink/ink35.xml><?xml version="1.0" encoding="utf-8"?>
+<inkml:ink xmlns:inkml="http://www.w3.org/2003/InkML">
+  <inkml:definitions>
+    <inkml:context xml:id="ctx0">
+      <inkml:inkSource xml:id="inkSrc0">
+        <inkml:traceFormat>
+          <inkml:channel name="X" type="integer" min="-2.14748E9" max="2.14748E9" units="cm"/>
+          <inkml:channel name="Y" type="integer" min="-2.14748E9" max="2.14748E9" units="cm"/>
+        </inkml:traceFormat>
+        <inkml:channelProperties>
+          <inkml:channelProperty channel="X" name="resolution" value="1000" units="1/cm"/>
+          <inkml:channelProperty channel="Y" name="resolution" value="1000" units="1/cm"/>
+        </inkml:channelProperties>
+      </inkml:inkSource>
+      <inkml:timestamp xml:id="ts0" timeString="2024-05-27T06:49:16.489"/>
+    </inkml:context>
+    <inkml:brush xml:id="br0">
+      <inkml:brushProperty name="width" value="0.2" units="cm"/>
+      <inkml:brushProperty name="height" value="0.4" units="cm"/>
+      <inkml:brushProperty name="color" value="#00FDFF"/>
+      <inkml:brushProperty name="tip" value="rectangle"/>
+      <inkml:brushProperty name="rasterOp" value="maskPen"/>
+    </inkml:brush>
+  </inkml:definitions>
+  <inkml:trace contextRef="#ctx0" brushRef="#br0">0 0,'57'0,"-1"0,4 0,2 0,3 0,2 0,3 0,1 0,1 0,0 0,3 0,1 0,6 0,3 0,2 0,0 0,1 0,0 0,-5 0,-1 0,-8 0,-3 0,-4 0,-1 0,-3 0,-1 0,-2 0,0 0,-1 0,-1 0,-2 0,-1 0,-3 0,-1 0,43 0,-5 0,-4 3,0 0,-1 0,1-1,-3-2,-14 0,-18 0,-17 0,-14 0,3 0,17 3,24 1,24-1,5 2,-17-1,-24 1,-20 0,-4-3,20 0,28 1,-25-1,3 0,5 1,0 0,-4 1,-3-1,30 0,-20-1,-5-2,18 0,23 0,-41 0,1 0,-2 0,-2 0,33 0,-28 0,-26 0,-11 0,7 0,9 0,6 0,-3 0,-13 0,-10 0,-4 0,0 0,8 0,12 0,2 0,-2 0,-15 0,-11 0</inkml:trace>
+</inkml:ink>
+</file>
+
+<file path=ppt/ink/ink36.xml><?xml version="1.0" encoding="utf-8"?>
+<inkml:ink xmlns:inkml="http://www.w3.org/2003/InkML">
+  <inkml:definitions>
+    <inkml:context xml:id="ctx0">
+      <inkml:inkSource xml:id="inkSrc0">
+        <inkml:traceFormat>
+          <inkml:channel name="X" type="integer" min="-2.14748E9" max="2.14748E9" units="cm"/>
+          <inkml:channel name="Y" type="integer" min="-2.14748E9" max="2.14748E9" units="cm"/>
+        </inkml:traceFormat>
+        <inkml:channelProperties>
+          <inkml:channelProperty channel="X" name="resolution" value="1000" units="1/cm"/>
+          <inkml:channelProperty channel="Y" name="resolution" value="1000" units="1/cm"/>
+        </inkml:channelProperties>
+      </inkml:inkSource>
+      <inkml:timestamp xml:id="ts0" timeString="2024-05-27T06:52:02.777"/>
+    </inkml:context>
+    <inkml:brush xml:id="br0">
+      <inkml:brushProperty name="width" value="0.2" units="cm"/>
+      <inkml:brushProperty name="height" value="0.4" units="cm"/>
+      <inkml:brushProperty name="color" value="#FFACD5"/>
+      <inkml:brushProperty name="tip" value="rectangle"/>
+      <inkml:brushProperty name="rasterOp" value="maskPen"/>
+    </inkml:brush>
+  </inkml:definitions>
+  <inkml:trace contextRef="#ctx0" brushRef="#br0">0 381,'54'0,"0"0,1 0,0 0,-2 0,0 0,0 0,-1 0,46 0,-6 0,-1-3,2 0,6-3,-46 2,0-1,1 0,-1 0,0-1,0 1,-3 0,0 1,45-4,-6 1,-2 0,5-2,3-2,3-2,0 0,-4 0,0 2,-2-1,7 1,-47 5,0 0,5 0,1 1,3-2,1 1,1-1,1 0,1 0,0 0,-1 1,0 0,-3 1,1 0,1 0,1 0,2 1,0 0,3-1,1 0,6 0,1-1,3 1,2 0,2-1,1-1,1 1,-1 0,-3 1,-1-1,-4 2,0 0,-3 1,0 1,0 0,-1 1,1 1,0 0,0 0,-1 0,1 0,0 0,0 0,-1 0,0-1,-1 0,-1-1,0 0,0-1,0 0,0-1,0 1,2 0,0 1,3 0,1 1,0 0,1 2,1-1,0 0,1 0,-1 0,-3 0,0 0,0 0,-1 0,-2 0,1 0,-1 0,1 0,-3 0,0 0,-2 0,0 0,-3 0,0 0,-6 0,-1 0,-2 0,-1 0,-2 2,-1 0,-2 2,1 0,1 2,1 1,1 1,1 1,3 0,2 0,-1 0,2 0,1 0,-1-2,-1-1,-1 0,-1 0,0 1,0 0,-1 0,-4 0,0 0,43 9,-22-7,-23-4,-18-3,-15-2,-9 0,-6 0</inkml:trace>
+</inkml:ink>
+</file>
+
+<file path=ppt/ink/ink37.xml><?xml version="1.0" encoding="utf-8"?>
+<inkml:ink xmlns:inkml="http://www.w3.org/2003/InkML">
+  <inkml:definitions>
+    <inkml:context xml:id="ctx0">
+      <inkml:inkSource xml:id="inkSrc0">
+        <inkml:traceFormat>
+          <inkml:channel name="X" type="integer" min="-2.14748E9" max="2.14748E9" units="cm"/>
+          <inkml:channel name="Y" type="integer" min="-2.14748E9" max="2.14748E9" units="cm"/>
+        </inkml:traceFormat>
+        <inkml:channelProperties>
+          <inkml:channelProperty channel="X" name="resolution" value="1000" units="1/cm"/>
+          <inkml:channelProperty channel="Y" name="resolution" value="1000" units="1/cm"/>
+        </inkml:channelProperties>
+      </inkml:inkSource>
+      <inkml:timestamp xml:id="ts0" timeString="2024-05-27T06:53:25.898"/>
+    </inkml:context>
+    <inkml:brush xml:id="br0">
+      <inkml:brushProperty name="width" value="0.2" units="cm"/>
+      <inkml:brushProperty name="height" value="0.4" units="cm"/>
+      <inkml:brushProperty name="color" value="#FFACD5"/>
+      <inkml:brushProperty name="tip" value="rectangle"/>
+      <inkml:brushProperty name="rasterOp" value="maskPen"/>
+    </inkml:brush>
+  </inkml:definitions>
+  <inkml:trace contextRef="#ctx0" brushRef="#br0">1 208,'77'0,"4"0,6 0,6 0,-4 0,-5 0,-8 0,-4 0,0 0,-3 0,-5 0,-6 0,-10 0,-4 0,-4 0,-1 0,2 0,-1 2,-5 3,-6 0,-7 0,-8-2,-7-1,10 2,4 2,20 2,0 0,-2-3,-9-2,-13-1,-7-1,-8-16,4 0,6-22,6 6,4-2,-6 8,-7 11,-7 6,-11 0,-11-5,-11-3,-9 1,-4 2,-4 6,-4 3,-6 2,-7 2,-4 0,-3 0,4 0,7 0,9-1,5-1,3-1,2 0,6 2,4 1,-3 0,-15 0,-23 6,-21 7,44-2,1 1,-37 15,27-4,29-7,17-6,10-4,1 6,2-4,0 5,0-1,-2 0,0 7,-1 3,-1 2,2-3,1-7,5-7,16 2,22 5,18 6,17 1,7-6,-3-7,-2-6,-6-2,-8 0,-1 0,-2 0,-1 0,-2 0,-5 0,-8 0,-5 0,-9 0,-6 0,-8 0,-7 0,-2 0,10 0,14 0,13 0,3 0,-10 0,-13 0,-15 0,-6 0</inkml:trace>
+</inkml:ink>
+</file>
+
+<file path=ppt/ink/ink38.xml><?xml version="1.0" encoding="utf-8"?>
+<inkml:ink xmlns:inkml="http://www.w3.org/2003/InkML">
+  <inkml:definitions>
+    <inkml:context xml:id="ctx0">
+      <inkml:inkSource xml:id="inkSrc0">
+        <inkml:traceFormat>
+          <inkml:channel name="X" type="integer" min="-2.14748E9" max="2.14748E9" units="cm"/>
+          <inkml:channel name="Y" type="integer" min="-2.14748E9" max="2.14748E9" units="cm"/>
+        </inkml:traceFormat>
+        <inkml:channelProperties>
+          <inkml:channelProperty channel="X" name="resolution" value="1000" units="1/cm"/>
+          <inkml:channelProperty channel="Y" name="resolution" value="1000" units="1/cm"/>
+        </inkml:channelProperties>
+      </inkml:inkSource>
+      <inkml:timestamp xml:id="ts0" timeString="2024-05-27T06:53:52.865"/>
+    </inkml:context>
+    <inkml:brush xml:id="br0">
+      <inkml:brushProperty name="width" value="0.2" units="cm"/>
+      <inkml:brushProperty name="height" value="0.4" units="cm"/>
+      <inkml:brushProperty name="color" value="#FFFC00"/>
+      <inkml:brushProperty name="tip" value="rectangle"/>
+      <inkml:brushProperty name="rasterOp" value="maskPen"/>
+    </inkml:brush>
+  </inkml:definitions>
+  <inkml:trace contextRef="#ctx0" brushRef="#br0">30 252,'93'0,"-13"0,-22 0,-21 0,-16-4,-11-7,-7-13,-3-14,0-4,0 4,0 13,0 13,0 6,-15 1,0-2,-14-2,9-1,4 2,6 1,3 4,-10 1,-7 2,-16 0,-2 2,3 3,14 2,10 1,10-1,4 3,1 2,0 0,0 6,-5 11,4-14,-4 9</inkml:trace>
+</inkml:ink>
+</file>
+
+<file path=ppt/ink/ink39.xml><?xml version="1.0" encoding="utf-8"?>
+<inkml:ink xmlns:inkml="http://www.w3.org/2003/InkML">
+  <inkml:definitions>
+    <inkml:context xml:id="ctx0">
+      <inkml:inkSource xml:id="inkSrc0">
+        <inkml:traceFormat>
+          <inkml:channel name="X" type="integer" min="-2.14748E9" max="2.14748E9" units="cm"/>
+          <inkml:channel name="Y" type="integer" min="-2.14748E9" max="2.14748E9" units="cm"/>
+        </inkml:traceFormat>
+        <inkml:channelProperties>
+          <inkml:channelProperty channel="X" name="resolution" value="1000" units="1/cm"/>
+          <inkml:channelProperty channel="Y" name="resolution" value="1000" units="1/cm"/>
+        </inkml:channelProperties>
+      </inkml:inkSource>
+      <inkml:timestamp xml:id="ts0" timeString="2024-05-27T06:53:54.947"/>
+    </inkml:context>
+    <inkml:brush xml:id="br0">
+      <inkml:brushProperty name="width" value="0.2" units="cm"/>
+      <inkml:brushProperty name="height" value="0.4" units="cm"/>
+      <inkml:brushProperty name="color" value="#FFFC00"/>
+      <inkml:brushProperty name="tip" value="rectangle"/>
+      <inkml:brushProperty name="rasterOp" value="maskPen"/>
+    </inkml:brush>
+  </inkml:definitions>
+  <inkml:trace contextRef="#ctx0" brushRef="#br0">1 162,'57'-11,"-10"3,-23 8,-6-4,6-3,12-5,6-5,0 2,-11 3,-13 4,-9 4,-6-4,-3-3,0-4,0 2,-1 3,-13 5,-14 3,-20 6,-5 4,3 2,15 0,14-4,12-4,5-2</inkml:trace>
+</inkml:ink>
+</file>
+
 <file path=ppt/ink/ink4.xml><?xml version="1.0" encoding="utf-8"?>
+<inkml:ink xmlns:inkml="http://www.w3.org/2003/InkML">
+  <inkml:definitions>
+    <inkml:context xml:id="ctx0">
+      <inkml:inkSource xml:id="inkSrc0">
+        <inkml:traceFormat>
+          <inkml:channel name="X" type="integer" min="-2.14748E9" max="2.14748E9" units="cm"/>
+          <inkml:channel name="Y" type="integer" min="-2.14748E9" max="2.14748E9" units="cm"/>
+        </inkml:traceFormat>
+        <inkml:channelProperties>
+          <inkml:channelProperty channel="X" name="resolution" value="1000" units="1/cm"/>
+          <inkml:channelProperty channel="Y" name="resolution" value="1000" units="1/cm"/>
+        </inkml:channelProperties>
+      </inkml:inkSource>
+      <inkml:timestamp xml:id="ts0" timeString="2024-05-27T06:29:36.926"/>
+    </inkml:context>
+    <inkml:brush xml:id="br0">
+      <inkml:brushProperty name="width" value="0.4" units="cm"/>
+      <inkml:brushProperty name="height" value="0.8" units="cm"/>
+      <inkml:brushProperty name="color" value="#FFFC00"/>
+      <inkml:brushProperty name="tip" value="rectangle"/>
+      <inkml:brushProperty name="rasterOp" value="maskPen"/>
+    </inkml:brush>
+  </inkml:definitions>
+  <inkml:trace contextRef="#ctx0" brushRef="#br0">0 8,'91'0,"0"0,-4-1,-2 0,-9-1,-4 0,-11 1,-4 0,29 3,-36 4,-31 3,-10-2,-7-2</inkml:trace>
+</inkml:ink>
+</file>
+
+<file path=ppt/ink/ink40.xml><?xml version="1.0" encoding="utf-8"?>
+<inkml:ink xmlns:inkml="http://www.w3.org/2003/InkML">
+  <inkml:definitions>
+    <inkml:context xml:id="ctx0">
+      <inkml:inkSource xml:id="inkSrc0">
+        <inkml:traceFormat>
+          <inkml:channel name="X" type="integer" min="-2.14748E9" max="2.14748E9" units="cm"/>
+          <inkml:channel name="Y" type="integer" min="-2.14748E9" max="2.14748E9" units="cm"/>
+        </inkml:traceFormat>
+        <inkml:channelProperties>
+          <inkml:channelProperty channel="X" name="resolution" value="1000" units="1/cm"/>
+          <inkml:channelProperty channel="Y" name="resolution" value="1000" units="1/cm"/>
+        </inkml:channelProperties>
+      </inkml:inkSource>
+      <inkml:timestamp xml:id="ts0" timeString="2024-05-27T06:54:05.947"/>
+    </inkml:context>
+    <inkml:brush xml:id="br0">
+      <inkml:brushProperty name="width" value="0.2" units="cm"/>
+      <inkml:brushProperty name="height" value="0.4" units="cm"/>
+      <inkml:brushProperty name="color" value="#FFFC00"/>
+      <inkml:brushProperty name="tip" value="rectangle"/>
+      <inkml:brushProperty name="rasterOp" value="maskPen"/>
+    </inkml:brush>
+  </inkml:definitions>
+  <inkml:trace contextRef="#ctx0" brushRef="#br0">1 21,'90'0,"1"0,-7 0,-19 0,-22 0,-8 0,9 0,22 0,18 0,3 0,-14 0,-24 0,-18 0,-11 0,6 0,16 0,23 0,22 0,3 0,-5 0,-11 0,-6 0,4 0,6 0,10 0,5 0,-4 0,-6 0,-7 0,-7 0,-1 0,-3 0,-4 0,-1 0,-9-4,-11-2,-10 0,-8 2,8 4,14 0,22 0,13 0,-1 0,-14 0,-21 0,-18 0,-16 0,-3 0</inkml:trace>
+</inkml:ink>
+</file>
+
+<file path=ppt/ink/ink41.xml><?xml version="1.0" encoding="utf-8"?>
+<inkml:ink xmlns:inkml="http://www.w3.org/2003/InkML">
+  <inkml:definitions>
+    <inkml:context xml:id="ctx0">
+      <inkml:inkSource xml:id="inkSrc0">
+        <inkml:traceFormat>
+          <inkml:channel name="X" type="integer" min="-2.14748E9" max="2.14748E9" units="cm"/>
+          <inkml:channel name="Y" type="integer" min="-2.14748E9" max="2.14748E9" units="cm"/>
+        </inkml:traceFormat>
+        <inkml:channelProperties>
+          <inkml:channelProperty channel="X" name="resolution" value="1000" units="1/cm"/>
+          <inkml:channelProperty channel="Y" name="resolution" value="1000" units="1/cm"/>
+        </inkml:channelProperties>
+      </inkml:inkSource>
+      <inkml:timestamp xml:id="ts0" timeString="2024-05-27T06:54:25.919"/>
+    </inkml:context>
+    <inkml:brush xml:id="br0">
+      <inkml:brushProperty name="width" value="0.2" units="cm"/>
+      <inkml:brushProperty name="height" value="0.4" units="cm"/>
+      <inkml:brushProperty name="color" value="#FFFC00"/>
+      <inkml:brushProperty name="tip" value="rectangle"/>
+      <inkml:brushProperty name="rasterOp" value="maskPen"/>
+    </inkml:brush>
+  </inkml:definitions>
+  <inkml:trace contextRef="#ctx0" brushRef="#br0">1 4,'60'0,"0"0,16 0,7 0,-12 0,4 0,3 0,13 0,3 0,1 0,0 0,0 0,0 0,-1 0,-1 0,-1 0,-8 0,-2 0,-1 0,-10 0,-3 0,0 0,31 0,-3 0,-10 0,-3 0,-5 0,-3 0,-3 0,-3 0,-5 0,-2 0,-3 0,-2 0,-3 0,-3 0,44 0,-9 0,-8 0,1 0,-3 0,1 0,-2 0,-3 0,-5 0,-8 0,-13 0,-12 0,-13 0,-9 0,-4-2,-2 1</inkml:trace>
+</inkml:ink>
+</file>
+
+<file path=ppt/ink/ink42.xml><?xml version="1.0" encoding="utf-8"?>
+<inkml:ink xmlns:inkml="http://www.w3.org/2003/InkML">
+  <inkml:definitions>
+    <inkml:context xml:id="ctx0">
+      <inkml:inkSource xml:id="inkSrc0">
+        <inkml:traceFormat>
+          <inkml:channel name="X" type="integer" min="-2.14748E9" max="2.14748E9" units="cm"/>
+          <inkml:channel name="Y" type="integer" min="-2.14748E9" max="2.14748E9" units="cm"/>
+        </inkml:traceFormat>
+        <inkml:channelProperties>
+          <inkml:channelProperty channel="X" name="resolution" value="1000" units="1/cm"/>
+          <inkml:channelProperty channel="Y" name="resolution" value="1000" units="1/cm"/>
+        </inkml:channelProperties>
+      </inkml:inkSource>
+      <inkml:timestamp xml:id="ts0" timeString="2024-05-27T06:54:41.369"/>
+    </inkml:context>
+    <inkml:brush xml:id="br0">
+      <inkml:brushProperty name="width" value="0.2" units="cm"/>
+      <inkml:brushProperty name="height" value="0.4" units="cm"/>
+      <inkml:brushProperty name="color" value="#FFFC00"/>
+      <inkml:brushProperty name="tip" value="rectangle"/>
+      <inkml:brushProperty name="rasterOp" value="maskPen"/>
+    </inkml:brush>
+  </inkml:definitions>
+  <inkml:trace contextRef="#ctx0" brushRef="#br0">0 427,'83'0,"-1"0,13 0,4 0,-23 0,3 0,1 0,3 0,1 0,1 0,0 0,1 0,-1 0,-3 0,-1 0,0 0,-3 0,-1 0,0 0,-3 0,-1 0,-2 0,30 0,-3 0,-2 1,-2-2,-6-1,-2 0,-3-2,0 0,-2 0,1 1,-3-1,0 1,1 1,-2 2,-3 0,-2 0,-3-1,-2-1,-5 0,0 0,-2-1,-1 0,-1-1,0 1,1 1,0 0,2-1,0 0,1 1,0 0,-2 1,0-1,-1-1,-1 0,-6 1,-1 0,42-1,-5-3,-4 2,1 1,0 0,0 3,2-2,9-1,-45 0,0-1,0 1,1 0,-2-1,0 1,42-4,-6 1,-2 0,-2 3,-2 1,-6 2,-3 0,-5 0,-1 0,2 0,-3 0,-1 0,4 0,5 0,3 0,0 0,-1 0,-4 0,-1 0,-9 0,-12 0,-15 0,-10 0,-2 0,2 0,1 0,-3 0,-6 0,-2 0,2 0,3 0,3 0,-4 0,-6 0,-4 0,-5-23,-1-11,-2-22,0 2,-5 9,-3 14,-10 11,-16 9,-21 6,-34 2,34 2,-3 0,-5 1,-2 0,-2 0,1 0,5 0,1 0,3 0,1 0,3 0,1 0,-47 0,48 0,0 0,-48 2,-1 1,1 3,4 5,1 3,0 5,45-8,0 0,-1-1,1 0,-47 9,7-6,8-7,-1-4,-5-2,-9 0,43-1,-2 0,-4-1,-3 0,-7-1,-4 0,-4-1,-1 1,-7 0,-1 2,-2-1,0 0,4 2,1 0,2 0,2 0,5 0,3 0,4 0,1 0,3 0,2 0,3 0,2 0,2 0,0 0,2 0,1 0,-44 0,4 0,6 0,12 0,2 0,4 0,-2-1,-6-5,-5-3,-9-4,-8-1,46 7,-2 1,-2 0,-1 2,1 0,-1 1,0 2,0 0,0 0,1 2,3-1,0 0,-48 0,5 0,9 0,15 0,18 0,19 0,2 3,-12 5,-25 5,-29 5,43-8,-1-1,2-1,3 0,-30 3,34-4,26-2,13 1,5 3,-2 9,-6 10,-2 6,1 6,6 1,4-2,2-4,0-9,0-7,6-8,11-2,30 2,44-1,-32-4,5-1,12-1,1-2,5-1,0-1,-3 0,1 0,-1 0,0 0,-6 0,0 0,-6 0,-1 0,2 0,0 0,0 0,2 0,9 0,3 0,5 0,0 0,5 0,1 0,-1 0,-2 0,-6 3,-1 1,-3 1,-1 1,-5 0,-1-1,2 1,0-2,2-2,2-1,3-1,0 0,1 0,0 0,-4 0,-1 0,-4 0,-1 0,-4 0,-1 0,3 0,1 0,4 0,2 0,3 0,1 0,3 0,0 0,-4 0,-2 2,-5 0,-2 1,-4 2,-2 0,-2 0,0 1,-2 0,0 2,-3-1,0 0,-1 0,-1 1,-1-1,0-1,0-1,-1-1,43 3,-15-4,-18-1,-3-2,21 0,-30 0,3 0,9 0,2 0,1 0,-2 0,-10 1,-4 1,21 0,-33 2,-19 1,-1 2,6 4,3 2,1-1,-7-5,-10-3,-10 0,-6 2</inkml:trace>
+</inkml:ink>
+</file>
+
+<file path=ppt/ink/ink43.xml><?xml version="1.0" encoding="utf-8"?>
+<inkml:ink xmlns:inkml="http://www.w3.org/2003/InkML">
+  <inkml:definitions>
+    <inkml:context xml:id="ctx0">
+      <inkml:inkSource xml:id="inkSrc0">
+        <inkml:traceFormat>
+          <inkml:channel name="X" type="integer" min="-2.14748E9" max="2.14748E9" units="cm"/>
+          <inkml:channel name="Y" type="integer" min="-2.14748E9" max="2.14748E9" units="cm"/>
+        </inkml:traceFormat>
+        <inkml:channelProperties>
+          <inkml:channelProperty channel="X" name="resolution" value="1000" units="1/cm"/>
+          <inkml:channelProperty channel="Y" name="resolution" value="1000" units="1/cm"/>
+        </inkml:channelProperties>
+      </inkml:inkSource>
+      <inkml:timestamp xml:id="ts0" timeString="2024-05-27T06:56:51.225"/>
+    </inkml:context>
+    <inkml:brush xml:id="br0">
+      <inkml:brushProperty name="width" value="0.2" units="cm"/>
+      <inkml:brushProperty name="height" value="0.4" units="cm"/>
+      <inkml:brushProperty name="color" value="#FFACD5"/>
+      <inkml:brushProperty name="tip" value="rectangle"/>
+      <inkml:brushProperty name="rasterOp" value="maskPen"/>
+    </inkml:brush>
+  </inkml:definitions>
+  <inkml:trace contextRef="#ctx0" brushRef="#br0">0 3656,'86'0,"-36"0,4-1,17-1,5-2,4-2,1-3,5-3,2-2,5-4,0-3,-26 5,0-2,0 1,3-2,0 1,0-1,1-2,-1 0,0-1,0 0,-1 0,0-1,-5 1,0-1,-1-1,0 0,0 0,-1 0,25-8,-1 0,-7 3,-2 2,-3 2,-2 2,-5 1,0 1,-1 1,-2-1,-3 1,0-1,-3 0,0 1,-2-1,-1 0,-1 1,-1 1,-2 0,0 1,-2 1,0-1,0 0,-1 0,1-2,1 0,0 0,0 0,-1 0,0 0,43-20,-9 4,-3 1,2 3,2 0,9 0,-42 15,1 1,4-1,1 1,3-1,2-1,1 0,2-2,3 0,0-1,6-4,1 0,10-3,3-1,-24 8,1 0,0 0,2-1,0 0,0 0,3 0,-1-1,1 1,-3-1,0-1,0 1,1-2,1 0,1-1,2 0,1 0,0 0,-1-1,1 0,-1 1,1 0,-1 1,-1 0,-3 1,-2 1,0 0,28-11,-1 2,-30 10,1 0,-1 2,31-10,0 1,-29 10,1-1,0 2,3-1,0 1,0 0,-2-1,0 1,0 0,0-1,0 0,-1 0,25-8,-1-1,-8 1,-1 1,-2 0,1 0,1 0,2 0,4 0,1 2,3 0,-1 2,-2 2,-2 1,-2 2,-2 0,-7 4,-1 0,-3 2,1 0,1 2,0 0,1 0,1 0,2-3,2-1,1-2,0-1,2-2,-1-2,2 0,-1 0,-2-1,-1-1,-6 1,-1 0,-6 0,-2 0,-6 1,-2-1,-4 3,-1-1,42-16,-6 3,-7 4,-8 4,-10 8,-6 6,-2 6,3 3,14 1,9-3,6-3,-13-1,-23-1,-19 3,-16 1,-8 1,-4-1</inkml:trace>
+</inkml:ink>
+</file>
+
+<file path=ppt/ink/ink44.xml><?xml version="1.0" encoding="utf-8"?>
+<inkml:ink xmlns:inkml="http://www.w3.org/2003/InkML">
+  <inkml:definitions>
+    <inkml:context xml:id="ctx0">
+      <inkml:inkSource xml:id="inkSrc0">
+        <inkml:traceFormat>
+          <inkml:channel name="X" type="integer" min="-2.14748E9" max="2.14748E9" units="cm"/>
+          <inkml:channel name="Y" type="integer" min="-2.14748E9" max="2.14748E9" units="cm"/>
+        </inkml:traceFormat>
+        <inkml:channelProperties>
+          <inkml:channelProperty channel="X" name="resolution" value="1000" units="1/cm"/>
+          <inkml:channelProperty channel="Y" name="resolution" value="1000" units="1/cm"/>
+        </inkml:channelProperties>
+      </inkml:inkSource>
+      <inkml:timestamp xml:id="ts0" timeString="2024-05-27T06:56:52.792"/>
+    </inkml:context>
+    <inkml:brush xml:id="br0">
+      <inkml:brushProperty name="width" value="0.2" units="cm"/>
+      <inkml:brushProperty name="height" value="0.4" units="cm"/>
+      <inkml:brushProperty name="color" value="#FFACD5"/>
+      <inkml:brushProperty name="tip" value="rectangle"/>
+      <inkml:brushProperty name="rasterOp" value="maskPen"/>
+    </inkml:brush>
+  </inkml:definitions>
+  <inkml:trace contextRef="#ctx0" brushRef="#br0">1 172,'95'0,"-2"0,-14 0,1 0,3 0,7 0,-37 0,1 0,5 0,2 0,4 0,2 0,1 0,0 0,-4 0,-1 0,-5 0,0 0,-4 0,-1 0,-2-1,-1-1,41-3,-19-3,-16-2,-6 2,14 0,25-2,-37 5,1 1,1-1,-1 1,30-3,-29 4,-15 1,1 2,13 0,10 0,-4 0,-13 0,-19 0,-15-3,6-11,45-16,-34 12,30-6</inkml:trace>
+</inkml:ink>
+</file>
+
+<file path=ppt/ink/ink45.xml><?xml version="1.0" encoding="utf-8"?>
+<inkml:ink xmlns:inkml="http://www.w3.org/2003/InkML">
+  <inkml:definitions>
+    <inkml:context xml:id="ctx0">
+      <inkml:inkSource xml:id="inkSrc0">
+        <inkml:traceFormat>
+          <inkml:channel name="X" type="integer" min="-2.14748E9" max="2.14748E9" units="cm"/>
+          <inkml:channel name="Y" type="integer" min="-2.14748E9" max="2.14748E9" units="cm"/>
+        </inkml:traceFormat>
+        <inkml:channelProperties>
+          <inkml:channelProperty channel="X" name="resolution" value="1000" units="1/cm"/>
+          <inkml:channelProperty channel="Y" name="resolution" value="1000" units="1/cm"/>
+        </inkml:channelProperties>
+      </inkml:inkSource>
+      <inkml:timestamp xml:id="ts0" timeString="2024-05-27T06:56:57.992"/>
+    </inkml:context>
+    <inkml:brush xml:id="br0">
+      <inkml:brushProperty name="width" value="0.2" units="cm"/>
+      <inkml:brushProperty name="height" value="0.4" units="cm"/>
+      <inkml:brushProperty name="color" value="#FF40FF"/>
+      <inkml:brushProperty name="tip" value="rectangle"/>
+      <inkml:brushProperty name="rasterOp" value="maskPen"/>
+    </inkml:brush>
+  </inkml:definitions>
+  <inkml:trace contextRef="#ctx0" brushRef="#br0">0 6823,'57'-46,"10"4,10-5,-33 22,1-1,7-5,0-2,3-5,1-2,5-3,2-2,3-4,1-2,2 0,0-1,2-1,0 1,-2 0,-1 1,-4 3,-1 1,-3 2,-2 0,-4 4,-2 1,-3 3,0 1,-5 3,0 1,37-24,-6 1,-8 4,-11 6,-12 10,-14 13,-10 5,0-1,5-6,5-2,0 2,-5 6,-3-3,8-8,21-19,20-18,-33 33,-1 0,31-27,-12 11,5-8,-23 21,4-2,12-9,3-1,5-6,1 1,-4 3,-2 3,-8 6,-3 2,27-23,-14 13,6-6,10-6,-4 3,-6 3,-21 19,-14 12,-3 4,5-6,4-3,1 0,-7 6,-6 8,3-3,17-5,19-11,11-4,-6 3,-20 11,-12 4,1-1,17-9,23-9,6-1,-6 2,-10 3,-4-2,18-12,-33 20,2-2,-1 0,-2 0,34-23,-20 9,-11 5,13-11,-23 19,3-2,3-1,0-1,-3 2,-1 2,19-16,-11 12,1-1,22-13,-21 14,4-3,8-4,0-2,-1 2,-3 1,-7 5,-3 3,24-18,0 1,-24 19,4-3,17-10,5-3,-18 12,3-2,0 0,1-1,1 0,-1-1,-2 0,0-1,-2 1,-2 1,-1 0,-1-1,1-2,-1-1,2-1,6-6,0-2,2-1,4-3,2-1,1 0,-13 10,2 0,0-1,0 1,2 0,1 1,1 1,-1 0,18-12,1 2,-1 2,0 1,0 0,-2 3,-6 4,-2 2,-1 0,-3 3,-2 0,-1 1,22-15,-8 5,-31 20,-6 3,17-13</inkml:trace>
+</inkml:ink>
+</file>
+
+<file path=ppt/ink/ink46.xml><?xml version="1.0" encoding="utf-8"?>
+<inkml:ink xmlns:inkml="http://www.w3.org/2003/InkML">
+  <inkml:definitions>
+    <inkml:context xml:id="ctx0">
+      <inkml:inkSource xml:id="inkSrc0">
+        <inkml:traceFormat>
+          <inkml:channel name="X" type="integer" min="-2.14748E9" max="2.14748E9" units="cm"/>
+          <inkml:channel name="Y" type="integer" min="-2.14748E9" max="2.14748E9" units="cm"/>
+        </inkml:traceFormat>
+        <inkml:channelProperties>
+          <inkml:channelProperty channel="X" name="resolution" value="1000" units="1/cm"/>
+          <inkml:channelProperty channel="Y" name="resolution" value="1000" units="1/cm"/>
+        </inkml:channelProperties>
+      </inkml:inkSource>
+      <inkml:timestamp xml:id="ts0" timeString="2024-05-27T06:56:59.442"/>
+    </inkml:context>
+    <inkml:brush xml:id="br0">
+      <inkml:brushProperty name="width" value="0.2" units="cm"/>
+      <inkml:brushProperty name="height" value="0.4" units="cm"/>
+      <inkml:brushProperty name="color" value="#FF40FF"/>
+      <inkml:brushProperty name="tip" value="rectangle"/>
+      <inkml:brushProperty name="rasterOp" value="maskPen"/>
+    </inkml:brush>
+  </inkml:definitions>
+  <inkml:trace contextRef="#ctx0" brushRef="#br0">0 2553,'54'-27,"0"0,7-5,2-2,7-7,3-2,4-3,2-2,-3-1,-1 1,0 0,0 0,1-1,0-1,4-2,0 1,4-3,-1 0,-2 1,-2 0,-6 2,-2-1,-7 4,-3 1,-3 0,-1-1,-3 2,-2 0,-1-1,-2 1,-2 2,-2 1,-4 4,-2 0,33-28,2 10,4 4,-31 26,1-1,7-3,2 0,4-3,1 0,2-2,1 0,-2 1,-1 0,-3 2,0-1,-2 1,-1 1,-1 1,-1 0,-1 1,-1 1,-1 0,-2 2,-4 2,0 2,32-20,-13 9,-15 10,-15 6,-14 6,-10 3,-7 7,-3 3</inkml:trace>
+</inkml:ink>
+</file>
+
+<file path=ppt/ink/ink47.xml><?xml version="1.0" encoding="utf-8"?>
+<inkml:ink xmlns:inkml="http://www.w3.org/2003/InkML">
+  <inkml:definitions>
+    <inkml:context xml:id="ctx0">
+      <inkml:inkSource xml:id="inkSrc0">
+        <inkml:traceFormat>
+          <inkml:channel name="X" type="integer" min="-2.14748E9" max="2.14748E9" units="cm"/>
+          <inkml:channel name="Y" type="integer" min="-2.14748E9" max="2.14748E9" units="cm"/>
+        </inkml:traceFormat>
+        <inkml:channelProperties>
+          <inkml:channelProperty channel="X" name="resolution" value="1000" units="1/cm"/>
+          <inkml:channelProperty channel="Y" name="resolution" value="1000" units="1/cm"/>
+        </inkml:channelProperties>
+      </inkml:inkSource>
+      <inkml:timestamp xml:id="ts0" timeString="2024-05-27T06:57:00.759"/>
+    </inkml:context>
+    <inkml:brush xml:id="br0">
+      <inkml:brushProperty name="width" value="0.2" units="cm"/>
+      <inkml:brushProperty name="height" value="0.4" units="cm"/>
+      <inkml:brushProperty name="color" value="#FF40FF"/>
+      <inkml:brushProperty name="tip" value="rectangle"/>
+      <inkml:brushProperty name="rasterOp" value="maskPen"/>
+    </inkml:brush>
+  </inkml:definitions>
+  <inkml:trace contextRef="#ctx0" brushRef="#br0">0 11,'94'0,"-31"0,4 0,6 0,2 0,5 0,0 0,2 0,-2 0,-9 0,-1 0,3 0,0 0,-3 0,-1 0,-3 0,-2 0,-2 0,-2 0,-1 0,-2 0,-2 0,-2 0,-1 0,-1 0,46 0,-8 0,-13 0,-16 0,-18 0,-15 0,-5 0,4-2,5-1,1 0,-4 1,-8 1,-2 1,5 0,1 0,1 0,-2 0,-14 0,-1 0</inkml:trace>
+</inkml:ink>
+</file>
+
+<file path=ppt/ink/ink48.xml><?xml version="1.0" encoding="utf-8"?>
+<inkml:ink xmlns:inkml="http://www.w3.org/2003/InkML">
+  <inkml:definitions>
+    <inkml:context xml:id="ctx0">
+      <inkml:inkSource xml:id="inkSrc0">
+        <inkml:traceFormat>
+          <inkml:channel name="X" type="integer" min="-2.14748E9" max="2.14748E9" units="cm"/>
+          <inkml:channel name="Y" type="integer" min="-2.14748E9" max="2.14748E9" units="cm"/>
+        </inkml:traceFormat>
+        <inkml:channelProperties>
+          <inkml:channelProperty channel="X" name="resolution" value="1000" units="1/cm"/>
+          <inkml:channelProperty channel="Y" name="resolution" value="1000" units="1/cm"/>
+        </inkml:channelProperties>
+      </inkml:inkSource>
+      <inkml:timestamp xml:id="ts0" timeString="2024-05-27T07:01:39.152"/>
+    </inkml:context>
+    <inkml:brush xml:id="br0">
+      <inkml:brushProperty name="width" value="0.2" units="cm"/>
+      <inkml:brushProperty name="height" value="0.4" units="cm"/>
+      <inkml:brushProperty name="color" value="#FFFC00"/>
+      <inkml:brushProperty name="tip" value="rectangle"/>
+      <inkml:brushProperty name="rasterOp" value="maskPen"/>
+    </inkml:brush>
+  </inkml:definitions>
+  <inkml:trace contextRef="#ctx0" brushRef="#br0">1 8183,'59'-18,"-12"4,-16 4,4-5,24-22,-9 2,5-6,12-9,2-2,2-1,0 1,-11 7,-5 5,18-12,-21 15,5-7,23-16,-26 20,3-1,5-3,0 1,-6 5,-2 3,29-18,-36 24,-21 11,-3-1,14-11,16-12,9-4,-3 3,-15 13,-17 10,-5 3,15-12,26-21,-17 16,3-2,6-2,0 0,-4 4,-2 2,26-17,-28 20,-21 8,-1-1,9-12,17-14,12-8,-4 3,-13 12,-16 15,-4 3,16-11,25-19,-21 19,4-1,7-5,0 1,-2 2,-2 1,-8 5,-3 2,18-13,-15 7,5-8,23-18,-26 22,2-1,6-3,0 0,-1 2,-1 2,-9 6,-2 2,30-20,-14 10,10-3,14-10,-31 20,0-2,4-1,-1-1,-4 3,-4 1,27-21,-29 19,-3-1,14-15,-16 18,3-2,5-3,0-1,0 3,-2 1,21-17,-17 13,3-1,-9 9,6-5,21-14,7-5,-17 14,1-2,1 0,1-1,-1 0,-1 1,19-14,-5 4,-19 13,-4 2,-10 7,-2 1,-1-1,2 0,11-9,3-3,11-7,4-3,9-6,0-1,-1 1,-2 3,-14 8,-4 2,-11 8,-4 2,23-23,5-9,-26 25,3-2,8-7,2 0,-1-1,-2 2,-8 10,-4 2,22-21,-12 15,21-9,-19 17,5-2,14-6,4-2,-20 14,2-1,0 1,-1 2,1 0,-3 1,22-11,-3 2,-5 1,-2 0,-6 2,0-2,3-5,0-2,7-6,-1-2,3-3,-1-1,1-3,0 0,-3 4,-1 2,-6 5,-2 1,-2 5,-2 2,-4 5,-2 1,-1 1,0 0,1-1,0-2,1 0,0-1,-2 0,-1 1,-7 2,-2 3,23-21,-16 13,1 3,26-14,-18 18,6-3,16-6,4-1,-22 12,1 1,-1 0,27-13,-3 3,-17 8,-5 4,20-7,-44 21,-26 12,-9 3</inkml:trace>
+</inkml:ink>
+</file>
+
+<file path=ppt/ink/ink49.xml><?xml version="1.0" encoding="utf-8"?>
+<inkml:ink xmlns:inkml="http://www.w3.org/2003/InkML">
+  <inkml:definitions>
+    <inkml:context xml:id="ctx0">
+      <inkml:inkSource xml:id="inkSrc0">
+        <inkml:traceFormat>
+          <inkml:channel name="X" type="integer" min="-2.14748E9" max="2.14748E9" units="cm"/>
+          <inkml:channel name="Y" type="integer" min="-2.14748E9" max="2.14748E9" units="cm"/>
+        </inkml:traceFormat>
+        <inkml:channelProperties>
+          <inkml:channelProperty channel="X" name="resolution" value="1000" units="1/cm"/>
+          <inkml:channelProperty channel="Y" name="resolution" value="1000" units="1/cm"/>
+        </inkml:channelProperties>
+      </inkml:inkSource>
+      <inkml:timestamp xml:id="ts0" timeString="2024-05-27T07:01:40.617"/>
+    </inkml:context>
+    <inkml:brush xml:id="br0">
+      <inkml:brushProperty name="width" value="0.2" units="cm"/>
+      <inkml:brushProperty name="height" value="0.4" units="cm"/>
+      <inkml:brushProperty name="color" value="#FFFC00"/>
+      <inkml:brushProperty name="tip" value="rectangle"/>
+      <inkml:brushProperty name="rasterOp" value="maskPen"/>
+    </inkml:brush>
+  </inkml:definitions>
+  <inkml:trace contextRef="#ctx0" brushRef="#br0">1 1403,'66'-29,"16"-13,-29 14,2-2,4-3,0 0,1-1,-1 1,-1 0,0 1,-1 0,1-1,2-3,0 1,1-3,1 0,1-2,0 0,-3-1,-2 0,-6 5,-4 0,29-24,-24 13,-22 17,-10 6,1-2,19-15,26-21,-23 24,2 0,-2 1,0 0,26-18,-24 23,-20 14,-2 4,2-4,3-2,-2 2,-12 9,-7 4</inkml:trace>
+</inkml:ink>
+</file>
+
+<file path=ppt/ink/ink5.xml><?xml version="1.0" encoding="utf-8"?>
+<inkml:ink xmlns:inkml="http://www.w3.org/2003/InkML">
+  <inkml:definitions>
+    <inkml:context xml:id="ctx0">
+      <inkml:inkSource xml:id="inkSrc0">
+        <inkml:traceFormat>
+          <inkml:channel name="X" type="integer" min="-2.14748E9" max="2.14748E9" units="cm"/>
+          <inkml:channel name="Y" type="integer" min="-2.14748E9" max="2.14748E9" units="cm"/>
+        </inkml:traceFormat>
+        <inkml:channelProperties>
+          <inkml:channelProperty channel="X" name="resolution" value="1000" units="1/cm"/>
+          <inkml:channelProperty channel="Y" name="resolution" value="1000" units="1/cm"/>
+        </inkml:channelProperties>
+      </inkml:inkSource>
+      <inkml:timestamp xml:id="ts0" timeString="2024-05-27T06:29:46.276"/>
+    </inkml:context>
+    <inkml:brush xml:id="br0">
+      <inkml:brushProperty name="width" value="0.4" units="cm"/>
+      <inkml:brushProperty name="height" value="0.8" units="cm"/>
+      <inkml:brushProperty name="color" value="#FFFC00"/>
+      <inkml:brushProperty name="tip" value="rectangle"/>
+      <inkml:brushProperty name="rasterOp" value="maskPen"/>
+    </inkml:brush>
+  </inkml:definitions>
+  <inkml:trace contextRef="#ctx0" brushRef="#br0">0 35,'98'-2,"-46"0,0-2,36-3,-14-1,-25 1,-23 5,-14 0,-6 1</inkml:trace>
+</inkml:ink>
+</file>
+
+<file path=ppt/ink/ink50.xml><?xml version="1.0" encoding="utf-8"?>
+<inkml:ink xmlns:inkml="http://www.w3.org/2003/InkML">
+  <inkml:definitions>
+    <inkml:context xml:id="ctx0">
+      <inkml:inkSource xml:id="inkSrc0">
+        <inkml:traceFormat>
+          <inkml:channel name="X" type="integer" min="-2.14748E9" max="2.14748E9" units="cm"/>
+          <inkml:channel name="Y" type="integer" min="-2.14748E9" max="2.14748E9" units="cm"/>
+        </inkml:traceFormat>
+        <inkml:channelProperties>
+          <inkml:channelProperty channel="X" name="resolution" value="1000" units="1/cm"/>
+          <inkml:channelProperty channel="Y" name="resolution" value="1000" units="1/cm"/>
+        </inkml:channelProperties>
+      </inkml:inkSource>
+      <inkml:timestamp xml:id="ts0" timeString="2024-05-27T07:01:42"/>
+    </inkml:context>
+    <inkml:brush xml:id="br0">
+      <inkml:brushProperty name="width" value="0.2" units="cm"/>
+      <inkml:brushProperty name="height" value="0.4" units="cm"/>
+      <inkml:brushProperty name="color" value="#FFFC00"/>
+      <inkml:brushProperty name="tip" value="rectangle"/>
+      <inkml:brushProperty name="rasterOp" value="maskPen"/>
+    </inkml:brush>
+  </inkml:definitions>
+  <inkml:trace contextRef="#ctx0" brushRef="#br0">1 177,'54'0,"1"0,3 0,1 0,-1 0,0 0,4 0,0 0,1 0,1 0,1 0,0 0,1 0,1 0,-2 0,1 0,-1 0,1 0,0-2,-1 1,1-2,0 0,-3 0,-1-1,-5 0,-1 1,-3 1,-2 1,40-1,-6 2,-1 0,-3 0,4 0,1 0,0-3,4-5,1-6,0-7,-7-1,-11 0,-17 7,-16 5,-15 5,-9 3,-7 0,4 2,17-3,22 0,22-3,7 0,-15 2,-20 1,-27 3,-11 0</inkml:trace>
+</inkml:ink>
+</file>
+
+<file path=ppt/ink/ink51.xml><?xml version="1.0" encoding="utf-8"?>
+<inkml:ink xmlns:inkml="http://www.w3.org/2003/InkML">
+  <inkml:definitions>
+    <inkml:context xml:id="ctx0">
+      <inkml:inkSource xml:id="inkSrc0">
+        <inkml:traceFormat>
+          <inkml:channel name="X" type="integer" min="-2.14748E9" max="2.14748E9" units="cm"/>
+          <inkml:channel name="Y" type="integer" min="-2.14748E9" max="2.14748E9" units="cm"/>
+        </inkml:traceFormat>
+        <inkml:channelProperties>
+          <inkml:channelProperty channel="X" name="resolution" value="1000" units="1/cm"/>
+          <inkml:channelProperty channel="Y" name="resolution" value="1000" units="1/cm"/>
+        </inkml:channelProperties>
+      </inkml:inkSource>
+      <inkml:timestamp xml:id="ts0" timeString="2024-05-27T07:01:55.883"/>
+    </inkml:context>
+    <inkml:brush xml:id="br0">
+      <inkml:brushProperty name="width" value="0.2" units="cm"/>
+      <inkml:brushProperty name="height" value="0.4" units="cm"/>
+      <inkml:brushProperty name="color" value="#FF9400"/>
+      <inkml:brushProperty name="tip" value="rectangle"/>
+      <inkml:brushProperty name="rasterOp" value="maskPen"/>
+    </inkml:brush>
+  </inkml:definitions>
+  <inkml:trace contextRef="#ctx0" brushRef="#br0">0 5919,'61'0,"1"-7,-6-9,8-11,12-9,9-9,-41 21,0-1,3-1,0-1,-3-1,-1 1,36-24,-8 5,-15 7,-7 6,-2 3,2-2,4-3,3-1,1-1,0 2,0 1,3 0,4-1,1-3,1-2,-4-1,-3 1,-4 1,0-3,4-1,6-4,7-1,0 1,0 1,2 0,7-5,-37 25,0-1,3 0,0-1,-1 2,-1-1,-1 2,0 0,38-24,-2-1,2-3,-5-1,1-3,-5 2,0 6,-1 2,2 2,6-2,4-3,-39 25,0-1,2-1,1-1,0-2,1 0,-1 0,0 0,-1-1,0 1,-3 2,-1 1,37-24,-3 4,-8 6,-1 3,-1 1,2 1,10 0,6-5,-38 18,0 0,2-3,1-2,1-1,0-2,0 0,0-1,-1-1,1 0,-2 1,0 0,-2 2,1 1,1 0,2 1,2-1,2 0,6-2,1-1,3 0,0-1,2-1,-1 0,-3 4,-2 0,-4 2,-1 0,-2-1,-1 1,-1-1,-1 0,-1-3,1-1,0 0,0-1,-1 2,-1 0,-2 2,1 1,1 0,1 2,-1 0,2 0,3-1,2-1,2-2,2 0,1-2,-1 0,-1 1,-2-1,-3 1,-3 0,-4 1,-3 1,36-29,-6 5,4 4,7 2,-40 24,-1 0,40-22,-17 5,-19 10,-17 9,-1 0,3-1,21-13,15-7,5 0,1 3,-5 10,7-2,-30 14,2-2,9-3,3-2,12-7,3-2,4-3,1-1,3-3,1 0,1-1,-2-1,-4 2,-2 0,-2 0,-3 1,-10 3,-4 2,-12 5,-4 1,15-10,-25 14,-15 11,-9 5,-4 2,-1 2</inkml:trace>
+</inkml:ink>
+</file>
+
+<file path=ppt/ink/ink52.xml><?xml version="1.0" encoding="utf-8"?>
+<inkml:ink xmlns:inkml="http://www.w3.org/2003/InkML">
+  <inkml:definitions>
+    <inkml:context xml:id="ctx0">
+      <inkml:inkSource xml:id="inkSrc0">
+        <inkml:traceFormat>
+          <inkml:channel name="X" type="integer" min="-2.14748E9" max="2.14748E9" units="cm"/>
+          <inkml:channel name="Y" type="integer" min="-2.14748E9" max="2.14748E9" units="cm"/>
+        </inkml:traceFormat>
+        <inkml:channelProperties>
+          <inkml:channelProperty channel="X" name="resolution" value="1000" units="1/cm"/>
+          <inkml:channelProperty channel="Y" name="resolution" value="1000" units="1/cm"/>
+        </inkml:channelProperties>
+      </inkml:inkSource>
+      <inkml:timestamp xml:id="ts0" timeString="2024-05-27T07:01:57.466"/>
+    </inkml:context>
+    <inkml:brush xml:id="br0">
+      <inkml:brushProperty name="width" value="0.2" units="cm"/>
+      <inkml:brushProperty name="height" value="0.4" units="cm"/>
+      <inkml:brushProperty name="color" value="#FF9400"/>
+      <inkml:brushProperty name="tip" value="rectangle"/>
+      <inkml:brushProperty name="rasterOp" value="maskPen"/>
+    </inkml:brush>
+  </inkml:definitions>
+  <inkml:trace contextRef="#ctx0" brushRef="#br0">1 1627,'40'0,"9"0,0 0,6 0,3-5,4-9,10-14,10-17,-37 18,1-2,4-3,-1 0,0 0,-2 0,-2 3,-3 0,33-20,-11 8,-3 4,7 1,4 0,8-4,0-1,-3 1,-4-1,-6 3,-4 0,-2-1,2 0,1-7,2-6,4-3,-4 2,-5 7,-14 11,-4 4,4 0,13-4,6-5,-4 3,-15 9,-7 4,13-9,17-10,-28 15,1 0,36-26,-19 14,-23 15,-20 15,-8 6</inkml:trace>
+</inkml:ink>
+</file>
+
+<file path=ppt/ink/ink53.xml><?xml version="1.0" encoding="utf-8"?>
+<inkml:ink xmlns:inkml="http://www.w3.org/2003/InkML">
+  <inkml:definitions>
+    <inkml:context xml:id="ctx0">
+      <inkml:inkSource xml:id="inkSrc0">
+        <inkml:traceFormat>
+          <inkml:channel name="X" type="integer" min="-2.14748E9" max="2.14748E9" units="cm"/>
+          <inkml:channel name="Y" type="integer" min="-2.14748E9" max="2.14748E9" units="cm"/>
+        </inkml:traceFormat>
+        <inkml:channelProperties>
+          <inkml:channelProperty channel="X" name="resolution" value="1000" units="1/cm"/>
+          <inkml:channelProperty channel="Y" name="resolution" value="1000" units="1/cm"/>
+        </inkml:channelProperties>
+      </inkml:inkSource>
+      <inkml:timestamp xml:id="ts0" timeString="2024-05-27T07:01:59.149"/>
+    </inkml:context>
+    <inkml:brush xml:id="br0">
+      <inkml:brushProperty name="width" value="0.2" units="cm"/>
+      <inkml:brushProperty name="height" value="0.4" units="cm"/>
+      <inkml:brushProperty name="color" value="#FF9400"/>
+      <inkml:brushProperty name="tip" value="rectangle"/>
+      <inkml:brushProperty name="rasterOp" value="maskPen"/>
+    </inkml:brush>
+  </inkml:definitions>
+  <inkml:trace contextRef="#ctx0" brushRef="#br0">0 1798,'48'-5,"5"-5,6-7,5-4,-2-3,5-8,8-10,9-6,-39 21,1-1,-2 0,-1 0,39-27,-5 0,-4 3,-1 2,-3 4,-1 1,-5 5,-2-1,3-6,5-10,-32 23,1 0,0-2,0 1,32-31,-9 11,-3 4,0 2,2-5,-2 4,-9 6,-10 9,-7 10,9-2,29-12,-20 12,4-1,10-5,1 0,0 1,-2 2,-11 5,-5 3,19-6,-30 14,-7 4,16-2,25-6,12-1,-3 4,-24 7,-21 3,-15 3,-10-1,-4 1</inkml:trace>
+</inkml:ink>
+</file>
+
+<file path=ppt/ink/ink54.xml><?xml version="1.0" encoding="utf-8"?>
+<inkml:ink xmlns:inkml="http://www.w3.org/2003/InkML">
+  <inkml:definitions>
+    <inkml:context xml:id="ctx0">
+      <inkml:inkSource xml:id="inkSrc0">
+        <inkml:traceFormat>
+          <inkml:channel name="X" type="integer" min="-2.14748E9" max="2.14748E9" units="cm"/>
+          <inkml:channel name="Y" type="integer" min="-2.14748E9" max="2.14748E9" units="cm"/>
+        </inkml:traceFormat>
+        <inkml:channelProperties>
+          <inkml:channelProperty channel="X" name="resolution" value="1000" units="1/cm"/>
+          <inkml:channelProperty channel="Y" name="resolution" value="1000" units="1/cm"/>
+        </inkml:channelProperties>
+      </inkml:inkSource>
+      <inkml:timestamp xml:id="ts0" timeString="2024-05-27T07:02:17.217"/>
+    </inkml:context>
+    <inkml:brush xml:id="br0">
+      <inkml:brushProperty name="width" value="0.2" units="cm"/>
+      <inkml:brushProperty name="height" value="0.4" units="cm"/>
+      <inkml:brushProperty name="color" value="#FF9400"/>
+      <inkml:brushProperty name="tip" value="rectangle"/>
+      <inkml:brushProperty name="rasterOp" value="maskPen"/>
+    </inkml:brush>
+  </inkml:definitions>
+  <inkml:trace contextRef="#ctx0" brushRef="#br0">1 35,'71'0,"1"0,-2 0,1 0,12 0,3 0,3 0,0 0,-1 0,0 0,1 0,-2 0,-10 0,-4 0,-9 0,-3 0,-6-1,-3-1,38-3,-3-1,2-2,1 2,3 2,-8 1,-5 3,-4 0,-3 0,5 0,6 0,5 3,-2 3,-12 1,-10-1,-6-4,-1 1,-1 0,-8 2,-15 0,-12-3,-10 2,-4-1,10-1,33 5,-25-5,18 3</inkml:trace>
+</inkml:ink>
+</file>
+
+<file path=ppt/ink/ink55.xml><?xml version="1.0" encoding="utf-8"?>
+<inkml:ink xmlns:inkml="http://www.w3.org/2003/InkML">
+  <inkml:definitions>
+    <inkml:context xml:id="ctx0">
+      <inkml:inkSource xml:id="inkSrc0">
+        <inkml:traceFormat>
+          <inkml:channel name="X" type="integer" min="-2.14748E9" max="2.14748E9" units="cm"/>
+          <inkml:channel name="Y" type="integer" min="-2.14748E9" max="2.14748E9" units="cm"/>
+        </inkml:traceFormat>
+        <inkml:channelProperties>
+          <inkml:channelProperty channel="X" name="resolution" value="1000" units="1/cm"/>
+          <inkml:channelProperty channel="Y" name="resolution" value="1000" units="1/cm"/>
+        </inkml:channelProperties>
+      </inkml:inkSource>
+      <inkml:timestamp xml:id="ts0" timeString="2024-05-27T07:02:18.700"/>
+    </inkml:context>
+    <inkml:brush xml:id="br0">
+      <inkml:brushProperty name="width" value="0.2" units="cm"/>
+      <inkml:brushProperty name="height" value="0.4" units="cm"/>
+      <inkml:brushProperty name="color" value="#FF9400"/>
+      <inkml:brushProperty name="tip" value="rectangle"/>
+      <inkml:brushProperty name="rasterOp" value="maskPen"/>
+    </inkml:brush>
+  </inkml:definitions>
+  <inkml:trace contextRef="#ctx0" brushRef="#br0">1 38,'57'0,"1"0,3 0,2 0,9 0,1 0,2 0,-1 0,1 0,1 0,-1 0,-1 0,-2 0,1 0,5 0,2 0,0 0,1 0,0 0,0 0,0 0,1 0,-5 0,-1 0,1 0,-1 0,-5 0,-2 0,-9 0,-4 0,33 0,-32 0,-21 0,-16 0,-10 0,1 0,19 0,31-3,29-4,4-3,-19 0,-28 5,-29 3,-8 2</inkml:trace>
+</inkml:ink>
+</file>
+
+<file path=ppt/ink/ink56.xml><?xml version="1.0" encoding="utf-8"?>
+<inkml:ink xmlns:inkml="http://www.w3.org/2003/InkML">
+  <inkml:definitions>
+    <inkml:context xml:id="ctx0">
+      <inkml:inkSource xml:id="inkSrc0">
+        <inkml:traceFormat>
+          <inkml:channel name="X" type="integer" min="-2.14748E9" max="2.14748E9" units="cm"/>
+          <inkml:channel name="Y" type="integer" min="-2.14748E9" max="2.14748E9" units="cm"/>
+        </inkml:traceFormat>
+        <inkml:channelProperties>
+          <inkml:channelProperty channel="X" name="resolution" value="1000" units="1/cm"/>
+          <inkml:channelProperty channel="Y" name="resolution" value="1000" units="1/cm"/>
+        </inkml:channelProperties>
+      </inkml:inkSource>
+      <inkml:timestamp xml:id="ts0" timeString="2024-05-27T07:44:36.487"/>
+    </inkml:context>
+    <inkml:brush xml:id="br0">
+      <inkml:brushProperty name="width" value="0.2" units="cm"/>
+      <inkml:brushProperty name="height" value="0.4" units="cm"/>
+      <inkml:brushProperty name="color" value="#00FDFF"/>
+      <inkml:brushProperty name="tip" value="rectangle"/>
+      <inkml:brushProperty name="rasterOp" value="maskPen"/>
+    </inkml:brush>
+  </inkml:definitions>
+  <inkml:trace contextRef="#ctx0" brushRef="#br0">0 1,'90'2,"1"0,-5 0,7-1,5 0,-21-1,4 0,3 0,1 0,1 0,10 0,2 0,1 0,1 0,0 0,-1 0,0 0,1 0,-2 0,0 0,-8 0,1 0,-2 0,-2 0,-1 0,10 0,-3 0,-1 0,-3 0,-11 0,-2 0,-1 0,-2 0,11 0,-1 0,-3 0,-4 0,-2 0,-1 0,-5 0,-1 0,0 0,28 0,-1 0,-7 0,0 0,-4-1,-1 2,-3 1,0 2,2 1,1 1,3 1,1 2,4 0,1 0,3-2,-1-1,-5-2,-2 0,-5-2,-4-1,-12 0,-4 1,35 4,-30 2,-25 2,-17-1,-13-1,-6 1,-4 16,-1-14,0 10</inkml:trace>
+</inkml:ink>
+</file>
+
+<file path=ppt/ink/ink57.xml><?xml version="1.0" encoding="utf-8"?>
+<inkml:ink xmlns:inkml="http://www.w3.org/2003/InkML">
+  <inkml:definitions>
+    <inkml:context xml:id="ctx0">
+      <inkml:inkSource xml:id="inkSrc0">
+        <inkml:traceFormat>
+          <inkml:channel name="X" type="integer" min="-2.14748E9" max="2.14748E9" units="cm"/>
+          <inkml:channel name="Y" type="integer" min="-2.14748E9" max="2.14748E9" units="cm"/>
+        </inkml:traceFormat>
+        <inkml:channelProperties>
+          <inkml:channelProperty channel="X" name="resolution" value="1000" units="1/cm"/>
+          <inkml:channelProperty channel="Y" name="resolution" value="1000" units="1/cm"/>
+        </inkml:channelProperties>
+      </inkml:inkSource>
+      <inkml:timestamp xml:id="ts0" timeString="2024-05-27T07:44:38.854"/>
+    </inkml:context>
+    <inkml:brush xml:id="br0">
+      <inkml:brushProperty name="width" value="0.2" units="cm"/>
+      <inkml:brushProperty name="height" value="0.4" units="cm"/>
+      <inkml:brushProperty name="color" value="#00FDFF"/>
+      <inkml:brushProperty name="tip" value="rectangle"/>
+      <inkml:brushProperty name="rasterOp" value="maskPen"/>
+    </inkml:brush>
+  </inkml:definitions>
+  <inkml:trace contextRef="#ctx0" brushRef="#br0">13020 1,'-56'6,"-14"18,19-2,-3 5,-15 15,-3 5,18-11,-2 3,-1 0,-7 7,-2 1,0 1,-4 2,-1 2,-1 0,-1 0,-1 1,0-1,0 0,1 0,0-2,4-3,1-1,1 0,3-3,1-1,1 0,3-4,0-2,1 1,-1-2,0 0,1-1,-26 13,1-1,5-3,2 1,4-2,3 1,6-3,3 1,4-1,2 1,2 1,1 1,1 1,0 1,-2 5,0 1,-3 2,-1 0,-3 3,-2-1,-2 1,-2 0,-1 1,-1 0,-3 0,-1 1,1-3,1 0,0 0,0 0,2-1,1 1,2 0,1 2,0 2,2 2,-1 2,1 2,-2 1,-1 3,17-18,-1 2,0 1,-2 3,-1 1,-1 2,-3 2,0 1,-1 0,-4 5,-2 1,-1 0,-4 2,-1-1,-3 1,12-14,-1 0,-1 0,0 0,-5 3,-1-1,0 1,-1 0,0 0,0 1,-1-1,0 0,1-1,-1-1,0 0,2-2,4-3,1 0,1-2,0 0,-16 10,2 0,0-3,5-4,1-1,1-2,7-3,0-2,1-1,1-2,1 0,0-1,-21 17,2-1,3-4,1-1,2 0,0 0,0 1,0-1,0-1,-1 0,1-1,0-1,-2-2,1 0,2-2,-1 0,0-2,-1 1,-1 2,-1 1,-6 7,-3 1,22-14,-3 0,0 1,-2 3,-2 2,0-1,0 1,-2 1,2-1,2 0,0 1,1-1,5 0,0-1,1 1,2-1,1 1,0-1,4-2,1 1,0-2,-19 19,0 0,20-17,-1 0,-1 2,-4 2,-1 2,-1 1,-10 10,-3 2,-2 2,9-9,-1 1,-3 2,0 0,9-8,-1 0,0 1,-1 0,0-1,-1 0,0 0,-1 0,1-1,1-1,-11 8,1-1,1-1,3-3,-7 5,2-2,6-6,-6 4,9-6,20-14,8-4,3 3,14-9,-5 10,-9 13,-7 8,6-2,10-15,10-13,6-14,2-7,2-4</inkml:trace>
+</inkml:ink>
+</file>
+
+<file path=ppt/ink/ink58.xml><?xml version="1.0" encoding="utf-8"?>
+<inkml:ink xmlns:inkml="http://www.w3.org/2003/InkML">
+  <inkml:definitions>
+    <inkml:context xml:id="ctx0">
+      <inkml:inkSource xml:id="inkSrc0">
+        <inkml:traceFormat>
+          <inkml:channel name="X" type="integer" min="-2.14748E9" max="2.14748E9" units="cm"/>
+          <inkml:channel name="Y" type="integer" min="-2.14748E9" max="2.14748E9" units="cm"/>
+        </inkml:traceFormat>
+        <inkml:channelProperties>
+          <inkml:channelProperty channel="X" name="resolution" value="1000" units="1/cm"/>
+          <inkml:channelProperty channel="Y" name="resolution" value="1000" units="1/cm"/>
+        </inkml:channelProperties>
+      </inkml:inkSource>
+      <inkml:timestamp xml:id="ts0" timeString="2024-05-27T07:44:45.203"/>
+    </inkml:context>
+    <inkml:brush xml:id="br0">
+      <inkml:brushProperty name="width" value="0.2" units="cm"/>
+      <inkml:brushProperty name="height" value="0.4" units="cm"/>
+      <inkml:brushProperty name="color" value="#FFACD5"/>
+      <inkml:brushProperty name="tip" value="rectangle"/>
+      <inkml:brushProperty name="rasterOp" value="maskPen"/>
+    </inkml:brush>
+  </inkml:definitions>
+  <inkml:trace contextRef="#ctx0" brushRef="#br0">1 3753,'57'-15,"1"0,26-11,8-6,-9 2,5-3,4-2,-10 4,4-1,1-1,2-1,-12 5,2 0,1-1,1 1,1-1,2 0,2 0,0 1,0-1,1 1,0-1,1 1,1 0,-1 1,1-1,-1 1,1 0,-1 0,1 1,0 0,0 0,-1 0,1 1,0-1,0 1,-1-1,0 0,0 0,0 0,-2-1,-3 2,-1 0,0 0,-1 0,-1 0,14-5,-2 0,-1 0,-2 0,-9 3,-2 0,-1 0,-2 1,20-8,-1 2,-3 0,-3 2,-3 0,0 1,-6 2,-1 2,-2 0,-2 1,-2 0,-1 2,-5 1,-1 0,-1 1,30-11,0 0,-5 2,-1 1,-6 2,0 1,-3 1,0 1,-1 2,0 0,1 0,1 1,-3 0,0 1,-3 0,-1 1,-1-1,1 0,0-1,1 0,4-2,2 1,5-1,0 0,5 0,1-1,3 0,0 0,2-1,0-1,-29 8,0 1,1-1,1 0,1 0,0-1,3 0,0-1,0 1,1 1,0-1,-1 1,-2 0,-1 0,-1 0,-3 2,0 1,-1 0,26-6,-2 2,-2 3,-1 1,-3 3,-1 1,-2 1,-1 2,0 0,0 1,-3 1,1 0,1 0,0 1,7-1,1 1,2 1,1-1,3 0,1 0,2 0,-1-2,-4 0,0-1,-1-1,-1-1,-3-2,0 1,-4-1,-1 1,-4-1,0 1,-1 0,-2-1,0 1,-1 0,-5 0,-2 1,-9 1,-2 0,42-9,-18 4,-15 3,-12 3,-21 3,-9 1,4 0,6-1,3 0,-3 0,-6 1,-8 1,4-1,4-3,7-3,9-4,7-5,5-5,9-6,5-10,1 0,-5 3,-15 8,-14 11,-9 5,-7 4,-2 1,-3 1,-2 3,-1 2,-3 0</inkml:trace>
+</inkml:ink>
+</file>
+
+<file path=ppt/ink/ink59.xml><?xml version="1.0" encoding="utf-8"?>
+<inkml:ink xmlns:inkml="http://www.w3.org/2003/InkML">
+  <inkml:definitions>
+    <inkml:context xml:id="ctx0">
+      <inkml:inkSource xml:id="inkSrc0">
+        <inkml:traceFormat>
+          <inkml:channel name="X" type="integer" min="-2.14748E9" max="2.14748E9" units="cm"/>
+          <inkml:channel name="Y" type="integer" min="-2.14748E9" max="2.14748E9" units="cm"/>
+        </inkml:traceFormat>
+        <inkml:channelProperties>
+          <inkml:channelProperty channel="X" name="resolution" value="1000" units="1/cm"/>
+          <inkml:channelProperty channel="Y" name="resolution" value="1000" units="1/cm"/>
+        </inkml:channelProperties>
+      </inkml:inkSource>
+      <inkml:timestamp xml:id="ts0" timeString="2024-05-27T07:44:46.604"/>
+    </inkml:context>
+    <inkml:brush xml:id="br0">
+      <inkml:brushProperty name="width" value="0.2" units="cm"/>
+      <inkml:brushProperty name="height" value="0.4" units="cm"/>
+      <inkml:brushProperty name="color" value="#FFACD5"/>
+      <inkml:brushProperty name="tip" value="rectangle"/>
+      <inkml:brushProperty name="rasterOp" value="maskPen"/>
+    </inkml:brush>
+  </inkml:definitions>
+  <inkml:trace contextRef="#ctx0" brushRef="#br0">1 36,'96'0,"1"0,-19 0,3 0,3 0,12 0,4 0,0 0,-21 0,2 0,-1 0,0 0,20 0,-1 0,-3 0,-7 0,-2 0,-2 0,-7 0,-2 0,-2 0,-5 0,0 0,-2 0,29-2,-2-1,-11 0,-5-1,-10 1,-5-1,22-4,-35 4,-25 2,-15 0,-4 2</inkml:trace>
+</inkml:ink>
+</file>
+
+<file path=ppt/ink/ink6.xml><?xml version="1.0" encoding="utf-8"?>
+<inkml:ink xmlns:inkml="http://www.w3.org/2003/InkML">
+  <inkml:definitions>
+    <inkml:context xml:id="ctx0">
+      <inkml:inkSource xml:id="inkSrc0">
+        <inkml:traceFormat>
+          <inkml:channel name="X" type="integer" min="-2.14748E9" max="2.14748E9" units="cm"/>
+          <inkml:channel name="Y" type="integer" min="-2.14748E9" max="2.14748E9" units="cm"/>
+        </inkml:traceFormat>
+        <inkml:channelProperties>
+          <inkml:channelProperty channel="X" name="resolution" value="1000" units="1/cm"/>
+          <inkml:channelProperty channel="Y" name="resolution" value="1000" units="1/cm"/>
+        </inkml:channelProperties>
+      </inkml:inkSource>
+      <inkml:timestamp xml:id="ts0" timeString="2024-05-27T06:30:07.959"/>
+    </inkml:context>
+    <inkml:brush xml:id="br0">
+      <inkml:brushProperty name="width" value="0.4" units="cm"/>
+      <inkml:brushProperty name="height" value="0.8" units="cm"/>
+      <inkml:brushProperty name="color" value="#FFFC00"/>
+      <inkml:brushProperty name="tip" value="rectangle"/>
+      <inkml:brushProperty name="rasterOp" value="maskPen"/>
+    </inkml:brush>
+  </inkml:definitions>
+  <inkml:trace contextRef="#ctx0" brushRef="#br0">0 1,'57'0,"0"0,-1 1,-2 0,41 5,-21 0,-24 1,-17-2,-1-3,15 0,26-2,18 0,6 0,-14 0,-24 0,-20 0,-19 0,-5 0,8 0,18 0,23 0,11-3,-4 0,-20 0,-20 0,-17 3,-9 0</inkml:trace>
+</inkml:ink>
+</file>
+
+<file path=ppt/ink/ink60.xml><?xml version="1.0" encoding="utf-8"?>
+<inkml:ink xmlns:inkml="http://www.w3.org/2003/InkML">
+  <inkml:definitions>
+    <inkml:context xml:id="ctx0">
+      <inkml:inkSource xml:id="inkSrc0">
+        <inkml:traceFormat>
+          <inkml:channel name="X" type="integer" min="-2.14748E9" max="2.14748E9" units="cm"/>
+          <inkml:channel name="Y" type="integer" min="-2.14748E9" max="2.14748E9" units="cm"/>
+        </inkml:traceFormat>
+        <inkml:channelProperties>
+          <inkml:channelProperty channel="X" name="resolution" value="1000" units="1/cm"/>
+          <inkml:channelProperty channel="Y" name="resolution" value="1000" units="1/cm"/>
+        </inkml:channelProperties>
+      </inkml:inkSource>
+      <inkml:timestamp xml:id="ts0" timeString="2024-05-27T07:44:50.270"/>
+    </inkml:context>
+    <inkml:brush xml:id="br0">
+      <inkml:brushProperty name="width" value="0.2" units="cm"/>
+      <inkml:brushProperty name="height" value="0.4" units="cm"/>
+      <inkml:brushProperty name="color" value="#FFACD5"/>
+      <inkml:brushProperty name="tip" value="rectangle"/>
+      <inkml:brushProperty name="rasterOp" value="maskPen"/>
+    </inkml:brush>
+  </inkml:definitions>
+  <inkml:trace contextRef="#ctx0" brushRef="#br0">0 646,'49'0,"1"0,7 0,8 0,25 0,-37 1,1-2,6-3,2-2,4-2,0-4,-1-3,0-2,2-4,0-1,-1 3,-1-1,-5 2,-2 2,-4 3,-1 2,44-3,-11 4,-6 4,-1 0,1-3,5-1,4-4,-3-2,-2 0,-4-4,0-1,-2-3,-1 0,2 2,1 1,7-1,-39 9,2-1,1-1,2-1,2-1,-1 0,-4 1,-1 0,29-9,-23 6,-22 8,-14 5,-7 3,6 3,-10 0,6 0</inkml:trace>
+</inkml:ink>
+</file>
+
+<file path=ppt/ink/ink61.xml><?xml version="1.0" encoding="utf-8"?>
+<inkml:ink xmlns:inkml="http://www.w3.org/2003/InkML">
+  <inkml:definitions>
+    <inkml:context xml:id="ctx0">
+      <inkml:inkSource xml:id="inkSrc0">
+        <inkml:traceFormat>
+          <inkml:channel name="X" type="integer" min="-2.14748E9" max="2.14748E9" units="cm"/>
+          <inkml:channel name="Y" type="integer" min="-2.14748E9" max="2.14748E9" units="cm"/>
+        </inkml:traceFormat>
+        <inkml:channelProperties>
+          <inkml:channelProperty channel="X" name="resolution" value="1000" units="1/cm"/>
+          <inkml:channelProperty channel="Y" name="resolution" value="1000" units="1/cm"/>
+        </inkml:channelProperties>
+      </inkml:inkSource>
+      <inkml:timestamp xml:id="ts0" timeString="2024-05-27T07:44:51.654"/>
+    </inkml:context>
+    <inkml:brush xml:id="br0">
+      <inkml:brushProperty name="width" value="0.2" units="cm"/>
+      <inkml:brushProperty name="height" value="0.4" units="cm"/>
+      <inkml:brushProperty name="color" value="#FFACD5"/>
+      <inkml:brushProperty name="tip" value="rectangle"/>
+      <inkml:brushProperty name="rasterOp" value="maskPen"/>
+    </inkml:brush>
+  </inkml:definitions>
+  <inkml:trace contextRef="#ctx0" brushRef="#br0">0 427,'80'0,"13"0,-41 0,3 0,3 0,1 0,4 0,1 0,2 0,1 0,-1 0,1 0,3 0,1 0,-4-2,0-1,-4-1,-1-1,-3-1,-2-2,-2-1,-2 0,-3-1,-2 0,46-10,-12 2,-16 3,-19 5,-18 2,-5 0,16-4,23-5,24-7,-38 12,-1 0,37-8,-23 5,-24 4,-16 2,1-6,14-5,20-8,12-4,3 5,-12 9,-28 10,-11 6</inkml:trace>
+</inkml:ink>
+</file>
+
+<file path=ppt/ink/ink62.xml><?xml version="1.0" encoding="utf-8"?>
+<inkml:ink xmlns:inkml="http://www.w3.org/2003/InkML">
+  <inkml:definitions>
+    <inkml:context xml:id="ctx0">
+      <inkml:inkSource xml:id="inkSrc0">
+        <inkml:traceFormat>
+          <inkml:channel name="X" type="integer" min="-2.14748E9" max="2.14748E9" units="cm"/>
+          <inkml:channel name="Y" type="integer" min="-2.14748E9" max="2.14748E9" units="cm"/>
+        </inkml:traceFormat>
+        <inkml:channelProperties>
+          <inkml:channelProperty channel="X" name="resolution" value="1000" units="1/cm"/>
+          <inkml:channelProperty channel="Y" name="resolution" value="1000" units="1/cm"/>
+        </inkml:channelProperties>
+      </inkml:inkSource>
+      <inkml:timestamp xml:id="ts0" timeString="2024-05-27T07:45:12.637"/>
+    </inkml:context>
+    <inkml:brush xml:id="br0">
+      <inkml:brushProperty name="width" value="0.2" units="cm"/>
+      <inkml:brushProperty name="height" value="0.4" units="cm"/>
+      <inkml:brushProperty name="color" value="#00FDFF"/>
+      <inkml:brushProperty name="tip" value="rectangle"/>
+      <inkml:brushProperty name="rasterOp" value="maskPen"/>
+    </inkml:brush>
+  </inkml:definitions>
+  <inkml:trace contextRef="#ctx0" brushRef="#br0">23 0,'0'72,"0"1,0 17,0 7,0-41,0 1,0 5,0 1,0 0,0-1,0-2,0-2,0-6,0-1,0 41,0-7,0-2,0-2,0-5,0-4,0-5,0 0,0 5,0 5,0 1,0 2,0-5,0-5,-5-5,-1-7,0-2,0-3,6-6,0-10,0-6,0 3,0 9,0 10,2 0,3-9,1-12,1-13,-1-8,0-6,11-1,19 0,33 2,-18-2,4-2,13 0,3 0,13-1,3-1,5 0,2-3,4-1,-1-2,0-4,-1-3,-6-2,-3-1,-8-1,-3 1,-11 1,-2 2,-9 3,-1 2,40-6,1 5,-44 5,1-1,4 1,2-1,3 1,1-1,2 2,0 0,-1-1,0 1,-3 1,-1 0,-2 0,-1 0,44 0,-7 2,-7 0,-2 0,2 0,7 0,6 0,-46 0,-1 0,3 0,-1 0,1 0,-1 0,0 0,0 0,-2 0,0 0,0 0,-1 0,44 0,-7 0,-11 0,-16 0,-13 0,-14 0,-13 0,-8 2,-8 7,-3 4</inkml:trace>
+</inkml:ink>
+</file>
+
+<file path=ppt/ink/ink63.xml><?xml version="1.0" encoding="utf-8"?>
+<inkml:ink xmlns:inkml="http://www.w3.org/2003/InkML">
+  <inkml:definitions>
+    <inkml:context xml:id="ctx0">
+      <inkml:inkSource xml:id="inkSrc0">
+        <inkml:traceFormat>
+          <inkml:channel name="X" type="integer" min="-2.14748E9" max="2.14748E9" units="cm"/>
+          <inkml:channel name="Y" type="integer" min="-2.14748E9" max="2.14748E9" units="cm"/>
+        </inkml:traceFormat>
+        <inkml:channelProperties>
+          <inkml:channelProperty channel="X" name="resolution" value="1000" units="1/cm"/>
+          <inkml:channelProperty channel="Y" name="resolution" value="1000" units="1/cm"/>
+        </inkml:channelProperties>
+      </inkml:inkSource>
+      <inkml:timestamp xml:id="ts0" timeString="2024-05-27T07:45:24.519"/>
+    </inkml:context>
+    <inkml:brush xml:id="br0">
+      <inkml:brushProperty name="width" value="0.2" units="cm"/>
+      <inkml:brushProperty name="height" value="0.4" units="cm"/>
+      <inkml:brushProperty name="color" value="#FFACD5"/>
+      <inkml:brushProperty name="tip" value="rectangle"/>
+      <inkml:brushProperty name="rasterOp" value="maskPen"/>
+    </inkml:brush>
+  </inkml:definitions>
+  <inkml:trace contextRef="#ctx0" brushRef="#br0">1 0,'0'65,"0"9,0 2,0 18,0-43,0 2,0 2,0 1,0 0,0-1,0-2,0-1,0-1,0-1,0 1,0 1,0 0,0 1,0 4,0 3,0 1,0 2,0 4,0 0,0 3,0 0,0-4,0-2,0-4,0-1,0-7,0-3,0 37,0-3,0-5,0 3,3 2,1 2,2 2,1 0,2 1,1-4,-1-3,-1-7,-3-14,-1-16,-2-16,-2-17,32-19,26-11,-10 3,5 0,11-1,2 2,1-1,-2 1,-7 2,-4 1,33-5,-33 8,-5 7,10 1,18-3,16 1,-41 0,0 0,2 1,0 0,-2 0,0 0,46 0,-10 1,-6 1,-1 0,5 0,9-2,-41 0,0 0,1 0,1 0,0 1,0 0,-1 0,0 2,-3-1,-1 0,44 0,-10 0,-11 0,-5 0,-3 0,-2 0,0 0,-2 0,-2 0,-8 0,-12 0,-12 0,-12 0,0 0,14 0,20 0,10 0,-5 0,-17 0,-24 0,-6 0</inkml:trace>
+</inkml:ink>
+</file>
+
+<file path=ppt/ink/ink64.xml><?xml version="1.0" encoding="utf-8"?>
+<inkml:ink xmlns:inkml="http://www.w3.org/2003/InkML">
+  <inkml:definitions>
+    <inkml:context xml:id="ctx0">
+      <inkml:inkSource xml:id="inkSrc0">
+        <inkml:traceFormat>
+          <inkml:channel name="X" type="integer" min="-2.14748E9" max="2.14748E9" units="cm"/>
+          <inkml:channel name="Y" type="integer" min="-2.14748E9" max="2.14748E9" units="cm"/>
+        </inkml:traceFormat>
+        <inkml:channelProperties>
+          <inkml:channelProperty channel="X" name="resolution" value="1000" units="1/cm"/>
+          <inkml:channelProperty channel="Y" name="resolution" value="1000" units="1/cm"/>
+        </inkml:channelProperties>
+      </inkml:inkSource>
+      <inkml:timestamp xml:id="ts0" timeString="2024-05-27T07:45:30.368"/>
+    </inkml:context>
+    <inkml:brush xml:id="br0">
+      <inkml:brushProperty name="width" value="0.2" units="cm"/>
+      <inkml:brushProperty name="height" value="0.4" units="cm"/>
+      <inkml:brushProperty name="color" value="#FFFC00"/>
+      <inkml:brushProperty name="tip" value="rectangle"/>
+      <inkml:brushProperty name="rasterOp" value="maskPen"/>
+    </inkml:brush>
+  </inkml:definitions>
+  <inkml:trace contextRef="#ctx0" brushRef="#br0">0 5870,'61'-34,"5"-9,12-12,-39 24,0-1,2 0,1-1,1-2,1-1,1-2,2-2,3-2,1 0,1-1,0 0,0 1,-1 0,1 2,-1 1,-2 0,-2 1,0 0,-1 0,-2 2,0 1,-2 1,-1 0,-2 1,-1 1,33-28,-1 2,-2 1,1 2,0-2,-2 0,4-1,1-4,-35 29,1 0,-1 0,1-1,1-1,0-1,-2 0,1 1,35-33,-1 1,-3 4,4-3,-34 32,1-2,1 0,1 0,0-1,-1 0,0 1,0-1,-4 3,0 0,35-32,1 2,-1 2,4 2,3-1,-37 30,0-1,1 0,1-2,-1-1,-1 0,-1 1,-2 0,34-33,-2 1,-35 32,1 0,1-2,0-1,2-1,-1-1,1 0,0-1,0 2,1 0,0 1,1 0,-1 1,0 1,0 1,-1 0,1 3,-1-1,4-1,1 0,1 0,2-1,1 0,1-1,-1 0,0-1,-4 5,-2 0,38-26,-10 6,-9 5,-4-1,2-2,4-5,6-4,-31 26,1-1,4-4,0 0,3-3,1 0,2-3,2 1,-1 1,0 0,0 1,1-1,0 2,1 0,1 1,-1 1,2-1,-1 1,-2 3,-1 1,-4 4,-2 1,34-21,-7 3,2 1,7-5,4 2,-8 4,-19 11,-21 10,-15 10,-9 4,6 0,6-4,21-10,18-6,7-2,-5 2,-20 9,-16 8,-19 7,-4 3</inkml:trace>
+</inkml:ink>
+</file>
+
+<file path=ppt/ink/ink65.xml><?xml version="1.0" encoding="utf-8"?>
+<inkml:ink xmlns:inkml="http://www.w3.org/2003/InkML">
+  <inkml:definitions>
+    <inkml:context xml:id="ctx0">
+      <inkml:inkSource xml:id="inkSrc0">
+        <inkml:traceFormat>
+          <inkml:channel name="X" type="integer" min="-2.14748E9" max="2.14748E9" units="cm"/>
+          <inkml:channel name="Y" type="integer" min="-2.14748E9" max="2.14748E9" units="cm"/>
+        </inkml:traceFormat>
+        <inkml:channelProperties>
+          <inkml:channelProperty channel="X" name="resolution" value="1000" units="1/cm"/>
+          <inkml:channelProperty channel="Y" name="resolution" value="1000" units="1/cm"/>
+        </inkml:channelProperties>
+      </inkml:inkSource>
+      <inkml:timestamp xml:id="ts0" timeString="2024-05-27T07:45:31.990"/>
+    </inkml:context>
+    <inkml:brush xml:id="br0">
+      <inkml:brushProperty name="width" value="0.2" units="cm"/>
+      <inkml:brushProperty name="height" value="0.4" units="cm"/>
+      <inkml:brushProperty name="color" value="#FFFC00"/>
+      <inkml:brushProperty name="tip" value="rectangle"/>
+      <inkml:brushProperty name="rasterOp" value="maskPen"/>
+    </inkml:brush>
+  </inkml:definitions>
+  <inkml:trace contextRef="#ctx0" brushRef="#br0">0 0,'93'0,"-43"0,2 0,7 0,2 0,1 0,1 0,-2 0,1 0,-1 0,0 0,-2 0,-1 0,-1 0,0 0,-1 0,1 0,-1 0,1 0,4 0,1 0,5 0,1 0,3 0,1 0,-2 0,-1 0,-7 1,-2 0,-7 0,-3 1,28 1,-20 0,-16-3,-15 0,-9 0,-5 0,5 0,11 0,8 0,1 0,-9 0,-16 0,-7 0</inkml:trace>
+</inkml:ink>
+</file>
+
+<file path=ppt/ink/ink66.xml><?xml version="1.0" encoding="utf-8"?>
+<inkml:ink xmlns:inkml="http://www.w3.org/2003/InkML">
+  <inkml:definitions>
+    <inkml:context xml:id="ctx0">
+      <inkml:inkSource xml:id="inkSrc0">
+        <inkml:traceFormat>
+          <inkml:channel name="X" type="integer" min="-2.14748E9" max="2.14748E9" units="cm"/>
+          <inkml:channel name="Y" type="integer" min="-2.14748E9" max="2.14748E9" units="cm"/>
+        </inkml:traceFormat>
+        <inkml:channelProperties>
+          <inkml:channelProperty channel="X" name="resolution" value="1000" units="1/cm"/>
+          <inkml:channelProperty channel="Y" name="resolution" value="1000" units="1/cm"/>
+        </inkml:channelProperties>
+      </inkml:inkSource>
+      <inkml:timestamp xml:id="ts0" timeString="2024-05-27T07:45:58.879"/>
+    </inkml:context>
+    <inkml:brush xml:id="br0">
+      <inkml:brushProperty name="width" value="0.2" units="cm"/>
+      <inkml:brushProperty name="height" value="0.4" units="cm"/>
+      <inkml:brushProperty name="color" value="#FFFC00"/>
+      <inkml:brushProperty name="tip" value="rectangle"/>
+      <inkml:brushProperty name="rasterOp" value="maskPen"/>
+    </inkml:brush>
+  </inkml:definitions>
+  <inkml:trace contextRef="#ctx0" brushRef="#br0">85 0,'0'59,"0"-1,-2 4,0 1,-1 5,-1 0,-2 1,0 0,-1 3,-1 1,0 3,1 1,0 4,0 0,2 0,0 0,2-4,1-1,0-8,2-3,0-5,0-2,0-2,0-1,0-3,0-2,0 44,0-10,0-9,0-3,0-1,0 1,0 0,0-1,2 1,2 3,5 10,3 10,-5-41,0 2,1 3,0 1,0 2,-1 0,1 1,0 0,0-3,0 0,-1-3,0 0,-1-5,0 0,-1-1,0 0,0 0,0 0,2 48,-3-49,-1 1,-1 38,-2-15,0-19,0-13,0-3,3 8,0 8,0-1,0-7,-3-13,0-12,0-9,0-4,0 4,0 1,0 11,0 0,0-1,0-6,0-6,0-4,0 10,0 3,0 9,0-3,0-8,0-6,0-4,0-4</inkml:trace>
+</inkml:ink>
+</file>
+
+<file path=ppt/ink/ink67.xml><?xml version="1.0" encoding="utf-8"?>
+<inkml:ink xmlns:inkml="http://www.w3.org/2003/InkML">
+  <inkml:definitions>
+    <inkml:context xml:id="ctx0">
+      <inkml:inkSource xml:id="inkSrc0">
+        <inkml:traceFormat>
+          <inkml:channel name="X" type="integer" min="-2.14748E9" max="2.14748E9" units="cm"/>
+          <inkml:channel name="Y" type="integer" min="-2.14748E9" max="2.14748E9" units="cm"/>
+        </inkml:traceFormat>
+        <inkml:channelProperties>
+          <inkml:channelProperty channel="X" name="resolution" value="1000" units="1/cm"/>
+          <inkml:channelProperty channel="Y" name="resolution" value="1000" units="1/cm"/>
+        </inkml:channelProperties>
+      </inkml:inkSource>
+      <inkml:timestamp xml:id="ts0" timeString="2024-05-27T07:46:05.735"/>
+    </inkml:context>
+    <inkml:brush xml:id="br0">
+      <inkml:brushProperty name="width" value="0.2" units="cm"/>
+      <inkml:brushProperty name="height" value="0.4" units="cm"/>
+      <inkml:brushProperty name="color" value="#FFFC00"/>
+      <inkml:brushProperty name="tip" value="rectangle"/>
+      <inkml:brushProperty name="rasterOp" value="maskPen"/>
+    </inkml:brush>
+  </inkml:definitions>
+  <inkml:trace contextRef="#ctx0" brushRef="#br0">1 1,'62'0,"-1"0,7 0,1 0,10 0,3 0,5 0,2 0,7 0,2 0,-32 0,2 0,-1 0,32 0,1 0,-33 0,1 0,0 0,31 0,0 0,-4 0,-2 0,-4 0,0 0,-4 0,-1 0,-5 0,-2 0,-3 0,-2 0,-5 0,-2 0,-8 0,-3 0,40 0,-9 2,-1 4,3 4,6 2,0 4,0 0,-1 3,-7 3,-5-3,-7 0,-9-4,-6-3,-7-3,-6-4,-1-2,-2-1,-3 1,-6 0,-8-2,-8-1,-5 0,6 0,19 0,27 0,26 0,4 0,-12 0,-24 0,-23 0,-6 0,5 3,15-1,12 1,1 0,-7-3,-15 0,-9 0,-1 0,8 0,8 0,4 0,-5 0,-10 0,-12 0,-8 0,-1 0,7 0,8 0,7 0,-1 0,-10 0,-11-2,-9 0,-5-2</inkml:trace>
+</inkml:ink>
+</file>
+
+<file path=ppt/ink/ink68.xml><?xml version="1.0" encoding="utf-8"?>
+<inkml:ink xmlns:inkml="http://www.w3.org/2003/InkML">
+  <inkml:definitions>
+    <inkml:context xml:id="ctx0">
+      <inkml:inkSource xml:id="inkSrc0">
+        <inkml:traceFormat>
+          <inkml:channel name="X" type="integer" min="-2.14748E9" max="2.14748E9" units="cm"/>
+          <inkml:channel name="Y" type="integer" min="-2.14748E9" max="2.14748E9" units="cm"/>
+        </inkml:traceFormat>
+        <inkml:channelProperties>
+          <inkml:channelProperty channel="X" name="resolution" value="1000" units="1/cm"/>
+          <inkml:channelProperty channel="Y" name="resolution" value="1000" units="1/cm"/>
+        </inkml:channelProperties>
+      </inkml:inkSource>
+      <inkml:timestamp xml:id="ts0" timeString="2024-05-27T07:46:26.366"/>
+    </inkml:context>
+    <inkml:brush xml:id="br0">
+      <inkml:brushProperty name="width" value="0.2" units="cm"/>
+      <inkml:brushProperty name="height" value="0.4" units="cm"/>
+      <inkml:brushProperty name="color" value="#00FDFF"/>
+      <inkml:brushProperty name="tip" value="rectangle"/>
+      <inkml:brushProperty name="rasterOp" value="maskPen"/>
+    </inkml:brush>
+  </inkml:definitions>
+  <inkml:trace contextRef="#ctx0" brushRef="#br0">0 1,'60'4,"12"-1,18-3,-38 0,2 0,0 0,-1 0,1 0,-1 0,41 0,-17 0,-20 0,-22 0,-14 0,-5 0,11 0,15 0,15 0,0 0,-13 0,-18 2,-15 2,-7 0,-4 1</inkml:trace>
+</inkml:ink>
+</file>
+
+<file path=ppt/ink/ink69.xml><?xml version="1.0" encoding="utf-8"?>
+<inkml:ink xmlns:inkml="http://www.w3.org/2003/InkML">
+  <inkml:definitions>
+    <inkml:context xml:id="ctx0">
+      <inkml:inkSource xml:id="inkSrc0">
+        <inkml:traceFormat>
+          <inkml:channel name="X" type="integer" min="-2.14748E9" max="2.14748E9" units="cm"/>
+          <inkml:channel name="Y" type="integer" min="-2.14748E9" max="2.14748E9" units="cm"/>
+        </inkml:traceFormat>
+        <inkml:channelProperties>
+          <inkml:channelProperty channel="X" name="resolution" value="1000" units="1/cm"/>
+          <inkml:channelProperty channel="Y" name="resolution" value="1000" units="1/cm"/>
+        </inkml:channelProperties>
+      </inkml:inkSource>
+      <inkml:timestamp xml:id="ts0" timeString="2024-05-27T07:46:30.218"/>
+    </inkml:context>
+    <inkml:brush xml:id="br0">
+      <inkml:brushProperty name="width" value="0.2" units="cm"/>
+      <inkml:brushProperty name="height" value="0.4" units="cm"/>
+      <inkml:brushProperty name="color" value="#FFACD5"/>
+      <inkml:brushProperty name="tip" value="rectangle"/>
+      <inkml:brushProperty name="rasterOp" value="maskPen"/>
+    </inkml:brush>
+  </inkml:definitions>
+  <inkml:trace contextRef="#ctx0" brushRef="#br0">0 0,'64'0,"14"0,21 0,-45 0,0 0,45 0,-5 0,-8 0,-3 0,7 0,5 0,-44 0,1 0,48 0,-17 0,-21 0,-24 0,-14 0,4 0,11 0,9 0,0 0,-13 0,-16 0,-10 0</inkml:trace>
+</inkml:ink>
+</file>
+
+<file path=ppt/ink/ink7.xml><?xml version="1.0" encoding="utf-8"?>
+<inkml:ink xmlns:inkml="http://www.w3.org/2003/InkML">
+  <inkml:definitions>
+    <inkml:context xml:id="ctx0">
+      <inkml:inkSource xml:id="inkSrc0">
+        <inkml:traceFormat>
+          <inkml:channel name="X" type="integer" min="-2.14748E9" max="2.14748E9" units="cm"/>
+          <inkml:channel name="Y" type="integer" min="-2.14748E9" max="2.14748E9" units="cm"/>
+        </inkml:traceFormat>
+        <inkml:channelProperties>
+          <inkml:channelProperty channel="X" name="resolution" value="1000" units="1/cm"/>
+          <inkml:channelProperty channel="Y" name="resolution" value="1000" units="1/cm"/>
+        </inkml:channelProperties>
+      </inkml:inkSource>
+      <inkml:timestamp xml:id="ts0" timeString="2024-05-27T06:30:25.274"/>
+    </inkml:context>
+    <inkml:brush xml:id="br0">
+      <inkml:brushProperty name="width" value="0.4" units="cm"/>
+      <inkml:brushProperty name="height" value="0.8" units="cm"/>
+      <inkml:brushProperty name="color" value="#FFFC00"/>
+      <inkml:brushProperty name="tip" value="rectangle"/>
+      <inkml:brushProperty name="rasterOp" value="maskPen"/>
+    </inkml:brush>
+  </inkml:definitions>
+  <inkml:trace contextRef="#ctx0" brushRef="#br0">0 1,'75'12,"-14"-4,-36-1,-9-4,11-1,-7 0,11 0,-13-1,8 2,-1-2,7 3,-8-4,-5 0</inkml:trace>
+</inkml:ink>
+</file>
+
+<file path=ppt/ink/ink8.xml><?xml version="1.0" encoding="utf-8"?>
+<inkml:ink xmlns:inkml="http://www.w3.org/2003/InkML">
+  <inkml:definitions>
+    <inkml:context xml:id="ctx0">
+      <inkml:inkSource xml:id="inkSrc0">
+        <inkml:traceFormat>
+          <inkml:channel name="X" type="integer" min="-2.14748E9" max="2.14748E9" units="cm"/>
+          <inkml:channel name="Y" type="integer" min="-2.14748E9" max="2.14748E9" units="cm"/>
+        </inkml:traceFormat>
+        <inkml:channelProperties>
+          <inkml:channelProperty channel="X" name="resolution" value="1000" units="1/cm"/>
+          <inkml:channelProperty channel="Y" name="resolution" value="1000" units="1/cm"/>
+        </inkml:channelProperties>
+      </inkml:inkSource>
+      <inkml:timestamp xml:id="ts0" timeString="2024-05-27T06:30:27.242"/>
+    </inkml:context>
+    <inkml:brush xml:id="br0">
+      <inkml:brushProperty name="width" value="0.4" units="cm"/>
+      <inkml:brushProperty name="height" value="0.8" units="cm"/>
+      <inkml:brushProperty name="color" value="#FFFC00"/>
+      <inkml:brushProperty name="tip" value="rectangle"/>
+      <inkml:brushProperty name="rasterOp" value="maskPen"/>
+    </inkml:brush>
+  </inkml:definitions>
+  <inkml:trace contextRef="#ctx0" brushRef="#br0">0 1,'66'0,"-11"0,-29 0,2 0,10 0,12 0,6 0,-9 0,-13 0,-13 1,-2 5,-3 2</inkml:trace>
+</inkml:ink>
+</file>
+
+<file path=ppt/ink/ink9.xml><?xml version="1.0" encoding="utf-8"?>
 <inkml:ink xmlns:inkml="http://www.w3.org/2003/InkML">
   <inkml:definitions>
     <inkml:context xml:id="ctx0">
@@ -487,146 +2083,6 @@
     </inkml:brush>
   </inkml:definitions>
   <inkml:trace contextRef="#ctx0" brushRef="#br0">1 0,'53'5,"1"0,-1 0,-1 2,30 8,4 0,-1-1,1 0,-4-2,-6-2,-9-2,-12-1,-3-2,-1-1,7-2,3-2,3 0,1 0,-4 0,2 0,1 2,3 1,4 0,4-1,4-2,4 0,6 0,1 2,2 3,1 2,-3 3,-4 0,-6-1,-9-1,-7-1,-5-1,-5-2,1-2,-2-2,1 0,0 2,1 1,3-1,2 2,7-1,5 1,0 1,2-1,-2 0,4-1,6 1,2 1,2-3,-4 3,-2-1,-2 1,-3 3,4 0,1 0,-1 3,0-1,-3-1,-5-1,-2 0,-1 1,-1-2,-3 0,-6-1,-4 0,0 0,-2-2,0 1,-5-2,-3 1,-3 1,-5-1,-3 0,-1-1,2 1,3-2,3 0,-1-2,-2 0,-1 0,-4 0,-3 0,-2 0,-5 0,-2 0,4 0,-1 0,11 0,0 0,2 0,-3 0,-8 0,-8 0,-4 0</inkml:trace>
-</inkml:ink>
-</file>
-
-<file path=ppt/ink/ink5.xml><?xml version="1.0" encoding="utf-8"?>
-<inkml:ink xmlns:inkml="http://www.w3.org/2003/InkML">
-  <inkml:definitions>
-    <inkml:context xml:id="ctx0">
-      <inkml:inkSource xml:id="inkSrc0">
-        <inkml:traceFormat>
-          <inkml:channel name="X" type="integer" min="-2.14748E9" max="2.14748E9" units="cm"/>
-          <inkml:channel name="Y" type="integer" min="-2.14748E9" max="2.14748E9" units="cm"/>
-        </inkml:traceFormat>
-        <inkml:channelProperties>
-          <inkml:channelProperty channel="X" name="resolution" value="1000" units="1/cm"/>
-          <inkml:channelProperty channel="Y" name="resolution" value="1000" units="1/cm"/>
-        </inkml:channelProperties>
-      </inkml:inkSource>
-      <inkml:timestamp xml:id="ts0" timeString="2023-11-14T04:30:42.340"/>
-    </inkml:context>
-    <inkml:brush xml:id="br0">
-      <inkml:brushProperty name="width" value="0.4" units="cm"/>
-      <inkml:brushProperty name="height" value="0.8" units="cm"/>
-      <inkml:brushProperty name="color" value="#FFFC00"/>
-      <inkml:brushProperty name="tip" value="rectangle"/>
-      <inkml:brushProperty name="rasterOp" value="maskPen"/>
-    </inkml:brush>
-  </inkml:definitions>
-  <inkml:trace contextRef="#ctx0" brushRef="#br0">1 1,'64'0,"1"0,6 0,3 0,2 0,4 0,-11 0,5 0,2 0,13 0,3 0,1 0,-17 0,0 0,1 0,0 0,-1 0,0 0,0 0,0 0,21 0,0 1,-2 1,-11 0,-1 1,-2 1,-6 0,-1 0,-2 1,26 3,-4 1,-17-1,-3-1,-5-2,-2 0,-8-2,-1 1,-4-2,-1 0,45 1,-10 2,-12 0,-11 2,-9 0,-6-1,-5-1,-5-2,0-1,-1 0,1 0,-2 0,2 1,2 0,-2 1,2 0,0-1,1-2,5-1,1 0,4 3,5-1,3 1,1 0,-5 0,-7-1,-6 0,-4-2,-4 0,-3 0,-7 0,-5 0,-2 2,2 1,2 1,9-1,-5 1,-4-2,-6 1</inkml:trace>
-</inkml:ink>
-</file>
-
-<file path=ppt/ink/ink6.xml><?xml version="1.0" encoding="utf-8"?>
-<inkml:ink xmlns:inkml="http://www.w3.org/2003/InkML">
-  <inkml:definitions>
-    <inkml:context xml:id="ctx0">
-      <inkml:inkSource xml:id="inkSrc0">
-        <inkml:traceFormat>
-          <inkml:channel name="X" type="integer" min="-2.14748E9" max="2.14748E9" units="cm"/>
-          <inkml:channel name="Y" type="integer" min="-2.14748E9" max="2.14748E9" units="cm"/>
-        </inkml:traceFormat>
-        <inkml:channelProperties>
-          <inkml:channelProperty channel="X" name="resolution" value="1000" units="1/cm"/>
-          <inkml:channelProperty channel="Y" name="resolution" value="1000" units="1/cm"/>
-        </inkml:channelProperties>
-      </inkml:inkSource>
-      <inkml:timestamp xml:id="ts0" timeString="2023-11-14T04:30:45.826"/>
-    </inkml:context>
-    <inkml:brush xml:id="br0">
-      <inkml:brushProperty name="width" value="0.4" units="cm"/>
-      <inkml:brushProperty name="height" value="0.8" units="cm"/>
-      <inkml:brushProperty name="color" value="#FFFC00"/>
-      <inkml:brushProperty name="tip" value="rectangle"/>
-      <inkml:brushProperty name="rasterOp" value="maskPen"/>
-    </inkml:brush>
-  </inkml:definitions>
-  <inkml:trace contextRef="#ctx0" brushRef="#br0">1 1,'80'0,"1"0,10 0,2 0,-26 0,1 0,1 0,6 1,0 0,1 1,1 1,0 1,-1 1,-3-1,-2 2,0 0,-3 0,0 1,-2 0,29 2,-2 0,-5-3,-1 0,-5-1,-1 1,-3 0,-1 0,-1 0,0 1,-1 1,0 1,-2-1,-1 0,-4-1,-1-1,-3 1,-1 0,-3-1,-1 0,-2 0,0 0,1 0,1 0,0-1,1 0,0 0,1-1,-4 0,0-1,-5 0,-1 0,42 5,-6-2,0 2,-1-2,-1-1,-10-1,-12 0,-12 0,-11-2,-4 1,-2 0,3-1,5 0,1-2,2 0,-1 0,0 0,0 0,1 0,0 0,-2 0,-4 0,-4 0,-4 0,0 0,-2 0,0 0,-3 1,-5 1,-1 0,5 0,-3-2,3 0,-7 0,4 0,-7-15,5-4</inkml:trace>
-</inkml:ink>
-</file>
-
-<file path=ppt/ink/ink7.xml><?xml version="1.0" encoding="utf-8"?>
-<inkml:ink xmlns:inkml="http://www.w3.org/2003/InkML">
-  <inkml:definitions>
-    <inkml:context xml:id="ctx0">
-      <inkml:inkSource xml:id="inkSrc0">
-        <inkml:traceFormat>
-          <inkml:channel name="X" type="integer" min="-2.14748E9" max="2.14748E9" units="cm"/>
-          <inkml:channel name="Y" type="integer" min="-2.14748E9" max="2.14748E9" units="cm"/>
-        </inkml:traceFormat>
-        <inkml:channelProperties>
-          <inkml:channelProperty channel="X" name="resolution" value="1000" units="1/cm"/>
-          <inkml:channelProperty channel="Y" name="resolution" value="1000" units="1/cm"/>
-        </inkml:channelProperties>
-      </inkml:inkSource>
-      <inkml:timestamp xml:id="ts0" timeString="2023-11-14T04:45:43.738"/>
-    </inkml:context>
-    <inkml:brush xml:id="br0">
-      <inkml:brushProperty name="width" value="0.4" units="cm"/>
-      <inkml:brushProperty name="height" value="0.8" units="cm"/>
-      <inkml:brushProperty name="color" value="#FFFC00"/>
-      <inkml:brushProperty name="tip" value="rectangle"/>
-      <inkml:brushProperty name="rasterOp" value="maskPen"/>
-    </inkml:brush>
-  </inkml:definitions>
-  <inkml:trace contextRef="#ctx0" brushRef="#br0">0 19,'83'0,"0"0,13 0,4 0,-22 0,2 0,2 0,12 0,2 0,2 0,-21 0,1 0,2 0,-1 0,5 0,0 0,1 0,1 0,1 0,1 0,0 0,-2 0,-4 0,0 0,-1 0,-2 0,21 0,-2 0,-3 0,-10 0,-1 0,-3 0,-7 0,-1 0,-2 0,29 0,-2 0,-4 0,-1 0,-2 0,-1 0,-6 0,-1 0,-7 0,-3 0,-9 0,-3 0,-8 0,-3 0,39 0,-4 0,-3 0,-3 0,-7-4,-8-1,-6 0,-3 1,-1 4,-4 0,-2 0,-1 0,-5 0,-2 0,-6 0,-3 0,0 0,-1 0,-1 0,-6 0,-4 0,3 0,1 0,16 0,16 0,8 0,-6 0,-15 0,-21 0,-8 0</inkml:trace>
-</inkml:ink>
-</file>
-
-<file path=ppt/ink/ink8.xml><?xml version="1.0" encoding="utf-8"?>
-<inkml:ink xmlns:inkml="http://www.w3.org/2003/InkML">
-  <inkml:definitions>
-    <inkml:context xml:id="ctx0">
-      <inkml:inkSource xml:id="inkSrc0">
-        <inkml:traceFormat>
-          <inkml:channel name="X" type="integer" min="-2.14748E9" max="2.14748E9" units="cm"/>
-          <inkml:channel name="Y" type="integer" min="-2.14748E9" max="2.14748E9" units="cm"/>
-        </inkml:traceFormat>
-        <inkml:channelProperties>
-          <inkml:channelProperty channel="X" name="resolution" value="1000" units="1/cm"/>
-          <inkml:channelProperty channel="Y" name="resolution" value="1000" units="1/cm"/>
-        </inkml:channelProperties>
-      </inkml:inkSource>
-      <inkml:timestamp xml:id="ts0" timeString="2023-11-14T04:45:53.589"/>
-    </inkml:context>
-    <inkml:brush xml:id="br0">
-      <inkml:brushProperty name="width" value="0.4" units="cm"/>
-      <inkml:brushProperty name="height" value="0.8" units="cm"/>
-      <inkml:brushProperty name="color" value="#FFFC00"/>
-      <inkml:brushProperty name="tip" value="rectangle"/>
-      <inkml:brushProperty name="rasterOp" value="maskPen"/>
-    </inkml:brush>
-  </inkml:definitions>
-  <inkml:trace contextRef="#ctx0" brushRef="#br0">1 1,'93'0,"6"0,-49 0,2 0,4 0,3 0,4 0,2 0,3 0,1 0,6 0,1 0,3 0,0 0,0 0,-1 0,-5-1,-1 2,-7 0,-3 2,-7 0,-3 0,38 5,-15 0,-11-3,-6 0,-7 0,-2 1,1 0,0 2,0 0,-1-2,-1 0,4 0,2 0,4 0,4 1,8-2,12 1,11-1,5 0,-3 3,-9 1,-12 0,-13-1,-13-2,-13 0,-11-2,-11 0,14 4,35 2,-6-1,10 1,-1-2,6 0,3 1,19 2,4 1,4 0,-19-2,3 0,1 0,1 1,5 0,1 2,1-1,-2 1,-4-1,0 1,-1 0,-1 0,-7 0,-1 0,-2 0,0 0,15 3,-1 1,-4-1,-11-1,-2 0,-3-1,23 5,-4-1,-9-3,-3-1,-12-4,-3-1,-9-4,-2-1,30-1,-22-3,-18 0,-15 0,-7 0,-1 0,7 0,7 0,2 0,-4 0,-9 0,-5 0,16-11,5-2,27-13,4 1,3 2,-7 3,-12 3,-12 7,-12 4,-9 1,8 1,6-2,20-5,8 2,0-1,-13 3,-14 4,-14 1,2-2,2 1,16-5,4 4,4-1,-4 0,-8 2,-10 1,-10 2,5 3,-2 1</inkml:trace>
-</inkml:ink>
-</file>
-
-<file path=ppt/ink/ink9.xml><?xml version="1.0" encoding="utf-8"?>
-<inkml:ink xmlns:inkml="http://www.w3.org/2003/InkML">
-  <inkml:definitions>
-    <inkml:context xml:id="ctx0">
-      <inkml:inkSource xml:id="inkSrc0">
-        <inkml:traceFormat>
-          <inkml:channel name="X" type="integer" min="-2.14748E9" max="2.14748E9" units="cm"/>
-          <inkml:channel name="Y" type="integer" min="-2.14748E9" max="2.14748E9" units="cm"/>
-        </inkml:traceFormat>
-        <inkml:channelProperties>
-          <inkml:channelProperty channel="X" name="resolution" value="1000" units="1/cm"/>
-          <inkml:channelProperty channel="Y" name="resolution" value="1000" units="1/cm"/>
-        </inkml:channelProperties>
-      </inkml:inkSource>
-      <inkml:timestamp xml:id="ts0" timeString="2023-11-14T04:45:56.204"/>
-    </inkml:context>
-    <inkml:brush xml:id="br0">
-      <inkml:brushProperty name="width" value="0.4" units="cm"/>
-      <inkml:brushProperty name="height" value="0.8" units="cm"/>
-      <inkml:brushProperty name="color" value="#FFFC00"/>
-      <inkml:brushProperty name="tip" value="rectangle"/>
-      <inkml:brushProperty name="rasterOp" value="maskPen"/>
-    </inkml:brush>
-  </inkml:definitions>
-  <inkml:trace contextRef="#ctx0" brushRef="#br0">0 179,'89'0,"0"0,0 0,8 0,6 0,-26 0,4 0,4 0,1 0,1 0,-3 0,2 0,2 0,1 0,1 0,-1 0,3 0,1 0,1 0,0 0,0 0,-1 0,1 0,-1 0,1 0,-1 0,1 0,-1 0,0 0,1 0,-1 0,1 0,-2 0,0 0,-5 0,-1 0,0 0,-1 0,-1 0,0 0,9 0,-1 0,-1 0,-2 0,-1 0,9 0,-2 0,-1 0,-3 0,-10 0,-1 0,-2 0,-2 0,18 0,-2 0,-2 0,-6 0,-2 0,-1 0,-3 0,0 0,-3 0,-6-2,-1 0,-2 0,26-2,-2 0,-7 0,-1-2,-4 1,-1 1,-4 1,-1 0,-2-2,1-1,1 1,0-1,3 0,1 0,3 2,0 0,3 2,0 1,-1 0,0 0,-2 0,-1 0,-3-2,-1 0,-3 0,-1 0,-3-3,-2 1,-2-1,-1-1,1 1,0 0,-1-1,0 0,0 2,-1 0,-1 1,-2 0,0 1,-1 0,-1 1,-1 1,1 0,-1 1,-1 1,-1 0,-1 1,-2 1,44 5,-11 2,-1 0,-3-1,6-1,7 2,-38-5,2 1,6 0,1 0,6 0,1-2,3 0,0-1,-1-3,0-1,-2-4,-2-1,-7-2,-2-2,39-9,-31 4,-19 8,-15 6,-10 1,-8 0,-3 0</inkml:trace>
 </inkml:ink>
 </file>
 
@@ -712,7 +2168,7 @@
           <a:p>
             <a:fld id="{15D8E939-9ECB-9C46-A248-99A4B8126363}" type="datetimeFigureOut">
               <a:rPr lang="en-JP" smtClean="0"/>
-              <a:t>2023/11/14</a:t>
+              <a:t>2024/05/27</a:t>
             </a:fld>
             <a:endParaRPr lang="en-JP"/>
           </a:p>
@@ -1129,7 +2585,7 @@
           <a:p>
             <a:fld id="{B305A450-B214-F843-90D3-43D45AB970BF}" type="datetime1">
               <a:rPr lang="en-US" smtClean="0"/>
-              <a:t>11/14/23</a:t>
+              <a:t>5/27/24</a:t>
             </a:fld>
             <a:endParaRPr lang="en-JP"/>
           </a:p>
@@ -1329,7 +2785,7 @@
           <a:p>
             <a:fld id="{3FE6076C-7478-7547-8EE6-BBCC8E0F5965}" type="datetime1">
               <a:rPr lang="en-US" smtClean="0"/>
-              <a:t>11/14/23</a:t>
+              <a:t>5/27/24</a:t>
             </a:fld>
             <a:endParaRPr lang="en-JP"/>
           </a:p>
@@ -1539,7 +2995,7 @@
           <a:p>
             <a:fld id="{9ACD9DBC-B76F-1F49-9ACB-B3C63B260788}" type="datetime1">
               <a:rPr lang="en-US" smtClean="0"/>
-              <a:t>11/14/23</a:t>
+              <a:t>5/27/24</a:t>
             </a:fld>
             <a:endParaRPr lang="en-JP"/>
           </a:p>
@@ -1739,7 +3195,7 @@
           <a:p>
             <a:fld id="{97256E53-50F3-8B41-827D-E71E7A78D7C8}" type="datetime1">
               <a:rPr lang="en-US" smtClean="0"/>
-              <a:t>11/14/23</a:t>
+              <a:t>5/27/24</a:t>
             </a:fld>
             <a:endParaRPr lang="en-JP"/>
           </a:p>
@@ -2015,7 +3471,7 @@
           <a:p>
             <a:fld id="{60AD3F61-4B41-B048-9345-533AA47C1AFA}" type="datetime1">
               <a:rPr lang="en-US" smtClean="0"/>
-              <a:t>11/14/23</a:t>
+              <a:t>5/27/24</a:t>
             </a:fld>
             <a:endParaRPr lang="en-JP"/>
           </a:p>
@@ -2283,7 +3739,7 @@
           <a:p>
             <a:fld id="{9E0C3DDA-75D5-FE45-B27F-09B23348A3CF}" type="datetime1">
               <a:rPr lang="en-US" smtClean="0"/>
-              <a:t>11/14/23</a:t>
+              <a:t>5/27/24</a:t>
             </a:fld>
             <a:endParaRPr lang="en-JP"/>
           </a:p>
@@ -2698,7 +4154,7 @@
           <a:p>
             <a:fld id="{91B16E66-205B-D348-AF09-8C13DA8BDFF9}" type="datetime1">
               <a:rPr lang="en-US" smtClean="0"/>
-              <a:t>11/14/23</a:t>
+              <a:t>5/27/24</a:t>
             </a:fld>
             <a:endParaRPr lang="en-JP"/>
           </a:p>
@@ -2840,7 +4296,7 @@
           <a:p>
             <a:fld id="{222CE9F2-560E-4648-82A4-0C4186C23AAC}" type="datetime1">
               <a:rPr lang="en-US" smtClean="0"/>
-              <a:t>11/14/23</a:t>
+              <a:t>5/27/24</a:t>
             </a:fld>
             <a:endParaRPr lang="en-JP"/>
           </a:p>
@@ -2953,7 +4409,7 @@
           <a:p>
             <a:fld id="{2914F908-ED62-3949-B616-21C7C363772F}" type="datetime1">
               <a:rPr lang="en-US" smtClean="0"/>
-              <a:t>11/14/23</a:t>
+              <a:t>5/27/24</a:t>
             </a:fld>
             <a:endParaRPr lang="en-JP"/>
           </a:p>
@@ -3266,7 +4722,7 @@
           <a:p>
             <a:fld id="{8280A505-8893-D540-9413-F8B9ED1E178A}" type="datetime1">
               <a:rPr lang="en-US" smtClean="0"/>
-              <a:t>11/14/23</a:t>
+              <a:t>5/27/24</a:t>
             </a:fld>
             <a:endParaRPr lang="en-JP"/>
           </a:p>
@@ -3555,7 +5011,7 @@
           <a:p>
             <a:fld id="{40CD7CE6-B77F-5744-9AB9-6E4139649818}" type="datetime1">
               <a:rPr lang="en-US" smtClean="0"/>
-              <a:t>11/14/23</a:t>
+              <a:t>5/27/24</a:t>
             </a:fld>
             <a:endParaRPr lang="en-JP"/>
           </a:p>
@@ -3798,7 +5254,7 @@
           <a:p>
             <a:fld id="{DC28B759-A9A1-7B41-B30F-900953345635}" type="datetime1">
               <a:rPr lang="en-US" smtClean="0"/>
-              <a:t>11/14/23</a:t>
+              <a:t>5/27/24</a:t>
             </a:fld>
             <a:endParaRPr lang="en-JP"/>
           </a:p>
@@ -4446,6 +5902,27 @@
           <a:p>
             <a:endParaRPr lang="en-JP" dirty="0"/>
           </a:p>
+          <a:p>
+            <a:r>
+              <a:rPr lang="en-JP" dirty="0"/>
+              <a:t>生産性30のとき、</a:t>
+            </a:r>
+          </a:p>
+          <a:p>
+            <a:r>
+              <a:rPr lang="en-JP" dirty="0"/>
+              <a:t>国内利潤=10*30-20=280</a:t>
+            </a:r>
+          </a:p>
+          <a:p>
+            <a:r>
+              <a:rPr lang="en-JP" dirty="0"/>
+              <a:t>輸出利潤=2*30-40=20</a:t>
+            </a:r>
+          </a:p>
+          <a:p>
+            <a:endParaRPr lang="en-JP" dirty="0"/>
+          </a:p>
         </p:txBody>
       </p:sp>
       <p:sp>
@@ -4940,6 +6417,261 @@
           </a:p>
         </p:txBody>
       </p:sp>
+      <mc:AlternateContent xmlns:mc="http://schemas.openxmlformats.org/markup-compatibility/2006">
+        <mc:Choice xmlns:p14="http://schemas.microsoft.com/office/powerpoint/2010/main" Requires="p14">
+          <p:contentPart p14:bwMode="auto" r:id="rId3">
+            <p14:nvContentPartPr>
+              <p14:cNvPr id="5" name="Ink 4">
+                <a:extLst>
+                  <a:ext uri="{FF2B5EF4-FFF2-40B4-BE49-F238E27FC236}">
+                    <a16:creationId xmlns:a16="http://schemas.microsoft.com/office/drawing/2014/main" id="{750A58C0-207C-2D32-D42D-EB1C27ECA616}"/>
+                  </a:ext>
+                </a:extLst>
+              </p14:cNvPr>
+              <p14:cNvContentPartPr/>
+              <p14:nvPr/>
+            </p14:nvContentPartPr>
+            <p14:xfrm>
+              <a:off x="5404343" y="3632872"/>
+              <a:ext cx="1029600" cy="7200"/>
+            </p14:xfrm>
+          </p:contentPart>
+        </mc:Choice>
+        <mc:Fallback>
+          <p:pic>
+            <p:nvPicPr>
+              <p:cNvPr id="5" name="Ink 4">
+                <a:extLst>
+                  <a:ext uri="{FF2B5EF4-FFF2-40B4-BE49-F238E27FC236}">
+                    <a16:creationId xmlns:a16="http://schemas.microsoft.com/office/drawing/2014/main" id="{750A58C0-207C-2D32-D42D-EB1C27ECA616}"/>
+                  </a:ext>
+                </a:extLst>
+              </p:cNvPr>
+              <p:cNvPicPr/>
+              <p:nvPr/>
+            </p:nvPicPr>
+            <p:blipFill>
+              <a:blip r:embed="rId4"/>
+              <a:stretch>
+                <a:fillRect/>
+              </a:stretch>
+            </p:blipFill>
+            <p:spPr>
+              <a:xfrm>
+                <a:off x="5332343" y="3489232"/>
+                <a:ext cx="1173240" cy="294840"/>
+              </a:xfrm>
+              <a:prstGeom prst="rect">
+                <a:avLst/>
+              </a:prstGeom>
+            </p:spPr>
+          </p:pic>
+        </mc:Fallback>
+      </mc:AlternateContent>
+      <mc:AlternateContent xmlns:mc="http://schemas.openxmlformats.org/markup-compatibility/2006">
+        <mc:Choice xmlns:p14="http://schemas.microsoft.com/office/powerpoint/2010/main" Requires="p14">
+          <p:contentPart p14:bwMode="auto" r:id="rId5">
+            <p14:nvContentPartPr>
+              <p14:cNvPr id="6" name="Ink 5">
+                <a:extLst>
+                  <a:ext uri="{FF2B5EF4-FFF2-40B4-BE49-F238E27FC236}">
+                    <a16:creationId xmlns:a16="http://schemas.microsoft.com/office/drawing/2014/main" id="{C82528B8-EEEE-EC7D-D8E0-8E3DB196E259}"/>
+                  </a:ext>
+                </a:extLst>
+              </p14:cNvPr>
+              <p14:cNvContentPartPr/>
+              <p14:nvPr/>
+            </p14:nvContentPartPr>
+            <p14:xfrm>
+              <a:off x="5264663" y="5683792"/>
+              <a:ext cx="1192320" cy="360"/>
+            </p14:xfrm>
+          </p:contentPart>
+        </mc:Choice>
+        <mc:Fallback>
+          <p:pic>
+            <p:nvPicPr>
+              <p:cNvPr id="6" name="Ink 5">
+                <a:extLst>
+                  <a:ext uri="{FF2B5EF4-FFF2-40B4-BE49-F238E27FC236}">
+                    <a16:creationId xmlns:a16="http://schemas.microsoft.com/office/drawing/2014/main" id="{C82528B8-EEEE-EC7D-D8E0-8E3DB196E259}"/>
+                  </a:ext>
+                </a:extLst>
+              </p:cNvPr>
+              <p:cNvPicPr/>
+              <p:nvPr/>
+            </p:nvPicPr>
+            <p:blipFill>
+              <a:blip r:embed="rId6"/>
+              <a:stretch>
+                <a:fillRect/>
+              </a:stretch>
+            </p:blipFill>
+            <p:spPr>
+              <a:xfrm>
+                <a:off x="5193023" y="5539792"/>
+                <a:ext cx="1335960" cy="288000"/>
+              </a:xfrm>
+              <a:prstGeom prst="rect">
+                <a:avLst/>
+              </a:prstGeom>
+            </p:spPr>
+          </p:pic>
+        </mc:Fallback>
+      </mc:AlternateContent>
+      <mc:AlternateContent xmlns:mc="http://schemas.openxmlformats.org/markup-compatibility/2006">
+        <mc:Choice xmlns:p14="http://schemas.microsoft.com/office/powerpoint/2010/main" Requires="p14">
+          <p:contentPart p14:bwMode="auto" r:id="rId7">
+            <p14:nvContentPartPr>
+              <p14:cNvPr id="7" name="Ink 6">
+                <a:extLst>
+                  <a:ext uri="{FF2B5EF4-FFF2-40B4-BE49-F238E27FC236}">
+                    <a16:creationId xmlns:a16="http://schemas.microsoft.com/office/drawing/2014/main" id="{6B787578-8FBA-0EB0-538C-8771A0341BDB}"/>
+                  </a:ext>
+                </a:extLst>
+              </p14:cNvPr>
+              <p14:cNvContentPartPr/>
+              <p14:nvPr/>
+            </p14:nvContentPartPr>
+            <p14:xfrm>
+              <a:off x="1005863" y="2011432"/>
+              <a:ext cx="1251360" cy="39240"/>
+            </p14:xfrm>
+          </p:contentPart>
+        </mc:Choice>
+        <mc:Fallback>
+          <p:pic>
+            <p:nvPicPr>
+              <p:cNvPr id="7" name="Ink 6">
+                <a:extLst>
+                  <a:ext uri="{FF2B5EF4-FFF2-40B4-BE49-F238E27FC236}">
+                    <a16:creationId xmlns:a16="http://schemas.microsoft.com/office/drawing/2014/main" id="{6B787578-8FBA-0EB0-538C-8771A0341BDB}"/>
+                  </a:ext>
+                </a:extLst>
+              </p:cNvPr>
+              <p:cNvPicPr/>
+              <p:nvPr/>
+            </p:nvPicPr>
+            <p:blipFill>
+              <a:blip r:embed="rId8"/>
+              <a:stretch>
+                <a:fillRect/>
+              </a:stretch>
+            </p:blipFill>
+            <p:spPr>
+              <a:xfrm>
+                <a:off x="934223" y="1867432"/>
+                <a:ext cx="1395000" cy="326880"/>
+              </a:xfrm>
+              <a:prstGeom prst="rect">
+                <a:avLst/>
+              </a:prstGeom>
+            </p:spPr>
+          </p:pic>
+        </mc:Fallback>
+      </mc:AlternateContent>
+      <mc:AlternateContent xmlns:mc="http://schemas.openxmlformats.org/markup-compatibility/2006">
+        <mc:Choice xmlns:p14="http://schemas.microsoft.com/office/powerpoint/2010/main" Requires="p14">
+          <p:contentPart p14:bwMode="auto" r:id="rId9">
+            <p14:nvContentPartPr>
+              <p14:cNvPr id="8" name="Ink 7">
+                <a:extLst>
+                  <a:ext uri="{FF2B5EF4-FFF2-40B4-BE49-F238E27FC236}">
+                    <a16:creationId xmlns:a16="http://schemas.microsoft.com/office/drawing/2014/main" id="{D44F059E-8A25-D4D6-720B-A208961A0076}"/>
+                  </a:ext>
+                </a:extLst>
+              </p14:cNvPr>
+              <p14:cNvContentPartPr/>
+              <p14:nvPr/>
+            </p14:nvContentPartPr>
+            <p14:xfrm>
+              <a:off x="1049423" y="4104112"/>
+              <a:ext cx="1246680" cy="14400"/>
+            </p14:xfrm>
+          </p:contentPart>
+        </mc:Choice>
+        <mc:Fallback>
+          <p:pic>
+            <p:nvPicPr>
+              <p:cNvPr id="8" name="Ink 7">
+                <a:extLst>
+                  <a:ext uri="{FF2B5EF4-FFF2-40B4-BE49-F238E27FC236}">
+                    <a16:creationId xmlns:a16="http://schemas.microsoft.com/office/drawing/2014/main" id="{D44F059E-8A25-D4D6-720B-A208961A0076}"/>
+                  </a:ext>
+                </a:extLst>
+              </p:cNvPr>
+              <p:cNvPicPr/>
+              <p:nvPr/>
+            </p:nvPicPr>
+            <p:blipFill>
+              <a:blip r:embed="rId10"/>
+              <a:stretch>
+                <a:fillRect/>
+              </a:stretch>
+            </p:blipFill>
+            <p:spPr>
+              <a:xfrm>
+                <a:off x="977783" y="3960472"/>
+                <a:ext cx="1390320" cy="302040"/>
+              </a:xfrm>
+              <a:prstGeom prst="rect">
+                <a:avLst/>
+              </a:prstGeom>
+            </p:spPr>
+          </p:pic>
+        </mc:Fallback>
+      </mc:AlternateContent>
+      <mc:AlternateContent xmlns:mc="http://schemas.openxmlformats.org/markup-compatibility/2006">
+        <mc:Choice xmlns:p14="http://schemas.microsoft.com/office/powerpoint/2010/main" Requires="p14">
+          <p:contentPart p14:bwMode="auto" r:id="rId11">
+            <p14:nvContentPartPr>
+              <p14:cNvPr id="9" name="Ink 8">
+                <a:extLst>
+                  <a:ext uri="{FF2B5EF4-FFF2-40B4-BE49-F238E27FC236}">
+                    <a16:creationId xmlns:a16="http://schemas.microsoft.com/office/drawing/2014/main" id="{1CC4F20F-9CCC-D9D1-2975-8CC7C180D5E8}"/>
+                  </a:ext>
+                </a:extLst>
+              </p14:cNvPr>
+              <p14:cNvContentPartPr/>
+              <p14:nvPr/>
+            </p14:nvContentPartPr>
+            <p14:xfrm>
+              <a:off x="2310143" y="1088032"/>
+              <a:ext cx="1499040" cy="10800"/>
+            </p14:xfrm>
+          </p:contentPart>
+        </mc:Choice>
+        <mc:Fallback>
+          <p:pic>
+            <p:nvPicPr>
+              <p:cNvPr id="9" name="Ink 8">
+                <a:extLst>
+                  <a:ext uri="{FF2B5EF4-FFF2-40B4-BE49-F238E27FC236}">
+                    <a16:creationId xmlns:a16="http://schemas.microsoft.com/office/drawing/2014/main" id="{1CC4F20F-9CCC-D9D1-2975-8CC7C180D5E8}"/>
+                  </a:ext>
+                </a:extLst>
+              </p:cNvPr>
+              <p:cNvPicPr/>
+              <p:nvPr/>
+            </p:nvPicPr>
+            <p:blipFill>
+              <a:blip r:embed="rId12"/>
+              <a:stretch>
+                <a:fillRect/>
+              </a:stretch>
+            </p:blipFill>
+            <p:spPr>
+              <a:xfrm>
+                <a:off x="2238143" y="944392"/>
+                <a:ext cx="1642680" cy="298440"/>
+              </a:xfrm>
+              <a:prstGeom prst="rect">
+                <a:avLst/>
+              </a:prstGeom>
+            </p:spPr>
+          </p:pic>
+        </mc:Fallback>
+      </mc:AlternateContent>
     </p:spTree>
     <p:extLst>
       <p:ext uri="{BB962C8B-B14F-4D97-AF65-F5344CB8AC3E}">
@@ -5029,6 +6761,484 @@
           </a:prstGeom>
         </p:spPr>
       </p:pic>
+      <mc:AlternateContent xmlns:mc="http://schemas.openxmlformats.org/markup-compatibility/2006">
+        <mc:Choice xmlns:p14="http://schemas.microsoft.com/office/powerpoint/2010/main" Requires="p14">
+          <p:contentPart p14:bwMode="auto" r:id="rId3">
+            <p14:nvContentPartPr>
+              <p14:cNvPr id="6" name="Ink 5">
+                <a:extLst>
+                  <a:ext uri="{FF2B5EF4-FFF2-40B4-BE49-F238E27FC236}">
+                    <a16:creationId xmlns:a16="http://schemas.microsoft.com/office/drawing/2014/main" id="{1E1E1111-EF84-E75A-B0B5-34A43EA4B5A8}"/>
+                  </a:ext>
+                </a:extLst>
+              </p14:cNvPr>
+              <p14:cNvContentPartPr/>
+              <p14:nvPr/>
+            </p14:nvContentPartPr>
+            <p14:xfrm>
+              <a:off x="2994143" y="3324352"/>
+              <a:ext cx="5313960" cy="1587600"/>
+            </p14:xfrm>
+          </p:contentPart>
+        </mc:Choice>
+        <mc:Fallback>
+          <p:pic>
+            <p:nvPicPr>
+              <p:cNvPr id="6" name="Ink 5">
+                <a:extLst>
+                  <a:ext uri="{FF2B5EF4-FFF2-40B4-BE49-F238E27FC236}">
+                    <a16:creationId xmlns:a16="http://schemas.microsoft.com/office/drawing/2014/main" id="{1E1E1111-EF84-E75A-B0B5-34A43EA4B5A8}"/>
+                  </a:ext>
+                </a:extLst>
+              </p:cNvPr>
+              <p:cNvPicPr/>
+              <p:nvPr/>
+            </p:nvPicPr>
+            <p:blipFill>
+              <a:blip r:embed="rId4"/>
+              <a:stretch>
+                <a:fillRect/>
+              </a:stretch>
+            </p:blipFill>
+            <p:spPr>
+              <a:xfrm>
+                <a:off x="2958503" y="3252352"/>
+                <a:ext cx="5385600" cy="1731240"/>
+              </a:xfrm>
+              <a:prstGeom prst="rect">
+                <a:avLst/>
+              </a:prstGeom>
+            </p:spPr>
+          </p:pic>
+        </mc:Fallback>
+      </mc:AlternateContent>
+      <mc:AlternateContent xmlns:mc="http://schemas.openxmlformats.org/markup-compatibility/2006">
+        <mc:Choice xmlns:p14="http://schemas.microsoft.com/office/powerpoint/2010/main" Requires="p14">
+          <p:contentPart p14:bwMode="auto" r:id="rId5">
+            <p14:nvContentPartPr>
+              <p14:cNvPr id="7" name="Ink 6">
+                <a:extLst>
+                  <a:ext uri="{FF2B5EF4-FFF2-40B4-BE49-F238E27FC236}">
+                    <a16:creationId xmlns:a16="http://schemas.microsoft.com/office/drawing/2014/main" id="{99DA62D5-5EBF-72AD-FD38-C6DC7879537E}"/>
+                  </a:ext>
+                </a:extLst>
+              </p14:cNvPr>
+              <p14:cNvContentPartPr/>
+              <p14:nvPr/>
+            </p14:nvContentPartPr>
+            <p14:xfrm>
+              <a:off x="8244743" y="3057952"/>
+              <a:ext cx="1141560" cy="34200"/>
+            </p14:xfrm>
+          </p:contentPart>
+        </mc:Choice>
+        <mc:Fallback>
+          <p:pic>
+            <p:nvPicPr>
+              <p:cNvPr id="7" name="Ink 6">
+                <a:extLst>
+                  <a:ext uri="{FF2B5EF4-FFF2-40B4-BE49-F238E27FC236}">
+                    <a16:creationId xmlns:a16="http://schemas.microsoft.com/office/drawing/2014/main" id="{99DA62D5-5EBF-72AD-FD38-C6DC7879537E}"/>
+                  </a:ext>
+                </a:extLst>
+              </p:cNvPr>
+              <p:cNvPicPr/>
+              <p:nvPr/>
+            </p:nvPicPr>
+            <p:blipFill>
+              <a:blip r:embed="rId6"/>
+              <a:stretch>
+                <a:fillRect/>
+              </a:stretch>
+            </p:blipFill>
+            <p:spPr>
+              <a:xfrm>
+                <a:off x="8208743" y="2985952"/>
+                <a:ext cx="1213200" cy="177840"/>
+              </a:xfrm>
+              <a:prstGeom prst="rect">
+                <a:avLst/>
+              </a:prstGeom>
+            </p:spPr>
+          </p:pic>
+        </mc:Fallback>
+      </mc:AlternateContent>
+      <p:sp>
+        <p:nvSpPr>
+          <p:cNvPr id="8" name="TextBox 7">
+            <a:extLst>
+              <a:ext uri="{FF2B5EF4-FFF2-40B4-BE49-F238E27FC236}">
+                <a16:creationId xmlns:a16="http://schemas.microsoft.com/office/drawing/2014/main" id="{DA7453F1-AB54-3773-81F3-3A5FDDAC3734}"/>
+              </a:ext>
+            </a:extLst>
+          </p:cNvPr>
+          <p:cNvSpPr txBox="1"/>
+          <p:nvPr/>
+        </p:nvSpPr>
+        <p:spPr>
+          <a:xfrm>
+            <a:off x="8308103" y="2683823"/>
+            <a:ext cx="1338828" cy="369332"/>
+          </a:xfrm>
+          <a:prstGeom prst="rect">
+            <a:avLst/>
+          </a:prstGeom>
+          <a:noFill/>
+        </p:spPr>
+        <p:txBody>
+          <a:bodyPr wrap="none" rtlCol="0">
+            <a:spAutoFit/>
+          </a:bodyPr>
+          <a:lstStyle/>
+          <a:p>
+            <a:r>
+              <a:rPr lang="en-JP" dirty="0"/>
+              <a:t>輸出の利潤</a:t>
+            </a:r>
+          </a:p>
+        </p:txBody>
+      </p:sp>
+      <mc:AlternateContent xmlns:mc="http://schemas.openxmlformats.org/markup-compatibility/2006">
+        <mc:Choice xmlns:p14="http://schemas.microsoft.com/office/powerpoint/2010/main" Requires="p14">
+          <p:contentPart p14:bwMode="auto" r:id="rId7">
+            <p14:nvContentPartPr>
+              <p14:cNvPr id="9" name="Ink 8">
+                <a:extLst>
+                  <a:ext uri="{FF2B5EF4-FFF2-40B4-BE49-F238E27FC236}">
+                    <a16:creationId xmlns:a16="http://schemas.microsoft.com/office/drawing/2014/main" id="{E9C90BF2-EA7D-5312-9093-1C78B9FFBA4F}"/>
+                  </a:ext>
+                </a:extLst>
+              </p14:cNvPr>
+              <p14:cNvContentPartPr/>
+              <p14:nvPr/>
+            </p14:nvContentPartPr>
+            <p14:xfrm>
+              <a:off x="2954903" y="3443512"/>
+              <a:ext cx="1328760" cy="1224720"/>
+            </p14:xfrm>
+          </p:contentPart>
+        </mc:Choice>
+        <mc:Fallback>
+          <p:pic>
+            <p:nvPicPr>
+              <p:cNvPr id="9" name="Ink 8">
+                <a:extLst>
+                  <a:ext uri="{FF2B5EF4-FFF2-40B4-BE49-F238E27FC236}">
+                    <a16:creationId xmlns:a16="http://schemas.microsoft.com/office/drawing/2014/main" id="{E9C90BF2-EA7D-5312-9093-1C78B9FFBA4F}"/>
+                  </a:ext>
+                </a:extLst>
+              </p:cNvPr>
+              <p:cNvPicPr/>
+              <p:nvPr/>
+            </p:nvPicPr>
+            <p:blipFill>
+              <a:blip r:embed="rId8"/>
+              <a:stretch>
+                <a:fillRect/>
+              </a:stretch>
+            </p:blipFill>
+            <p:spPr>
+              <a:xfrm>
+                <a:off x="2919263" y="3371872"/>
+                <a:ext cx="1400400" cy="1368360"/>
+              </a:xfrm>
+              <a:prstGeom prst="rect">
+                <a:avLst/>
+              </a:prstGeom>
+            </p:spPr>
+          </p:pic>
+        </mc:Fallback>
+      </mc:AlternateContent>
+      <mc:AlternateContent xmlns:mc="http://schemas.openxmlformats.org/markup-compatibility/2006">
+        <mc:Choice xmlns:p14="http://schemas.microsoft.com/office/powerpoint/2010/main" Requires="p14">
+          <p:contentPart p14:bwMode="auto" r:id="rId9">
+            <p14:nvContentPartPr>
+              <p14:cNvPr id="10" name="Ink 9">
+                <a:extLst>
+                  <a:ext uri="{FF2B5EF4-FFF2-40B4-BE49-F238E27FC236}">
+                    <a16:creationId xmlns:a16="http://schemas.microsoft.com/office/drawing/2014/main" id="{110F9148-FFDE-6ADB-A067-375B6CAB6941}"/>
+                  </a:ext>
+                </a:extLst>
+              </p14:cNvPr>
+              <p14:cNvContentPartPr/>
+              <p14:nvPr/>
+            </p14:nvContentPartPr>
+            <p14:xfrm>
+              <a:off x="4302743" y="2002432"/>
+              <a:ext cx="1712880" cy="1487160"/>
+            </p14:xfrm>
+          </p:contentPart>
+        </mc:Choice>
+        <mc:Fallback>
+          <p:pic>
+            <p:nvPicPr>
+              <p:cNvPr id="10" name="Ink 9">
+                <a:extLst>
+                  <a:ext uri="{FF2B5EF4-FFF2-40B4-BE49-F238E27FC236}">
+                    <a16:creationId xmlns:a16="http://schemas.microsoft.com/office/drawing/2014/main" id="{110F9148-FFDE-6ADB-A067-375B6CAB6941}"/>
+                  </a:ext>
+                </a:extLst>
+              </p:cNvPr>
+              <p:cNvPicPr/>
+              <p:nvPr/>
+            </p:nvPicPr>
+            <p:blipFill>
+              <a:blip r:embed="rId10"/>
+              <a:stretch>
+                <a:fillRect/>
+              </a:stretch>
+            </p:blipFill>
+            <p:spPr>
+              <a:xfrm>
+                <a:off x="4266743" y="1930432"/>
+                <a:ext cx="1784520" cy="1630800"/>
+              </a:xfrm>
+              <a:prstGeom prst="rect">
+                <a:avLst/>
+              </a:prstGeom>
+            </p:spPr>
+          </p:pic>
+        </mc:Fallback>
+      </mc:AlternateContent>
+      <mc:AlternateContent xmlns:mc="http://schemas.openxmlformats.org/markup-compatibility/2006">
+        <mc:Choice xmlns:p14="http://schemas.microsoft.com/office/powerpoint/2010/main" Requires="p14">
+          <p:contentPart p14:bwMode="auto" r:id="rId11">
+            <p14:nvContentPartPr>
+              <p14:cNvPr id="11" name="Ink 10">
+                <a:extLst>
+                  <a:ext uri="{FF2B5EF4-FFF2-40B4-BE49-F238E27FC236}">
+                    <a16:creationId xmlns:a16="http://schemas.microsoft.com/office/drawing/2014/main" id="{6833B5DD-7C38-F762-7416-3B53D2C80582}"/>
+                  </a:ext>
+                </a:extLst>
+              </p14:cNvPr>
+              <p14:cNvContentPartPr/>
+              <p14:nvPr/>
+            </p14:nvContentPartPr>
+            <p14:xfrm>
+              <a:off x="5958383" y="1338952"/>
+              <a:ext cx="1015200" cy="843840"/>
+            </p14:xfrm>
+          </p:contentPart>
+        </mc:Choice>
+        <mc:Fallback>
+          <p:pic>
+            <p:nvPicPr>
+              <p:cNvPr id="11" name="Ink 10">
+                <a:extLst>
+                  <a:ext uri="{FF2B5EF4-FFF2-40B4-BE49-F238E27FC236}">
+                    <a16:creationId xmlns:a16="http://schemas.microsoft.com/office/drawing/2014/main" id="{6833B5DD-7C38-F762-7416-3B53D2C80582}"/>
+                  </a:ext>
+                </a:extLst>
+              </p:cNvPr>
+              <p:cNvPicPr/>
+              <p:nvPr/>
+            </p:nvPicPr>
+            <p:blipFill>
+              <a:blip r:embed="rId12"/>
+              <a:stretch>
+                <a:fillRect/>
+              </a:stretch>
+            </p:blipFill>
+            <p:spPr>
+              <a:xfrm>
+                <a:off x="5922383" y="1266952"/>
+                <a:ext cx="1086840" cy="987480"/>
+              </a:xfrm>
+              <a:prstGeom prst="rect">
+                <a:avLst/>
+              </a:prstGeom>
+            </p:spPr>
+          </p:pic>
+        </mc:Fallback>
+      </mc:AlternateContent>
+      <mc:AlternateContent xmlns:mc="http://schemas.openxmlformats.org/markup-compatibility/2006">
+        <mc:Choice xmlns:p14="http://schemas.microsoft.com/office/powerpoint/2010/main" Requires="p14">
+          <p:contentPart p14:bwMode="auto" r:id="rId13">
+            <p14:nvContentPartPr>
+              <p14:cNvPr id="12" name="Ink 11">
+                <a:extLst>
+                  <a:ext uri="{FF2B5EF4-FFF2-40B4-BE49-F238E27FC236}">
+                    <a16:creationId xmlns:a16="http://schemas.microsoft.com/office/drawing/2014/main" id="{7B9A2805-F679-FD76-91CD-2F516AC1C379}"/>
+                  </a:ext>
+                </a:extLst>
+              </p14:cNvPr>
+              <p14:cNvContentPartPr/>
+              <p14:nvPr/>
+            </p14:nvContentPartPr>
+            <p14:xfrm>
+              <a:off x="6965663" y="1207192"/>
+              <a:ext cx="1376640" cy="57960"/>
+            </p14:xfrm>
+          </p:contentPart>
+        </mc:Choice>
+        <mc:Fallback>
+          <p:pic>
+            <p:nvPicPr>
+              <p:cNvPr id="12" name="Ink 11">
+                <a:extLst>
+                  <a:ext uri="{FF2B5EF4-FFF2-40B4-BE49-F238E27FC236}">
+                    <a16:creationId xmlns:a16="http://schemas.microsoft.com/office/drawing/2014/main" id="{7B9A2805-F679-FD76-91CD-2F516AC1C379}"/>
+                  </a:ext>
+                </a:extLst>
+              </p:cNvPr>
+              <p:cNvPicPr/>
+              <p:nvPr/>
+            </p:nvPicPr>
+            <p:blipFill>
+              <a:blip r:embed="rId14"/>
+              <a:stretch>
+                <a:fillRect/>
+              </a:stretch>
+            </p:blipFill>
+            <p:spPr>
+              <a:xfrm>
+                <a:off x="6930023" y="1135552"/>
+                <a:ext cx="1448280" cy="201600"/>
+              </a:xfrm>
+              <a:prstGeom prst="rect">
+                <a:avLst/>
+              </a:prstGeom>
+            </p:spPr>
+          </p:pic>
+        </mc:Fallback>
+      </mc:AlternateContent>
+      <p:sp>
+        <p:nvSpPr>
+          <p:cNvPr id="13" name="TextBox 12">
+            <a:extLst>
+              <a:ext uri="{FF2B5EF4-FFF2-40B4-BE49-F238E27FC236}">
+                <a16:creationId xmlns:a16="http://schemas.microsoft.com/office/drawing/2014/main" id="{C5CB4BDE-4564-6C38-0A0E-4EACEE22D47E}"/>
+              </a:ext>
+            </a:extLst>
+          </p:cNvPr>
+          <p:cNvSpPr txBox="1"/>
+          <p:nvPr/>
+        </p:nvSpPr>
+        <p:spPr>
+          <a:xfrm>
+            <a:off x="7137070" y="748145"/>
+            <a:ext cx="1107996" cy="369332"/>
+          </a:xfrm>
+          <a:prstGeom prst="rect">
+            <a:avLst/>
+          </a:prstGeom>
+          <a:noFill/>
+        </p:spPr>
+        <p:txBody>
+          <a:bodyPr wrap="none" rtlCol="0">
+            <a:spAutoFit/>
+          </a:bodyPr>
+          <a:lstStyle/>
+          <a:p>
+            <a:r>
+              <a:rPr lang="en-JP" dirty="0"/>
+              <a:t>国内利潤</a:t>
+            </a:r>
+          </a:p>
+        </p:txBody>
+      </p:sp>
+      <mc:AlternateContent xmlns:mc="http://schemas.openxmlformats.org/markup-compatibility/2006">
+        <mc:Choice xmlns:p14="http://schemas.microsoft.com/office/powerpoint/2010/main" Requires="p14">
+          <p:contentPart p14:bwMode="auto" r:id="rId15">
+            <p14:nvContentPartPr>
+              <p14:cNvPr id="15" name="Ink 14">
+                <a:extLst>
+                  <a:ext uri="{FF2B5EF4-FFF2-40B4-BE49-F238E27FC236}">
+                    <a16:creationId xmlns:a16="http://schemas.microsoft.com/office/drawing/2014/main" id="{46B1801D-CE58-2C25-F2D1-4154C1B5BFE2}"/>
+                  </a:ext>
+                </a:extLst>
+              </p14:cNvPr>
+              <p14:cNvContentPartPr/>
+              <p14:nvPr/>
+            </p14:nvContentPartPr>
+            <p14:xfrm>
+              <a:off x="3759863" y="4080712"/>
+              <a:ext cx="1871640" cy="25200"/>
+            </p14:xfrm>
+          </p:contentPart>
+        </mc:Choice>
+        <mc:Fallback>
+          <p:pic>
+            <p:nvPicPr>
+              <p:cNvPr id="15" name="Ink 14">
+                <a:extLst>
+                  <a:ext uri="{FF2B5EF4-FFF2-40B4-BE49-F238E27FC236}">
+                    <a16:creationId xmlns:a16="http://schemas.microsoft.com/office/drawing/2014/main" id="{46B1801D-CE58-2C25-F2D1-4154C1B5BFE2}"/>
+                  </a:ext>
+                </a:extLst>
+              </p:cNvPr>
+              <p:cNvPicPr/>
+              <p:nvPr/>
+            </p:nvPicPr>
+            <p:blipFill>
+              <a:blip r:embed="rId16"/>
+              <a:stretch>
+                <a:fillRect/>
+              </a:stretch>
+            </p:blipFill>
+            <p:spPr>
+              <a:xfrm>
+                <a:off x="3723863" y="4008712"/>
+                <a:ext cx="1943280" cy="168840"/>
+              </a:xfrm>
+              <a:prstGeom prst="rect">
+                <a:avLst/>
+              </a:prstGeom>
+            </p:spPr>
+          </p:pic>
+        </mc:Fallback>
+      </mc:AlternateContent>
+      <mc:AlternateContent xmlns:mc="http://schemas.openxmlformats.org/markup-compatibility/2006">
+        <mc:Choice xmlns:p14="http://schemas.microsoft.com/office/powerpoint/2010/main" Requires="p14">
+          <p:contentPart p14:bwMode="auto" r:id="rId17">
+            <p14:nvContentPartPr>
+              <p14:cNvPr id="16" name="Ink 15">
+                <a:extLst>
+                  <a:ext uri="{FF2B5EF4-FFF2-40B4-BE49-F238E27FC236}">
+                    <a16:creationId xmlns:a16="http://schemas.microsoft.com/office/drawing/2014/main" id="{82CED572-71BD-79B9-8E45-D93A08DCFC11}"/>
+                  </a:ext>
+                </a:extLst>
+              </p14:cNvPr>
+              <p14:cNvContentPartPr/>
+              <p14:nvPr/>
+            </p14:nvContentPartPr>
+            <p14:xfrm>
+              <a:off x="5754983" y="3996832"/>
+              <a:ext cx="3453480" cy="137160"/>
+            </p14:xfrm>
+          </p:contentPart>
+        </mc:Choice>
+        <mc:Fallback>
+          <p:pic>
+            <p:nvPicPr>
+              <p:cNvPr id="16" name="Ink 15">
+                <a:extLst>
+                  <a:ext uri="{FF2B5EF4-FFF2-40B4-BE49-F238E27FC236}">
+                    <a16:creationId xmlns:a16="http://schemas.microsoft.com/office/drawing/2014/main" id="{82CED572-71BD-79B9-8E45-D93A08DCFC11}"/>
+                  </a:ext>
+                </a:extLst>
+              </p:cNvPr>
+              <p:cNvPicPr/>
+              <p:nvPr/>
+            </p:nvPicPr>
+            <p:blipFill>
+              <a:blip r:embed="rId18"/>
+              <a:stretch>
+                <a:fillRect/>
+              </a:stretch>
+            </p:blipFill>
+            <p:spPr>
+              <a:xfrm>
+                <a:off x="5718983" y="3924832"/>
+                <a:ext cx="3525120" cy="280800"/>
+              </a:xfrm>
+              <a:prstGeom prst="rect">
+                <a:avLst/>
+              </a:prstGeom>
+            </p:spPr>
+          </p:pic>
+        </mc:Fallback>
+      </mc:AlternateContent>
     </p:spTree>
     <p:extLst>
       <p:ext uri="{BB962C8B-B14F-4D97-AF65-F5344CB8AC3E}">
@@ -5731,6 +7941,312 @@
           </a:p>
         </p:txBody>
       </p:sp>
+      <mc:AlternateContent xmlns:mc="http://schemas.openxmlformats.org/markup-compatibility/2006">
+        <mc:Choice xmlns:p14="http://schemas.microsoft.com/office/powerpoint/2010/main" Requires="p14">
+          <p:contentPart p14:bwMode="auto" r:id="rId3">
+            <p14:nvContentPartPr>
+              <p14:cNvPr id="5" name="Ink 4">
+                <a:extLst>
+                  <a:ext uri="{FF2B5EF4-FFF2-40B4-BE49-F238E27FC236}">
+                    <a16:creationId xmlns:a16="http://schemas.microsoft.com/office/drawing/2014/main" id="{DD0ADC7A-A1EE-C6E0-22B9-32A0F68F57DE}"/>
+                  </a:ext>
+                </a:extLst>
+              </p14:cNvPr>
+              <p14:cNvContentPartPr/>
+              <p14:nvPr/>
+            </p14:nvContentPartPr>
+            <p14:xfrm>
+              <a:off x="4152263" y="2431192"/>
+              <a:ext cx="570600" cy="136080"/>
+            </p14:xfrm>
+          </p:contentPart>
+        </mc:Choice>
+        <mc:Fallback>
+          <p:pic>
+            <p:nvPicPr>
+              <p:cNvPr id="5" name="Ink 4">
+                <a:extLst>
+                  <a:ext uri="{FF2B5EF4-FFF2-40B4-BE49-F238E27FC236}">
+                    <a16:creationId xmlns:a16="http://schemas.microsoft.com/office/drawing/2014/main" id="{DD0ADC7A-A1EE-C6E0-22B9-32A0F68F57DE}"/>
+                  </a:ext>
+                </a:extLst>
+              </p:cNvPr>
+              <p:cNvPicPr/>
+              <p:nvPr/>
+            </p:nvPicPr>
+            <p:blipFill>
+              <a:blip r:embed="rId4"/>
+              <a:stretch>
+                <a:fillRect/>
+              </a:stretch>
+            </p:blipFill>
+            <p:spPr>
+              <a:xfrm>
+                <a:off x="4116623" y="2359552"/>
+                <a:ext cx="642240" cy="279720"/>
+              </a:xfrm>
+              <a:prstGeom prst="rect">
+                <a:avLst/>
+              </a:prstGeom>
+            </p:spPr>
+          </p:pic>
+        </mc:Fallback>
+      </mc:AlternateContent>
+      <mc:AlternateContent xmlns:mc="http://schemas.openxmlformats.org/markup-compatibility/2006">
+        <mc:Choice xmlns:p14="http://schemas.microsoft.com/office/powerpoint/2010/main" Requires="p14">
+          <p:contentPart p14:bwMode="auto" r:id="rId5">
+            <p14:nvContentPartPr>
+              <p14:cNvPr id="6" name="Ink 5">
+                <a:extLst>
+                  <a:ext uri="{FF2B5EF4-FFF2-40B4-BE49-F238E27FC236}">
+                    <a16:creationId xmlns:a16="http://schemas.microsoft.com/office/drawing/2014/main" id="{449FD35C-55A4-1F93-7E73-1CB42F29F782}"/>
+                  </a:ext>
+                </a:extLst>
+              </p14:cNvPr>
+              <p14:cNvContentPartPr/>
+              <p14:nvPr/>
+            </p14:nvContentPartPr>
+            <p14:xfrm>
+              <a:off x="4403543" y="4465912"/>
+              <a:ext cx="119520" cy="91080"/>
+            </p14:xfrm>
+          </p:contentPart>
+        </mc:Choice>
+        <mc:Fallback>
+          <p:pic>
+            <p:nvPicPr>
+              <p:cNvPr id="6" name="Ink 5">
+                <a:extLst>
+                  <a:ext uri="{FF2B5EF4-FFF2-40B4-BE49-F238E27FC236}">
+                    <a16:creationId xmlns:a16="http://schemas.microsoft.com/office/drawing/2014/main" id="{449FD35C-55A4-1F93-7E73-1CB42F29F782}"/>
+                  </a:ext>
+                </a:extLst>
+              </p:cNvPr>
+              <p:cNvPicPr/>
+              <p:nvPr/>
+            </p:nvPicPr>
+            <p:blipFill>
+              <a:blip r:embed="rId6"/>
+              <a:stretch>
+                <a:fillRect/>
+              </a:stretch>
+            </p:blipFill>
+            <p:spPr>
+              <a:xfrm>
+                <a:off x="4367903" y="4394272"/>
+                <a:ext cx="191160" cy="234720"/>
+              </a:xfrm>
+              <a:prstGeom prst="rect">
+                <a:avLst/>
+              </a:prstGeom>
+            </p:spPr>
+          </p:pic>
+        </mc:Fallback>
+      </mc:AlternateContent>
+      <mc:AlternateContent xmlns:mc="http://schemas.openxmlformats.org/markup-compatibility/2006">
+        <mc:Choice xmlns:p14="http://schemas.microsoft.com/office/powerpoint/2010/main" Requires="p14">
+          <p:contentPart p14:bwMode="auto" r:id="rId7">
+            <p14:nvContentPartPr>
+              <p14:cNvPr id="7" name="Ink 6">
+                <a:extLst>
+                  <a:ext uri="{FF2B5EF4-FFF2-40B4-BE49-F238E27FC236}">
+                    <a16:creationId xmlns:a16="http://schemas.microsoft.com/office/drawing/2014/main" id="{619D7F88-BE1A-695A-3D2D-C0FC311DB122}"/>
+                  </a:ext>
+                </a:extLst>
+              </p14:cNvPr>
+              <p14:cNvContentPartPr/>
+              <p14:nvPr/>
+            </p14:nvContentPartPr>
+            <p14:xfrm>
+              <a:off x="4308503" y="5532592"/>
+              <a:ext cx="127080" cy="58680"/>
+            </p14:xfrm>
+          </p:contentPart>
+        </mc:Choice>
+        <mc:Fallback>
+          <p:pic>
+            <p:nvPicPr>
+              <p:cNvPr id="7" name="Ink 6">
+                <a:extLst>
+                  <a:ext uri="{FF2B5EF4-FFF2-40B4-BE49-F238E27FC236}">
+                    <a16:creationId xmlns:a16="http://schemas.microsoft.com/office/drawing/2014/main" id="{619D7F88-BE1A-695A-3D2D-C0FC311DB122}"/>
+                  </a:ext>
+                </a:extLst>
+              </p:cNvPr>
+              <p:cNvPicPr/>
+              <p:nvPr/>
+            </p:nvPicPr>
+            <p:blipFill>
+              <a:blip r:embed="rId8"/>
+              <a:stretch>
+                <a:fillRect/>
+              </a:stretch>
+            </p:blipFill>
+            <p:spPr>
+              <a:xfrm>
+                <a:off x="4272863" y="5460592"/>
+                <a:ext cx="198720" cy="202320"/>
+              </a:xfrm>
+              <a:prstGeom prst="rect">
+                <a:avLst/>
+              </a:prstGeom>
+            </p:spPr>
+          </p:pic>
+        </mc:Fallback>
+      </mc:AlternateContent>
+      <mc:AlternateContent xmlns:mc="http://schemas.openxmlformats.org/markup-compatibility/2006">
+        <mc:Choice xmlns:p14="http://schemas.microsoft.com/office/powerpoint/2010/main" Requires="p14">
+          <p:contentPart p14:bwMode="auto" r:id="rId9">
+            <p14:nvContentPartPr>
+              <p14:cNvPr id="8" name="Ink 7">
+                <a:extLst>
+                  <a:ext uri="{FF2B5EF4-FFF2-40B4-BE49-F238E27FC236}">
+                    <a16:creationId xmlns:a16="http://schemas.microsoft.com/office/drawing/2014/main" id="{25498EAD-9B77-184A-CC15-A993E6FFC47D}"/>
+                  </a:ext>
+                </a:extLst>
+              </p14:cNvPr>
+              <p14:cNvContentPartPr/>
+              <p14:nvPr/>
+            </p14:nvContentPartPr>
+            <p14:xfrm>
+              <a:off x="6494063" y="4127512"/>
+              <a:ext cx="1040040" cy="7560"/>
+            </p14:xfrm>
+          </p:contentPart>
+        </mc:Choice>
+        <mc:Fallback>
+          <p:pic>
+            <p:nvPicPr>
+              <p:cNvPr id="8" name="Ink 7">
+                <a:extLst>
+                  <a:ext uri="{FF2B5EF4-FFF2-40B4-BE49-F238E27FC236}">
+                    <a16:creationId xmlns:a16="http://schemas.microsoft.com/office/drawing/2014/main" id="{25498EAD-9B77-184A-CC15-A993E6FFC47D}"/>
+                  </a:ext>
+                </a:extLst>
+              </p:cNvPr>
+              <p:cNvPicPr/>
+              <p:nvPr/>
+            </p:nvPicPr>
+            <p:blipFill>
+              <a:blip r:embed="rId10"/>
+              <a:stretch>
+                <a:fillRect/>
+              </a:stretch>
+            </p:blipFill>
+            <p:spPr>
+              <a:xfrm>
+                <a:off x="6458423" y="4055872"/>
+                <a:ext cx="1111680" cy="151200"/>
+              </a:xfrm>
+              <a:prstGeom prst="rect">
+                <a:avLst/>
+              </a:prstGeom>
+            </p:spPr>
+          </p:pic>
+        </mc:Fallback>
+      </mc:AlternateContent>
+      <mc:AlternateContent xmlns:mc="http://schemas.openxmlformats.org/markup-compatibility/2006">
+        <mc:Choice xmlns:p14="http://schemas.microsoft.com/office/powerpoint/2010/main" Requires="p14">
+          <p:contentPart p14:bwMode="auto" r:id="rId11">
+            <p14:nvContentPartPr>
+              <p14:cNvPr id="9" name="Ink 8">
+                <a:extLst>
+                  <a:ext uri="{FF2B5EF4-FFF2-40B4-BE49-F238E27FC236}">
+                    <a16:creationId xmlns:a16="http://schemas.microsoft.com/office/drawing/2014/main" id="{ADABF4F8-1C88-FD40-C134-572BFBE546B0}"/>
+                  </a:ext>
+                </a:extLst>
+              </p14:cNvPr>
+              <p14:cNvContentPartPr/>
+              <p14:nvPr/>
+            </p14:nvContentPartPr>
+            <p14:xfrm>
+              <a:off x="7309463" y="5234152"/>
+              <a:ext cx="1331280" cy="1440"/>
+            </p14:xfrm>
+          </p:contentPart>
+        </mc:Choice>
+        <mc:Fallback>
+          <p:pic>
+            <p:nvPicPr>
+              <p:cNvPr id="9" name="Ink 8">
+                <a:extLst>
+                  <a:ext uri="{FF2B5EF4-FFF2-40B4-BE49-F238E27FC236}">
+                    <a16:creationId xmlns:a16="http://schemas.microsoft.com/office/drawing/2014/main" id="{ADABF4F8-1C88-FD40-C134-572BFBE546B0}"/>
+                  </a:ext>
+                </a:extLst>
+              </p:cNvPr>
+              <p:cNvPicPr/>
+              <p:nvPr/>
+            </p:nvPicPr>
+            <p:blipFill>
+              <a:blip r:embed="rId12"/>
+              <a:stretch>
+                <a:fillRect/>
+              </a:stretch>
+            </p:blipFill>
+            <p:spPr>
+              <a:xfrm>
+                <a:off x="7273823" y="5162512"/>
+                <a:ext cx="1402920" cy="145080"/>
+              </a:xfrm>
+              <a:prstGeom prst="rect">
+                <a:avLst/>
+              </a:prstGeom>
+            </p:spPr>
+          </p:pic>
+        </mc:Fallback>
+      </mc:AlternateContent>
+      <mc:AlternateContent xmlns:mc="http://schemas.openxmlformats.org/markup-compatibility/2006">
+        <mc:Choice xmlns:p14="http://schemas.microsoft.com/office/powerpoint/2010/main" Requires="p14">
+          <p:contentPart p14:bwMode="auto" r:id="rId13">
+            <p14:nvContentPartPr>
+              <p14:cNvPr id="10" name="Ink 9">
+                <a:extLst>
+                  <a:ext uri="{FF2B5EF4-FFF2-40B4-BE49-F238E27FC236}">
+                    <a16:creationId xmlns:a16="http://schemas.microsoft.com/office/drawing/2014/main" id="{1EC3BFE7-9879-853D-C762-8F1B70E1A893}"/>
+                  </a:ext>
+                </a:extLst>
+              </p14:cNvPr>
+              <p14:cNvContentPartPr/>
+              <p14:nvPr/>
+            </p14:nvContentPartPr>
+            <p14:xfrm>
+              <a:off x="1633343" y="5090872"/>
+              <a:ext cx="2592000" cy="257040"/>
+            </p14:xfrm>
+          </p:contentPart>
+        </mc:Choice>
+        <mc:Fallback>
+          <p:pic>
+            <p:nvPicPr>
+              <p:cNvPr id="10" name="Ink 9">
+                <a:extLst>
+                  <a:ext uri="{FF2B5EF4-FFF2-40B4-BE49-F238E27FC236}">
+                    <a16:creationId xmlns:a16="http://schemas.microsoft.com/office/drawing/2014/main" id="{1EC3BFE7-9879-853D-C762-8F1B70E1A893}"/>
+                  </a:ext>
+                </a:extLst>
+              </p:cNvPr>
+              <p:cNvPicPr/>
+              <p:nvPr/>
+            </p:nvPicPr>
+            <p:blipFill>
+              <a:blip r:embed="rId14"/>
+              <a:stretch>
+                <a:fillRect/>
+              </a:stretch>
+            </p:blipFill>
+            <p:spPr>
+              <a:xfrm>
+                <a:off x="1597343" y="5018872"/>
+                <a:ext cx="2663640" cy="400680"/>
+              </a:xfrm>
+              <a:prstGeom prst="rect">
+                <a:avLst/>
+              </a:prstGeom>
+            </p:spPr>
+          </p:pic>
+        </mc:Fallback>
+      </mc:AlternateContent>
     </p:spTree>
     <p:extLst>
       <p:ext uri="{BB962C8B-B14F-4D97-AF65-F5344CB8AC3E}">
@@ -5820,6 +8336,497 @@
           </a:prstGeom>
         </p:spPr>
       </p:pic>
+      <mc:AlternateContent xmlns:mc="http://schemas.openxmlformats.org/markup-compatibility/2006">
+        <mc:Choice xmlns:p14="http://schemas.microsoft.com/office/powerpoint/2010/main" Requires="p14">
+          <p:contentPart p14:bwMode="auto" r:id="rId3">
+            <p14:nvContentPartPr>
+              <p14:cNvPr id="6" name="Ink 5">
+                <a:extLst>
+                  <a:ext uri="{FF2B5EF4-FFF2-40B4-BE49-F238E27FC236}">
+                    <a16:creationId xmlns:a16="http://schemas.microsoft.com/office/drawing/2014/main" id="{D04D04FD-AAC7-46F3-CFCF-EF06BFC71A11}"/>
+                  </a:ext>
+                </a:extLst>
+              </p14:cNvPr>
+              <p14:cNvContentPartPr/>
+              <p14:nvPr/>
+            </p14:nvContentPartPr>
+            <p14:xfrm>
+              <a:off x="3247943" y="3713872"/>
+              <a:ext cx="4590000" cy="1316520"/>
+            </p14:xfrm>
+          </p:contentPart>
+        </mc:Choice>
+        <mc:Fallback>
+          <p:pic>
+            <p:nvPicPr>
+              <p:cNvPr id="6" name="Ink 5">
+                <a:extLst>
+                  <a:ext uri="{FF2B5EF4-FFF2-40B4-BE49-F238E27FC236}">
+                    <a16:creationId xmlns:a16="http://schemas.microsoft.com/office/drawing/2014/main" id="{D04D04FD-AAC7-46F3-CFCF-EF06BFC71A11}"/>
+                  </a:ext>
+                </a:extLst>
+              </p:cNvPr>
+              <p:cNvPicPr/>
+              <p:nvPr/>
+            </p:nvPicPr>
+            <p:blipFill>
+              <a:blip r:embed="rId4"/>
+              <a:stretch>
+                <a:fillRect/>
+              </a:stretch>
+            </p:blipFill>
+            <p:spPr>
+              <a:xfrm>
+                <a:off x="3211943" y="3641872"/>
+                <a:ext cx="4661640" cy="1460160"/>
+              </a:xfrm>
+              <a:prstGeom prst="rect">
+                <a:avLst/>
+              </a:prstGeom>
+            </p:spPr>
+          </p:pic>
+        </mc:Fallback>
+      </mc:AlternateContent>
+      <mc:AlternateContent xmlns:mc="http://schemas.openxmlformats.org/markup-compatibility/2006">
+        <mc:Choice xmlns:p14="http://schemas.microsoft.com/office/powerpoint/2010/main" Requires="p14">
+          <p:contentPart p14:bwMode="auto" r:id="rId5">
+            <p14:nvContentPartPr>
+              <p14:cNvPr id="7" name="Ink 6">
+                <a:extLst>
+                  <a:ext uri="{FF2B5EF4-FFF2-40B4-BE49-F238E27FC236}">
+                    <a16:creationId xmlns:a16="http://schemas.microsoft.com/office/drawing/2014/main" id="{EE108816-D293-507C-4BFC-CB17DF26C9DA}"/>
+                  </a:ext>
+                </a:extLst>
+              </p14:cNvPr>
+              <p14:cNvContentPartPr/>
+              <p14:nvPr/>
+            </p14:nvContentPartPr>
+            <p14:xfrm>
+              <a:off x="7950263" y="3556192"/>
+              <a:ext cx="988560" cy="61920"/>
+            </p14:xfrm>
+          </p:contentPart>
+        </mc:Choice>
+        <mc:Fallback>
+          <p:pic>
+            <p:nvPicPr>
+              <p:cNvPr id="7" name="Ink 6">
+                <a:extLst>
+                  <a:ext uri="{FF2B5EF4-FFF2-40B4-BE49-F238E27FC236}">
+                    <a16:creationId xmlns:a16="http://schemas.microsoft.com/office/drawing/2014/main" id="{EE108816-D293-507C-4BFC-CB17DF26C9DA}"/>
+                  </a:ext>
+                </a:extLst>
+              </p:cNvPr>
+              <p:cNvPicPr/>
+              <p:nvPr/>
+            </p:nvPicPr>
+            <p:blipFill>
+              <a:blip r:embed="rId6"/>
+              <a:stretch>
+                <a:fillRect/>
+              </a:stretch>
+            </p:blipFill>
+            <p:spPr>
+              <a:xfrm>
+                <a:off x="7914623" y="3484552"/>
+                <a:ext cx="1060200" cy="205560"/>
+              </a:xfrm>
+              <a:prstGeom prst="rect">
+                <a:avLst/>
+              </a:prstGeom>
+            </p:spPr>
+          </p:pic>
+        </mc:Fallback>
+      </mc:AlternateContent>
+      <mc:AlternateContent xmlns:mc="http://schemas.openxmlformats.org/markup-compatibility/2006">
+        <mc:Choice xmlns:p14="http://schemas.microsoft.com/office/powerpoint/2010/main" Requires="p14">
+          <p:contentPart p14:bwMode="auto" r:id="rId7">
+            <p14:nvContentPartPr>
+              <p14:cNvPr id="8" name="Ink 7">
+                <a:extLst>
+                  <a:ext uri="{FF2B5EF4-FFF2-40B4-BE49-F238E27FC236}">
+                    <a16:creationId xmlns:a16="http://schemas.microsoft.com/office/drawing/2014/main" id="{6DD5164C-68E3-05D1-E665-9DDDF65B5597}"/>
+                  </a:ext>
+                </a:extLst>
+              </p14:cNvPr>
+              <p14:cNvContentPartPr/>
+              <p14:nvPr/>
+            </p14:nvContentPartPr>
+            <p14:xfrm>
+              <a:off x="3193943" y="2544592"/>
+              <a:ext cx="3427200" cy="2456640"/>
+            </p14:xfrm>
+          </p:contentPart>
+        </mc:Choice>
+        <mc:Fallback>
+          <p:pic>
+            <p:nvPicPr>
+              <p:cNvPr id="8" name="Ink 7">
+                <a:extLst>
+                  <a:ext uri="{FF2B5EF4-FFF2-40B4-BE49-F238E27FC236}">
+                    <a16:creationId xmlns:a16="http://schemas.microsoft.com/office/drawing/2014/main" id="{6DD5164C-68E3-05D1-E665-9DDDF65B5597}"/>
+                  </a:ext>
+                </a:extLst>
+              </p:cNvPr>
+              <p:cNvPicPr/>
+              <p:nvPr/>
+            </p:nvPicPr>
+            <p:blipFill>
+              <a:blip r:embed="rId8"/>
+              <a:stretch>
+                <a:fillRect/>
+              </a:stretch>
+            </p:blipFill>
+            <p:spPr>
+              <a:xfrm>
+                <a:off x="3157943" y="2472952"/>
+                <a:ext cx="3498840" cy="2600280"/>
+              </a:xfrm>
+              <a:prstGeom prst="rect">
+                <a:avLst/>
+              </a:prstGeom>
+            </p:spPr>
+          </p:pic>
+        </mc:Fallback>
+      </mc:AlternateContent>
+      <mc:AlternateContent xmlns:mc="http://schemas.openxmlformats.org/markup-compatibility/2006">
+        <mc:Choice xmlns:p14="http://schemas.microsoft.com/office/powerpoint/2010/main" Requires="p14">
+          <p:contentPart p14:bwMode="auto" r:id="rId9">
+            <p14:nvContentPartPr>
+              <p14:cNvPr id="9" name="Ink 8">
+                <a:extLst>
+                  <a:ext uri="{FF2B5EF4-FFF2-40B4-BE49-F238E27FC236}">
+                    <a16:creationId xmlns:a16="http://schemas.microsoft.com/office/drawing/2014/main" id="{EF64FC19-42B9-888E-B3CE-278093F24D26}"/>
+                  </a:ext>
+                </a:extLst>
+              </p14:cNvPr>
+              <p14:cNvContentPartPr/>
+              <p14:nvPr/>
+            </p14:nvContentPartPr>
+            <p14:xfrm>
+              <a:off x="6630863" y="1665832"/>
+              <a:ext cx="1416240" cy="919440"/>
+            </p14:xfrm>
+          </p:contentPart>
+        </mc:Choice>
+        <mc:Fallback>
+          <p:pic>
+            <p:nvPicPr>
+              <p:cNvPr id="9" name="Ink 8">
+                <a:extLst>
+                  <a:ext uri="{FF2B5EF4-FFF2-40B4-BE49-F238E27FC236}">
+                    <a16:creationId xmlns:a16="http://schemas.microsoft.com/office/drawing/2014/main" id="{EF64FC19-42B9-888E-B3CE-278093F24D26}"/>
+                  </a:ext>
+                </a:extLst>
+              </p:cNvPr>
+              <p:cNvPicPr/>
+              <p:nvPr/>
+            </p:nvPicPr>
+            <p:blipFill>
+              <a:blip r:embed="rId10"/>
+              <a:stretch>
+                <a:fillRect/>
+              </a:stretch>
+            </p:blipFill>
+            <p:spPr>
+              <a:xfrm>
+                <a:off x="6594863" y="1593832"/>
+                <a:ext cx="1487880" cy="1063080"/>
+              </a:xfrm>
+              <a:prstGeom prst="rect">
+                <a:avLst/>
+              </a:prstGeom>
+            </p:spPr>
+          </p:pic>
+        </mc:Fallback>
+      </mc:AlternateContent>
+      <mc:AlternateContent xmlns:mc="http://schemas.openxmlformats.org/markup-compatibility/2006">
+        <mc:Choice xmlns:p14="http://schemas.microsoft.com/office/powerpoint/2010/main" Requires="p14">
+          <p:contentPart p14:bwMode="auto" r:id="rId11">
+            <p14:nvContentPartPr>
+              <p14:cNvPr id="10" name="Ink 9">
+                <a:extLst>
+                  <a:ext uri="{FF2B5EF4-FFF2-40B4-BE49-F238E27FC236}">
+                    <a16:creationId xmlns:a16="http://schemas.microsoft.com/office/drawing/2014/main" id="{249962B3-EA9B-E2F3-29CE-BA84D2404F50}"/>
+                  </a:ext>
+                </a:extLst>
+              </p14:cNvPr>
+              <p14:cNvContentPartPr/>
+              <p14:nvPr/>
+            </p14:nvContentPartPr>
+            <p14:xfrm>
+              <a:off x="8046743" y="1674112"/>
+              <a:ext cx="856800" cy="3960"/>
+            </p14:xfrm>
+          </p:contentPart>
+        </mc:Choice>
+        <mc:Fallback>
+          <p:pic>
+            <p:nvPicPr>
+              <p:cNvPr id="10" name="Ink 9">
+                <a:extLst>
+                  <a:ext uri="{FF2B5EF4-FFF2-40B4-BE49-F238E27FC236}">
+                    <a16:creationId xmlns:a16="http://schemas.microsoft.com/office/drawing/2014/main" id="{249962B3-EA9B-E2F3-29CE-BA84D2404F50}"/>
+                  </a:ext>
+                </a:extLst>
+              </p:cNvPr>
+              <p:cNvPicPr/>
+              <p:nvPr/>
+            </p:nvPicPr>
+            <p:blipFill>
+              <a:blip r:embed="rId12"/>
+              <a:stretch>
+                <a:fillRect/>
+              </a:stretch>
+            </p:blipFill>
+            <p:spPr>
+              <a:xfrm>
+                <a:off x="8010743" y="1602112"/>
+                <a:ext cx="928440" cy="147600"/>
+              </a:xfrm>
+              <a:prstGeom prst="rect">
+                <a:avLst/>
+              </a:prstGeom>
+            </p:spPr>
+          </p:pic>
+        </mc:Fallback>
+      </mc:AlternateContent>
+      <p:sp>
+        <p:nvSpPr>
+          <p:cNvPr id="11" name="TextBox 10">
+            <a:extLst>
+              <a:ext uri="{FF2B5EF4-FFF2-40B4-BE49-F238E27FC236}">
+                <a16:creationId xmlns:a16="http://schemas.microsoft.com/office/drawing/2014/main" id="{57F6600B-E5AF-6A63-C112-AC43551B9928}"/>
+              </a:ext>
+            </a:extLst>
+          </p:cNvPr>
+          <p:cNvSpPr txBox="1"/>
+          <p:nvPr/>
+        </p:nvSpPr>
+        <p:spPr>
+          <a:xfrm>
+            <a:off x="118407" y="2236544"/>
+            <a:ext cx="2492990" cy="1200329"/>
+          </a:xfrm>
+          <a:prstGeom prst="rect">
+            <a:avLst/>
+          </a:prstGeom>
+          <a:noFill/>
+        </p:spPr>
+        <p:txBody>
+          <a:bodyPr wrap="none" rtlCol="0">
+            <a:spAutoFit/>
+          </a:bodyPr>
+          <a:lstStyle/>
+          <a:p>
+            <a:r>
+              <a:rPr lang="en-JP" dirty="0"/>
+              <a:t>輸出が簡単になった！</a:t>
+            </a:r>
+          </a:p>
+          <a:p>
+            <a:endParaRPr lang="en-JP" dirty="0"/>
+          </a:p>
+          <a:p>
+            <a:r>
+              <a:rPr lang="en-JP" dirty="0">
+                <a:sym typeface="Wingdings" pitchFamily="2" charset="2"/>
+              </a:rPr>
+              <a:t></a:t>
+            </a:r>
+            <a:r>
+              <a:rPr lang="en-JP" dirty="0"/>
+              <a:t>輸出する企業増加</a:t>
+            </a:r>
+          </a:p>
+          <a:p>
+            <a:endParaRPr lang="en-JP" dirty="0"/>
+          </a:p>
+        </p:txBody>
+      </p:sp>
+      <p:sp>
+        <p:nvSpPr>
+          <p:cNvPr id="12" name="Oval 11">
+            <a:extLst>
+              <a:ext uri="{FF2B5EF4-FFF2-40B4-BE49-F238E27FC236}">
+                <a16:creationId xmlns:a16="http://schemas.microsoft.com/office/drawing/2014/main" id="{32330186-162A-EA67-9A28-458B856E6D54}"/>
+              </a:ext>
+            </a:extLst>
+          </p:cNvPr>
+          <p:cNvSpPr/>
+          <p:nvPr/>
+        </p:nvSpPr>
+        <p:spPr>
+          <a:xfrm>
+            <a:off x="5997039" y="3772912"/>
+            <a:ext cx="624104" cy="599220"/>
+          </a:xfrm>
+          <a:prstGeom prst="ellipse">
+            <a:avLst/>
+          </a:prstGeom>
+          <a:noFill/>
+          <a:ln w="38100"/>
+        </p:spPr>
+        <p:style>
+          <a:lnRef idx="2">
+            <a:schemeClr val="accent1">
+              <a:shade val="15000"/>
+            </a:schemeClr>
+          </a:lnRef>
+          <a:fillRef idx="1">
+            <a:schemeClr val="accent1"/>
+          </a:fillRef>
+          <a:effectRef idx="0">
+            <a:schemeClr val="accent1"/>
+          </a:effectRef>
+          <a:fontRef idx="minor">
+            <a:schemeClr val="lt1"/>
+          </a:fontRef>
+        </p:style>
+        <p:txBody>
+          <a:bodyPr rtlCol="0" anchor="ctr"/>
+          <a:lstStyle/>
+          <a:p>
+            <a:pPr algn="ctr"/>
+            <a:endParaRPr lang="en-JP"/>
+          </a:p>
+        </p:txBody>
+      </p:sp>
+      <p:sp>
+        <p:nvSpPr>
+          <p:cNvPr id="13" name="Oval 12">
+            <a:extLst>
+              <a:ext uri="{FF2B5EF4-FFF2-40B4-BE49-F238E27FC236}">
+                <a16:creationId xmlns:a16="http://schemas.microsoft.com/office/drawing/2014/main" id="{37026D5C-D583-E2EB-ED76-83B2FA218620}"/>
+              </a:ext>
+            </a:extLst>
+          </p:cNvPr>
+          <p:cNvSpPr/>
+          <p:nvPr/>
+        </p:nvSpPr>
+        <p:spPr>
+          <a:xfrm>
+            <a:off x="4059382" y="3794687"/>
+            <a:ext cx="624104" cy="599220"/>
+          </a:xfrm>
+          <a:prstGeom prst="ellipse">
+            <a:avLst/>
+          </a:prstGeom>
+          <a:noFill/>
+          <a:ln w="38100"/>
+        </p:spPr>
+        <p:style>
+          <a:lnRef idx="2">
+            <a:schemeClr val="accent1">
+              <a:shade val="15000"/>
+            </a:schemeClr>
+          </a:lnRef>
+          <a:fillRef idx="1">
+            <a:schemeClr val="accent1"/>
+          </a:fillRef>
+          <a:effectRef idx="0">
+            <a:schemeClr val="accent1"/>
+          </a:effectRef>
+          <a:fontRef idx="minor">
+            <a:schemeClr val="lt1"/>
+          </a:fontRef>
+        </p:style>
+        <p:txBody>
+          <a:bodyPr rtlCol="0" anchor="ctr"/>
+          <a:lstStyle/>
+          <a:p>
+            <a:pPr algn="ctr"/>
+            <a:endParaRPr lang="en-JP"/>
+          </a:p>
+        </p:txBody>
+      </p:sp>
+      <p:sp>
+        <p:nvSpPr>
+          <p:cNvPr id="15" name="TextBox 14">
+            <a:extLst>
+              <a:ext uri="{FF2B5EF4-FFF2-40B4-BE49-F238E27FC236}">
+                <a16:creationId xmlns:a16="http://schemas.microsoft.com/office/drawing/2014/main" id="{833C527D-57ED-FDE3-03CB-E3E399119AC8}"/>
+              </a:ext>
+            </a:extLst>
+          </p:cNvPr>
+          <p:cNvSpPr txBox="1"/>
+          <p:nvPr/>
+        </p:nvSpPr>
+        <p:spPr>
+          <a:xfrm>
+            <a:off x="6309091" y="2918739"/>
+            <a:ext cx="1720333" cy="461665"/>
+          </a:xfrm>
+          <a:prstGeom prst="rect">
+            <a:avLst/>
+          </a:prstGeom>
+          <a:noFill/>
+        </p:spPr>
+        <p:txBody>
+          <a:bodyPr wrap="square">
+            <a:spAutoFit/>
+          </a:bodyPr>
+          <a:lstStyle/>
+          <a:p>
+            <a:r>
+              <a:rPr lang="en-JP" sz="1200" dirty="0">
+                <a:sym typeface="Wingdings" pitchFamily="2" charset="2"/>
+              </a:rPr>
+              <a:t>前から輸出していた</a:t>
+            </a:r>
+          </a:p>
+          <a:p>
+            <a:r>
+              <a:rPr lang="en-JP" sz="1200" dirty="0">
+                <a:sym typeface="Wingdings" pitchFamily="2" charset="2"/>
+              </a:rPr>
+              <a:t>企業は輸出利潤増加</a:t>
+            </a:r>
+            <a:endParaRPr lang="en-JP" sz="1200" dirty="0"/>
+          </a:p>
+        </p:txBody>
+      </p:sp>
+      <p:sp>
+        <p:nvSpPr>
+          <p:cNvPr id="16" name="TextBox 15">
+            <a:extLst>
+              <a:ext uri="{FF2B5EF4-FFF2-40B4-BE49-F238E27FC236}">
+                <a16:creationId xmlns:a16="http://schemas.microsoft.com/office/drawing/2014/main" id="{2DDDFB3D-7189-AA59-61E3-6DCF6B0DB7B6}"/>
+              </a:ext>
+            </a:extLst>
+          </p:cNvPr>
+          <p:cNvSpPr txBox="1"/>
+          <p:nvPr/>
+        </p:nvSpPr>
+        <p:spPr>
+          <a:xfrm>
+            <a:off x="4916175" y="3694215"/>
+            <a:ext cx="1253535" cy="461665"/>
+          </a:xfrm>
+          <a:prstGeom prst="rect">
+            <a:avLst/>
+          </a:prstGeom>
+          <a:noFill/>
+        </p:spPr>
+        <p:txBody>
+          <a:bodyPr wrap="square">
+            <a:spAutoFit/>
+          </a:bodyPr>
+          <a:lstStyle/>
+          <a:p>
+            <a:r>
+              <a:rPr lang="en-JP" sz="1200" dirty="0"/>
+              <a:t>新規輸出企業の</a:t>
+            </a:r>
+          </a:p>
+          <a:p>
+            <a:r>
+              <a:rPr lang="en-JP" sz="1200" dirty="0"/>
+              <a:t>輸出利潤</a:t>
+            </a:r>
+          </a:p>
+        </p:txBody>
+      </p:sp>
     </p:spTree>
     <p:extLst>
       <p:ext uri="{BB962C8B-B14F-4D97-AF65-F5344CB8AC3E}">
@@ -5909,6 +8916,583 @@
           </a:prstGeom>
         </p:spPr>
       </p:pic>
+      <mc:AlternateContent xmlns:mc="http://schemas.openxmlformats.org/markup-compatibility/2006">
+        <mc:Choice xmlns:p14="http://schemas.microsoft.com/office/powerpoint/2010/main" Requires="p14">
+          <p:contentPart p14:bwMode="auto" r:id="rId3">
+            <p14:nvContentPartPr>
+              <p14:cNvPr id="5" name="Ink 4">
+                <a:extLst>
+                  <a:ext uri="{FF2B5EF4-FFF2-40B4-BE49-F238E27FC236}">
+                    <a16:creationId xmlns:a16="http://schemas.microsoft.com/office/drawing/2014/main" id="{F27EAB5A-3628-ABB1-8EB5-455238E51EBF}"/>
+                  </a:ext>
+                </a:extLst>
+              </p14:cNvPr>
+              <p14:cNvContentPartPr/>
+              <p14:nvPr/>
+            </p14:nvContentPartPr>
+            <p14:xfrm>
+              <a:off x="3098183" y="1966072"/>
+              <a:ext cx="4106160" cy="2946240"/>
+            </p14:xfrm>
+          </p:contentPart>
+        </mc:Choice>
+        <mc:Fallback>
+          <p:pic>
+            <p:nvPicPr>
+              <p:cNvPr id="5" name="Ink 4">
+                <a:extLst>
+                  <a:ext uri="{FF2B5EF4-FFF2-40B4-BE49-F238E27FC236}">
+                    <a16:creationId xmlns:a16="http://schemas.microsoft.com/office/drawing/2014/main" id="{F27EAB5A-3628-ABB1-8EB5-455238E51EBF}"/>
+                  </a:ext>
+                </a:extLst>
+              </p:cNvPr>
+              <p:cNvPicPr/>
+              <p:nvPr/>
+            </p:nvPicPr>
+            <p:blipFill>
+              <a:blip r:embed="rId4"/>
+              <a:stretch>
+                <a:fillRect/>
+              </a:stretch>
+            </p:blipFill>
+            <p:spPr>
+              <a:xfrm>
+                <a:off x="3062543" y="1894432"/>
+                <a:ext cx="4177800" cy="3089880"/>
+              </a:xfrm>
+              <a:prstGeom prst="rect">
+                <a:avLst/>
+              </a:prstGeom>
+            </p:spPr>
+          </p:pic>
+        </mc:Fallback>
+      </mc:AlternateContent>
+      <mc:AlternateContent xmlns:mc="http://schemas.openxmlformats.org/markup-compatibility/2006">
+        <mc:Choice xmlns:p14="http://schemas.microsoft.com/office/powerpoint/2010/main" Requires="p14">
+          <p:contentPart p14:bwMode="auto" r:id="rId5">
+            <p14:nvContentPartPr>
+              <p14:cNvPr id="6" name="Ink 5">
+                <a:extLst>
+                  <a:ext uri="{FF2B5EF4-FFF2-40B4-BE49-F238E27FC236}">
+                    <a16:creationId xmlns:a16="http://schemas.microsoft.com/office/drawing/2014/main" id="{DAF0D5CD-6A66-A471-5540-1AF8BA9237D9}"/>
+                  </a:ext>
+                </a:extLst>
+              </p14:cNvPr>
+              <p14:cNvContentPartPr/>
+              <p14:nvPr/>
+            </p14:nvContentPartPr>
+            <p14:xfrm>
+              <a:off x="7160063" y="1508872"/>
+              <a:ext cx="746280" cy="505080"/>
+            </p14:xfrm>
+          </p:contentPart>
+        </mc:Choice>
+        <mc:Fallback>
+          <p:pic>
+            <p:nvPicPr>
+              <p:cNvPr id="6" name="Ink 5">
+                <a:extLst>
+                  <a:ext uri="{FF2B5EF4-FFF2-40B4-BE49-F238E27FC236}">
+                    <a16:creationId xmlns:a16="http://schemas.microsoft.com/office/drawing/2014/main" id="{DAF0D5CD-6A66-A471-5540-1AF8BA9237D9}"/>
+                  </a:ext>
+                </a:extLst>
+              </p:cNvPr>
+              <p:cNvPicPr/>
+              <p:nvPr/>
+            </p:nvPicPr>
+            <p:blipFill>
+              <a:blip r:embed="rId6"/>
+              <a:stretch>
+                <a:fillRect/>
+              </a:stretch>
+            </p:blipFill>
+            <p:spPr>
+              <a:xfrm>
+                <a:off x="7124423" y="1437232"/>
+                <a:ext cx="817920" cy="648720"/>
+              </a:xfrm>
+              <a:prstGeom prst="rect">
+                <a:avLst/>
+              </a:prstGeom>
+            </p:spPr>
+          </p:pic>
+        </mc:Fallback>
+      </mc:AlternateContent>
+      <mc:AlternateContent xmlns:mc="http://schemas.openxmlformats.org/markup-compatibility/2006">
+        <mc:Choice xmlns:p14="http://schemas.microsoft.com/office/powerpoint/2010/main" Requires="p14">
+          <p:contentPart p14:bwMode="auto" r:id="rId7">
+            <p14:nvContentPartPr>
+              <p14:cNvPr id="7" name="Ink 6">
+                <a:extLst>
+                  <a:ext uri="{FF2B5EF4-FFF2-40B4-BE49-F238E27FC236}">
+                    <a16:creationId xmlns:a16="http://schemas.microsoft.com/office/drawing/2014/main" id="{59E3EDB3-8080-794E-8975-F1F24706D9F7}"/>
+                  </a:ext>
+                </a:extLst>
+              </p14:cNvPr>
+              <p14:cNvContentPartPr/>
+              <p14:nvPr/>
+            </p14:nvContentPartPr>
+            <p14:xfrm>
+              <a:off x="7850903" y="1423552"/>
+              <a:ext cx="1183320" cy="64080"/>
+            </p14:xfrm>
+          </p:contentPart>
+        </mc:Choice>
+        <mc:Fallback>
+          <p:pic>
+            <p:nvPicPr>
+              <p:cNvPr id="7" name="Ink 6">
+                <a:extLst>
+                  <a:ext uri="{FF2B5EF4-FFF2-40B4-BE49-F238E27FC236}">
+                    <a16:creationId xmlns:a16="http://schemas.microsoft.com/office/drawing/2014/main" id="{59E3EDB3-8080-794E-8975-F1F24706D9F7}"/>
+                  </a:ext>
+                </a:extLst>
+              </p:cNvPr>
+              <p:cNvPicPr/>
+              <p:nvPr/>
+            </p:nvPicPr>
+            <p:blipFill>
+              <a:blip r:embed="rId8"/>
+              <a:stretch>
+                <a:fillRect/>
+              </a:stretch>
+            </p:blipFill>
+            <p:spPr>
+              <a:xfrm>
+                <a:off x="7815263" y="1351552"/>
+                <a:ext cx="1254960" cy="207720"/>
+              </a:xfrm>
+              <a:prstGeom prst="rect">
+                <a:avLst/>
+              </a:prstGeom>
+            </p:spPr>
+          </p:pic>
+        </mc:Fallback>
+      </mc:AlternateContent>
+      <mc:AlternateContent xmlns:mc="http://schemas.openxmlformats.org/markup-compatibility/2006">
+        <mc:Choice xmlns:p14="http://schemas.microsoft.com/office/powerpoint/2010/main" Requires="p14">
+          <p:contentPart p14:bwMode="auto" r:id="rId9">
+            <p14:nvContentPartPr>
+              <p14:cNvPr id="8" name="Ink 7">
+                <a:extLst>
+                  <a:ext uri="{FF2B5EF4-FFF2-40B4-BE49-F238E27FC236}">
+                    <a16:creationId xmlns:a16="http://schemas.microsoft.com/office/drawing/2014/main" id="{DD190E03-F999-7E4E-A49F-5B9DE9F58CA6}"/>
+                  </a:ext>
+                </a:extLst>
+              </p14:cNvPr>
+              <p14:cNvContentPartPr/>
+              <p14:nvPr/>
+            </p14:nvContentPartPr>
+            <p14:xfrm>
+              <a:off x="3197543" y="2810272"/>
+              <a:ext cx="3697560" cy="2130840"/>
+            </p14:xfrm>
+          </p:contentPart>
+        </mc:Choice>
+        <mc:Fallback>
+          <p:pic>
+            <p:nvPicPr>
+              <p:cNvPr id="8" name="Ink 7">
+                <a:extLst>
+                  <a:ext uri="{FF2B5EF4-FFF2-40B4-BE49-F238E27FC236}">
+                    <a16:creationId xmlns:a16="http://schemas.microsoft.com/office/drawing/2014/main" id="{DD190E03-F999-7E4E-A49F-5B9DE9F58CA6}"/>
+                  </a:ext>
+                </a:extLst>
+              </p:cNvPr>
+              <p:cNvPicPr/>
+              <p:nvPr/>
+            </p:nvPicPr>
+            <p:blipFill>
+              <a:blip r:embed="rId10"/>
+              <a:stretch>
+                <a:fillRect/>
+              </a:stretch>
+            </p:blipFill>
+            <p:spPr>
+              <a:xfrm>
+                <a:off x="3161543" y="2738632"/>
+                <a:ext cx="3769200" cy="2274480"/>
+              </a:xfrm>
+              <a:prstGeom prst="rect">
+                <a:avLst/>
+              </a:prstGeom>
+            </p:spPr>
+          </p:pic>
+        </mc:Fallback>
+      </mc:AlternateContent>
+      <mc:AlternateContent xmlns:mc="http://schemas.openxmlformats.org/markup-compatibility/2006">
+        <mc:Choice xmlns:p14="http://schemas.microsoft.com/office/powerpoint/2010/main" Requires="p14">
+          <p:contentPart p14:bwMode="auto" r:id="rId11">
+            <p14:nvContentPartPr>
+              <p14:cNvPr id="9" name="Ink 8">
+                <a:extLst>
+                  <a:ext uri="{FF2B5EF4-FFF2-40B4-BE49-F238E27FC236}">
+                    <a16:creationId xmlns:a16="http://schemas.microsoft.com/office/drawing/2014/main" id="{F4D66828-F53D-C3C1-DFBB-63CCAC856DC0}"/>
+                  </a:ext>
+                </a:extLst>
+              </p14:cNvPr>
+              <p14:cNvContentPartPr/>
+              <p14:nvPr/>
+            </p14:nvContentPartPr>
+            <p14:xfrm>
+              <a:off x="6815903" y="2315272"/>
+              <a:ext cx="1041840" cy="586080"/>
+            </p14:xfrm>
+          </p:contentPart>
+        </mc:Choice>
+        <mc:Fallback>
+          <p:pic>
+            <p:nvPicPr>
+              <p:cNvPr id="9" name="Ink 8">
+                <a:extLst>
+                  <a:ext uri="{FF2B5EF4-FFF2-40B4-BE49-F238E27FC236}">
+                    <a16:creationId xmlns:a16="http://schemas.microsoft.com/office/drawing/2014/main" id="{F4D66828-F53D-C3C1-DFBB-63CCAC856DC0}"/>
+                  </a:ext>
+                </a:extLst>
+              </p:cNvPr>
+              <p:cNvPicPr/>
+              <p:nvPr/>
+            </p:nvPicPr>
+            <p:blipFill>
+              <a:blip r:embed="rId12"/>
+              <a:stretch>
+                <a:fillRect/>
+              </a:stretch>
+            </p:blipFill>
+            <p:spPr>
+              <a:xfrm>
+                <a:off x="6780263" y="2243272"/>
+                <a:ext cx="1113480" cy="729720"/>
+              </a:xfrm>
+              <a:prstGeom prst="rect">
+                <a:avLst/>
+              </a:prstGeom>
+            </p:spPr>
+          </p:pic>
+        </mc:Fallback>
+      </mc:AlternateContent>
+      <mc:AlternateContent xmlns:mc="http://schemas.openxmlformats.org/markup-compatibility/2006">
+        <mc:Choice xmlns:p14="http://schemas.microsoft.com/office/powerpoint/2010/main" Requires="p14">
+          <p:contentPart p14:bwMode="auto" r:id="rId13">
+            <p14:nvContentPartPr>
+              <p14:cNvPr id="10" name="Ink 9">
+                <a:extLst>
+                  <a:ext uri="{FF2B5EF4-FFF2-40B4-BE49-F238E27FC236}">
+                    <a16:creationId xmlns:a16="http://schemas.microsoft.com/office/drawing/2014/main" id="{DABCDFD3-F546-81A6-028F-0AA0277AB923}"/>
+                  </a:ext>
+                </a:extLst>
+              </p14:cNvPr>
+              <p14:cNvContentPartPr/>
+              <p14:nvPr/>
+            </p14:nvContentPartPr>
+            <p14:xfrm>
+              <a:off x="6813023" y="2229592"/>
+              <a:ext cx="1124640" cy="647640"/>
+            </p14:xfrm>
+          </p:contentPart>
+        </mc:Choice>
+        <mc:Fallback>
+          <p:pic>
+            <p:nvPicPr>
+              <p:cNvPr id="10" name="Ink 9">
+                <a:extLst>
+                  <a:ext uri="{FF2B5EF4-FFF2-40B4-BE49-F238E27FC236}">
+                    <a16:creationId xmlns:a16="http://schemas.microsoft.com/office/drawing/2014/main" id="{DABCDFD3-F546-81A6-028F-0AA0277AB923}"/>
+                  </a:ext>
+                </a:extLst>
+              </p:cNvPr>
+              <p:cNvPicPr/>
+              <p:nvPr/>
+            </p:nvPicPr>
+            <p:blipFill>
+              <a:blip r:embed="rId14"/>
+              <a:stretch>
+                <a:fillRect/>
+              </a:stretch>
+            </p:blipFill>
+            <p:spPr>
+              <a:xfrm>
+                <a:off x="6777023" y="2157592"/>
+                <a:ext cx="1196280" cy="791280"/>
+              </a:xfrm>
+              <a:prstGeom prst="rect">
+                <a:avLst/>
+              </a:prstGeom>
+            </p:spPr>
+          </p:pic>
+        </mc:Fallback>
+      </mc:AlternateContent>
+      <mc:AlternateContent xmlns:mc="http://schemas.openxmlformats.org/markup-compatibility/2006">
+        <mc:Choice xmlns:p14="http://schemas.microsoft.com/office/powerpoint/2010/main" Requires="p14">
+          <p:contentPart p14:bwMode="auto" r:id="rId15">
+            <p14:nvContentPartPr>
+              <p14:cNvPr id="11" name="Ink 10">
+                <a:extLst>
+                  <a:ext uri="{FF2B5EF4-FFF2-40B4-BE49-F238E27FC236}">
+                    <a16:creationId xmlns:a16="http://schemas.microsoft.com/office/drawing/2014/main" id="{17DDAD7D-8CD2-CFE9-4106-BAB14DEE9E63}"/>
+                  </a:ext>
+                </a:extLst>
+              </p14:cNvPr>
+              <p14:cNvContentPartPr/>
+              <p14:nvPr/>
+            </p14:nvContentPartPr>
+            <p14:xfrm>
+              <a:off x="7854503" y="2247952"/>
+              <a:ext cx="1096560" cy="23760"/>
+            </p14:xfrm>
+          </p:contentPart>
+        </mc:Choice>
+        <mc:Fallback>
+          <p:pic>
+            <p:nvPicPr>
+              <p:cNvPr id="11" name="Ink 10">
+                <a:extLst>
+                  <a:ext uri="{FF2B5EF4-FFF2-40B4-BE49-F238E27FC236}">
+                    <a16:creationId xmlns:a16="http://schemas.microsoft.com/office/drawing/2014/main" id="{17DDAD7D-8CD2-CFE9-4106-BAB14DEE9E63}"/>
+                  </a:ext>
+                </a:extLst>
+              </p:cNvPr>
+              <p:cNvPicPr/>
+              <p:nvPr/>
+            </p:nvPicPr>
+            <p:blipFill>
+              <a:blip r:embed="rId16"/>
+              <a:stretch>
+                <a:fillRect/>
+              </a:stretch>
+            </p:blipFill>
+            <p:spPr>
+              <a:xfrm>
+                <a:off x="7818863" y="2175952"/>
+                <a:ext cx="1168200" cy="167400"/>
+              </a:xfrm>
+              <a:prstGeom prst="rect">
+                <a:avLst/>
+              </a:prstGeom>
+            </p:spPr>
+          </p:pic>
+        </mc:Fallback>
+      </mc:AlternateContent>
+      <mc:AlternateContent xmlns:mc="http://schemas.openxmlformats.org/markup-compatibility/2006">
+        <mc:Choice xmlns:p14="http://schemas.microsoft.com/office/powerpoint/2010/main" Requires="p14">
+          <p:contentPart p14:bwMode="auto" r:id="rId17">
+            <p14:nvContentPartPr>
+              <p14:cNvPr id="12" name="Ink 11">
+                <a:extLst>
+                  <a:ext uri="{FF2B5EF4-FFF2-40B4-BE49-F238E27FC236}">
+                    <a16:creationId xmlns:a16="http://schemas.microsoft.com/office/drawing/2014/main" id="{C485547E-EE77-FDF4-6295-EC95B883DAF0}"/>
+                  </a:ext>
+                </a:extLst>
+              </p14:cNvPr>
+              <p14:cNvContentPartPr/>
+              <p14:nvPr/>
+            </p14:nvContentPartPr>
+            <p14:xfrm>
+              <a:off x="7887983" y="2357032"/>
+              <a:ext cx="1020240" cy="13680"/>
+            </p14:xfrm>
+          </p:contentPart>
+        </mc:Choice>
+        <mc:Fallback>
+          <p:pic>
+            <p:nvPicPr>
+              <p:cNvPr id="12" name="Ink 11">
+                <a:extLst>
+                  <a:ext uri="{FF2B5EF4-FFF2-40B4-BE49-F238E27FC236}">
+                    <a16:creationId xmlns:a16="http://schemas.microsoft.com/office/drawing/2014/main" id="{C485547E-EE77-FDF4-6295-EC95B883DAF0}"/>
+                  </a:ext>
+                </a:extLst>
+              </p:cNvPr>
+              <p:cNvPicPr/>
+              <p:nvPr/>
+            </p:nvPicPr>
+            <p:blipFill>
+              <a:blip r:embed="rId18"/>
+              <a:stretch>
+                <a:fillRect/>
+              </a:stretch>
+            </p:blipFill>
+            <p:spPr>
+              <a:xfrm>
+                <a:off x="7852343" y="2285392"/>
+                <a:ext cx="1091880" cy="157320"/>
+              </a:xfrm>
+              <a:prstGeom prst="rect">
+                <a:avLst/>
+              </a:prstGeom>
+            </p:spPr>
+          </p:pic>
+        </mc:Fallback>
+      </mc:AlternateContent>
+      <p:sp>
+        <p:nvSpPr>
+          <p:cNvPr id="13" name="TextBox 12">
+            <a:extLst>
+              <a:ext uri="{FF2B5EF4-FFF2-40B4-BE49-F238E27FC236}">
+                <a16:creationId xmlns:a16="http://schemas.microsoft.com/office/drawing/2014/main" id="{B755C79F-4093-4C1A-9B3D-F5D005BB618B}"/>
+              </a:ext>
+            </a:extLst>
+          </p:cNvPr>
+          <p:cNvSpPr txBox="1"/>
+          <p:nvPr/>
+        </p:nvSpPr>
+        <p:spPr>
+          <a:xfrm>
+            <a:off x="62577" y="1810047"/>
+            <a:ext cx="2492990" cy="646331"/>
+          </a:xfrm>
+          <a:prstGeom prst="rect">
+            <a:avLst/>
+          </a:prstGeom>
+          <a:noFill/>
+        </p:spPr>
+        <p:txBody>
+          <a:bodyPr wrap="none" rtlCol="0">
+            <a:spAutoFit/>
+          </a:bodyPr>
+          <a:lstStyle/>
+          <a:p>
+            <a:r>
+              <a:rPr lang="en-JP" dirty="0"/>
+              <a:t>輸入が簡単になった！</a:t>
+            </a:r>
+          </a:p>
+          <a:p>
+            <a:endParaRPr lang="en-JP" dirty="0"/>
+          </a:p>
+        </p:txBody>
+      </p:sp>
+      <p:sp>
+        <p:nvSpPr>
+          <p:cNvPr id="14" name="Oval 13">
+            <a:extLst>
+              <a:ext uri="{FF2B5EF4-FFF2-40B4-BE49-F238E27FC236}">
+                <a16:creationId xmlns:a16="http://schemas.microsoft.com/office/drawing/2014/main" id="{170C3862-FDD0-C3FF-0D0C-C12E529FB1C9}"/>
+              </a:ext>
+            </a:extLst>
+          </p:cNvPr>
+          <p:cNvSpPr/>
+          <p:nvPr/>
+        </p:nvSpPr>
+        <p:spPr>
+          <a:xfrm>
+            <a:off x="3176730" y="4429500"/>
+            <a:ext cx="314614" cy="352187"/>
+          </a:xfrm>
+          <a:prstGeom prst="ellipse">
+            <a:avLst/>
+          </a:prstGeom>
+          <a:noFill/>
+          <a:ln w="38100"/>
+        </p:spPr>
+        <p:style>
+          <a:lnRef idx="2">
+            <a:schemeClr val="accent1">
+              <a:shade val="15000"/>
+            </a:schemeClr>
+          </a:lnRef>
+          <a:fillRef idx="1">
+            <a:schemeClr val="accent1"/>
+          </a:fillRef>
+          <a:effectRef idx="0">
+            <a:schemeClr val="accent1"/>
+          </a:effectRef>
+          <a:fontRef idx="minor">
+            <a:schemeClr val="lt1"/>
+          </a:fontRef>
+        </p:style>
+        <p:txBody>
+          <a:bodyPr rtlCol="0" anchor="ctr"/>
+          <a:lstStyle/>
+          <a:p>
+            <a:pPr algn="ctr"/>
+            <a:endParaRPr lang="en-JP"/>
+          </a:p>
+        </p:txBody>
+      </p:sp>
+      <p:sp>
+        <p:nvSpPr>
+          <p:cNvPr id="15" name="Oval 14">
+            <a:extLst>
+              <a:ext uri="{FF2B5EF4-FFF2-40B4-BE49-F238E27FC236}">
+                <a16:creationId xmlns:a16="http://schemas.microsoft.com/office/drawing/2014/main" id="{C8E006AD-8B67-BAEC-050C-622427CEC66A}"/>
+              </a:ext>
+            </a:extLst>
+          </p:cNvPr>
+          <p:cNvSpPr/>
+          <p:nvPr/>
+        </p:nvSpPr>
+        <p:spPr>
+          <a:xfrm>
+            <a:off x="3424131" y="4712526"/>
+            <a:ext cx="423474" cy="352187"/>
+          </a:xfrm>
+          <a:prstGeom prst="ellipse">
+            <a:avLst/>
+          </a:prstGeom>
+          <a:noFill/>
+          <a:ln w="38100"/>
+        </p:spPr>
+        <p:style>
+          <a:lnRef idx="2">
+            <a:schemeClr val="accent1">
+              <a:shade val="15000"/>
+            </a:schemeClr>
+          </a:lnRef>
+          <a:fillRef idx="1">
+            <a:schemeClr val="accent1"/>
+          </a:fillRef>
+          <a:effectRef idx="0">
+            <a:schemeClr val="accent1"/>
+          </a:effectRef>
+          <a:fontRef idx="minor">
+            <a:schemeClr val="lt1"/>
+          </a:fontRef>
+        </p:style>
+        <p:txBody>
+          <a:bodyPr rtlCol="0" anchor="ctr"/>
+          <a:lstStyle/>
+          <a:p>
+            <a:pPr algn="ctr"/>
+            <a:endParaRPr lang="en-JP"/>
+          </a:p>
+        </p:txBody>
+      </p:sp>
+      <p:sp>
+        <p:nvSpPr>
+          <p:cNvPr id="17" name="TextBox 16">
+            <a:extLst>
+              <a:ext uri="{FF2B5EF4-FFF2-40B4-BE49-F238E27FC236}">
+                <a16:creationId xmlns:a16="http://schemas.microsoft.com/office/drawing/2014/main" id="{1015E63F-5144-09AB-9B23-7D83F8A5714D}"/>
+              </a:ext>
+            </a:extLst>
+          </p:cNvPr>
+          <p:cNvSpPr txBox="1"/>
+          <p:nvPr/>
+        </p:nvSpPr>
+        <p:spPr>
+          <a:xfrm rot="19627768">
+            <a:off x="5802457" y="2389187"/>
+            <a:ext cx="1914896" cy="369332"/>
+          </a:xfrm>
+          <a:prstGeom prst="rect">
+            <a:avLst/>
+          </a:prstGeom>
+          <a:noFill/>
+        </p:spPr>
+        <p:txBody>
+          <a:bodyPr wrap="square">
+            <a:spAutoFit/>
+          </a:bodyPr>
+          <a:lstStyle/>
+          <a:p>
+            <a:r>
+              <a:rPr lang="en-JP" dirty="0"/>
+              <a:t>国内利潤が低下</a:t>
+            </a:r>
+          </a:p>
+        </p:txBody>
+      </p:sp>
     </p:spTree>
     <p:extLst>
       <p:ext uri="{BB962C8B-B14F-4D97-AF65-F5344CB8AC3E}">
@@ -5961,26 +9545,50 @@
           <a:lstStyle/>
           <a:p>
             <a:r>
-              <a:rPr lang="zh-CN" altLang="en-US" dirty="0"/>
+              <a:rPr lang="zh-CN" altLang="en-US" dirty="0">
+                <a:highlight>
+                  <a:srgbClr val="FFFF00"/>
+                </a:highlight>
+              </a:rPr>
               <a:t>再配分効果</a:t>
             </a:r>
             <a:r>
-              <a:rPr lang="en-US" altLang="ja-JP" dirty="0"/>
+              <a:rPr lang="en-US" altLang="ja-JP" dirty="0">
+                <a:highlight>
+                  <a:srgbClr val="FFFF00"/>
+                </a:highlight>
+              </a:rPr>
               <a:t>(</a:t>
             </a:r>
             <a:r>
-              <a:rPr lang="ja-JP" altLang="en-US"/>
+              <a:rPr lang="ja-JP" altLang="en-US">
+                <a:highlight>
+                  <a:srgbClr val="FFFF00"/>
+                </a:highlight>
+              </a:rPr>
               <a:t>メリッツ</a:t>
             </a:r>
             <a:r>
-              <a:rPr lang="zh-CN" altLang="en-US" dirty="0"/>
+              <a:rPr lang="zh-CN" altLang="en-US" dirty="0">
+                <a:highlight>
+                  <a:srgbClr val="FFFF00"/>
+                </a:highlight>
+              </a:rPr>
               <a:t>効果</a:t>
             </a:r>
             <a:r>
-              <a:rPr lang="en-US" altLang="zh-CN" dirty="0"/>
+              <a:rPr lang="en-US" altLang="zh-CN" dirty="0">
+                <a:highlight>
+                  <a:srgbClr val="FFFF00"/>
+                </a:highlight>
+              </a:rPr>
               <a:t>)</a:t>
             </a:r>
-            <a:endParaRPr lang="en-JP" dirty="0"/>
+            <a:endParaRPr lang="en-JP" dirty="0">
+              <a:highlight>
+                <a:srgbClr val="FFFF00"/>
+              </a:highlight>
+            </a:endParaRPr>
           </a:p>
         </p:txBody>
       </p:sp>
@@ -6027,10 +9635,18 @@
               <a:t>の</a:t>
             </a:r>
             <a:r>
-              <a:rPr lang="zh-CN" altLang="en-US" dirty="0"/>
+              <a:rPr lang="zh-CN" altLang="en-US" dirty="0">
+                <a:highlight>
+                  <a:srgbClr val="FFFF00"/>
+                </a:highlight>
+              </a:rPr>
               <a:t>国内利潤減少</a:t>
             </a:r>
-            <a:endParaRPr lang="en-US" altLang="zh-CN" dirty="0"/>
+            <a:endParaRPr lang="en-US" altLang="zh-CN" dirty="0">
+              <a:highlight>
+                <a:srgbClr val="FFFF00"/>
+              </a:highlight>
+            </a:endParaRPr>
           </a:p>
           <a:p>
             <a:pPr marL="0" indent="0">
@@ -6061,10 +9677,18 @@
               <a:t>ほど， </a:t>
             </a:r>
             <a:r>
-              <a:rPr lang="zh-CN" altLang="en-US" dirty="0"/>
+              <a:rPr lang="zh-CN" altLang="en-US" dirty="0">
+                <a:highlight>
+                  <a:srgbClr val="FF00FF"/>
+                </a:highlight>
+              </a:rPr>
               <a:t>輸出利潤増加</a:t>
             </a:r>
-            <a:endParaRPr lang="en-US" altLang="ja-JP" dirty="0"/>
+            <a:endParaRPr lang="en-US" altLang="ja-JP" dirty="0">
+              <a:highlight>
+                <a:srgbClr val="FF00FF"/>
+              </a:highlight>
+            </a:endParaRPr>
           </a:p>
           <a:p>
             <a:pPr marL="0" indent="0">
@@ -6081,19 +9705,35 @@
               <a:buNone/>
             </a:pPr>
             <a:r>
-              <a:rPr lang="zh-CN" altLang="en-US" dirty="0"/>
+              <a:rPr lang="zh-CN" altLang="en-US" dirty="0">
+                <a:highlight>
+                  <a:srgbClr val="FFFF00"/>
+                </a:highlight>
+              </a:rPr>
               <a:t>生産性</a:t>
             </a:r>
             <a:r>
-              <a:rPr lang="ja-JP" altLang="en-US"/>
+              <a:rPr lang="ja-JP" altLang="en-US">
+                <a:highlight>
+                  <a:srgbClr val="FFFF00"/>
+                </a:highlight>
+              </a:rPr>
               <a:t>の</a:t>
             </a:r>
             <a:r>
-              <a:rPr lang="zh-CN" altLang="en-US" dirty="0"/>
+              <a:rPr lang="zh-CN" altLang="en-US" dirty="0">
+                <a:highlight>
+                  <a:srgbClr val="FFFF00"/>
+                </a:highlight>
+              </a:rPr>
               <a:t>低</a:t>
             </a:r>
             <a:r>
-              <a:rPr lang="ja-JP" altLang="en-US"/>
+              <a:rPr lang="ja-JP" altLang="en-US">
+                <a:highlight>
+                  <a:srgbClr val="FFFF00"/>
+                </a:highlight>
+              </a:rPr>
               <a:t>い</a:t>
             </a:r>
             <a:r>
@@ -6123,23 +9763,43 @@
               <a:buNone/>
             </a:pPr>
             <a:r>
-              <a:rPr lang="zh-CN" altLang="en-US" dirty="0"/>
+              <a:rPr lang="zh-CN" altLang="en-US" dirty="0">
+                <a:highlight>
+                  <a:srgbClr val="FF00FF"/>
+                </a:highlight>
+              </a:rPr>
               <a:t>生産性</a:t>
             </a:r>
             <a:r>
-              <a:rPr lang="ja-JP" altLang="en-US"/>
+              <a:rPr lang="ja-JP" altLang="en-US">
+                <a:highlight>
+                  <a:srgbClr val="FF00FF"/>
+                </a:highlight>
+              </a:rPr>
               <a:t>が</a:t>
             </a:r>
             <a:r>
-              <a:rPr lang="zh-CN" altLang="en-US" dirty="0"/>
+              <a:rPr lang="zh-CN" altLang="en-US" dirty="0">
+                <a:highlight>
+                  <a:srgbClr val="FF00FF"/>
+                </a:highlight>
+              </a:rPr>
               <a:t>十分高</a:t>
             </a:r>
             <a:r>
-              <a:rPr lang="ja-JP" altLang="en-US"/>
+              <a:rPr lang="ja-JP" altLang="en-US">
+                <a:highlight>
+                  <a:srgbClr val="FF00FF"/>
+                </a:highlight>
+              </a:rPr>
               <a:t>い</a:t>
             </a:r>
             <a:r>
-              <a:rPr lang="zh-CN" altLang="en-US" dirty="0"/>
+              <a:rPr lang="zh-CN" altLang="en-US" dirty="0">
+                <a:highlight>
+                  <a:srgbClr val="FF00FF"/>
+                </a:highlight>
+              </a:rPr>
               <a:t>企業</a:t>
             </a:r>
             <a:r>
@@ -6175,18 +9835,34 @@
               <a:buNone/>
             </a:pPr>
             <a:r>
-              <a:rPr lang="zh-CN" altLang="en-US" dirty="0"/>
+              <a:rPr lang="zh-CN" altLang="en-US" dirty="0">
+                <a:highlight>
+                  <a:srgbClr val="FFFF00"/>
+                </a:highlight>
+              </a:rPr>
               <a:t>低生産性企業</a:t>
             </a:r>
             <a:r>
-              <a:rPr lang="ja-JP" altLang="en-US"/>
+              <a:rPr lang="ja-JP" altLang="en-US">
+                <a:highlight>
+                  <a:srgbClr val="FFFF00"/>
+                </a:highlight>
+              </a:rPr>
               <a:t>の</a:t>
             </a:r>
             <a:r>
-              <a:rPr lang="zh-CN" altLang="en-US" dirty="0"/>
+              <a:rPr lang="zh-CN" altLang="en-US" dirty="0">
+                <a:highlight>
+                  <a:srgbClr val="FFFF00"/>
+                </a:highlight>
+              </a:rPr>
               <a:t>淘汰</a:t>
             </a:r>
-            <a:endParaRPr lang="en-US" altLang="zh-CN" dirty="0"/>
+            <a:endParaRPr lang="en-US" altLang="zh-CN" dirty="0">
+              <a:highlight>
+                <a:srgbClr val="FFFF00"/>
+              </a:highlight>
+            </a:endParaRPr>
           </a:p>
           <a:p>
             <a:pPr marL="0" indent="0">
@@ -6209,30 +9885,58 @@
               <a:t>への</a:t>
             </a:r>
             <a:r>
-              <a:rPr lang="zh-CN" altLang="en-US" dirty="0"/>
+              <a:rPr lang="zh-CN" altLang="en-US" dirty="0">
+                <a:highlight>
+                  <a:srgbClr val="00FFFF"/>
+                </a:highlight>
+              </a:rPr>
               <a:t>市場</a:t>
             </a:r>
             <a:r>
-              <a:rPr lang="en-US" altLang="zh-CN" dirty="0"/>
+              <a:rPr lang="en-US" altLang="zh-CN" dirty="0">
+                <a:highlight>
+                  <a:srgbClr val="00FFFF"/>
+                </a:highlight>
+              </a:rPr>
               <a:t>(</a:t>
             </a:r>
             <a:r>
-              <a:rPr lang="zh-CN" altLang="en-US" dirty="0"/>
+              <a:rPr lang="zh-CN" altLang="en-US" dirty="0">
+                <a:highlight>
+                  <a:srgbClr val="00FFFF"/>
+                </a:highlight>
+              </a:rPr>
               <a:t>利潤</a:t>
             </a:r>
             <a:r>
-              <a:rPr lang="en-US" altLang="zh-CN" dirty="0"/>
+              <a:rPr lang="en-US" altLang="zh-CN" dirty="0">
+                <a:highlight>
+                  <a:srgbClr val="00FFFF"/>
+                </a:highlight>
+              </a:rPr>
               <a:t>)</a:t>
             </a:r>
             <a:r>
-              <a:rPr lang="ja-JP" altLang="en-US"/>
+              <a:rPr lang="ja-JP" altLang="en-US">
+                <a:highlight>
+                  <a:srgbClr val="00FFFF"/>
+                </a:highlight>
+              </a:rPr>
               <a:t>シェアの</a:t>
             </a:r>
             <a:r>
-              <a:rPr lang="zh-CN" altLang="en-US" dirty="0"/>
+              <a:rPr lang="zh-CN" altLang="en-US" dirty="0">
+                <a:highlight>
+                  <a:srgbClr val="00FFFF"/>
+                </a:highlight>
+              </a:rPr>
               <a:t>移転</a:t>
             </a:r>
-            <a:endParaRPr lang="en-US" altLang="zh-CN" dirty="0"/>
+            <a:endParaRPr lang="en-US" altLang="zh-CN" dirty="0">
+              <a:highlight>
+                <a:srgbClr val="00FFFF"/>
+              </a:highlight>
+            </a:endParaRPr>
           </a:p>
           <a:p>
             <a:pPr marL="0" indent="0">
@@ -6905,6 +10609,9 @@
                 <a:solidFill>
                   <a:srgbClr val="FF0000"/>
                 </a:solidFill>
+                <a:highlight>
+                  <a:srgbClr val="00FFFF"/>
+                </a:highlight>
               </a:rPr>
               <a:t>輸出</a:t>
             </a:r>
@@ -7391,23 +11098,43 @@
           </a:p>
           <a:p>
             <a:r>
-              <a:rPr lang="zh-CN" altLang="en-US" dirty="0"/>
+              <a:rPr lang="zh-CN" altLang="en-US" dirty="0">
+                <a:highlight>
+                  <a:srgbClr val="FFFF00"/>
+                </a:highlight>
+              </a:rPr>
               <a:t>工場</a:t>
             </a:r>
             <a:r>
-              <a:rPr lang="ja-JP" altLang="en-US"/>
+              <a:rPr lang="ja-JP" altLang="en-US">
+                <a:highlight>
+                  <a:srgbClr val="FFFF00"/>
+                </a:highlight>
+              </a:rPr>
               <a:t>を</a:t>
             </a:r>
             <a:r>
-              <a:rPr lang="zh-CN" altLang="en-US" dirty="0"/>
+              <a:rPr lang="zh-CN" altLang="en-US" dirty="0">
+                <a:highlight>
+                  <a:srgbClr val="FFFF00"/>
+                </a:highlight>
+              </a:rPr>
               <a:t>国内</a:t>
             </a:r>
             <a:r>
-              <a:rPr lang="ja-JP" altLang="en-US"/>
+              <a:rPr lang="ja-JP" altLang="en-US">
+                <a:highlight>
+                  <a:srgbClr val="FFFF00"/>
+                </a:highlight>
+              </a:rPr>
               <a:t>に</a:t>
             </a:r>
             <a:r>
-              <a:rPr lang="zh-CN" altLang="en-US" dirty="0"/>
+              <a:rPr lang="zh-CN" altLang="en-US" dirty="0">
+                <a:highlight>
+                  <a:srgbClr val="FFFF00"/>
+                </a:highlight>
+              </a:rPr>
               <a:t>集約</a:t>
             </a:r>
             <a:r>
@@ -7474,23 +11201,43 @@
               <a:t>するために，</a:t>
             </a:r>
             <a:r>
-              <a:rPr lang="zh-CN" altLang="en-US" dirty="0"/>
+              <a:rPr lang="zh-CN" altLang="en-US" dirty="0">
+                <a:highlight>
+                  <a:srgbClr val="FFFF00"/>
+                </a:highlight>
+              </a:rPr>
               <a:t>関税</a:t>
             </a:r>
             <a:r>
-              <a:rPr lang="ja-JP" altLang="en-US"/>
+              <a:rPr lang="ja-JP" altLang="en-US">
+                <a:highlight>
+                  <a:srgbClr val="FFFF00"/>
+                </a:highlight>
+              </a:rPr>
               <a:t>を</a:t>
             </a:r>
             <a:r>
-              <a:rPr lang="zh-CN" altLang="en-US" dirty="0"/>
+              <a:rPr lang="zh-CN" altLang="en-US" dirty="0">
+                <a:highlight>
+                  <a:srgbClr val="FFFF00"/>
+                </a:highlight>
+              </a:rPr>
               <a:t>含</a:t>
             </a:r>
             <a:r>
-              <a:rPr lang="ja-JP" altLang="en-US"/>
+              <a:rPr lang="ja-JP" altLang="en-US">
+                <a:highlight>
+                  <a:srgbClr val="FFFF00"/>
+                </a:highlight>
+              </a:rPr>
               <a:t>む</a:t>
             </a:r>
             <a:r>
-              <a:rPr lang="zh-CN" altLang="en-US" dirty="0"/>
+              <a:rPr lang="zh-CN" altLang="en-US" dirty="0">
+                <a:highlight>
+                  <a:srgbClr val="FFFF00"/>
+                </a:highlight>
+              </a:rPr>
               <a:t>輸送費用</a:t>
             </a:r>
             <a:r>
@@ -7586,20 +11333,40 @@
               <a:t>よりも</a:t>
             </a:r>
             <a:r>
-              <a:rPr lang="zh-CN" altLang="en-US" dirty="0"/>
+              <a:rPr lang="zh-CN" altLang="en-US" dirty="0">
+                <a:highlight>
+                  <a:srgbClr val="00FFFF"/>
+                </a:highlight>
+              </a:rPr>
               <a:t>輸送費用</a:t>
             </a:r>
             <a:r>
-              <a:rPr lang="ja-JP" altLang="en-US"/>
+              <a:rPr lang="ja-JP" altLang="en-US">
+                <a:highlight>
+                  <a:srgbClr val="00FFFF"/>
+                </a:highlight>
+              </a:rPr>
               <a:t>は</a:t>
             </a:r>
             <a:r>
-              <a:rPr lang="zh-CN" altLang="en-US" dirty="0"/>
+              <a:rPr lang="zh-CN" altLang="en-US" dirty="0">
+                <a:highlight>
+                  <a:srgbClr val="00FFFF"/>
+                </a:highlight>
+              </a:rPr>
               <a:t>安</a:t>
             </a:r>
             <a:r>
-              <a:rPr lang="ja-JP" altLang="en-US"/>
-              <a:t>くすむ。</a:t>
+              <a:rPr lang="ja-JP" altLang="en-US">
+                <a:highlight>
+                  <a:srgbClr val="00FFFF"/>
+                </a:highlight>
+              </a:rPr>
+              <a:t>くすむ</a:t>
+            </a:r>
+            <a:r>
+              <a:rPr lang="ja-JP" altLang="en-US"/>
+              <a:t>。</a:t>
             </a:r>
             <a:endParaRPr lang="en-US" altLang="ja-JP" dirty="0"/>
           </a:p>
@@ -7613,15 +11380,27 @@
               <a:t>で，</a:t>
             </a:r>
             <a:r>
-              <a:rPr lang="zh-CN" altLang="en-US" dirty="0"/>
+              <a:rPr lang="zh-CN" altLang="en-US" dirty="0">
+                <a:highlight>
+                  <a:srgbClr val="00FFFF"/>
+                </a:highlight>
+              </a:rPr>
               <a:t>国内工場</a:t>
             </a:r>
             <a:r>
-              <a:rPr lang="ja-JP" altLang="en-US"/>
+              <a:rPr lang="ja-JP" altLang="en-US">
+                <a:highlight>
+                  <a:srgbClr val="00FFFF"/>
+                </a:highlight>
+              </a:rPr>
               <a:t>と</a:t>
             </a:r>
             <a:r>
-              <a:rPr lang="zh-CN" altLang="en-US" dirty="0"/>
+              <a:rPr lang="zh-CN" altLang="en-US" dirty="0">
+                <a:highlight>
+                  <a:srgbClr val="00FFFF"/>
+                </a:highlight>
+              </a:rPr>
               <a:t>外国現地工場</a:t>
             </a:r>
             <a:r>
@@ -7780,8 +11559,8 @@
           </a:p>
         </p:txBody>
       </p:sp>
-      <mc:AlternateContent xmlns:mc="http://schemas.openxmlformats.org/markup-compatibility/2006" xmlns:a14="http://schemas.microsoft.com/office/drawing/2010/main">
-        <mc:Choice Requires="a14">
+      <mc:AlternateContent xmlns:mc="http://schemas.openxmlformats.org/markup-compatibility/2006">
+        <mc:Choice xmlns:a14="http://schemas.microsoft.com/office/drawing/2010/main" Requires="a14">
           <p:sp>
             <p:nvSpPr>
               <p:cNvPr id="3" name="Content Placeholder 2">
@@ -7804,8 +11583,16 @@
               <a:lstStyle/>
               <a:p>
                 <a:r>
+                  <a:rPr lang="ja-JP" altLang="en-US">
+                    <a:highlight>
+                      <a:srgbClr val="00FFFF"/>
+                    </a:highlight>
+                  </a:rPr>
+                  <a:t>エルハナン・ヘルプマン</a:t>
+                </a:r>
+                <a:r>
                   <a:rPr lang="ja-JP" altLang="en-US"/>
-                  <a:t>エルハナン・ヘルプマン，メリッツ，ステファン・イェープルの </a:t>
+                  <a:t>，メリッツ，ステファン・イェープルの </a:t>
                 </a:r>
                 <a:r>
                   <a:rPr lang="en-US" altLang="ja-JP" dirty="0"/>
@@ -8177,7 +11964,7 @@
             </p:txBody>
           </p:sp>
         </mc:Choice>
-        <mc:Fallback xmlns="">
+        <mc:Fallback>
           <p:sp>
             <p:nvSpPr>
               <p:cNvPr id="3" name="Content Placeholder 2">
@@ -8335,8 +12122,8 @@
           </a:prstGeom>
         </p:spPr>
       </p:pic>
-      <mc:AlternateContent xmlns:mc="http://schemas.openxmlformats.org/markup-compatibility/2006">
-        <mc:Choice xmlns:p14="http://schemas.microsoft.com/office/powerpoint/2010/main" Requires="p14">
+      <mc:AlternateContent xmlns:mc="http://schemas.openxmlformats.org/markup-compatibility/2006" xmlns:p14="http://schemas.microsoft.com/office/powerpoint/2010/main">
+        <mc:Choice Requires="p14">
           <p:contentPart p14:bwMode="auto" r:id="rId3">
             <p14:nvContentPartPr>
               <p14:cNvPr id="3" name="Ink 2">
@@ -8355,7 +12142,7 @@
             </p14:xfrm>
           </p:contentPart>
         </mc:Choice>
-        <mc:Fallback>
+        <mc:Fallback xmlns="">
           <p:pic>
             <p:nvPicPr>
               <p:cNvPr id="3" name="Ink 2">
@@ -9570,6 +13357,653 @@
           </a:prstGeom>
         </p:spPr>
       </p:pic>
+      <p:sp>
+        <p:nvSpPr>
+          <p:cNvPr id="3" name="TextBox 2">
+            <a:extLst>
+              <a:ext uri="{FF2B5EF4-FFF2-40B4-BE49-F238E27FC236}">
+                <a16:creationId xmlns:a16="http://schemas.microsoft.com/office/drawing/2014/main" id="{0835916B-4E8C-91CD-1985-179EB1F4267E}"/>
+              </a:ext>
+            </a:extLst>
+          </p:cNvPr>
+          <p:cNvSpPr txBox="1"/>
+          <p:nvPr/>
+        </p:nvSpPr>
+        <p:spPr>
+          <a:xfrm>
+            <a:off x="6412675" y="2814451"/>
+            <a:ext cx="418704" cy="369332"/>
+          </a:xfrm>
+          <a:prstGeom prst="rect">
+            <a:avLst/>
+          </a:prstGeom>
+          <a:noFill/>
+        </p:spPr>
+        <p:txBody>
+          <a:bodyPr wrap="none" rtlCol="0">
+            <a:spAutoFit/>
+          </a:bodyPr>
+          <a:lstStyle/>
+          <a:p>
+            <a:r>
+              <a:rPr lang="en-JP" dirty="0"/>
+              <a:t>36</a:t>
+            </a:r>
+          </a:p>
+        </p:txBody>
+      </p:sp>
+      <mc:AlternateContent xmlns:mc="http://schemas.openxmlformats.org/markup-compatibility/2006">
+        <mc:Choice xmlns:p14="http://schemas.microsoft.com/office/powerpoint/2010/main" Requires="p14">
+          <p:contentPart p14:bwMode="auto" r:id="rId3">
+            <p14:nvContentPartPr>
+              <p14:cNvPr id="5" name="Ink 4">
+                <a:extLst>
+                  <a:ext uri="{FF2B5EF4-FFF2-40B4-BE49-F238E27FC236}">
+                    <a16:creationId xmlns:a16="http://schemas.microsoft.com/office/drawing/2014/main" id="{5BB5ADC1-3588-ECBD-F8B2-EC09AA689D95}"/>
+                  </a:ext>
+                </a:extLst>
+              </p14:cNvPr>
+              <p14:cNvContentPartPr/>
+              <p14:nvPr/>
+            </p14:nvContentPartPr>
+            <p14:xfrm>
+              <a:off x="6841103" y="1775992"/>
+              <a:ext cx="2064960" cy="69840"/>
+            </p14:xfrm>
+          </p:contentPart>
+        </mc:Choice>
+        <mc:Fallback>
+          <p:pic>
+            <p:nvPicPr>
+              <p:cNvPr id="5" name="Ink 4">
+                <a:extLst>
+                  <a:ext uri="{FF2B5EF4-FFF2-40B4-BE49-F238E27FC236}">
+                    <a16:creationId xmlns:a16="http://schemas.microsoft.com/office/drawing/2014/main" id="{5BB5ADC1-3588-ECBD-F8B2-EC09AA689D95}"/>
+                  </a:ext>
+                </a:extLst>
+              </p:cNvPr>
+              <p:cNvPicPr/>
+              <p:nvPr/>
+            </p:nvPicPr>
+            <p:blipFill>
+              <a:blip r:embed="rId4"/>
+              <a:stretch>
+                <a:fillRect/>
+              </a:stretch>
+            </p:blipFill>
+            <p:spPr>
+              <a:xfrm>
+                <a:off x="6805103" y="1704352"/>
+                <a:ext cx="2136600" cy="213480"/>
+              </a:xfrm>
+              <a:prstGeom prst="rect">
+                <a:avLst/>
+              </a:prstGeom>
+            </p:spPr>
+          </p:pic>
+        </mc:Fallback>
+      </mc:AlternateContent>
+      <mc:AlternateContent xmlns:mc="http://schemas.openxmlformats.org/markup-compatibility/2006">
+        <mc:Choice xmlns:p14="http://schemas.microsoft.com/office/powerpoint/2010/main" Requires="p14">
+          <p:contentPart p14:bwMode="auto" r:id="rId5">
+            <p14:nvContentPartPr>
+              <p14:cNvPr id="6" name="Ink 5">
+                <a:extLst>
+                  <a:ext uri="{FF2B5EF4-FFF2-40B4-BE49-F238E27FC236}">
+                    <a16:creationId xmlns:a16="http://schemas.microsoft.com/office/drawing/2014/main" id="{CF348D94-5E1D-299F-4D4A-3F54511C0E96}"/>
+                  </a:ext>
+                </a:extLst>
+              </p14:cNvPr>
+              <p14:cNvContentPartPr/>
+              <p14:nvPr/>
+            </p14:nvContentPartPr>
+            <p14:xfrm>
+              <a:off x="3025463" y="1997032"/>
+              <a:ext cx="4687560" cy="3791520"/>
+            </p14:xfrm>
+          </p:contentPart>
+        </mc:Choice>
+        <mc:Fallback>
+          <p:pic>
+            <p:nvPicPr>
+              <p:cNvPr id="6" name="Ink 5">
+                <a:extLst>
+                  <a:ext uri="{FF2B5EF4-FFF2-40B4-BE49-F238E27FC236}">
+                    <a16:creationId xmlns:a16="http://schemas.microsoft.com/office/drawing/2014/main" id="{CF348D94-5E1D-299F-4D4A-3F54511C0E96}"/>
+                  </a:ext>
+                </a:extLst>
+              </p:cNvPr>
+              <p:cNvPicPr/>
+              <p:nvPr/>
+            </p:nvPicPr>
+            <p:blipFill>
+              <a:blip r:embed="rId6"/>
+              <a:stretch>
+                <a:fillRect/>
+              </a:stretch>
+            </p:blipFill>
+            <p:spPr>
+              <a:xfrm>
+                <a:off x="2989823" y="1925392"/>
+                <a:ext cx="4759200" cy="3935160"/>
+              </a:xfrm>
+              <a:prstGeom prst="rect">
+                <a:avLst/>
+              </a:prstGeom>
+            </p:spPr>
+          </p:pic>
+        </mc:Fallback>
+      </mc:AlternateContent>
+      <mc:AlternateContent xmlns:mc="http://schemas.openxmlformats.org/markup-compatibility/2006">
+        <mc:Choice xmlns:p14="http://schemas.microsoft.com/office/powerpoint/2010/main" Requires="p14">
+          <p:contentPart p14:bwMode="auto" r:id="rId7">
+            <p14:nvContentPartPr>
+              <p14:cNvPr id="7" name="Ink 6">
+                <a:extLst>
+                  <a:ext uri="{FF2B5EF4-FFF2-40B4-BE49-F238E27FC236}">
+                    <a16:creationId xmlns:a16="http://schemas.microsoft.com/office/drawing/2014/main" id="{6AE20229-9FD6-FCCC-BAA2-F2CFBBA5CBD6}"/>
+                  </a:ext>
+                </a:extLst>
+              </p14:cNvPr>
+              <p14:cNvContentPartPr/>
+              <p14:nvPr/>
+            </p14:nvContentPartPr>
+            <p14:xfrm>
+              <a:off x="3258743" y="2319592"/>
+              <a:ext cx="5006520" cy="1351440"/>
+            </p14:xfrm>
+          </p:contentPart>
+        </mc:Choice>
+        <mc:Fallback>
+          <p:pic>
+            <p:nvPicPr>
+              <p:cNvPr id="7" name="Ink 6">
+                <a:extLst>
+                  <a:ext uri="{FF2B5EF4-FFF2-40B4-BE49-F238E27FC236}">
+                    <a16:creationId xmlns:a16="http://schemas.microsoft.com/office/drawing/2014/main" id="{6AE20229-9FD6-FCCC-BAA2-F2CFBBA5CBD6}"/>
+                  </a:ext>
+                </a:extLst>
+              </p:cNvPr>
+              <p:cNvPicPr/>
+              <p:nvPr/>
+            </p:nvPicPr>
+            <p:blipFill>
+              <a:blip r:embed="rId8"/>
+              <a:stretch>
+                <a:fillRect/>
+              </a:stretch>
+            </p:blipFill>
+            <p:spPr>
+              <a:xfrm>
+                <a:off x="3223103" y="2247592"/>
+                <a:ext cx="5078160" cy="1495080"/>
+              </a:xfrm>
+              <a:prstGeom prst="rect">
+                <a:avLst/>
+              </a:prstGeom>
+            </p:spPr>
+          </p:pic>
+        </mc:Fallback>
+      </mc:AlternateContent>
+      <mc:AlternateContent xmlns:mc="http://schemas.openxmlformats.org/markup-compatibility/2006">
+        <mc:Choice xmlns:p14="http://schemas.microsoft.com/office/powerpoint/2010/main" Requires="p14">
+          <p:contentPart p14:bwMode="auto" r:id="rId9">
+            <p14:nvContentPartPr>
+              <p14:cNvPr id="8" name="Ink 7">
+                <a:extLst>
+                  <a:ext uri="{FF2B5EF4-FFF2-40B4-BE49-F238E27FC236}">
+                    <a16:creationId xmlns:a16="http://schemas.microsoft.com/office/drawing/2014/main" id="{9B98D065-40E5-C3FE-E781-05BBCDC226FC}"/>
+                  </a:ext>
+                </a:extLst>
+              </p14:cNvPr>
+              <p14:cNvContentPartPr/>
+              <p14:nvPr/>
+            </p14:nvContentPartPr>
+            <p14:xfrm>
+              <a:off x="8235383" y="2264512"/>
+              <a:ext cx="972000" cy="12960"/>
+            </p14:xfrm>
+          </p:contentPart>
+        </mc:Choice>
+        <mc:Fallback>
+          <p:pic>
+            <p:nvPicPr>
+              <p:cNvPr id="8" name="Ink 7">
+                <a:extLst>
+                  <a:ext uri="{FF2B5EF4-FFF2-40B4-BE49-F238E27FC236}">
+                    <a16:creationId xmlns:a16="http://schemas.microsoft.com/office/drawing/2014/main" id="{9B98D065-40E5-C3FE-E781-05BBCDC226FC}"/>
+                  </a:ext>
+                </a:extLst>
+              </p:cNvPr>
+              <p:cNvPicPr/>
+              <p:nvPr/>
+            </p:nvPicPr>
+            <p:blipFill>
+              <a:blip r:embed="rId10"/>
+              <a:stretch>
+                <a:fillRect/>
+              </a:stretch>
+            </p:blipFill>
+            <p:spPr>
+              <a:xfrm>
+                <a:off x="8199743" y="2192872"/>
+                <a:ext cx="1043640" cy="156600"/>
+              </a:xfrm>
+              <a:prstGeom prst="rect">
+                <a:avLst/>
+              </a:prstGeom>
+            </p:spPr>
+          </p:pic>
+        </mc:Fallback>
+      </mc:AlternateContent>
+      <mc:AlternateContent xmlns:mc="http://schemas.openxmlformats.org/markup-compatibility/2006">
+        <mc:Choice xmlns:p14="http://schemas.microsoft.com/office/powerpoint/2010/main" Requires="p14">
+          <p:contentPart p14:bwMode="auto" r:id="rId11">
+            <p14:nvContentPartPr>
+              <p14:cNvPr id="9" name="Ink 8">
+                <a:extLst>
+                  <a:ext uri="{FF2B5EF4-FFF2-40B4-BE49-F238E27FC236}">
+                    <a16:creationId xmlns:a16="http://schemas.microsoft.com/office/drawing/2014/main" id="{AADA91EC-1CEB-2D62-57B7-D616F60D591F}"/>
+                  </a:ext>
+                </a:extLst>
+              </p14:cNvPr>
+              <p14:cNvContentPartPr/>
+              <p14:nvPr/>
+            </p14:nvContentPartPr>
+            <p14:xfrm>
+              <a:off x="7380383" y="2272792"/>
+              <a:ext cx="1175760" cy="232920"/>
+            </p14:xfrm>
+          </p:contentPart>
+        </mc:Choice>
+        <mc:Fallback>
+          <p:pic>
+            <p:nvPicPr>
+              <p:cNvPr id="9" name="Ink 8">
+                <a:extLst>
+                  <a:ext uri="{FF2B5EF4-FFF2-40B4-BE49-F238E27FC236}">
+                    <a16:creationId xmlns:a16="http://schemas.microsoft.com/office/drawing/2014/main" id="{AADA91EC-1CEB-2D62-57B7-D616F60D591F}"/>
+                  </a:ext>
+                </a:extLst>
+              </p:cNvPr>
+              <p:cNvPicPr/>
+              <p:nvPr/>
+            </p:nvPicPr>
+            <p:blipFill>
+              <a:blip r:embed="rId12"/>
+              <a:stretch>
+                <a:fillRect/>
+              </a:stretch>
+            </p:blipFill>
+            <p:spPr>
+              <a:xfrm>
+                <a:off x="7344383" y="2201152"/>
+                <a:ext cx="1247400" cy="376560"/>
+              </a:xfrm>
+              <a:prstGeom prst="rect">
+                <a:avLst/>
+              </a:prstGeom>
+            </p:spPr>
+          </p:pic>
+        </mc:Fallback>
+      </mc:AlternateContent>
+      <mc:AlternateContent xmlns:mc="http://schemas.openxmlformats.org/markup-compatibility/2006">
+        <mc:Choice xmlns:p14="http://schemas.microsoft.com/office/powerpoint/2010/main" Requires="p14">
+          <p:contentPart p14:bwMode="auto" r:id="rId13">
+            <p14:nvContentPartPr>
+              <p14:cNvPr id="10" name="Ink 9">
+                <a:extLst>
+                  <a:ext uri="{FF2B5EF4-FFF2-40B4-BE49-F238E27FC236}">
+                    <a16:creationId xmlns:a16="http://schemas.microsoft.com/office/drawing/2014/main" id="{BD3BA9F0-C094-5B34-935C-4ACEDA8F0D49}"/>
+                  </a:ext>
+                </a:extLst>
+              </p14:cNvPr>
+              <p14:cNvContentPartPr/>
+              <p14:nvPr/>
+            </p14:nvContentPartPr>
+            <p14:xfrm>
+              <a:off x="7702943" y="2232832"/>
+              <a:ext cx="978840" cy="154080"/>
+            </p14:xfrm>
+          </p:contentPart>
+        </mc:Choice>
+        <mc:Fallback>
+          <p:pic>
+            <p:nvPicPr>
+              <p:cNvPr id="10" name="Ink 9">
+                <a:extLst>
+                  <a:ext uri="{FF2B5EF4-FFF2-40B4-BE49-F238E27FC236}">
+                    <a16:creationId xmlns:a16="http://schemas.microsoft.com/office/drawing/2014/main" id="{BD3BA9F0-C094-5B34-935C-4ACEDA8F0D49}"/>
+                  </a:ext>
+                </a:extLst>
+              </p:cNvPr>
+              <p:cNvPicPr/>
+              <p:nvPr/>
+            </p:nvPicPr>
+            <p:blipFill>
+              <a:blip r:embed="rId14"/>
+              <a:stretch>
+                <a:fillRect/>
+              </a:stretch>
+            </p:blipFill>
+            <p:spPr>
+              <a:xfrm>
+                <a:off x="7666943" y="2160832"/>
+                <a:ext cx="1050480" cy="297720"/>
+              </a:xfrm>
+              <a:prstGeom prst="rect">
+                <a:avLst/>
+              </a:prstGeom>
+            </p:spPr>
+          </p:pic>
+        </mc:Fallback>
+      </mc:AlternateContent>
+      <mc:AlternateContent xmlns:mc="http://schemas.openxmlformats.org/markup-compatibility/2006">
+        <mc:Choice xmlns:p14="http://schemas.microsoft.com/office/powerpoint/2010/main" Requires="p14">
+          <p:contentPart p14:bwMode="auto" r:id="rId15">
+            <p14:nvContentPartPr>
+              <p14:cNvPr id="11" name="Ink 10">
+                <a:extLst>
+                  <a:ext uri="{FF2B5EF4-FFF2-40B4-BE49-F238E27FC236}">
+                    <a16:creationId xmlns:a16="http://schemas.microsoft.com/office/drawing/2014/main" id="{DE3CD346-E65F-1D0C-AFF3-95C46A5F1253}"/>
+                  </a:ext>
+                </a:extLst>
+              </p14:cNvPr>
+              <p14:cNvContentPartPr/>
+              <p14:nvPr/>
+            </p14:nvContentPartPr>
+            <p14:xfrm>
+              <a:off x="7016063" y="2699392"/>
+              <a:ext cx="1585440" cy="956880"/>
+            </p14:xfrm>
+          </p:contentPart>
+        </mc:Choice>
+        <mc:Fallback>
+          <p:pic>
+            <p:nvPicPr>
+              <p:cNvPr id="11" name="Ink 10">
+                <a:extLst>
+                  <a:ext uri="{FF2B5EF4-FFF2-40B4-BE49-F238E27FC236}">
+                    <a16:creationId xmlns:a16="http://schemas.microsoft.com/office/drawing/2014/main" id="{DE3CD346-E65F-1D0C-AFF3-95C46A5F1253}"/>
+                  </a:ext>
+                </a:extLst>
+              </p:cNvPr>
+              <p:cNvPicPr/>
+              <p:nvPr/>
+            </p:nvPicPr>
+            <p:blipFill>
+              <a:blip r:embed="rId16"/>
+              <a:stretch>
+                <a:fillRect/>
+              </a:stretch>
+            </p:blipFill>
+            <p:spPr>
+              <a:xfrm>
+                <a:off x="6980063" y="2627392"/>
+                <a:ext cx="1657080" cy="1100520"/>
+              </a:xfrm>
+              <a:prstGeom prst="rect">
+                <a:avLst/>
+              </a:prstGeom>
+            </p:spPr>
+          </p:pic>
+        </mc:Fallback>
+      </mc:AlternateContent>
+      <mc:AlternateContent xmlns:mc="http://schemas.openxmlformats.org/markup-compatibility/2006">
+        <mc:Choice xmlns:p14="http://schemas.microsoft.com/office/powerpoint/2010/main" Requires="p14">
+          <p:contentPart p14:bwMode="auto" r:id="rId17">
+            <p14:nvContentPartPr>
+              <p14:cNvPr id="12" name="Ink 11">
+                <a:extLst>
+                  <a:ext uri="{FF2B5EF4-FFF2-40B4-BE49-F238E27FC236}">
+                    <a16:creationId xmlns:a16="http://schemas.microsoft.com/office/drawing/2014/main" id="{950E0311-B2CD-05CB-345B-CEA3931359D8}"/>
+                  </a:ext>
+                </a:extLst>
+              </p14:cNvPr>
+              <p14:cNvContentPartPr/>
+              <p14:nvPr/>
+            </p14:nvContentPartPr>
+            <p14:xfrm>
+              <a:off x="5814383" y="2930512"/>
+              <a:ext cx="1255680" cy="1099800"/>
+            </p14:xfrm>
+          </p:contentPart>
+        </mc:Choice>
+        <mc:Fallback>
+          <p:pic>
+            <p:nvPicPr>
+              <p:cNvPr id="12" name="Ink 11">
+                <a:extLst>
+                  <a:ext uri="{FF2B5EF4-FFF2-40B4-BE49-F238E27FC236}">
+                    <a16:creationId xmlns:a16="http://schemas.microsoft.com/office/drawing/2014/main" id="{950E0311-B2CD-05CB-345B-CEA3931359D8}"/>
+                  </a:ext>
+                </a:extLst>
+              </p:cNvPr>
+              <p:cNvPicPr/>
+              <p:nvPr/>
+            </p:nvPicPr>
+            <p:blipFill>
+              <a:blip r:embed="rId18"/>
+              <a:stretch>
+                <a:fillRect/>
+              </a:stretch>
+            </p:blipFill>
+            <p:spPr>
+              <a:xfrm>
+                <a:off x="5778743" y="2858512"/>
+                <a:ext cx="1327320" cy="1243440"/>
+              </a:xfrm>
+              <a:prstGeom prst="rect">
+                <a:avLst/>
+              </a:prstGeom>
+            </p:spPr>
+          </p:pic>
+        </mc:Fallback>
+      </mc:AlternateContent>
+      <mc:AlternateContent xmlns:mc="http://schemas.openxmlformats.org/markup-compatibility/2006">
+        <mc:Choice xmlns:p14="http://schemas.microsoft.com/office/powerpoint/2010/main" Requires="p14">
+          <p:contentPart p14:bwMode="auto" r:id="rId19">
+            <p14:nvContentPartPr>
+              <p14:cNvPr id="13" name="Ink 12">
+                <a:extLst>
+                  <a:ext uri="{FF2B5EF4-FFF2-40B4-BE49-F238E27FC236}">
+                    <a16:creationId xmlns:a16="http://schemas.microsoft.com/office/drawing/2014/main" id="{9D00EBFA-4CA4-0B12-25BB-2303FF3D99B4}"/>
+                  </a:ext>
+                </a:extLst>
+              </p14:cNvPr>
+              <p14:cNvContentPartPr/>
+              <p14:nvPr/>
+            </p14:nvContentPartPr>
+            <p14:xfrm>
+              <a:off x="3249023" y="1291792"/>
+              <a:ext cx="2703960" cy="2113200"/>
+            </p14:xfrm>
+          </p:contentPart>
+        </mc:Choice>
+        <mc:Fallback>
+          <p:pic>
+            <p:nvPicPr>
+              <p:cNvPr id="13" name="Ink 12">
+                <a:extLst>
+                  <a:ext uri="{FF2B5EF4-FFF2-40B4-BE49-F238E27FC236}">
+                    <a16:creationId xmlns:a16="http://schemas.microsoft.com/office/drawing/2014/main" id="{9D00EBFA-4CA4-0B12-25BB-2303FF3D99B4}"/>
+                  </a:ext>
+                </a:extLst>
+              </p:cNvPr>
+              <p:cNvPicPr/>
+              <p:nvPr/>
+            </p:nvPicPr>
+            <p:blipFill>
+              <a:blip r:embed="rId20"/>
+              <a:stretch>
+                <a:fillRect/>
+              </a:stretch>
+            </p:blipFill>
+            <p:spPr>
+              <a:xfrm>
+                <a:off x="3213023" y="1219792"/>
+                <a:ext cx="2775600" cy="2256840"/>
+              </a:xfrm>
+              <a:prstGeom prst="rect">
+                <a:avLst/>
+              </a:prstGeom>
+            </p:spPr>
+          </p:pic>
+        </mc:Fallback>
+      </mc:AlternateContent>
+      <mc:AlternateContent xmlns:mc="http://schemas.openxmlformats.org/markup-compatibility/2006">
+        <mc:Choice xmlns:p14="http://schemas.microsoft.com/office/powerpoint/2010/main" Requires="p14">
+          <p:contentPart p14:bwMode="auto" r:id="rId21">
+            <p14:nvContentPartPr>
+              <p14:cNvPr id="14" name="Ink 13">
+                <a:extLst>
+                  <a:ext uri="{FF2B5EF4-FFF2-40B4-BE49-F238E27FC236}">
+                    <a16:creationId xmlns:a16="http://schemas.microsoft.com/office/drawing/2014/main" id="{886D8DF2-6919-5641-9E14-73653EFC0AD5}"/>
+                  </a:ext>
+                </a:extLst>
+              </p14:cNvPr>
+              <p14:cNvContentPartPr/>
+              <p14:nvPr/>
+            </p14:nvContentPartPr>
+            <p14:xfrm>
+              <a:off x="5002943" y="1082992"/>
+              <a:ext cx="833040" cy="4320"/>
+            </p14:xfrm>
+          </p:contentPart>
+        </mc:Choice>
+        <mc:Fallback>
+          <p:pic>
+            <p:nvPicPr>
+              <p:cNvPr id="14" name="Ink 13">
+                <a:extLst>
+                  <a:ext uri="{FF2B5EF4-FFF2-40B4-BE49-F238E27FC236}">
+                    <a16:creationId xmlns:a16="http://schemas.microsoft.com/office/drawing/2014/main" id="{886D8DF2-6919-5641-9E14-73653EFC0AD5}"/>
+                  </a:ext>
+                </a:extLst>
+              </p:cNvPr>
+              <p:cNvPicPr/>
+              <p:nvPr/>
+            </p:nvPicPr>
+            <p:blipFill>
+              <a:blip r:embed="rId22"/>
+              <a:stretch>
+                <a:fillRect/>
+              </a:stretch>
+            </p:blipFill>
+            <p:spPr>
+              <a:xfrm>
+                <a:off x="4966943" y="1010992"/>
+                <a:ext cx="904680" cy="147960"/>
+              </a:xfrm>
+              <a:prstGeom prst="rect">
+                <a:avLst/>
+              </a:prstGeom>
+            </p:spPr>
+          </p:pic>
+        </mc:Fallback>
+      </mc:AlternateContent>
+      <mc:AlternateContent xmlns:mc="http://schemas.openxmlformats.org/markup-compatibility/2006">
+        <mc:Choice xmlns:p14="http://schemas.microsoft.com/office/powerpoint/2010/main" Requires="p14">
+          <p:contentPart p14:bwMode="auto" r:id="rId23">
+            <p14:nvContentPartPr>
+              <p14:cNvPr id="15" name="Ink 14">
+                <a:extLst>
+                  <a:ext uri="{FF2B5EF4-FFF2-40B4-BE49-F238E27FC236}">
+                    <a16:creationId xmlns:a16="http://schemas.microsoft.com/office/drawing/2014/main" id="{880A48CB-2511-A4FF-B8D8-01A085961A61}"/>
+                  </a:ext>
+                </a:extLst>
+              </p14:cNvPr>
+              <p14:cNvContentPartPr/>
+              <p14:nvPr/>
+            </p14:nvContentPartPr>
+            <p14:xfrm>
+              <a:off x="3861383" y="2913232"/>
+              <a:ext cx="64440" cy="1719360"/>
+            </p14:xfrm>
+          </p:contentPart>
+        </mc:Choice>
+        <mc:Fallback>
+          <p:pic>
+            <p:nvPicPr>
+              <p:cNvPr id="15" name="Ink 14">
+                <a:extLst>
+                  <a:ext uri="{FF2B5EF4-FFF2-40B4-BE49-F238E27FC236}">
+                    <a16:creationId xmlns:a16="http://schemas.microsoft.com/office/drawing/2014/main" id="{880A48CB-2511-A4FF-B8D8-01A085961A61}"/>
+                  </a:ext>
+                </a:extLst>
+              </p:cNvPr>
+              <p:cNvPicPr/>
+              <p:nvPr/>
+            </p:nvPicPr>
+            <p:blipFill>
+              <a:blip r:embed="rId24"/>
+              <a:stretch>
+                <a:fillRect/>
+              </a:stretch>
+            </p:blipFill>
+            <p:spPr>
+              <a:xfrm>
+                <a:off x="3825743" y="2841232"/>
+                <a:ext cx="136080" cy="1863000"/>
+              </a:xfrm>
+              <a:prstGeom prst="rect">
+                <a:avLst/>
+              </a:prstGeom>
+            </p:spPr>
+          </p:pic>
+        </mc:Fallback>
+      </mc:AlternateContent>
+      <mc:AlternateContent xmlns:mc="http://schemas.openxmlformats.org/markup-compatibility/2006">
+        <mc:Choice xmlns:p14="http://schemas.microsoft.com/office/powerpoint/2010/main" Requires="p14">
+          <p:contentPart p14:bwMode="auto" r:id="rId25">
+            <p14:nvContentPartPr>
+              <p14:cNvPr id="16" name="Ink 15">
+                <a:extLst>
+                  <a:ext uri="{FF2B5EF4-FFF2-40B4-BE49-F238E27FC236}">
+                    <a16:creationId xmlns:a16="http://schemas.microsoft.com/office/drawing/2014/main" id="{876A2942-B1AC-AB17-7FF2-3D5BB435CDC8}"/>
+                  </a:ext>
+                </a:extLst>
+              </p14:cNvPr>
+              <p14:cNvContentPartPr/>
+              <p14:nvPr/>
+            </p14:nvContentPartPr>
+            <p14:xfrm>
+              <a:off x="3900983" y="4662832"/>
+              <a:ext cx="1930680" cy="74160"/>
+            </p14:xfrm>
+          </p:contentPart>
+        </mc:Choice>
+        <mc:Fallback>
+          <p:pic>
+            <p:nvPicPr>
+              <p:cNvPr id="16" name="Ink 15">
+                <a:extLst>
+                  <a:ext uri="{FF2B5EF4-FFF2-40B4-BE49-F238E27FC236}">
+                    <a16:creationId xmlns:a16="http://schemas.microsoft.com/office/drawing/2014/main" id="{876A2942-B1AC-AB17-7FF2-3D5BB435CDC8}"/>
+                  </a:ext>
+                </a:extLst>
+              </p:cNvPr>
+              <p:cNvPicPr/>
+              <p:nvPr/>
+            </p:nvPicPr>
+            <p:blipFill>
+              <a:blip r:embed="rId26"/>
+              <a:stretch>
+                <a:fillRect/>
+              </a:stretch>
+            </p:blipFill>
+            <p:spPr>
+              <a:xfrm>
+                <a:off x="3865343" y="4591192"/>
+                <a:ext cx="2002320" cy="217800"/>
+              </a:xfrm>
+              <a:prstGeom prst="rect">
+                <a:avLst/>
+              </a:prstGeom>
+            </p:spPr>
+          </p:pic>
+        </mc:Fallback>
+      </mc:AlternateContent>
     </p:spTree>
     <p:extLst>
       <p:ext uri="{BB962C8B-B14F-4D97-AF65-F5344CB8AC3E}">
@@ -10310,6 +14744,108 @@
           </a:p>
         </p:txBody>
       </p:sp>
+      <mc:AlternateContent xmlns:mc="http://schemas.openxmlformats.org/markup-compatibility/2006">
+        <mc:Choice xmlns:p14="http://schemas.microsoft.com/office/powerpoint/2010/main" Requires="p14">
+          <p:contentPart p14:bwMode="auto" r:id="rId2">
+            <p14:nvContentPartPr>
+              <p14:cNvPr id="19" name="Ink 18">
+                <a:extLst>
+                  <a:ext uri="{FF2B5EF4-FFF2-40B4-BE49-F238E27FC236}">
+                    <a16:creationId xmlns:a16="http://schemas.microsoft.com/office/drawing/2014/main" id="{71693ECC-F0A0-9077-4A62-81974BC2B9FB}"/>
+                  </a:ext>
+                </a:extLst>
+              </p14:cNvPr>
+              <p14:cNvContentPartPr/>
+              <p14:nvPr/>
+            </p14:nvContentPartPr>
+            <p14:xfrm>
+              <a:off x="5818703" y="4875232"/>
+              <a:ext cx="399960" cy="8280"/>
+            </p14:xfrm>
+          </p:contentPart>
+        </mc:Choice>
+        <mc:Fallback>
+          <p:pic>
+            <p:nvPicPr>
+              <p:cNvPr id="19" name="Ink 18">
+                <a:extLst>
+                  <a:ext uri="{FF2B5EF4-FFF2-40B4-BE49-F238E27FC236}">
+                    <a16:creationId xmlns:a16="http://schemas.microsoft.com/office/drawing/2014/main" id="{71693ECC-F0A0-9077-4A62-81974BC2B9FB}"/>
+                  </a:ext>
+                </a:extLst>
+              </p:cNvPr>
+              <p:cNvPicPr/>
+              <p:nvPr/>
+            </p:nvPicPr>
+            <p:blipFill>
+              <a:blip r:embed="rId3"/>
+              <a:stretch>
+                <a:fillRect/>
+              </a:stretch>
+            </p:blipFill>
+            <p:spPr>
+              <a:xfrm>
+                <a:off x="5782703" y="4803592"/>
+                <a:ext cx="471600" cy="151920"/>
+              </a:xfrm>
+              <a:prstGeom prst="rect">
+                <a:avLst/>
+              </a:prstGeom>
+            </p:spPr>
+          </p:pic>
+        </mc:Fallback>
+      </mc:AlternateContent>
+      <mc:AlternateContent xmlns:mc="http://schemas.openxmlformats.org/markup-compatibility/2006">
+        <mc:Choice xmlns:p14="http://schemas.microsoft.com/office/powerpoint/2010/main" Requires="p14">
+          <p:contentPart p14:bwMode="auto" r:id="rId4">
+            <p14:nvContentPartPr>
+              <p14:cNvPr id="20" name="Ink 19">
+                <a:extLst>
+                  <a:ext uri="{FF2B5EF4-FFF2-40B4-BE49-F238E27FC236}">
+                    <a16:creationId xmlns:a16="http://schemas.microsoft.com/office/drawing/2014/main" id="{FE133CC0-BAC6-A58A-BAEB-3A7EAA024B94}"/>
+                  </a:ext>
+                </a:extLst>
+              </p14:cNvPr>
+              <p14:cNvContentPartPr/>
+              <p14:nvPr/>
+            </p14:nvContentPartPr>
+            <p14:xfrm>
+              <a:off x="3981263" y="4921312"/>
+              <a:ext cx="551520" cy="360"/>
+            </p14:xfrm>
+          </p:contentPart>
+        </mc:Choice>
+        <mc:Fallback>
+          <p:pic>
+            <p:nvPicPr>
+              <p:cNvPr id="20" name="Ink 19">
+                <a:extLst>
+                  <a:ext uri="{FF2B5EF4-FFF2-40B4-BE49-F238E27FC236}">
+                    <a16:creationId xmlns:a16="http://schemas.microsoft.com/office/drawing/2014/main" id="{FE133CC0-BAC6-A58A-BAEB-3A7EAA024B94}"/>
+                  </a:ext>
+                </a:extLst>
+              </p:cNvPr>
+              <p:cNvPicPr/>
+              <p:nvPr/>
+            </p:nvPicPr>
+            <p:blipFill>
+              <a:blip r:embed="rId5"/>
+              <a:stretch>
+                <a:fillRect/>
+              </a:stretch>
+            </p:blipFill>
+            <p:spPr>
+              <a:xfrm>
+                <a:off x="3945263" y="4849312"/>
+                <a:ext cx="623160" cy="144000"/>
+              </a:xfrm>
+              <a:prstGeom prst="rect">
+                <a:avLst/>
+              </a:prstGeom>
+            </p:spPr>
+          </p:pic>
+        </mc:Fallback>
+      </mc:AlternateContent>
     </p:spTree>
     <p:extLst>
       <p:ext uri="{BB962C8B-B14F-4D97-AF65-F5344CB8AC3E}">
@@ -15657,7 +20193,23 @@
                                       <a:latin typeface="Cambria Math" panose="02040503050406030204" pitchFamily="18" charset="0"/>
                                       <a:ea typeface="MS Mincho" panose="02020609040205080304" pitchFamily="49" charset="-128"/>
                                     </a:rPr>
-                                    <m:t>企業当たりの平均輸出額</m:t>
+                                    <m:t>企業当</m:t>
+                                  </m:r>
+                                  <m:r>
+                                    <a:rPr lang="ja-JP">
+                                      <a:effectLst/>
+                                      <a:latin typeface="Cambria Math" panose="02040503050406030204" pitchFamily="18" charset="0"/>
+                                      <a:ea typeface="MS Mincho" panose="02020609040205080304" pitchFamily="49" charset="-128"/>
+                                    </a:rPr>
+                                    <m:t>たりの</m:t>
+                                  </m:r>
+                                  <m:r>
+                                    <a:rPr lang="ja-JP">
+                                      <a:effectLst/>
+                                      <a:latin typeface="Cambria Math" panose="02040503050406030204" pitchFamily="18" charset="0"/>
+                                      <a:ea typeface="MS Mincho" panose="02020609040205080304" pitchFamily="49" charset="-128"/>
+                                    </a:rPr>
+                                    <m:t>平均輸出額</m:t>
                                   </m:r>
                                 </m:e>
                                 <m:sub>
@@ -15945,7 +20497,7 @@
             </a:r>
             <a:r>
               <a:rPr lang="en-US" altLang="zh-CN" dirty="0"/>
-              <a:t>)</a:t>
+              <a:t>: exporter)</a:t>
             </a:r>
             <a:r>
               <a:rPr lang="ja-JP" altLang="en-US"/>
@@ -16147,8 +20699,8 @@
           </a:p>
         </p:txBody>
       </p:sp>
-      <mc:AlternateContent xmlns:mc="http://schemas.openxmlformats.org/markup-compatibility/2006">
-        <mc:Choice xmlns:p14="http://schemas.microsoft.com/office/powerpoint/2010/main" Requires="p14">
+      <mc:AlternateContent xmlns:mc="http://schemas.openxmlformats.org/markup-compatibility/2006" xmlns:p14="http://schemas.microsoft.com/office/powerpoint/2010/main">
+        <mc:Choice Requires="p14">
           <p:contentPart p14:bwMode="auto" r:id="rId2">
             <p14:nvContentPartPr>
               <p14:cNvPr id="5" name="Ink 4">
@@ -16167,7 +20719,7 @@
             </p14:xfrm>
           </p:contentPart>
         </mc:Choice>
-        <mc:Fallback>
+        <mc:Fallback xmlns="">
           <p:pic>
             <p:nvPicPr>
               <p:cNvPr id="5" name="Ink 4">
@@ -16198,8 +20750,8 @@
           </p:pic>
         </mc:Fallback>
       </mc:AlternateContent>
-      <mc:AlternateContent xmlns:mc="http://schemas.openxmlformats.org/markup-compatibility/2006">
-        <mc:Choice xmlns:p14="http://schemas.microsoft.com/office/powerpoint/2010/main" Requires="p14">
+      <mc:AlternateContent xmlns:mc="http://schemas.openxmlformats.org/markup-compatibility/2006" xmlns:p14="http://schemas.microsoft.com/office/powerpoint/2010/main">
+        <mc:Choice Requires="p14">
           <p:contentPart p14:bwMode="auto" r:id="rId4">
             <p14:nvContentPartPr>
               <p14:cNvPr id="6" name="Ink 5">
@@ -16218,7 +20770,7 @@
             </p14:xfrm>
           </p:contentPart>
         </mc:Choice>
-        <mc:Fallback>
+        <mc:Fallback xmlns="">
           <p:pic>
             <p:nvPicPr>
               <p:cNvPr id="6" name="Ink 5">
@@ -16870,6 +21422,261 @@
           </a:prstGeom>
         </p:spPr>
       </p:pic>
+      <mc:AlternateContent xmlns:mc="http://schemas.openxmlformats.org/markup-compatibility/2006">
+        <mc:Choice xmlns:p14="http://schemas.microsoft.com/office/powerpoint/2010/main" Requires="p14">
+          <p:contentPart p14:bwMode="auto" r:id="rId3">
+            <p14:nvContentPartPr>
+              <p14:cNvPr id="3" name="Ink 2">
+                <a:extLst>
+                  <a:ext uri="{FF2B5EF4-FFF2-40B4-BE49-F238E27FC236}">
+                    <a16:creationId xmlns:a16="http://schemas.microsoft.com/office/drawing/2014/main" id="{F9BCAAE6-EEF9-0C84-5770-B42BC633E665}"/>
+                  </a:ext>
+                </a:extLst>
+              </p14:cNvPr>
+              <p14:cNvContentPartPr/>
+              <p14:nvPr/>
+            </p14:nvContentPartPr>
+            <p14:xfrm>
+              <a:off x="4704863" y="1410232"/>
+              <a:ext cx="282960" cy="10800"/>
+            </p14:xfrm>
+          </p:contentPart>
+        </mc:Choice>
+        <mc:Fallback>
+          <p:pic>
+            <p:nvPicPr>
+              <p:cNvPr id="3" name="Ink 2">
+                <a:extLst>
+                  <a:ext uri="{FF2B5EF4-FFF2-40B4-BE49-F238E27FC236}">
+                    <a16:creationId xmlns:a16="http://schemas.microsoft.com/office/drawing/2014/main" id="{F9BCAAE6-EEF9-0C84-5770-B42BC633E665}"/>
+                  </a:ext>
+                </a:extLst>
+              </p:cNvPr>
+              <p:cNvPicPr/>
+              <p:nvPr/>
+            </p:nvPicPr>
+            <p:blipFill>
+              <a:blip r:embed="rId4"/>
+              <a:stretch>
+                <a:fillRect/>
+              </a:stretch>
+            </p:blipFill>
+            <p:spPr>
+              <a:xfrm>
+                <a:off x="4632863" y="1266232"/>
+                <a:ext cx="426600" cy="298440"/>
+              </a:xfrm>
+              <a:prstGeom prst="rect">
+                <a:avLst/>
+              </a:prstGeom>
+            </p:spPr>
+          </p:pic>
+        </mc:Fallback>
+      </mc:AlternateContent>
+      <mc:AlternateContent xmlns:mc="http://schemas.openxmlformats.org/markup-compatibility/2006">
+        <mc:Choice xmlns:p14="http://schemas.microsoft.com/office/powerpoint/2010/main" Requires="p14">
+          <p:contentPart p14:bwMode="auto" r:id="rId5">
+            <p14:nvContentPartPr>
+              <p14:cNvPr id="4" name="Ink 3">
+                <a:extLst>
+                  <a:ext uri="{FF2B5EF4-FFF2-40B4-BE49-F238E27FC236}">
+                    <a16:creationId xmlns:a16="http://schemas.microsoft.com/office/drawing/2014/main" id="{FC2CE300-371B-48AF-9065-28F18FF2D3E6}"/>
+                  </a:ext>
+                </a:extLst>
+              </p14:cNvPr>
+              <p14:cNvContentPartPr/>
+              <p14:nvPr/>
+            </p14:nvContentPartPr>
+            <p14:xfrm>
+              <a:off x="6610343" y="1433272"/>
+              <a:ext cx="164880" cy="12960"/>
+            </p14:xfrm>
+          </p:contentPart>
+        </mc:Choice>
+        <mc:Fallback>
+          <p:pic>
+            <p:nvPicPr>
+              <p:cNvPr id="4" name="Ink 3">
+                <a:extLst>
+                  <a:ext uri="{FF2B5EF4-FFF2-40B4-BE49-F238E27FC236}">
+                    <a16:creationId xmlns:a16="http://schemas.microsoft.com/office/drawing/2014/main" id="{FC2CE300-371B-48AF-9065-28F18FF2D3E6}"/>
+                  </a:ext>
+                </a:extLst>
+              </p:cNvPr>
+              <p:cNvPicPr/>
+              <p:nvPr/>
+            </p:nvPicPr>
+            <p:blipFill>
+              <a:blip r:embed="rId6"/>
+              <a:stretch>
+                <a:fillRect/>
+              </a:stretch>
+            </p:blipFill>
+            <p:spPr>
+              <a:xfrm>
+                <a:off x="6538343" y="1289272"/>
+                <a:ext cx="308520" cy="300600"/>
+              </a:xfrm>
+              <a:prstGeom prst="rect">
+                <a:avLst/>
+              </a:prstGeom>
+            </p:spPr>
+          </p:pic>
+        </mc:Fallback>
+      </mc:AlternateContent>
+      <mc:AlternateContent xmlns:mc="http://schemas.openxmlformats.org/markup-compatibility/2006">
+        <mc:Choice xmlns:p14="http://schemas.microsoft.com/office/powerpoint/2010/main" Requires="p14">
+          <p:contentPart p14:bwMode="auto" r:id="rId7">
+            <p14:nvContentPartPr>
+              <p14:cNvPr id="5" name="Ink 4">
+                <a:extLst>
+                  <a:ext uri="{FF2B5EF4-FFF2-40B4-BE49-F238E27FC236}">
+                    <a16:creationId xmlns:a16="http://schemas.microsoft.com/office/drawing/2014/main" id="{C17F2DD0-765A-6677-C7A8-FE1BE4C551AE}"/>
+                  </a:ext>
+                </a:extLst>
+              </p14:cNvPr>
+              <p14:cNvContentPartPr/>
+              <p14:nvPr/>
+            </p14:nvContentPartPr>
+            <p14:xfrm>
+              <a:off x="5978543" y="233752"/>
+              <a:ext cx="506880" cy="11160"/>
+            </p14:xfrm>
+          </p:contentPart>
+        </mc:Choice>
+        <mc:Fallback>
+          <p:pic>
+            <p:nvPicPr>
+              <p:cNvPr id="5" name="Ink 4">
+                <a:extLst>
+                  <a:ext uri="{FF2B5EF4-FFF2-40B4-BE49-F238E27FC236}">
+                    <a16:creationId xmlns:a16="http://schemas.microsoft.com/office/drawing/2014/main" id="{C17F2DD0-765A-6677-C7A8-FE1BE4C551AE}"/>
+                  </a:ext>
+                </a:extLst>
+              </p:cNvPr>
+              <p:cNvPicPr/>
+              <p:nvPr/>
+            </p:nvPicPr>
+            <p:blipFill>
+              <a:blip r:embed="rId8"/>
+              <a:stretch>
+                <a:fillRect/>
+              </a:stretch>
+            </p:blipFill>
+            <p:spPr>
+              <a:xfrm>
+                <a:off x="5906543" y="90112"/>
+                <a:ext cx="650520" cy="298800"/>
+              </a:xfrm>
+              <a:prstGeom prst="rect">
+                <a:avLst/>
+              </a:prstGeom>
+            </p:spPr>
+          </p:pic>
+        </mc:Fallback>
+      </mc:AlternateContent>
+      <mc:AlternateContent xmlns:mc="http://schemas.openxmlformats.org/markup-compatibility/2006">
+        <mc:Choice xmlns:p14="http://schemas.microsoft.com/office/powerpoint/2010/main" Requires="p14">
+          <p:contentPart p14:bwMode="auto" r:id="rId9">
+            <p14:nvContentPartPr>
+              <p14:cNvPr id="7" name="Ink 6">
+                <a:extLst>
+                  <a:ext uri="{FF2B5EF4-FFF2-40B4-BE49-F238E27FC236}">
+                    <a16:creationId xmlns:a16="http://schemas.microsoft.com/office/drawing/2014/main" id="{EC4E7441-CEC4-06FF-34A8-5D2BEFE3D498}"/>
+                  </a:ext>
+                </a:extLst>
+              </p14:cNvPr>
+              <p14:cNvContentPartPr/>
+              <p14:nvPr/>
+            </p14:nvContentPartPr>
+            <p14:xfrm>
+              <a:off x="8439863" y="3564112"/>
+              <a:ext cx="144000" cy="16560"/>
+            </p14:xfrm>
+          </p:contentPart>
+        </mc:Choice>
+        <mc:Fallback>
+          <p:pic>
+            <p:nvPicPr>
+              <p:cNvPr id="7" name="Ink 6">
+                <a:extLst>
+                  <a:ext uri="{FF2B5EF4-FFF2-40B4-BE49-F238E27FC236}">
+                    <a16:creationId xmlns:a16="http://schemas.microsoft.com/office/drawing/2014/main" id="{EC4E7441-CEC4-06FF-34A8-5D2BEFE3D498}"/>
+                  </a:ext>
+                </a:extLst>
+              </p:cNvPr>
+              <p:cNvPicPr/>
+              <p:nvPr/>
+            </p:nvPicPr>
+            <p:blipFill>
+              <a:blip r:embed="rId10"/>
+              <a:stretch>
+                <a:fillRect/>
+              </a:stretch>
+            </p:blipFill>
+            <p:spPr>
+              <a:xfrm>
+                <a:off x="8367863" y="3420472"/>
+                <a:ext cx="287640" cy="304200"/>
+              </a:xfrm>
+              <a:prstGeom prst="rect">
+                <a:avLst/>
+              </a:prstGeom>
+            </p:spPr>
+          </p:pic>
+        </mc:Fallback>
+      </mc:AlternateContent>
+      <mc:AlternateContent xmlns:mc="http://schemas.openxmlformats.org/markup-compatibility/2006">
+        <mc:Choice xmlns:p14="http://schemas.microsoft.com/office/powerpoint/2010/main" Requires="p14">
+          <p:contentPart p14:bwMode="auto" r:id="rId11">
+            <p14:nvContentPartPr>
+              <p14:cNvPr id="8" name="Ink 7">
+                <a:extLst>
+                  <a:ext uri="{FF2B5EF4-FFF2-40B4-BE49-F238E27FC236}">
+                    <a16:creationId xmlns:a16="http://schemas.microsoft.com/office/drawing/2014/main" id="{EE19490B-BEE0-C708-4BF8-1C3DED0FDF60}"/>
+                  </a:ext>
+                </a:extLst>
+              </p14:cNvPr>
+              <p14:cNvContentPartPr/>
+              <p14:nvPr/>
+            </p14:nvContentPartPr>
+            <p14:xfrm>
+              <a:off x="8432303" y="1442272"/>
+              <a:ext cx="164520" cy="5760"/>
+            </p14:xfrm>
+          </p:contentPart>
+        </mc:Choice>
+        <mc:Fallback>
+          <p:pic>
+            <p:nvPicPr>
+              <p:cNvPr id="8" name="Ink 7">
+                <a:extLst>
+                  <a:ext uri="{FF2B5EF4-FFF2-40B4-BE49-F238E27FC236}">
+                    <a16:creationId xmlns:a16="http://schemas.microsoft.com/office/drawing/2014/main" id="{EE19490B-BEE0-C708-4BF8-1C3DED0FDF60}"/>
+                  </a:ext>
+                </a:extLst>
+              </p:cNvPr>
+              <p:cNvPicPr/>
+              <p:nvPr/>
+            </p:nvPicPr>
+            <p:blipFill>
+              <a:blip r:embed="rId12"/>
+              <a:stretch>
+                <a:fillRect/>
+              </a:stretch>
+            </p:blipFill>
+            <p:spPr>
+              <a:xfrm>
+                <a:off x="8360303" y="1298632"/>
+                <a:ext cx="308160" cy="293400"/>
+              </a:xfrm>
+              <a:prstGeom prst="rect">
+                <a:avLst/>
+              </a:prstGeom>
+            </p:spPr>
+          </p:pic>
+        </mc:Fallback>
+      </mc:AlternateContent>
     </p:spTree>
     <p:extLst>
       <p:ext uri="{BB962C8B-B14F-4D97-AF65-F5344CB8AC3E}">
@@ -17268,8 +22075,8 @@
           </a:p>
         </p:txBody>
       </p:sp>
-      <mc:AlternateContent xmlns:mc="http://schemas.openxmlformats.org/markup-compatibility/2006">
-        <mc:Choice xmlns:p14="http://schemas.microsoft.com/office/powerpoint/2010/main" Requires="p14">
+      <mc:AlternateContent xmlns:mc="http://schemas.openxmlformats.org/markup-compatibility/2006" xmlns:p14="http://schemas.microsoft.com/office/powerpoint/2010/main">
+        <mc:Choice Requires="p14">
           <p:contentPart p14:bwMode="auto" r:id="rId2">
             <p14:nvContentPartPr>
               <p14:cNvPr id="5" name="Ink 4">
@@ -17288,7 +22095,7 @@
             </p14:xfrm>
           </p:contentPart>
         </mc:Choice>
-        <mc:Fallback>
+        <mc:Fallback xmlns="">
           <p:pic>
             <p:nvPicPr>
               <p:cNvPr id="5" name="Ink 4">
@@ -17319,8 +22126,8 @@
           </p:pic>
         </mc:Fallback>
       </mc:AlternateContent>
-      <mc:AlternateContent xmlns:mc="http://schemas.openxmlformats.org/markup-compatibility/2006">
-        <mc:Choice xmlns:p14="http://schemas.microsoft.com/office/powerpoint/2010/main" Requires="p14">
+      <mc:AlternateContent xmlns:mc="http://schemas.openxmlformats.org/markup-compatibility/2006" xmlns:p14="http://schemas.microsoft.com/office/powerpoint/2010/main">
+        <mc:Choice Requires="p14">
           <p:contentPart p14:bwMode="auto" r:id="rId4">
             <p14:nvContentPartPr>
               <p14:cNvPr id="6" name="Ink 5">
@@ -17339,7 +22146,7 @@
             </p14:xfrm>
           </p:contentPart>
         </mc:Choice>
-        <mc:Fallback>
+        <mc:Fallback xmlns="">
           <p:pic>
             <p:nvPicPr>
               <p:cNvPr id="6" name="Ink 5">
@@ -17370,8 +22177,8 @@
           </p:pic>
         </mc:Fallback>
       </mc:AlternateContent>
-      <mc:AlternateContent xmlns:mc="http://schemas.openxmlformats.org/markup-compatibility/2006">
-        <mc:Choice xmlns:p14="http://schemas.microsoft.com/office/powerpoint/2010/main" Requires="p14">
+      <mc:AlternateContent xmlns:mc="http://schemas.openxmlformats.org/markup-compatibility/2006" xmlns:p14="http://schemas.microsoft.com/office/powerpoint/2010/main">
+        <mc:Choice Requires="p14">
           <p:contentPart p14:bwMode="auto" r:id="rId6">
             <p14:nvContentPartPr>
               <p14:cNvPr id="7" name="Ink 6">
@@ -17390,7 +22197,7 @@
             </p14:xfrm>
           </p:contentPart>
         </mc:Choice>
-        <mc:Fallback>
+        <mc:Fallback xmlns="">
           <p:pic>
             <p:nvPicPr>
               <p:cNvPr id="7" name="Ink 6">
@@ -17413,6 +22220,57 @@
               <a:xfrm>
                 <a:off x="6992235" y="2742450"/>
                 <a:ext cx="2014560" cy="399600"/>
+              </a:xfrm>
+              <a:prstGeom prst="rect">
+                <a:avLst/>
+              </a:prstGeom>
+            </p:spPr>
+          </p:pic>
+        </mc:Fallback>
+      </mc:AlternateContent>
+      <mc:AlternateContent xmlns:mc="http://schemas.openxmlformats.org/markup-compatibility/2006">
+        <mc:Choice xmlns:p14="http://schemas.microsoft.com/office/powerpoint/2010/main" Requires="p14">
+          <p:contentPart p14:bwMode="auto" r:id="rId8">
+            <p14:nvContentPartPr>
+              <p14:cNvPr id="9" name="Ink 8">
+                <a:extLst>
+                  <a:ext uri="{FF2B5EF4-FFF2-40B4-BE49-F238E27FC236}">
+                    <a16:creationId xmlns:a16="http://schemas.microsoft.com/office/drawing/2014/main" id="{487E1157-13D0-74C7-3096-A9AFCB4466EB}"/>
+                  </a:ext>
+                </a:extLst>
+              </p14:cNvPr>
+              <p14:cNvContentPartPr/>
+              <p14:nvPr/>
+            </p14:nvContentPartPr>
+            <p14:xfrm>
+              <a:off x="4829423" y="5530072"/>
+              <a:ext cx="2202480" cy="19080"/>
+            </p14:xfrm>
+          </p:contentPart>
+        </mc:Choice>
+        <mc:Fallback>
+          <p:pic>
+            <p:nvPicPr>
+              <p:cNvPr id="9" name="Ink 8">
+                <a:extLst>
+                  <a:ext uri="{FF2B5EF4-FFF2-40B4-BE49-F238E27FC236}">
+                    <a16:creationId xmlns:a16="http://schemas.microsoft.com/office/drawing/2014/main" id="{487E1157-13D0-74C7-3096-A9AFCB4466EB}"/>
+                  </a:ext>
+                </a:extLst>
+              </p:cNvPr>
+              <p:cNvPicPr/>
+              <p:nvPr/>
+            </p:nvPicPr>
+            <p:blipFill>
+              <a:blip r:embed="rId9"/>
+              <a:stretch>
+                <a:fillRect/>
+              </a:stretch>
+            </p:blipFill>
+            <p:spPr>
+              <a:xfrm>
+                <a:off x="4757783" y="5386432"/>
+                <a:ext cx="2346120" cy="306720"/>
               </a:xfrm>
               <a:prstGeom prst="rect">
                 <a:avLst/>
@@ -17871,8 +22729,8 @@
           </a:p>
         </p:txBody>
       </p:sp>
-      <mc:AlternateContent xmlns:mc="http://schemas.openxmlformats.org/markup-compatibility/2006">
-        <mc:Choice xmlns:p14="http://schemas.microsoft.com/office/powerpoint/2010/main" Requires="p14">
+      <mc:AlternateContent xmlns:mc="http://schemas.openxmlformats.org/markup-compatibility/2006" xmlns:p14="http://schemas.microsoft.com/office/powerpoint/2010/main">
+        <mc:Choice Requires="p14">
           <p:contentPart p14:bwMode="auto" r:id="rId2">
             <p14:nvContentPartPr>
               <p14:cNvPr id="5" name="Ink 4">
@@ -17891,7 +22749,7 @@
             </p14:xfrm>
           </p:contentPart>
         </mc:Choice>
-        <mc:Fallback>
+        <mc:Fallback xmlns="">
           <p:pic>
             <p:nvPicPr>
               <p:cNvPr id="5" name="Ink 4">
@@ -17922,8 +22780,8 @@
           </p:pic>
         </mc:Fallback>
       </mc:AlternateContent>
-      <mc:AlternateContent xmlns:mc="http://schemas.openxmlformats.org/markup-compatibility/2006">
-        <mc:Choice xmlns:p14="http://schemas.microsoft.com/office/powerpoint/2010/main" Requires="p14">
+      <mc:AlternateContent xmlns:mc="http://schemas.openxmlformats.org/markup-compatibility/2006" xmlns:p14="http://schemas.microsoft.com/office/powerpoint/2010/main">
+        <mc:Choice Requires="p14">
           <p:contentPart p14:bwMode="auto" r:id="rId4">
             <p14:nvContentPartPr>
               <p14:cNvPr id="6" name="Ink 5">
@@ -17942,7 +22800,7 @@
             </p14:xfrm>
           </p:contentPart>
         </mc:Choice>
-        <mc:Fallback>
+        <mc:Fallback xmlns="">
           <p:pic>
             <p:nvPicPr>
               <p:cNvPr id="6" name="Ink 5">
@@ -17973,8 +22831,8 @@
           </p:pic>
         </mc:Fallback>
       </mc:AlternateContent>
-      <mc:AlternateContent xmlns:mc="http://schemas.openxmlformats.org/markup-compatibility/2006">
-        <mc:Choice xmlns:p14="http://schemas.microsoft.com/office/powerpoint/2010/main" Requires="p14">
+      <mc:AlternateContent xmlns:mc="http://schemas.openxmlformats.org/markup-compatibility/2006" xmlns:p14="http://schemas.microsoft.com/office/powerpoint/2010/main">
+        <mc:Choice Requires="p14">
           <p:contentPart p14:bwMode="auto" r:id="rId6">
             <p14:nvContentPartPr>
               <p14:cNvPr id="7" name="Ink 6">
@@ -17993,7 +22851,7 @@
             </p14:xfrm>
           </p:contentPart>
         </mc:Choice>
-        <mc:Fallback>
+        <mc:Fallback xmlns="">
           <p:pic>
             <p:nvPicPr>
               <p:cNvPr id="7" name="Ink 6">
@@ -18024,8 +22882,8 @@
           </p:pic>
         </mc:Fallback>
       </mc:AlternateContent>
-      <mc:AlternateContent xmlns:mc="http://schemas.openxmlformats.org/markup-compatibility/2006">
-        <mc:Choice xmlns:p14="http://schemas.microsoft.com/office/powerpoint/2010/main" Requires="p14">
+      <mc:AlternateContent xmlns:mc="http://schemas.openxmlformats.org/markup-compatibility/2006" xmlns:p14="http://schemas.microsoft.com/office/powerpoint/2010/main">
+        <mc:Choice Requires="p14">
           <p:contentPart p14:bwMode="auto" r:id="rId8">
             <p14:nvContentPartPr>
               <p14:cNvPr id="8" name="Ink 7">
@@ -18044,7 +22902,7 @@
             </p14:xfrm>
           </p:contentPart>
         </mc:Choice>
-        <mc:Fallback>
+        <mc:Fallback xmlns="">
           <p:pic>
             <p:nvPicPr>
               <p:cNvPr id="8" name="Ink 7">
@@ -18075,8 +22933,8 @@
           </p:pic>
         </mc:Fallback>
       </mc:AlternateContent>
-      <mc:AlternateContent xmlns:mc="http://schemas.openxmlformats.org/markup-compatibility/2006">
-        <mc:Choice xmlns:p14="http://schemas.microsoft.com/office/powerpoint/2010/main" Requires="p14">
+      <mc:AlternateContent xmlns:mc="http://schemas.openxmlformats.org/markup-compatibility/2006" xmlns:p14="http://schemas.microsoft.com/office/powerpoint/2010/main">
+        <mc:Choice Requires="p14">
           <p:contentPart p14:bwMode="auto" r:id="rId10">
             <p14:nvContentPartPr>
               <p14:cNvPr id="9" name="Ink 8">
@@ -18095,7 +22953,7 @@
             </p14:xfrm>
           </p:contentPart>
         </mc:Choice>
-        <mc:Fallback>
+        <mc:Fallback xmlns="">
           <p:pic>
             <p:nvPicPr>
               <p:cNvPr id="9" name="Ink 8">
@@ -18126,8 +22984,8 @@
           </p:pic>
         </mc:Fallback>
       </mc:AlternateContent>
-      <mc:AlternateContent xmlns:mc="http://schemas.openxmlformats.org/markup-compatibility/2006">
-        <mc:Choice xmlns:p14="http://schemas.microsoft.com/office/powerpoint/2010/main" Requires="p14">
+      <mc:AlternateContent xmlns:mc="http://schemas.openxmlformats.org/markup-compatibility/2006" xmlns:p14="http://schemas.microsoft.com/office/powerpoint/2010/main">
+        <mc:Choice Requires="p14">
           <p:contentPart p14:bwMode="auto" r:id="rId12">
             <p14:nvContentPartPr>
               <p14:cNvPr id="10" name="Ink 9">
@@ -18146,7 +23004,7 @@
             </p14:xfrm>
           </p:contentPart>
         </mc:Choice>
-        <mc:Fallback>
+        <mc:Fallback xmlns="">
           <p:pic>
             <p:nvPicPr>
               <p:cNvPr id="10" name="Ink 9">
@@ -18177,8 +23035,8 @@
           </p:pic>
         </mc:Fallback>
       </mc:AlternateContent>
-      <mc:AlternateContent xmlns:mc="http://schemas.openxmlformats.org/markup-compatibility/2006">
-        <mc:Choice xmlns:p14="http://schemas.microsoft.com/office/powerpoint/2010/main" Requires="p14">
+      <mc:AlternateContent xmlns:mc="http://schemas.openxmlformats.org/markup-compatibility/2006" xmlns:p14="http://schemas.microsoft.com/office/powerpoint/2010/main">
+        <mc:Choice Requires="p14">
           <p:contentPart p14:bwMode="auto" r:id="rId14">
             <p14:nvContentPartPr>
               <p14:cNvPr id="11" name="Ink 10">
@@ -18197,7 +23055,7 @@
             </p14:xfrm>
           </p:contentPart>
         </mc:Choice>
-        <mc:Fallback>
+        <mc:Fallback xmlns="">
           <p:pic>
             <p:nvPicPr>
               <p:cNvPr id="11" name="Ink 10">
@@ -18777,8 +23635,8 @@
           </a:p>
         </p:txBody>
       </p:sp>
-      <mc:AlternateContent xmlns:mc="http://schemas.openxmlformats.org/markup-compatibility/2006">
-        <mc:Choice xmlns:p14="http://schemas.microsoft.com/office/powerpoint/2010/main" Requires="p14">
+      <mc:AlternateContent xmlns:mc="http://schemas.openxmlformats.org/markup-compatibility/2006" xmlns:p14="http://schemas.microsoft.com/office/powerpoint/2010/main">
+        <mc:Choice Requires="p14">
           <p:contentPart p14:bwMode="auto" r:id="rId3">
             <p14:nvContentPartPr>
               <p14:cNvPr id="5" name="Ink 4">
@@ -18797,7 +23655,7 @@
             </p14:xfrm>
           </p:contentPart>
         </mc:Choice>
-        <mc:Fallback>
+        <mc:Fallback xmlns="">
           <p:pic>
             <p:nvPicPr>
               <p:cNvPr id="5" name="Ink 4">
@@ -18828,8 +23686,8 @@
           </p:pic>
         </mc:Fallback>
       </mc:AlternateContent>
-      <mc:AlternateContent xmlns:mc="http://schemas.openxmlformats.org/markup-compatibility/2006">
-        <mc:Choice xmlns:p14="http://schemas.microsoft.com/office/powerpoint/2010/main" Requires="p14">
+      <mc:AlternateContent xmlns:mc="http://schemas.openxmlformats.org/markup-compatibility/2006" xmlns:p14="http://schemas.microsoft.com/office/powerpoint/2010/main">
+        <mc:Choice Requires="p14">
           <p:contentPart p14:bwMode="auto" r:id="rId5">
             <p14:nvContentPartPr>
               <p14:cNvPr id="6" name="Ink 5">
@@ -18848,7 +23706,7 @@
             </p14:xfrm>
           </p:contentPart>
         </mc:Choice>
-        <mc:Fallback>
+        <mc:Fallback xmlns="">
           <p:pic>
             <p:nvPicPr>
               <p:cNvPr id="6" name="Ink 5">
@@ -18879,8 +23737,8 @@
           </p:pic>
         </mc:Fallback>
       </mc:AlternateContent>
-      <mc:AlternateContent xmlns:mc="http://schemas.openxmlformats.org/markup-compatibility/2006">
-        <mc:Choice xmlns:p14="http://schemas.microsoft.com/office/powerpoint/2010/main" Requires="p14">
+      <mc:AlternateContent xmlns:mc="http://schemas.openxmlformats.org/markup-compatibility/2006" xmlns:p14="http://schemas.microsoft.com/office/powerpoint/2010/main">
+        <mc:Choice Requires="p14">
           <p:contentPart p14:bwMode="auto" r:id="rId7">
             <p14:nvContentPartPr>
               <p14:cNvPr id="7" name="Ink 6">
@@ -18899,7 +23757,7 @@
             </p14:xfrm>
           </p:contentPart>
         </mc:Choice>
-        <mc:Fallback>
+        <mc:Fallback xmlns="">
           <p:pic>
             <p:nvPicPr>
               <p:cNvPr id="7" name="Ink 6">
@@ -18930,8 +23788,8 @@
           </p:pic>
         </mc:Fallback>
       </mc:AlternateContent>
-      <mc:AlternateContent xmlns:mc="http://schemas.openxmlformats.org/markup-compatibility/2006">
-        <mc:Choice xmlns:p14="http://schemas.microsoft.com/office/powerpoint/2010/main" Requires="p14">
+      <mc:AlternateContent xmlns:mc="http://schemas.openxmlformats.org/markup-compatibility/2006" xmlns:p14="http://schemas.microsoft.com/office/powerpoint/2010/main">
+        <mc:Choice Requires="p14">
           <p:contentPart p14:bwMode="auto" r:id="rId9">
             <p14:nvContentPartPr>
               <p14:cNvPr id="8" name="Ink 7">
@@ -18950,7 +23808,7 @@
             </p14:xfrm>
           </p:contentPart>
         </mc:Choice>
-        <mc:Fallback>
+        <mc:Fallback xmlns="">
           <p:pic>
             <p:nvPicPr>
               <p:cNvPr id="8" name="Ink 7">
@@ -19042,8 +23900,8 @@
           </a:p>
         </p:txBody>
       </p:sp>
-      <mc:AlternateContent xmlns:mc="http://schemas.openxmlformats.org/markup-compatibility/2006" xmlns:a14="http://schemas.microsoft.com/office/drawing/2010/main">
-        <mc:Choice Requires="a14">
+      <mc:AlternateContent xmlns:mc="http://schemas.openxmlformats.org/markup-compatibility/2006">
+        <mc:Choice xmlns:a14="http://schemas.microsoft.com/office/drawing/2010/main" Requires="a14">
           <p:sp>
             <p:nvSpPr>
               <p:cNvPr id="3" name="Content Placeholder 2">
@@ -19063,7 +23921,7 @@
             <p:spPr/>
             <p:txBody>
               <a:bodyPr>
-                <a:normAutofit lnSpcReduction="10000"/>
+                <a:normAutofit fontScale="92500"/>
               </a:bodyPr>
               <a:lstStyle/>
               <a:p>
@@ -19360,47 +24218,87 @@
               <a:p>
                 <a:pPr lvl="1"/>
                 <a:r>
+                  <a:rPr lang="zh-CN" altLang="en-US" dirty="0">
+                    <a:highlight>
+                      <a:srgbClr val="FFFF00"/>
+                    </a:highlight>
+                  </a:rPr>
+                  <a:t>外国</a:t>
+                </a:r>
+                <a:r>
+                  <a:rPr lang="ja-JP" altLang="en-US">
+                    <a:highlight>
+                      <a:srgbClr val="FFFF00"/>
+                    </a:highlight>
+                  </a:rPr>
+                  <a:t>への</a:t>
+                </a:r>
+                <a:r>
+                  <a:rPr lang="zh-CN" altLang="en-US" dirty="0">
+                    <a:highlight>
+                      <a:srgbClr val="FFFF00"/>
+                    </a:highlight>
+                  </a:rPr>
+                  <a:t>輸送費</a:t>
+                </a:r>
+                <a:r>
+                  <a:rPr lang="ja-JP" altLang="en-US">
+                    <a:highlight>
+                      <a:srgbClr val="FFFF00"/>
+                    </a:highlight>
+                  </a:rPr>
+                  <a:t>や</a:t>
+                </a:r>
+                <a:r>
+                  <a:rPr lang="zh-CN" altLang="en-US" dirty="0">
+                    <a:highlight>
+                      <a:srgbClr val="FFFF00"/>
+                    </a:highlight>
+                  </a:rPr>
+                  <a:t>関税</a:t>
+                </a:r>
+                <a:r>
+                  <a:rPr lang="ja-JP" altLang="en-US">
+                    <a:highlight>
+                      <a:srgbClr val="FFFF00"/>
+                    </a:highlight>
+                  </a:rPr>
+                  <a:t>のため，</a:t>
+                </a:r>
+                <a:r>
+                  <a:rPr lang="zh-CN" altLang="en-US" dirty="0">
+                    <a:highlight>
+                      <a:srgbClr val="FFFF00"/>
+                    </a:highlight>
+                  </a:rPr>
+                  <a:t>利潤</a:t>
+                </a:r>
+                <a:r>
+                  <a:rPr lang="ja-JP" altLang="en-US">
+                    <a:highlight>
+                      <a:srgbClr val="FFFF00"/>
+                    </a:highlight>
+                  </a:rPr>
+                  <a:t>が</a:t>
+                </a:r>
+                <a:r>
+                  <a:rPr lang="zh-CN" altLang="en-US" dirty="0">
+                    <a:highlight>
+                      <a:srgbClr val="FFFF00"/>
+                    </a:highlight>
+                  </a:rPr>
+                  <a:t>得にくいため</a:t>
+                </a:r>
+                <a:r>
                   <a:rPr lang="zh-CN" altLang="en-US" dirty="0"/>
-                  <a:t>外国</a:t>
-                </a:r>
-                <a:r>
-                  <a:rPr lang="ja-JP" altLang="en-US"/>
-                  <a:t>への</a:t>
-                </a:r>
-                <a:r>
-                  <a:rPr lang="zh-CN" altLang="en-US" dirty="0"/>
-                  <a:t>輸送費</a:t>
-                </a:r>
-                <a:r>
-                  <a:rPr lang="ja-JP" altLang="en-US"/>
-                  <a:t>や</a:t>
-                </a:r>
-                <a:r>
-                  <a:rPr lang="zh-CN" altLang="en-US" dirty="0"/>
-                  <a:t>関税</a:t>
-                </a:r>
-                <a:r>
-                  <a:rPr lang="ja-JP" altLang="en-US"/>
-                  <a:t>のため，</a:t>
-                </a:r>
-                <a:r>
-                  <a:rPr lang="zh-CN" altLang="en-US" dirty="0"/>
-                  <a:t>利潤</a:t>
-                </a:r>
-                <a:r>
-                  <a:rPr lang="ja-JP" altLang="en-US"/>
-                  <a:t>が</a:t>
-                </a:r>
-                <a:r>
-                  <a:rPr lang="zh-CN" altLang="en-US" dirty="0"/>
-                  <a:t>得にくいため。</a:t>
+                  <a:t>。</a:t>
                 </a:r>
                 <a:endParaRPr lang="en-JP" dirty="0"/>
               </a:p>
             </p:txBody>
           </p:sp>
         </mc:Choice>
-        <mc:Fallback xmlns="">
+        <mc:Fallback>
           <p:sp>
             <p:nvSpPr>
               <p:cNvPr id="3" name="Content Placeholder 2">
@@ -19421,7 +24319,7 @@
               <a:blipFill>
                 <a:blip r:embed="rId2"/>
                 <a:stretch>
-                  <a:fillRect l="-1206" t="-3779" r="-3257"/>
+                  <a:fillRect l="-1086" t="-2326"/>
                 </a:stretch>
               </a:blipFill>
             </p:spPr>

--- a/slides/07新・新貿易理論.pptx
+++ b/slides/07新・新貿易理論.pptx
@@ -980,17 +980,17 @@
           <inkml:channelProperty channel="Y" name="resolution" value="1000" units="1/cm"/>
         </inkml:channelProperties>
       </inkml:inkSource>
-      <inkml:timestamp xml:id="ts0" timeString="2024-05-27T06:52:02.777"/>
+      <inkml:timestamp xml:id="ts0" timeString="2024-05-27T23:40:53.581"/>
     </inkml:context>
     <inkml:brush xml:id="br0">
       <inkml:brushProperty name="width" value="0.2" units="cm"/>
       <inkml:brushProperty name="height" value="0.4" units="cm"/>
-      <inkml:brushProperty name="color" value="#FFACD5"/>
+      <inkml:brushProperty name="color" value="#A2D762"/>
       <inkml:brushProperty name="tip" value="rectangle"/>
       <inkml:brushProperty name="rasterOp" value="maskPen"/>
     </inkml:brush>
   </inkml:definitions>
-  <inkml:trace contextRef="#ctx0" brushRef="#br0">0 381,'54'0,"0"0,1 0,0 0,-2 0,0 0,0 0,-1 0,46 0,-6 0,-1-3,2 0,6-3,-46 2,0-1,1 0,-1 0,0-1,0 1,-3 0,0 1,45-4,-6 1,-2 0,5-2,3-2,3-2,0 0,-4 0,0 2,-2-1,7 1,-47 5,0 0,5 0,1 1,3-2,1 1,1-1,1 0,1 0,0 0,-1 1,0 0,-3 1,1 0,1 0,1 0,2 1,0 0,3-1,1 0,6 0,1-1,3 1,2 0,2-1,1-1,1 1,-1 0,-3 1,-1-1,-4 2,0 0,-3 1,0 1,0 0,-1 1,1 1,0 0,0 0,-1 0,1 0,0 0,0 0,-1 0,0-1,-1 0,-1-1,0 0,0-1,0 0,0-1,0 1,2 0,0 1,3 0,1 1,0 0,1 2,1-1,0 0,1 0,-1 0,-3 0,0 0,0 0,-1 0,-2 0,1 0,-1 0,1 0,-3 0,0 0,-2 0,0 0,-3 0,0 0,-6 0,-1 0,-2 0,-1 0,-2 2,-1 0,-2 2,1 0,1 2,1 1,1 1,1 1,3 0,2 0,-1 0,2 0,1 0,-1-2,-1-1,-1 0,-1 0,0 1,0 0,-1 0,-4 0,0 0,43 9,-22-7,-23-4,-18-3,-15-2,-9 0,-6 0</inkml:trace>
+  <inkml:trace contextRef="#ctx0" brushRef="#br0">0 350,'52'0,"0"0,16 0,5 0,21 0,6 0,-23 0,2 0,1 0,-2 0,1 0,2 0,10 0,2 0,0 0,-2 0,1 0,-1 0,-2 0,-1 0,1 0,0 0,0 0,-3 0,-15 0,-3 0,0 0,32 0,-2 0,-9 0,-2 0,-6 0,-2 0,-5 0,-1 0,-6 0,-2 0,-4 0,-1 0,-4 0,-1 0,-2 0,0 0,0 0,1 0,-1-1,0-1,2 0,1-2,3 1,2-1,4 0,1-1,4 0,1 0,4 1,2-1,4 0,2 0,4 1,2 0,3 2,2 0,3 0,2 1,-3 1,2 0,-27-1,1-1,2 0,3-1,2-1,-1-1,-1 0,0-2,0 1,0-1,1 0,-2-1,-5 0,-2 0,-1 0,27-3,-3 1,-5-1,-4-1,-10 2,-4-1,-10 3,-3-1,-6 1,-1 1,35-5,-13 0,-13-1,-14 1,-6 0,-8 0,-6 4,-4 2,-7 0,-5 2,-4-2</inkml:trace>
 </inkml:ink>
 </file>
 
@@ -2168,7 +2168,7 @@
           <a:p>
             <a:fld id="{15D8E939-9ECB-9C46-A248-99A4B8126363}" type="datetimeFigureOut">
               <a:rPr lang="en-JP" smtClean="0"/>
-              <a:t>2024/05/27</a:t>
+              <a:t>2024/05/28</a:t>
             </a:fld>
             <a:endParaRPr lang="en-JP"/>
           </a:p>
@@ -2585,7 +2585,7 @@
           <a:p>
             <a:fld id="{B305A450-B214-F843-90D3-43D45AB970BF}" type="datetime1">
               <a:rPr lang="en-US" smtClean="0"/>
-              <a:t>5/27/24</a:t>
+              <a:t>5/28/24</a:t>
             </a:fld>
             <a:endParaRPr lang="en-JP"/>
           </a:p>
@@ -2785,7 +2785,7 @@
           <a:p>
             <a:fld id="{3FE6076C-7478-7547-8EE6-BBCC8E0F5965}" type="datetime1">
               <a:rPr lang="en-US" smtClean="0"/>
-              <a:t>5/27/24</a:t>
+              <a:t>5/28/24</a:t>
             </a:fld>
             <a:endParaRPr lang="en-JP"/>
           </a:p>
@@ -2995,7 +2995,7 @@
           <a:p>
             <a:fld id="{9ACD9DBC-B76F-1F49-9ACB-B3C63B260788}" type="datetime1">
               <a:rPr lang="en-US" smtClean="0"/>
-              <a:t>5/27/24</a:t>
+              <a:t>5/28/24</a:t>
             </a:fld>
             <a:endParaRPr lang="en-JP"/>
           </a:p>
@@ -3195,7 +3195,7 @@
           <a:p>
             <a:fld id="{97256E53-50F3-8B41-827D-E71E7A78D7C8}" type="datetime1">
               <a:rPr lang="en-US" smtClean="0"/>
-              <a:t>5/27/24</a:t>
+              <a:t>5/28/24</a:t>
             </a:fld>
             <a:endParaRPr lang="en-JP"/>
           </a:p>
@@ -3471,7 +3471,7 @@
           <a:p>
             <a:fld id="{60AD3F61-4B41-B048-9345-533AA47C1AFA}" type="datetime1">
               <a:rPr lang="en-US" smtClean="0"/>
-              <a:t>5/27/24</a:t>
+              <a:t>5/28/24</a:t>
             </a:fld>
             <a:endParaRPr lang="en-JP"/>
           </a:p>
@@ -3739,7 +3739,7 @@
           <a:p>
             <a:fld id="{9E0C3DDA-75D5-FE45-B27F-09B23348A3CF}" type="datetime1">
               <a:rPr lang="en-US" smtClean="0"/>
-              <a:t>5/27/24</a:t>
+              <a:t>5/28/24</a:t>
             </a:fld>
             <a:endParaRPr lang="en-JP"/>
           </a:p>
@@ -4154,7 +4154,7 @@
           <a:p>
             <a:fld id="{91B16E66-205B-D348-AF09-8C13DA8BDFF9}" type="datetime1">
               <a:rPr lang="en-US" smtClean="0"/>
-              <a:t>5/27/24</a:t>
+              <a:t>5/28/24</a:t>
             </a:fld>
             <a:endParaRPr lang="en-JP"/>
           </a:p>
@@ -4296,7 +4296,7 @@
           <a:p>
             <a:fld id="{222CE9F2-560E-4648-82A4-0C4186C23AAC}" type="datetime1">
               <a:rPr lang="en-US" smtClean="0"/>
-              <a:t>5/27/24</a:t>
+              <a:t>5/28/24</a:t>
             </a:fld>
             <a:endParaRPr lang="en-JP"/>
           </a:p>
@@ -4409,7 +4409,7 @@
           <a:p>
             <a:fld id="{2914F908-ED62-3949-B616-21C7C363772F}" type="datetime1">
               <a:rPr lang="en-US" smtClean="0"/>
-              <a:t>5/27/24</a:t>
+              <a:t>5/28/24</a:t>
             </a:fld>
             <a:endParaRPr lang="en-JP"/>
           </a:p>
@@ -4722,7 +4722,7 @@
           <a:p>
             <a:fld id="{8280A505-8893-D540-9413-F8B9ED1E178A}" type="datetime1">
               <a:rPr lang="en-US" smtClean="0"/>
-              <a:t>5/27/24</a:t>
+              <a:t>5/28/24</a:t>
             </a:fld>
             <a:endParaRPr lang="en-JP"/>
           </a:p>
@@ -5011,7 +5011,7 @@
           <a:p>
             <a:fld id="{40CD7CE6-B77F-5744-9AB9-6E4139649818}" type="datetime1">
               <a:rPr lang="en-US" smtClean="0"/>
-              <a:t>5/27/24</a:t>
+              <a:t>5/28/24</a:t>
             </a:fld>
             <a:endParaRPr lang="en-JP"/>
           </a:p>
@@ -5254,7 +5254,7 @@
           <a:p>
             <a:fld id="{DC28B759-A9A1-7B41-B30F-900953345635}" type="datetime1">
               <a:rPr lang="en-US" smtClean="0"/>
-              <a:t>5/27/24</a:t>
+              <a:t>5/28/24</a:t>
             </a:fld>
             <a:endParaRPr lang="en-JP"/>
           </a:p>
@@ -6417,8 +6417,8 @@
           </a:p>
         </p:txBody>
       </p:sp>
-      <mc:AlternateContent xmlns:mc="http://schemas.openxmlformats.org/markup-compatibility/2006">
-        <mc:Choice xmlns:p14="http://schemas.microsoft.com/office/powerpoint/2010/main" Requires="p14">
+      <mc:AlternateContent xmlns:mc="http://schemas.openxmlformats.org/markup-compatibility/2006" xmlns:p14="http://schemas.microsoft.com/office/powerpoint/2010/main">
+        <mc:Choice Requires="p14">
           <p:contentPart p14:bwMode="auto" r:id="rId3">
             <p14:nvContentPartPr>
               <p14:cNvPr id="5" name="Ink 4">
@@ -6437,7 +6437,7 @@
             </p14:xfrm>
           </p:contentPart>
         </mc:Choice>
-        <mc:Fallback>
+        <mc:Fallback xmlns="">
           <p:pic>
             <p:nvPicPr>
               <p:cNvPr id="5" name="Ink 4">
@@ -6468,8 +6468,8 @@
           </p:pic>
         </mc:Fallback>
       </mc:AlternateContent>
-      <mc:AlternateContent xmlns:mc="http://schemas.openxmlformats.org/markup-compatibility/2006">
-        <mc:Choice xmlns:p14="http://schemas.microsoft.com/office/powerpoint/2010/main" Requires="p14">
+      <mc:AlternateContent xmlns:mc="http://schemas.openxmlformats.org/markup-compatibility/2006" xmlns:p14="http://schemas.microsoft.com/office/powerpoint/2010/main">
+        <mc:Choice Requires="p14">
           <p:contentPart p14:bwMode="auto" r:id="rId5">
             <p14:nvContentPartPr>
               <p14:cNvPr id="6" name="Ink 5">
@@ -6488,7 +6488,7 @@
             </p14:xfrm>
           </p:contentPart>
         </mc:Choice>
-        <mc:Fallback>
+        <mc:Fallback xmlns="">
           <p:pic>
             <p:nvPicPr>
               <p:cNvPr id="6" name="Ink 5">
@@ -6519,8 +6519,8 @@
           </p:pic>
         </mc:Fallback>
       </mc:AlternateContent>
-      <mc:AlternateContent xmlns:mc="http://schemas.openxmlformats.org/markup-compatibility/2006">
-        <mc:Choice xmlns:p14="http://schemas.microsoft.com/office/powerpoint/2010/main" Requires="p14">
+      <mc:AlternateContent xmlns:mc="http://schemas.openxmlformats.org/markup-compatibility/2006" xmlns:p14="http://schemas.microsoft.com/office/powerpoint/2010/main">
+        <mc:Choice Requires="p14">
           <p:contentPart p14:bwMode="auto" r:id="rId7">
             <p14:nvContentPartPr>
               <p14:cNvPr id="7" name="Ink 6">
@@ -6539,7 +6539,7 @@
             </p14:xfrm>
           </p:contentPart>
         </mc:Choice>
-        <mc:Fallback>
+        <mc:Fallback xmlns="">
           <p:pic>
             <p:nvPicPr>
               <p:cNvPr id="7" name="Ink 6">
@@ -6570,8 +6570,8 @@
           </p:pic>
         </mc:Fallback>
       </mc:AlternateContent>
-      <mc:AlternateContent xmlns:mc="http://schemas.openxmlformats.org/markup-compatibility/2006">
-        <mc:Choice xmlns:p14="http://schemas.microsoft.com/office/powerpoint/2010/main" Requires="p14">
+      <mc:AlternateContent xmlns:mc="http://schemas.openxmlformats.org/markup-compatibility/2006" xmlns:p14="http://schemas.microsoft.com/office/powerpoint/2010/main">
+        <mc:Choice Requires="p14">
           <p:contentPart p14:bwMode="auto" r:id="rId9">
             <p14:nvContentPartPr>
               <p14:cNvPr id="8" name="Ink 7">
@@ -6590,7 +6590,7 @@
             </p14:xfrm>
           </p:contentPart>
         </mc:Choice>
-        <mc:Fallback>
+        <mc:Fallback xmlns="">
           <p:pic>
             <p:nvPicPr>
               <p:cNvPr id="8" name="Ink 7">
@@ -6621,8 +6621,8 @@
           </p:pic>
         </mc:Fallback>
       </mc:AlternateContent>
-      <mc:AlternateContent xmlns:mc="http://schemas.openxmlformats.org/markup-compatibility/2006">
-        <mc:Choice xmlns:p14="http://schemas.microsoft.com/office/powerpoint/2010/main" Requires="p14">
+      <mc:AlternateContent xmlns:mc="http://schemas.openxmlformats.org/markup-compatibility/2006" xmlns:p14="http://schemas.microsoft.com/office/powerpoint/2010/main">
+        <mc:Choice Requires="p14">
           <p:contentPart p14:bwMode="auto" r:id="rId11">
             <p14:nvContentPartPr>
               <p14:cNvPr id="9" name="Ink 8">
@@ -6641,7 +6641,7 @@
             </p14:xfrm>
           </p:contentPart>
         </mc:Choice>
-        <mc:Fallback>
+        <mc:Fallback xmlns="">
           <p:pic>
             <p:nvPicPr>
               <p:cNvPr id="9" name="Ink 8">
@@ -6761,8 +6761,8 @@
           </a:prstGeom>
         </p:spPr>
       </p:pic>
-      <mc:AlternateContent xmlns:mc="http://schemas.openxmlformats.org/markup-compatibility/2006">
-        <mc:Choice xmlns:p14="http://schemas.microsoft.com/office/powerpoint/2010/main" Requires="p14">
+      <mc:AlternateContent xmlns:mc="http://schemas.openxmlformats.org/markup-compatibility/2006" xmlns:p14="http://schemas.microsoft.com/office/powerpoint/2010/main">
+        <mc:Choice Requires="p14">
           <p:contentPart p14:bwMode="auto" r:id="rId3">
             <p14:nvContentPartPr>
               <p14:cNvPr id="6" name="Ink 5">
@@ -6781,7 +6781,7 @@
             </p14:xfrm>
           </p:contentPart>
         </mc:Choice>
-        <mc:Fallback>
+        <mc:Fallback xmlns="">
           <p:pic>
             <p:nvPicPr>
               <p:cNvPr id="6" name="Ink 5">
@@ -6812,8 +6812,8 @@
           </p:pic>
         </mc:Fallback>
       </mc:AlternateContent>
-      <mc:AlternateContent xmlns:mc="http://schemas.openxmlformats.org/markup-compatibility/2006">
-        <mc:Choice xmlns:p14="http://schemas.microsoft.com/office/powerpoint/2010/main" Requires="p14">
+      <mc:AlternateContent xmlns:mc="http://schemas.openxmlformats.org/markup-compatibility/2006" xmlns:p14="http://schemas.microsoft.com/office/powerpoint/2010/main">
+        <mc:Choice Requires="p14">
           <p:contentPart p14:bwMode="auto" r:id="rId5">
             <p14:nvContentPartPr>
               <p14:cNvPr id="7" name="Ink 6">
@@ -6832,7 +6832,7 @@
             </p14:xfrm>
           </p:contentPart>
         </mc:Choice>
-        <mc:Fallback>
+        <mc:Fallback xmlns="">
           <p:pic>
             <p:nvPicPr>
               <p:cNvPr id="7" name="Ink 6">
@@ -6898,8 +6898,8 @@
           </a:p>
         </p:txBody>
       </p:sp>
-      <mc:AlternateContent xmlns:mc="http://schemas.openxmlformats.org/markup-compatibility/2006">
-        <mc:Choice xmlns:p14="http://schemas.microsoft.com/office/powerpoint/2010/main" Requires="p14">
+      <mc:AlternateContent xmlns:mc="http://schemas.openxmlformats.org/markup-compatibility/2006" xmlns:p14="http://schemas.microsoft.com/office/powerpoint/2010/main">
+        <mc:Choice Requires="p14">
           <p:contentPart p14:bwMode="auto" r:id="rId7">
             <p14:nvContentPartPr>
               <p14:cNvPr id="9" name="Ink 8">
@@ -6918,7 +6918,7 @@
             </p14:xfrm>
           </p:contentPart>
         </mc:Choice>
-        <mc:Fallback>
+        <mc:Fallback xmlns="">
           <p:pic>
             <p:nvPicPr>
               <p:cNvPr id="9" name="Ink 8">
@@ -6949,8 +6949,8 @@
           </p:pic>
         </mc:Fallback>
       </mc:AlternateContent>
-      <mc:AlternateContent xmlns:mc="http://schemas.openxmlformats.org/markup-compatibility/2006">
-        <mc:Choice xmlns:p14="http://schemas.microsoft.com/office/powerpoint/2010/main" Requires="p14">
+      <mc:AlternateContent xmlns:mc="http://schemas.openxmlformats.org/markup-compatibility/2006" xmlns:p14="http://schemas.microsoft.com/office/powerpoint/2010/main">
+        <mc:Choice Requires="p14">
           <p:contentPart p14:bwMode="auto" r:id="rId9">
             <p14:nvContentPartPr>
               <p14:cNvPr id="10" name="Ink 9">
@@ -6969,7 +6969,7 @@
             </p14:xfrm>
           </p:contentPart>
         </mc:Choice>
-        <mc:Fallback>
+        <mc:Fallback xmlns="">
           <p:pic>
             <p:nvPicPr>
               <p:cNvPr id="10" name="Ink 9">
@@ -7000,8 +7000,8 @@
           </p:pic>
         </mc:Fallback>
       </mc:AlternateContent>
-      <mc:AlternateContent xmlns:mc="http://schemas.openxmlformats.org/markup-compatibility/2006">
-        <mc:Choice xmlns:p14="http://schemas.microsoft.com/office/powerpoint/2010/main" Requires="p14">
+      <mc:AlternateContent xmlns:mc="http://schemas.openxmlformats.org/markup-compatibility/2006" xmlns:p14="http://schemas.microsoft.com/office/powerpoint/2010/main">
+        <mc:Choice Requires="p14">
           <p:contentPart p14:bwMode="auto" r:id="rId11">
             <p14:nvContentPartPr>
               <p14:cNvPr id="11" name="Ink 10">
@@ -7020,7 +7020,7 @@
             </p14:xfrm>
           </p:contentPart>
         </mc:Choice>
-        <mc:Fallback>
+        <mc:Fallback xmlns="">
           <p:pic>
             <p:nvPicPr>
               <p:cNvPr id="11" name="Ink 10">
@@ -7051,8 +7051,8 @@
           </p:pic>
         </mc:Fallback>
       </mc:AlternateContent>
-      <mc:AlternateContent xmlns:mc="http://schemas.openxmlformats.org/markup-compatibility/2006">
-        <mc:Choice xmlns:p14="http://schemas.microsoft.com/office/powerpoint/2010/main" Requires="p14">
+      <mc:AlternateContent xmlns:mc="http://schemas.openxmlformats.org/markup-compatibility/2006" xmlns:p14="http://schemas.microsoft.com/office/powerpoint/2010/main">
+        <mc:Choice Requires="p14">
           <p:contentPart p14:bwMode="auto" r:id="rId13">
             <p14:nvContentPartPr>
               <p14:cNvPr id="12" name="Ink 11">
@@ -7071,7 +7071,7 @@
             </p14:xfrm>
           </p:contentPart>
         </mc:Choice>
-        <mc:Fallback>
+        <mc:Fallback xmlns="">
           <p:pic>
             <p:nvPicPr>
               <p:cNvPr id="12" name="Ink 11">
@@ -7137,8 +7137,8 @@
           </a:p>
         </p:txBody>
       </p:sp>
-      <mc:AlternateContent xmlns:mc="http://schemas.openxmlformats.org/markup-compatibility/2006">
-        <mc:Choice xmlns:p14="http://schemas.microsoft.com/office/powerpoint/2010/main" Requires="p14">
+      <mc:AlternateContent xmlns:mc="http://schemas.openxmlformats.org/markup-compatibility/2006" xmlns:p14="http://schemas.microsoft.com/office/powerpoint/2010/main">
+        <mc:Choice Requires="p14">
           <p:contentPart p14:bwMode="auto" r:id="rId15">
             <p14:nvContentPartPr>
               <p14:cNvPr id="15" name="Ink 14">
@@ -7157,7 +7157,7 @@
             </p14:xfrm>
           </p:contentPart>
         </mc:Choice>
-        <mc:Fallback>
+        <mc:Fallback xmlns="">
           <p:pic>
             <p:nvPicPr>
               <p:cNvPr id="15" name="Ink 14">
@@ -7192,10 +7192,10 @@
         <mc:Choice xmlns:p14="http://schemas.microsoft.com/office/powerpoint/2010/main" Requires="p14">
           <p:contentPart p14:bwMode="auto" r:id="rId17">
             <p14:nvContentPartPr>
-              <p14:cNvPr id="16" name="Ink 15">
+              <p14:cNvPr id="5" name="Ink 4">
                 <a:extLst>
                   <a:ext uri="{FF2B5EF4-FFF2-40B4-BE49-F238E27FC236}">
-                    <a16:creationId xmlns:a16="http://schemas.microsoft.com/office/drawing/2014/main" id="{82CED572-71BD-79B9-8E45-D93A08DCFC11}"/>
+                    <a16:creationId xmlns:a16="http://schemas.microsoft.com/office/drawing/2014/main" id="{467D8F4A-4753-6B23-9835-2B063D779EDA}"/>
                   </a:ext>
                 </a:extLst>
               </p14:cNvPr>
@@ -7203,18 +7203,18 @@
               <p14:nvPr/>
             </p14:nvContentPartPr>
             <p14:xfrm>
-              <a:off x="5754983" y="3996832"/>
-              <a:ext cx="3453480" cy="137160"/>
+              <a:off x="5820143" y="4012312"/>
+              <a:ext cx="2651400" cy="126360"/>
             </p14:xfrm>
           </p:contentPart>
         </mc:Choice>
         <mc:Fallback>
           <p:pic>
             <p:nvPicPr>
-              <p:cNvPr id="16" name="Ink 15">
+              <p:cNvPr id="5" name="Ink 4">
                 <a:extLst>
                   <a:ext uri="{FF2B5EF4-FFF2-40B4-BE49-F238E27FC236}">
-                    <a16:creationId xmlns:a16="http://schemas.microsoft.com/office/drawing/2014/main" id="{82CED572-71BD-79B9-8E45-D93A08DCFC11}"/>
+                    <a16:creationId xmlns:a16="http://schemas.microsoft.com/office/drawing/2014/main" id="{467D8F4A-4753-6B23-9835-2B063D779EDA}"/>
                   </a:ext>
                 </a:extLst>
               </p:cNvPr>
@@ -7229,8 +7229,8 @@
             </p:blipFill>
             <p:spPr>
               <a:xfrm>
-                <a:off x="5718983" y="3924832"/>
-                <a:ext cx="3525120" cy="280800"/>
+                <a:off x="5784143" y="3940312"/>
+                <a:ext cx="2723040" cy="270000"/>
               </a:xfrm>
               <a:prstGeom prst="rect">
                 <a:avLst/>
@@ -7941,8 +7941,8 @@
           </a:p>
         </p:txBody>
       </p:sp>
-      <mc:AlternateContent xmlns:mc="http://schemas.openxmlformats.org/markup-compatibility/2006">
-        <mc:Choice xmlns:p14="http://schemas.microsoft.com/office/powerpoint/2010/main" Requires="p14">
+      <mc:AlternateContent xmlns:mc="http://schemas.openxmlformats.org/markup-compatibility/2006" xmlns:p14="http://schemas.microsoft.com/office/powerpoint/2010/main">
+        <mc:Choice Requires="p14">
           <p:contentPart p14:bwMode="auto" r:id="rId3">
             <p14:nvContentPartPr>
               <p14:cNvPr id="5" name="Ink 4">
@@ -7961,7 +7961,7 @@
             </p14:xfrm>
           </p:contentPart>
         </mc:Choice>
-        <mc:Fallback>
+        <mc:Fallback xmlns="">
           <p:pic>
             <p:nvPicPr>
               <p:cNvPr id="5" name="Ink 4">
@@ -7992,8 +7992,8 @@
           </p:pic>
         </mc:Fallback>
       </mc:AlternateContent>
-      <mc:AlternateContent xmlns:mc="http://schemas.openxmlformats.org/markup-compatibility/2006">
-        <mc:Choice xmlns:p14="http://schemas.microsoft.com/office/powerpoint/2010/main" Requires="p14">
+      <mc:AlternateContent xmlns:mc="http://schemas.openxmlformats.org/markup-compatibility/2006" xmlns:p14="http://schemas.microsoft.com/office/powerpoint/2010/main">
+        <mc:Choice Requires="p14">
           <p:contentPart p14:bwMode="auto" r:id="rId5">
             <p14:nvContentPartPr>
               <p14:cNvPr id="6" name="Ink 5">
@@ -8012,7 +8012,7 @@
             </p14:xfrm>
           </p:contentPart>
         </mc:Choice>
-        <mc:Fallback>
+        <mc:Fallback xmlns="">
           <p:pic>
             <p:nvPicPr>
               <p:cNvPr id="6" name="Ink 5">
@@ -8043,8 +8043,8 @@
           </p:pic>
         </mc:Fallback>
       </mc:AlternateContent>
-      <mc:AlternateContent xmlns:mc="http://schemas.openxmlformats.org/markup-compatibility/2006">
-        <mc:Choice xmlns:p14="http://schemas.microsoft.com/office/powerpoint/2010/main" Requires="p14">
+      <mc:AlternateContent xmlns:mc="http://schemas.openxmlformats.org/markup-compatibility/2006" xmlns:p14="http://schemas.microsoft.com/office/powerpoint/2010/main">
+        <mc:Choice Requires="p14">
           <p:contentPart p14:bwMode="auto" r:id="rId7">
             <p14:nvContentPartPr>
               <p14:cNvPr id="7" name="Ink 6">
@@ -8063,7 +8063,7 @@
             </p14:xfrm>
           </p:contentPart>
         </mc:Choice>
-        <mc:Fallback>
+        <mc:Fallback xmlns="">
           <p:pic>
             <p:nvPicPr>
               <p:cNvPr id="7" name="Ink 6">
@@ -8094,8 +8094,8 @@
           </p:pic>
         </mc:Fallback>
       </mc:AlternateContent>
-      <mc:AlternateContent xmlns:mc="http://schemas.openxmlformats.org/markup-compatibility/2006">
-        <mc:Choice xmlns:p14="http://schemas.microsoft.com/office/powerpoint/2010/main" Requires="p14">
+      <mc:AlternateContent xmlns:mc="http://schemas.openxmlformats.org/markup-compatibility/2006" xmlns:p14="http://schemas.microsoft.com/office/powerpoint/2010/main">
+        <mc:Choice Requires="p14">
           <p:contentPart p14:bwMode="auto" r:id="rId9">
             <p14:nvContentPartPr>
               <p14:cNvPr id="8" name="Ink 7">
@@ -8114,7 +8114,7 @@
             </p14:xfrm>
           </p:contentPart>
         </mc:Choice>
-        <mc:Fallback>
+        <mc:Fallback xmlns="">
           <p:pic>
             <p:nvPicPr>
               <p:cNvPr id="8" name="Ink 7">
@@ -8145,8 +8145,8 @@
           </p:pic>
         </mc:Fallback>
       </mc:AlternateContent>
-      <mc:AlternateContent xmlns:mc="http://schemas.openxmlformats.org/markup-compatibility/2006">
-        <mc:Choice xmlns:p14="http://schemas.microsoft.com/office/powerpoint/2010/main" Requires="p14">
+      <mc:AlternateContent xmlns:mc="http://schemas.openxmlformats.org/markup-compatibility/2006" xmlns:p14="http://schemas.microsoft.com/office/powerpoint/2010/main">
+        <mc:Choice Requires="p14">
           <p:contentPart p14:bwMode="auto" r:id="rId11">
             <p14:nvContentPartPr>
               <p14:cNvPr id="9" name="Ink 8">
@@ -8165,7 +8165,7 @@
             </p14:xfrm>
           </p:contentPart>
         </mc:Choice>
-        <mc:Fallback>
+        <mc:Fallback xmlns="">
           <p:pic>
             <p:nvPicPr>
               <p:cNvPr id="9" name="Ink 8">
@@ -8196,8 +8196,8 @@
           </p:pic>
         </mc:Fallback>
       </mc:AlternateContent>
-      <mc:AlternateContent xmlns:mc="http://schemas.openxmlformats.org/markup-compatibility/2006">
-        <mc:Choice xmlns:p14="http://schemas.microsoft.com/office/powerpoint/2010/main" Requires="p14">
+      <mc:AlternateContent xmlns:mc="http://schemas.openxmlformats.org/markup-compatibility/2006" xmlns:p14="http://schemas.microsoft.com/office/powerpoint/2010/main">
+        <mc:Choice Requires="p14">
           <p:contentPart p14:bwMode="auto" r:id="rId13">
             <p14:nvContentPartPr>
               <p14:cNvPr id="10" name="Ink 9">
@@ -8216,7 +8216,7 @@
             </p14:xfrm>
           </p:contentPart>
         </mc:Choice>
-        <mc:Fallback>
+        <mc:Fallback xmlns="">
           <p:pic>
             <p:nvPicPr>
               <p:cNvPr id="10" name="Ink 9">
@@ -8336,8 +8336,8 @@
           </a:prstGeom>
         </p:spPr>
       </p:pic>
-      <mc:AlternateContent xmlns:mc="http://schemas.openxmlformats.org/markup-compatibility/2006">
-        <mc:Choice xmlns:p14="http://schemas.microsoft.com/office/powerpoint/2010/main" Requires="p14">
+      <mc:AlternateContent xmlns:mc="http://schemas.openxmlformats.org/markup-compatibility/2006" xmlns:p14="http://schemas.microsoft.com/office/powerpoint/2010/main">
+        <mc:Choice Requires="p14">
           <p:contentPart p14:bwMode="auto" r:id="rId3">
             <p14:nvContentPartPr>
               <p14:cNvPr id="6" name="Ink 5">
@@ -8356,7 +8356,7 @@
             </p14:xfrm>
           </p:contentPart>
         </mc:Choice>
-        <mc:Fallback>
+        <mc:Fallback xmlns="">
           <p:pic>
             <p:nvPicPr>
               <p:cNvPr id="6" name="Ink 5">
@@ -8387,8 +8387,8 @@
           </p:pic>
         </mc:Fallback>
       </mc:AlternateContent>
-      <mc:AlternateContent xmlns:mc="http://schemas.openxmlformats.org/markup-compatibility/2006">
-        <mc:Choice xmlns:p14="http://schemas.microsoft.com/office/powerpoint/2010/main" Requires="p14">
+      <mc:AlternateContent xmlns:mc="http://schemas.openxmlformats.org/markup-compatibility/2006" xmlns:p14="http://schemas.microsoft.com/office/powerpoint/2010/main">
+        <mc:Choice Requires="p14">
           <p:contentPart p14:bwMode="auto" r:id="rId5">
             <p14:nvContentPartPr>
               <p14:cNvPr id="7" name="Ink 6">
@@ -8407,7 +8407,7 @@
             </p14:xfrm>
           </p:contentPart>
         </mc:Choice>
-        <mc:Fallback>
+        <mc:Fallback xmlns="">
           <p:pic>
             <p:nvPicPr>
               <p:cNvPr id="7" name="Ink 6">
@@ -8438,8 +8438,8 @@
           </p:pic>
         </mc:Fallback>
       </mc:AlternateContent>
-      <mc:AlternateContent xmlns:mc="http://schemas.openxmlformats.org/markup-compatibility/2006">
-        <mc:Choice xmlns:p14="http://schemas.microsoft.com/office/powerpoint/2010/main" Requires="p14">
+      <mc:AlternateContent xmlns:mc="http://schemas.openxmlformats.org/markup-compatibility/2006" xmlns:p14="http://schemas.microsoft.com/office/powerpoint/2010/main">
+        <mc:Choice Requires="p14">
           <p:contentPart p14:bwMode="auto" r:id="rId7">
             <p14:nvContentPartPr>
               <p14:cNvPr id="8" name="Ink 7">
@@ -8458,7 +8458,7 @@
             </p14:xfrm>
           </p:contentPart>
         </mc:Choice>
-        <mc:Fallback>
+        <mc:Fallback xmlns="">
           <p:pic>
             <p:nvPicPr>
               <p:cNvPr id="8" name="Ink 7">
@@ -8489,8 +8489,8 @@
           </p:pic>
         </mc:Fallback>
       </mc:AlternateContent>
-      <mc:AlternateContent xmlns:mc="http://schemas.openxmlformats.org/markup-compatibility/2006">
-        <mc:Choice xmlns:p14="http://schemas.microsoft.com/office/powerpoint/2010/main" Requires="p14">
+      <mc:AlternateContent xmlns:mc="http://schemas.openxmlformats.org/markup-compatibility/2006" xmlns:p14="http://schemas.microsoft.com/office/powerpoint/2010/main">
+        <mc:Choice Requires="p14">
           <p:contentPart p14:bwMode="auto" r:id="rId9">
             <p14:nvContentPartPr>
               <p14:cNvPr id="9" name="Ink 8">
@@ -8509,7 +8509,7 @@
             </p14:xfrm>
           </p:contentPart>
         </mc:Choice>
-        <mc:Fallback>
+        <mc:Fallback xmlns="">
           <p:pic>
             <p:nvPicPr>
               <p:cNvPr id="9" name="Ink 8">
@@ -8540,8 +8540,8 @@
           </p:pic>
         </mc:Fallback>
       </mc:AlternateContent>
-      <mc:AlternateContent xmlns:mc="http://schemas.openxmlformats.org/markup-compatibility/2006">
-        <mc:Choice xmlns:p14="http://schemas.microsoft.com/office/powerpoint/2010/main" Requires="p14">
+      <mc:AlternateContent xmlns:mc="http://schemas.openxmlformats.org/markup-compatibility/2006" xmlns:p14="http://schemas.microsoft.com/office/powerpoint/2010/main">
+        <mc:Choice Requires="p14">
           <p:contentPart p14:bwMode="auto" r:id="rId11">
             <p14:nvContentPartPr>
               <p14:cNvPr id="10" name="Ink 9">
@@ -8560,7 +8560,7 @@
             </p14:xfrm>
           </p:contentPart>
         </mc:Choice>
-        <mc:Fallback>
+        <mc:Fallback xmlns="">
           <p:pic>
             <p:nvPicPr>
               <p:cNvPr id="10" name="Ink 9">
@@ -8916,8 +8916,8 @@
           </a:prstGeom>
         </p:spPr>
       </p:pic>
-      <mc:AlternateContent xmlns:mc="http://schemas.openxmlformats.org/markup-compatibility/2006">
-        <mc:Choice xmlns:p14="http://schemas.microsoft.com/office/powerpoint/2010/main" Requires="p14">
+      <mc:AlternateContent xmlns:mc="http://schemas.openxmlformats.org/markup-compatibility/2006" xmlns:p14="http://schemas.microsoft.com/office/powerpoint/2010/main">
+        <mc:Choice Requires="p14">
           <p:contentPart p14:bwMode="auto" r:id="rId3">
             <p14:nvContentPartPr>
               <p14:cNvPr id="5" name="Ink 4">
@@ -8936,7 +8936,7 @@
             </p14:xfrm>
           </p:contentPart>
         </mc:Choice>
-        <mc:Fallback>
+        <mc:Fallback xmlns="">
           <p:pic>
             <p:nvPicPr>
               <p:cNvPr id="5" name="Ink 4">
@@ -8967,8 +8967,8 @@
           </p:pic>
         </mc:Fallback>
       </mc:AlternateContent>
-      <mc:AlternateContent xmlns:mc="http://schemas.openxmlformats.org/markup-compatibility/2006">
-        <mc:Choice xmlns:p14="http://schemas.microsoft.com/office/powerpoint/2010/main" Requires="p14">
+      <mc:AlternateContent xmlns:mc="http://schemas.openxmlformats.org/markup-compatibility/2006" xmlns:p14="http://schemas.microsoft.com/office/powerpoint/2010/main">
+        <mc:Choice Requires="p14">
           <p:contentPart p14:bwMode="auto" r:id="rId5">
             <p14:nvContentPartPr>
               <p14:cNvPr id="6" name="Ink 5">
@@ -8987,7 +8987,7 @@
             </p14:xfrm>
           </p:contentPart>
         </mc:Choice>
-        <mc:Fallback>
+        <mc:Fallback xmlns="">
           <p:pic>
             <p:nvPicPr>
               <p:cNvPr id="6" name="Ink 5">
@@ -9018,8 +9018,8 @@
           </p:pic>
         </mc:Fallback>
       </mc:AlternateContent>
-      <mc:AlternateContent xmlns:mc="http://schemas.openxmlformats.org/markup-compatibility/2006">
-        <mc:Choice xmlns:p14="http://schemas.microsoft.com/office/powerpoint/2010/main" Requires="p14">
+      <mc:AlternateContent xmlns:mc="http://schemas.openxmlformats.org/markup-compatibility/2006" xmlns:p14="http://schemas.microsoft.com/office/powerpoint/2010/main">
+        <mc:Choice Requires="p14">
           <p:contentPart p14:bwMode="auto" r:id="rId7">
             <p14:nvContentPartPr>
               <p14:cNvPr id="7" name="Ink 6">
@@ -9038,7 +9038,7 @@
             </p14:xfrm>
           </p:contentPart>
         </mc:Choice>
-        <mc:Fallback>
+        <mc:Fallback xmlns="">
           <p:pic>
             <p:nvPicPr>
               <p:cNvPr id="7" name="Ink 6">
@@ -9069,8 +9069,8 @@
           </p:pic>
         </mc:Fallback>
       </mc:AlternateContent>
-      <mc:AlternateContent xmlns:mc="http://schemas.openxmlformats.org/markup-compatibility/2006">
-        <mc:Choice xmlns:p14="http://schemas.microsoft.com/office/powerpoint/2010/main" Requires="p14">
+      <mc:AlternateContent xmlns:mc="http://schemas.openxmlformats.org/markup-compatibility/2006" xmlns:p14="http://schemas.microsoft.com/office/powerpoint/2010/main">
+        <mc:Choice Requires="p14">
           <p:contentPart p14:bwMode="auto" r:id="rId9">
             <p14:nvContentPartPr>
               <p14:cNvPr id="8" name="Ink 7">
@@ -9089,7 +9089,7 @@
             </p14:xfrm>
           </p:contentPart>
         </mc:Choice>
-        <mc:Fallback>
+        <mc:Fallback xmlns="">
           <p:pic>
             <p:nvPicPr>
               <p:cNvPr id="8" name="Ink 7">
@@ -9120,8 +9120,8 @@
           </p:pic>
         </mc:Fallback>
       </mc:AlternateContent>
-      <mc:AlternateContent xmlns:mc="http://schemas.openxmlformats.org/markup-compatibility/2006">
-        <mc:Choice xmlns:p14="http://schemas.microsoft.com/office/powerpoint/2010/main" Requires="p14">
+      <mc:AlternateContent xmlns:mc="http://schemas.openxmlformats.org/markup-compatibility/2006" xmlns:p14="http://schemas.microsoft.com/office/powerpoint/2010/main">
+        <mc:Choice Requires="p14">
           <p:contentPart p14:bwMode="auto" r:id="rId11">
             <p14:nvContentPartPr>
               <p14:cNvPr id="9" name="Ink 8">
@@ -9140,7 +9140,7 @@
             </p14:xfrm>
           </p:contentPart>
         </mc:Choice>
-        <mc:Fallback>
+        <mc:Fallback xmlns="">
           <p:pic>
             <p:nvPicPr>
               <p:cNvPr id="9" name="Ink 8">
@@ -9171,8 +9171,8 @@
           </p:pic>
         </mc:Fallback>
       </mc:AlternateContent>
-      <mc:AlternateContent xmlns:mc="http://schemas.openxmlformats.org/markup-compatibility/2006">
-        <mc:Choice xmlns:p14="http://schemas.microsoft.com/office/powerpoint/2010/main" Requires="p14">
+      <mc:AlternateContent xmlns:mc="http://schemas.openxmlformats.org/markup-compatibility/2006" xmlns:p14="http://schemas.microsoft.com/office/powerpoint/2010/main">
+        <mc:Choice Requires="p14">
           <p:contentPart p14:bwMode="auto" r:id="rId13">
             <p14:nvContentPartPr>
               <p14:cNvPr id="10" name="Ink 9">
@@ -9191,7 +9191,7 @@
             </p14:xfrm>
           </p:contentPart>
         </mc:Choice>
-        <mc:Fallback>
+        <mc:Fallback xmlns="">
           <p:pic>
             <p:nvPicPr>
               <p:cNvPr id="10" name="Ink 9">
@@ -9222,8 +9222,8 @@
           </p:pic>
         </mc:Fallback>
       </mc:AlternateContent>
-      <mc:AlternateContent xmlns:mc="http://schemas.openxmlformats.org/markup-compatibility/2006">
-        <mc:Choice xmlns:p14="http://schemas.microsoft.com/office/powerpoint/2010/main" Requires="p14">
+      <mc:AlternateContent xmlns:mc="http://schemas.openxmlformats.org/markup-compatibility/2006" xmlns:p14="http://schemas.microsoft.com/office/powerpoint/2010/main">
+        <mc:Choice Requires="p14">
           <p:contentPart p14:bwMode="auto" r:id="rId15">
             <p14:nvContentPartPr>
               <p14:cNvPr id="11" name="Ink 10">
@@ -9242,7 +9242,7 @@
             </p14:xfrm>
           </p:contentPart>
         </mc:Choice>
-        <mc:Fallback>
+        <mc:Fallback xmlns="">
           <p:pic>
             <p:nvPicPr>
               <p:cNvPr id="11" name="Ink 10">
@@ -9273,8 +9273,8 @@
           </p:pic>
         </mc:Fallback>
       </mc:AlternateContent>
-      <mc:AlternateContent xmlns:mc="http://schemas.openxmlformats.org/markup-compatibility/2006">
-        <mc:Choice xmlns:p14="http://schemas.microsoft.com/office/powerpoint/2010/main" Requires="p14">
+      <mc:AlternateContent xmlns:mc="http://schemas.openxmlformats.org/markup-compatibility/2006" xmlns:p14="http://schemas.microsoft.com/office/powerpoint/2010/main">
+        <mc:Choice Requires="p14">
           <p:contentPart p14:bwMode="auto" r:id="rId17">
             <p14:nvContentPartPr>
               <p14:cNvPr id="12" name="Ink 11">
@@ -9293,7 +9293,7 @@
             </p14:xfrm>
           </p:contentPart>
         </mc:Choice>
-        <mc:Fallback>
+        <mc:Fallback xmlns="">
           <p:pic>
             <p:nvPicPr>
               <p:cNvPr id="12" name="Ink 11">
@@ -11559,8 +11559,8 @@
           </a:p>
         </p:txBody>
       </p:sp>
-      <mc:AlternateContent xmlns:mc="http://schemas.openxmlformats.org/markup-compatibility/2006">
-        <mc:Choice xmlns:a14="http://schemas.microsoft.com/office/drawing/2010/main" Requires="a14">
+      <mc:AlternateContent xmlns:mc="http://schemas.openxmlformats.org/markup-compatibility/2006" xmlns:a14="http://schemas.microsoft.com/office/drawing/2010/main">
+        <mc:Choice Requires="a14">
           <p:sp>
             <p:nvSpPr>
               <p:cNvPr id="3" name="Content Placeholder 2">
@@ -11964,7 +11964,7 @@
             </p:txBody>
           </p:sp>
         </mc:Choice>
-        <mc:Fallback>
+        <mc:Fallback xmlns="">
           <p:sp>
             <p:nvSpPr>
               <p:cNvPr id="3" name="Content Placeholder 2">
@@ -12236,8 +12236,8 @@
           </a:p>
         </p:txBody>
       </p:sp>
-      <mc:AlternateContent xmlns:mc="http://schemas.openxmlformats.org/markup-compatibility/2006" xmlns:a14="http://schemas.microsoft.com/office/drawing/2010/main">
-        <mc:Choice Requires="a14">
+      <mc:AlternateContent xmlns:mc="http://schemas.openxmlformats.org/markup-compatibility/2006">
+        <mc:Choice xmlns:a14="http://schemas.microsoft.com/office/drawing/2010/main" Requires="a14">
           <p:sp>
             <p:nvSpPr>
               <p:cNvPr id="3" name="Content Placeholder 2">
@@ -12507,7 +12507,11 @@
                 </a:r>
                 <a:r>
                   <a:rPr lang="zh-CN" altLang="en-US" dirty="0"/>
-                  <a:t>国際間 </a:t>
+                  <a:t>国</a:t>
+                </a:r>
+                <a:r>
+                  <a:rPr lang="zh-CN" altLang="en-US"/>
+                  <a:t>際間</a:t>
                 </a:r>
                 <a:r>
                   <a:rPr lang="ja-JP" altLang="en-US"/>
@@ -12673,7 +12677,7 @@
             </p:txBody>
           </p:sp>
         </mc:Choice>
-        <mc:Fallback xmlns="">
+        <mc:Fallback>
           <p:sp>
             <p:nvSpPr>
               <p:cNvPr id="3" name="Content Placeholder 2">
@@ -13392,8 +13396,8 @@
           </a:p>
         </p:txBody>
       </p:sp>
-      <mc:AlternateContent xmlns:mc="http://schemas.openxmlformats.org/markup-compatibility/2006">
-        <mc:Choice xmlns:p14="http://schemas.microsoft.com/office/powerpoint/2010/main" Requires="p14">
+      <mc:AlternateContent xmlns:mc="http://schemas.openxmlformats.org/markup-compatibility/2006" xmlns:p14="http://schemas.microsoft.com/office/powerpoint/2010/main">
+        <mc:Choice Requires="p14">
           <p:contentPart p14:bwMode="auto" r:id="rId3">
             <p14:nvContentPartPr>
               <p14:cNvPr id="5" name="Ink 4">
@@ -13412,7 +13416,7 @@
             </p14:xfrm>
           </p:contentPart>
         </mc:Choice>
-        <mc:Fallback>
+        <mc:Fallback xmlns="">
           <p:pic>
             <p:nvPicPr>
               <p:cNvPr id="5" name="Ink 4">
@@ -13443,8 +13447,8 @@
           </p:pic>
         </mc:Fallback>
       </mc:AlternateContent>
-      <mc:AlternateContent xmlns:mc="http://schemas.openxmlformats.org/markup-compatibility/2006">
-        <mc:Choice xmlns:p14="http://schemas.microsoft.com/office/powerpoint/2010/main" Requires="p14">
+      <mc:AlternateContent xmlns:mc="http://schemas.openxmlformats.org/markup-compatibility/2006" xmlns:p14="http://schemas.microsoft.com/office/powerpoint/2010/main">
+        <mc:Choice Requires="p14">
           <p:contentPart p14:bwMode="auto" r:id="rId5">
             <p14:nvContentPartPr>
               <p14:cNvPr id="6" name="Ink 5">
@@ -13463,7 +13467,7 @@
             </p14:xfrm>
           </p:contentPart>
         </mc:Choice>
-        <mc:Fallback>
+        <mc:Fallback xmlns="">
           <p:pic>
             <p:nvPicPr>
               <p:cNvPr id="6" name="Ink 5">
@@ -13494,8 +13498,8 @@
           </p:pic>
         </mc:Fallback>
       </mc:AlternateContent>
-      <mc:AlternateContent xmlns:mc="http://schemas.openxmlformats.org/markup-compatibility/2006">
-        <mc:Choice xmlns:p14="http://schemas.microsoft.com/office/powerpoint/2010/main" Requires="p14">
+      <mc:AlternateContent xmlns:mc="http://schemas.openxmlformats.org/markup-compatibility/2006" xmlns:p14="http://schemas.microsoft.com/office/powerpoint/2010/main">
+        <mc:Choice Requires="p14">
           <p:contentPart p14:bwMode="auto" r:id="rId7">
             <p14:nvContentPartPr>
               <p14:cNvPr id="7" name="Ink 6">
@@ -13514,7 +13518,7 @@
             </p14:xfrm>
           </p:contentPart>
         </mc:Choice>
-        <mc:Fallback>
+        <mc:Fallback xmlns="">
           <p:pic>
             <p:nvPicPr>
               <p:cNvPr id="7" name="Ink 6">
@@ -13545,8 +13549,8 @@
           </p:pic>
         </mc:Fallback>
       </mc:AlternateContent>
-      <mc:AlternateContent xmlns:mc="http://schemas.openxmlformats.org/markup-compatibility/2006">
-        <mc:Choice xmlns:p14="http://schemas.microsoft.com/office/powerpoint/2010/main" Requires="p14">
+      <mc:AlternateContent xmlns:mc="http://schemas.openxmlformats.org/markup-compatibility/2006" xmlns:p14="http://schemas.microsoft.com/office/powerpoint/2010/main">
+        <mc:Choice Requires="p14">
           <p:contentPart p14:bwMode="auto" r:id="rId9">
             <p14:nvContentPartPr>
               <p14:cNvPr id="8" name="Ink 7">
@@ -13565,7 +13569,7 @@
             </p14:xfrm>
           </p:contentPart>
         </mc:Choice>
-        <mc:Fallback>
+        <mc:Fallback xmlns="">
           <p:pic>
             <p:nvPicPr>
               <p:cNvPr id="8" name="Ink 7">
@@ -13596,8 +13600,8 @@
           </p:pic>
         </mc:Fallback>
       </mc:AlternateContent>
-      <mc:AlternateContent xmlns:mc="http://schemas.openxmlformats.org/markup-compatibility/2006">
-        <mc:Choice xmlns:p14="http://schemas.microsoft.com/office/powerpoint/2010/main" Requires="p14">
+      <mc:AlternateContent xmlns:mc="http://schemas.openxmlformats.org/markup-compatibility/2006" xmlns:p14="http://schemas.microsoft.com/office/powerpoint/2010/main">
+        <mc:Choice Requires="p14">
           <p:contentPart p14:bwMode="auto" r:id="rId11">
             <p14:nvContentPartPr>
               <p14:cNvPr id="9" name="Ink 8">
@@ -13616,7 +13620,7 @@
             </p14:xfrm>
           </p:contentPart>
         </mc:Choice>
-        <mc:Fallback>
+        <mc:Fallback xmlns="">
           <p:pic>
             <p:nvPicPr>
               <p:cNvPr id="9" name="Ink 8">
@@ -13647,8 +13651,8 @@
           </p:pic>
         </mc:Fallback>
       </mc:AlternateContent>
-      <mc:AlternateContent xmlns:mc="http://schemas.openxmlformats.org/markup-compatibility/2006">
-        <mc:Choice xmlns:p14="http://schemas.microsoft.com/office/powerpoint/2010/main" Requires="p14">
+      <mc:AlternateContent xmlns:mc="http://schemas.openxmlformats.org/markup-compatibility/2006" xmlns:p14="http://schemas.microsoft.com/office/powerpoint/2010/main">
+        <mc:Choice Requires="p14">
           <p:contentPart p14:bwMode="auto" r:id="rId13">
             <p14:nvContentPartPr>
               <p14:cNvPr id="10" name="Ink 9">
@@ -13667,7 +13671,7 @@
             </p14:xfrm>
           </p:contentPart>
         </mc:Choice>
-        <mc:Fallback>
+        <mc:Fallback xmlns="">
           <p:pic>
             <p:nvPicPr>
               <p:cNvPr id="10" name="Ink 9">
@@ -13698,8 +13702,8 @@
           </p:pic>
         </mc:Fallback>
       </mc:AlternateContent>
-      <mc:AlternateContent xmlns:mc="http://schemas.openxmlformats.org/markup-compatibility/2006">
-        <mc:Choice xmlns:p14="http://schemas.microsoft.com/office/powerpoint/2010/main" Requires="p14">
+      <mc:AlternateContent xmlns:mc="http://schemas.openxmlformats.org/markup-compatibility/2006" xmlns:p14="http://schemas.microsoft.com/office/powerpoint/2010/main">
+        <mc:Choice Requires="p14">
           <p:contentPart p14:bwMode="auto" r:id="rId15">
             <p14:nvContentPartPr>
               <p14:cNvPr id="11" name="Ink 10">
@@ -13718,7 +13722,7 @@
             </p14:xfrm>
           </p:contentPart>
         </mc:Choice>
-        <mc:Fallback>
+        <mc:Fallback xmlns="">
           <p:pic>
             <p:nvPicPr>
               <p:cNvPr id="11" name="Ink 10">
@@ -13749,8 +13753,8 @@
           </p:pic>
         </mc:Fallback>
       </mc:AlternateContent>
-      <mc:AlternateContent xmlns:mc="http://schemas.openxmlformats.org/markup-compatibility/2006">
-        <mc:Choice xmlns:p14="http://schemas.microsoft.com/office/powerpoint/2010/main" Requires="p14">
+      <mc:AlternateContent xmlns:mc="http://schemas.openxmlformats.org/markup-compatibility/2006" xmlns:p14="http://schemas.microsoft.com/office/powerpoint/2010/main">
+        <mc:Choice Requires="p14">
           <p:contentPart p14:bwMode="auto" r:id="rId17">
             <p14:nvContentPartPr>
               <p14:cNvPr id="12" name="Ink 11">
@@ -13769,7 +13773,7 @@
             </p14:xfrm>
           </p:contentPart>
         </mc:Choice>
-        <mc:Fallback>
+        <mc:Fallback xmlns="">
           <p:pic>
             <p:nvPicPr>
               <p:cNvPr id="12" name="Ink 11">
@@ -13800,8 +13804,8 @@
           </p:pic>
         </mc:Fallback>
       </mc:AlternateContent>
-      <mc:AlternateContent xmlns:mc="http://schemas.openxmlformats.org/markup-compatibility/2006">
-        <mc:Choice xmlns:p14="http://schemas.microsoft.com/office/powerpoint/2010/main" Requires="p14">
+      <mc:AlternateContent xmlns:mc="http://schemas.openxmlformats.org/markup-compatibility/2006" xmlns:p14="http://schemas.microsoft.com/office/powerpoint/2010/main">
+        <mc:Choice Requires="p14">
           <p:contentPart p14:bwMode="auto" r:id="rId19">
             <p14:nvContentPartPr>
               <p14:cNvPr id="13" name="Ink 12">
@@ -13820,7 +13824,7 @@
             </p14:xfrm>
           </p:contentPart>
         </mc:Choice>
-        <mc:Fallback>
+        <mc:Fallback xmlns="">
           <p:pic>
             <p:nvPicPr>
               <p:cNvPr id="13" name="Ink 12">
@@ -13851,8 +13855,8 @@
           </p:pic>
         </mc:Fallback>
       </mc:AlternateContent>
-      <mc:AlternateContent xmlns:mc="http://schemas.openxmlformats.org/markup-compatibility/2006">
-        <mc:Choice xmlns:p14="http://schemas.microsoft.com/office/powerpoint/2010/main" Requires="p14">
+      <mc:AlternateContent xmlns:mc="http://schemas.openxmlformats.org/markup-compatibility/2006" xmlns:p14="http://schemas.microsoft.com/office/powerpoint/2010/main">
+        <mc:Choice Requires="p14">
           <p:contentPart p14:bwMode="auto" r:id="rId21">
             <p14:nvContentPartPr>
               <p14:cNvPr id="14" name="Ink 13">
@@ -13871,7 +13875,7 @@
             </p14:xfrm>
           </p:contentPart>
         </mc:Choice>
-        <mc:Fallback>
+        <mc:Fallback xmlns="">
           <p:pic>
             <p:nvPicPr>
               <p:cNvPr id="14" name="Ink 13">
@@ -13902,8 +13906,8 @@
           </p:pic>
         </mc:Fallback>
       </mc:AlternateContent>
-      <mc:AlternateContent xmlns:mc="http://schemas.openxmlformats.org/markup-compatibility/2006">
-        <mc:Choice xmlns:p14="http://schemas.microsoft.com/office/powerpoint/2010/main" Requires="p14">
+      <mc:AlternateContent xmlns:mc="http://schemas.openxmlformats.org/markup-compatibility/2006" xmlns:p14="http://schemas.microsoft.com/office/powerpoint/2010/main">
+        <mc:Choice Requires="p14">
           <p:contentPart p14:bwMode="auto" r:id="rId23">
             <p14:nvContentPartPr>
               <p14:cNvPr id="15" name="Ink 14">
@@ -13922,7 +13926,7 @@
             </p14:xfrm>
           </p:contentPart>
         </mc:Choice>
-        <mc:Fallback>
+        <mc:Fallback xmlns="">
           <p:pic>
             <p:nvPicPr>
               <p:cNvPr id="15" name="Ink 14">
@@ -13953,8 +13957,8 @@
           </p:pic>
         </mc:Fallback>
       </mc:AlternateContent>
-      <mc:AlternateContent xmlns:mc="http://schemas.openxmlformats.org/markup-compatibility/2006">
-        <mc:Choice xmlns:p14="http://schemas.microsoft.com/office/powerpoint/2010/main" Requires="p14">
+      <mc:AlternateContent xmlns:mc="http://schemas.openxmlformats.org/markup-compatibility/2006" xmlns:p14="http://schemas.microsoft.com/office/powerpoint/2010/main">
+        <mc:Choice Requires="p14">
           <p:contentPart p14:bwMode="auto" r:id="rId25">
             <p14:nvContentPartPr>
               <p14:cNvPr id="16" name="Ink 15">
@@ -13973,7 +13977,7 @@
             </p14:xfrm>
           </p:contentPart>
         </mc:Choice>
-        <mc:Fallback>
+        <mc:Fallback xmlns="">
           <p:pic>
             <p:nvPicPr>
               <p:cNvPr id="16" name="Ink 15">
@@ -14744,8 +14748,8 @@
           </a:p>
         </p:txBody>
       </p:sp>
-      <mc:AlternateContent xmlns:mc="http://schemas.openxmlformats.org/markup-compatibility/2006">
-        <mc:Choice xmlns:p14="http://schemas.microsoft.com/office/powerpoint/2010/main" Requires="p14">
+      <mc:AlternateContent xmlns:mc="http://schemas.openxmlformats.org/markup-compatibility/2006" xmlns:p14="http://schemas.microsoft.com/office/powerpoint/2010/main">
+        <mc:Choice Requires="p14">
           <p:contentPart p14:bwMode="auto" r:id="rId2">
             <p14:nvContentPartPr>
               <p14:cNvPr id="19" name="Ink 18">
@@ -14764,7 +14768,7 @@
             </p14:xfrm>
           </p:contentPart>
         </mc:Choice>
-        <mc:Fallback>
+        <mc:Fallback xmlns="">
           <p:pic>
             <p:nvPicPr>
               <p:cNvPr id="19" name="Ink 18">
@@ -14795,8 +14799,8 @@
           </p:pic>
         </mc:Fallback>
       </mc:AlternateContent>
-      <mc:AlternateContent xmlns:mc="http://schemas.openxmlformats.org/markup-compatibility/2006">
-        <mc:Choice xmlns:p14="http://schemas.microsoft.com/office/powerpoint/2010/main" Requires="p14">
+      <mc:AlternateContent xmlns:mc="http://schemas.openxmlformats.org/markup-compatibility/2006" xmlns:p14="http://schemas.microsoft.com/office/powerpoint/2010/main">
+        <mc:Choice Requires="p14">
           <p:contentPart p14:bwMode="auto" r:id="rId4">
             <p14:nvContentPartPr>
               <p14:cNvPr id="20" name="Ink 19">
@@ -14815,7 +14819,7 @@
             </p14:xfrm>
           </p:contentPart>
         </mc:Choice>
-        <mc:Fallback>
+        <mc:Fallback xmlns="">
           <p:pic>
             <p:nvPicPr>
               <p:cNvPr id="20" name="Ink 19">
@@ -20193,23 +20197,7 @@
                                       <a:latin typeface="Cambria Math" panose="02040503050406030204" pitchFamily="18" charset="0"/>
                                       <a:ea typeface="MS Mincho" panose="02020609040205080304" pitchFamily="49" charset="-128"/>
                                     </a:rPr>
-                                    <m:t>企業当</m:t>
-                                  </m:r>
-                                  <m:r>
-                                    <a:rPr lang="ja-JP">
-                                      <a:effectLst/>
-                                      <a:latin typeface="Cambria Math" panose="02040503050406030204" pitchFamily="18" charset="0"/>
-                                      <a:ea typeface="MS Mincho" panose="02020609040205080304" pitchFamily="49" charset="-128"/>
-                                    </a:rPr>
-                                    <m:t>たりの</m:t>
-                                  </m:r>
-                                  <m:r>
-                                    <a:rPr lang="ja-JP">
-                                      <a:effectLst/>
-                                      <a:latin typeface="Cambria Math" panose="02040503050406030204" pitchFamily="18" charset="0"/>
-                                      <a:ea typeface="MS Mincho" panose="02020609040205080304" pitchFamily="49" charset="-128"/>
-                                    </a:rPr>
-                                    <m:t>平均輸出額</m:t>
+                                    <m:t>企業当たりの平均輸出額</m:t>
                                   </m:r>
                                 </m:e>
                                 <m:sub>
@@ -21422,8 +21410,8 @@
           </a:prstGeom>
         </p:spPr>
       </p:pic>
-      <mc:AlternateContent xmlns:mc="http://schemas.openxmlformats.org/markup-compatibility/2006">
-        <mc:Choice xmlns:p14="http://schemas.microsoft.com/office/powerpoint/2010/main" Requires="p14">
+      <mc:AlternateContent xmlns:mc="http://schemas.openxmlformats.org/markup-compatibility/2006" xmlns:p14="http://schemas.microsoft.com/office/powerpoint/2010/main">
+        <mc:Choice Requires="p14">
           <p:contentPart p14:bwMode="auto" r:id="rId3">
             <p14:nvContentPartPr>
               <p14:cNvPr id="3" name="Ink 2">
@@ -21442,7 +21430,7 @@
             </p14:xfrm>
           </p:contentPart>
         </mc:Choice>
-        <mc:Fallback>
+        <mc:Fallback xmlns="">
           <p:pic>
             <p:nvPicPr>
               <p:cNvPr id="3" name="Ink 2">
@@ -21473,8 +21461,8 @@
           </p:pic>
         </mc:Fallback>
       </mc:AlternateContent>
-      <mc:AlternateContent xmlns:mc="http://schemas.openxmlformats.org/markup-compatibility/2006">
-        <mc:Choice xmlns:p14="http://schemas.microsoft.com/office/powerpoint/2010/main" Requires="p14">
+      <mc:AlternateContent xmlns:mc="http://schemas.openxmlformats.org/markup-compatibility/2006" xmlns:p14="http://schemas.microsoft.com/office/powerpoint/2010/main">
+        <mc:Choice Requires="p14">
           <p:contentPart p14:bwMode="auto" r:id="rId5">
             <p14:nvContentPartPr>
               <p14:cNvPr id="4" name="Ink 3">
@@ -21493,7 +21481,7 @@
             </p14:xfrm>
           </p:contentPart>
         </mc:Choice>
-        <mc:Fallback>
+        <mc:Fallback xmlns="">
           <p:pic>
             <p:nvPicPr>
               <p:cNvPr id="4" name="Ink 3">
@@ -21524,8 +21512,8 @@
           </p:pic>
         </mc:Fallback>
       </mc:AlternateContent>
-      <mc:AlternateContent xmlns:mc="http://schemas.openxmlformats.org/markup-compatibility/2006">
-        <mc:Choice xmlns:p14="http://schemas.microsoft.com/office/powerpoint/2010/main" Requires="p14">
+      <mc:AlternateContent xmlns:mc="http://schemas.openxmlformats.org/markup-compatibility/2006" xmlns:p14="http://schemas.microsoft.com/office/powerpoint/2010/main">
+        <mc:Choice Requires="p14">
           <p:contentPart p14:bwMode="auto" r:id="rId7">
             <p14:nvContentPartPr>
               <p14:cNvPr id="5" name="Ink 4">
@@ -21544,7 +21532,7 @@
             </p14:xfrm>
           </p:contentPart>
         </mc:Choice>
-        <mc:Fallback>
+        <mc:Fallback xmlns="">
           <p:pic>
             <p:nvPicPr>
               <p:cNvPr id="5" name="Ink 4">
@@ -21575,8 +21563,8 @@
           </p:pic>
         </mc:Fallback>
       </mc:AlternateContent>
-      <mc:AlternateContent xmlns:mc="http://schemas.openxmlformats.org/markup-compatibility/2006">
-        <mc:Choice xmlns:p14="http://schemas.microsoft.com/office/powerpoint/2010/main" Requires="p14">
+      <mc:AlternateContent xmlns:mc="http://schemas.openxmlformats.org/markup-compatibility/2006" xmlns:p14="http://schemas.microsoft.com/office/powerpoint/2010/main">
+        <mc:Choice Requires="p14">
           <p:contentPart p14:bwMode="auto" r:id="rId9">
             <p14:nvContentPartPr>
               <p14:cNvPr id="7" name="Ink 6">
@@ -21595,7 +21583,7 @@
             </p14:xfrm>
           </p:contentPart>
         </mc:Choice>
-        <mc:Fallback>
+        <mc:Fallback xmlns="">
           <p:pic>
             <p:nvPicPr>
               <p:cNvPr id="7" name="Ink 6">
@@ -21626,8 +21614,8 @@
           </p:pic>
         </mc:Fallback>
       </mc:AlternateContent>
-      <mc:AlternateContent xmlns:mc="http://schemas.openxmlformats.org/markup-compatibility/2006">
-        <mc:Choice xmlns:p14="http://schemas.microsoft.com/office/powerpoint/2010/main" Requires="p14">
+      <mc:AlternateContent xmlns:mc="http://schemas.openxmlformats.org/markup-compatibility/2006" xmlns:p14="http://schemas.microsoft.com/office/powerpoint/2010/main">
+        <mc:Choice Requires="p14">
           <p:contentPart p14:bwMode="auto" r:id="rId11">
             <p14:nvContentPartPr>
               <p14:cNvPr id="8" name="Ink 7">
@@ -21646,7 +21634,7 @@
             </p14:xfrm>
           </p:contentPart>
         </mc:Choice>
-        <mc:Fallback>
+        <mc:Fallback xmlns="">
           <p:pic>
             <p:nvPicPr>
               <p:cNvPr id="8" name="Ink 7">
@@ -22228,8 +22216,8 @@
           </p:pic>
         </mc:Fallback>
       </mc:AlternateContent>
-      <mc:AlternateContent xmlns:mc="http://schemas.openxmlformats.org/markup-compatibility/2006">
-        <mc:Choice xmlns:p14="http://schemas.microsoft.com/office/powerpoint/2010/main" Requires="p14">
+      <mc:AlternateContent xmlns:mc="http://schemas.openxmlformats.org/markup-compatibility/2006" xmlns:p14="http://schemas.microsoft.com/office/powerpoint/2010/main">
+        <mc:Choice Requires="p14">
           <p:contentPart p14:bwMode="auto" r:id="rId8">
             <p14:nvContentPartPr>
               <p14:cNvPr id="9" name="Ink 8">
@@ -22248,7 +22236,7 @@
             </p14:xfrm>
           </p:contentPart>
         </mc:Choice>
-        <mc:Fallback>
+        <mc:Fallback xmlns="">
           <p:pic>
             <p:nvPicPr>
               <p:cNvPr id="9" name="Ink 8">
@@ -23900,8 +23888,8 @@
           </a:p>
         </p:txBody>
       </p:sp>
-      <mc:AlternateContent xmlns:mc="http://schemas.openxmlformats.org/markup-compatibility/2006">
-        <mc:Choice xmlns:a14="http://schemas.microsoft.com/office/drawing/2010/main" Requires="a14">
+      <mc:AlternateContent xmlns:mc="http://schemas.openxmlformats.org/markup-compatibility/2006" xmlns:a14="http://schemas.microsoft.com/office/drawing/2010/main">
+        <mc:Choice Requires="a14">
           <p:sp>
             <p:nvSpPr>
               <p:cNvPr id="3" name="Content Placeholder 2">
@@ -24298,7 +24286,7 @@
             </p:txBody>
           </p:sp>
         </mc:Choice>
-        <mc:Fallback>
+        <mc:Fallback xmlns="">
           <p:sp>
             <p:nvSpPr>
               <p:cNvPr id="3" name="Content Placeholder 2">
